--- a/Python/Multiprocessor/concurrent_programming.pptx
+++ b/Python/Multiprocessor/concurrent_programming.pptx
@@ -12,7 +12,10 @@
     <p:sldId id="262" r:id="rId6"/>
     <p:sldId id="263" r:id="rId7"/>
     <p:sldId id="259" r:id="rId8"/>
-    <p:sldId id="260" r:id="rId9"/>
+    <p:sldId id="264" r:id="rId9"/>
+    <p:sldId id="265" r:id="rId10"/>
+    <p:sldId id="266" r:id="rId11"/>
+    <p:sldId id="260" r:id="rId12"/>
   </p:sldIdLst>
   <p:sldSz cx="9144000" cy="6858000" type="screen4x3"/>
   <p:notesSz cx="6858000" cy="9144000"/>
@@ -111,13 +114,29 @@
       </a:defRPr>
     </a:lvl9pPr>
   </p:defaultTextStyle>
+  <p:extLst>
+    <p:ext uri="{EFAFB233-063F-42B5-8137-9DF3F51BA10A}">
+      <p15:sldGuideLst xmlns:p15="http://schemas.microsoft.com/office/powerpoint/2012/main">
+        <p15:guide id="1" orient="horz" pos="2160">
+          <p15:clr>
+            <a:srgbClr val="A4A3A4"/>
+          </p15:clr>
+        </p15:guide>
+        <p15:guide id="2" pos="2880">
+          <p15:clr>
+            <a:srgbClr val="A4A3A4"/>
+          </p15:clr>
+        </p15:guide>
+      </p15:sldGuideLst>
+    </p:ext>
+  </p:extLst>
 </p:presentation>
 </file>
 
 <file path=ppt/charts/chart1.xml><?xml version="1.0" encoding="utf-8"?>
 <c:chartSpace xmlns:c="http://schemas.openxmlformats.org/drawingml/2006/chart" xmlns:a="http://schemas.openxmlformats.org/drawingml/2006/main" xmlns:r="http://schemas.openxmlformats.org/officeDocument/2006/relationships">
   <c:date1904 val="0"/>
-  <c:lang val="nl-BE"/>
+  <c:lang val="en-US"/>
   <c:roundedCorners val="0"/>
   <mc:AlternateContent xmlns:mc="http://schemas.openxmlformats.org/markup-compatibility/2006">
     <mc:Choice xmlns:c14="http://schemas.microsoft.com/office/drawing/2007/8/2/chart" Requires="c14">
@@ -218,11 +237,11 @@
           <c:showPercent val="0"/>
           <c:showBubbleSize val="0"/>
         </c:dLbls>
-        <c:axId val="167670144"/>
-        <c:axId val="167672064"/>
+        <c:axId val="180580016"/>
+        <c:axId val="181251816"/>
       </c:scatterChart>
       <c:valAx>
-        <c:axId val="167670144"/>
+        <c:axId val="180580016"/>
         <c:scaling>
           <c:orientation val="minMax"/>
           <c:max val="20"/>
@@ -233,13 +252,13 @@
         <c:majorTickMark val="out"/>
         <c:minorTickMark val="none"/>
         <c:tickLblPos val="nextTo"/>
-        <c:crossAx val="167672064"/>
+        <c:crossAx val="181251816"/>
         <c:crosses val="autoZero"/>
         <c:crossBetween val="midCat"/>
         <c:majorUnit val="4"/>
       </c:valAx>
       <c:valAx>
-        <c:axId val="167672064"/>
+        <c:axId val="181251816"/>
         <c:scaling>
           <c:orientation val="minMax"/>
         </c:scaling>
@@ -250,7 +269,7 @@
         <c:majorTickMark val="out"/>
         <c:minorTickMark val="none"/>
         <c:tickLblPos val="nextTo"/>
-        <c:crossAx val="167670144"/>
+        <c:crossAx val="180580016"/>
         <c:crosses val="autoZero"/>
         <c:crossBetween val="midCat"/>
       </c:valAx>
@@ -268,7 +287,7 @@
 <file path=ppt/charts/chart2.xml><?xml version="1.0" encoding="utf-8"?>
 <c:chartSpace xmlns:c="http://schemas.openxmlformats.org/drawingml/2006/chart" xmlns:a="http://schemas.openxmlformats.org/drawingml/2006/main" xmlns:r="http://schemas.openxmlformats.org/officeDocument/2006/relationships">
   <c:date1904 val="0"/>
-  <c:lang val="nl-BE"/>
+  <c:lang val="en-US"/>
   <c:roundedCorners val="0"/>
   <mc:AlternateContent xmlns:mc="http://schemas.openxmlformats.org/markup-compatibility/2006">
     <mc:Choice xmlns:c14="http://schemas.microsoft.com/office/drawing/2007/8/2/chart" Requires="c14">
@@ -369,11 +388,11 @@
           <c:showPercent val="0"/>
           <c:showBubbleSize val="0"/>
         </c:dLbls>
-        <c:axId val="122532224"/>
-        <c:axId val="122533760"/>
+        <c:axId val="181250640"/>
+        <c:axId val="181250248"/>
       </c:scatterChart>
       <c:valAx>
-        <c:axId val="122532224"/>
+        <c:axId val="181250640"/>
         <c:scaling>
           <c:orientation val="minMax"/>
           <c:max val="20"/>
@@ -384,13 +403,13 @@
         <c:majorTickMark val="out"/>
         <c:minorTickMark val="none"/>
         <c:tickLblPos val="nextTo"/>
-        <c:crossAx val="122533760"/>
+        <c:crossAx val="181250248"/>
         <c:crosses val="autoZero"/>
         <c:crossBetween val="midCat"/>
         <c:majorUnit val="4"/>
       </c:valAx>
       <c:valAx>
-        <c:axId val="122533760"/>
+        <c:axId val="181250248"/>
         <c:scaling>
           <c:orientation val="minMax"/>
           <c:max val="1"/>
@@ -402,7 +421,7 @@
         <c:majorTickMark val="out"/>
         <c:minorTickMark val="none"/>
         <c:tickLblPos val="nextTo"/>
-        <c:crossAx val="122532224"/>
+        <c:crossAx val="181250640"/>
         <c:crosses val="autoZero"/>
         <c:crossBetween val="midCat"/>
       </c:valAx>
@@ -425,7 +444,7 @@
 <file path=ppt/charts/chart3.xml><?xml version="1.0" encoding="utf-8"?>
 <c:chartSpace xmlns:c="http://schemas.openxmlformats.org/drawingml/2006/chart" xmlns:a="http://schemas.openxmlformats.org/drawingml/2006/main" xmlns:r="http://schemas.openxmlformats.org/officeDocument/2006/relationships">
   <c:date1904 val="0"/>
-  <c:lang val="nl-BE"/>
+  <c:lang val="en-US"/>
   <c:roundedCorners val="0"/>
   <mc:AlternateContent xmlns:mc="http://schemas.openxmlformats.org/markup-compatibility/2006">
     <mc:Choice xmlns:c14="http://schemas.microsoft.com/office/drawing/2007/8/2/chart" Requires="c14">
@@ -526,11 +545,11 @@
           <c:showPercent val="0"/>
           <c:showBubbleSize val="0"/>
         </c:dLbls>
-        <c:axId val="122611200"/>
-        <c:axId val="122615296"/>
+        <c:axId val="181249464"/>
+        <c:axId val="160886720"/>
       </c:scatterChart>
       <c:valAx>
-        <c:axId val="122611200"/>
+        <c:axId val="181249464"/>
         <c:scaling>
           <c:orientation val="minMax"/>
           <c:max val="20"/>
@@ -541,13 +560,13 @@
         <c:majorTickMark val="out"/>
         <c:minorTickMark val="none"/>
         <c:tickLblPos val="nextTo"/>
-        <c:crossAx val="122615296"/>
+        <c:crossAx val="160886720"/>
         <c:crosses val="autoZero"/>
         <c:crossBetween val="midCat"/>
         <c:majorUnit val="4"/>
       </c:valAx>
       <c:valAx>
-        <c:axId val="122615296"/>
+        <c:axId val="160886720"/>
         <c:scaling>
           <c:orientation val="minMax"/>
           <c:min val="1"/>
@@ -559,7 +578,7 @@
         <c:majorTickMark val="out"/>
         <c:minorTickMark val="none"/>
         <c:tickLblPos val="nextTo"/>
-        <c:crossAx val="122611200"/>
+        <c:crossAx val="181249464"/>
         <c:crosses val="autoZero"/>
         <c:crossBetween val="midCat"/>
       </c:valAx>
@@ -577,7 +596,7 @@
 <file path=ppt/charts/chart4.xml><?xml version="1.0" encoding="utf-8"?>
 <c:chartSpace xmlns:c="http://schemas.openxmlformats.org/drawingml/2006/chart" xmlns:a="http://schemas.openxmlformats.org/drawingml/2006/main" xmlns:r="http://schemas.openxmlformats.org/officeDocument/2006/relationships">
   <c:date1904 val="0"/>
-  <c:lang val="nl-BE"/>
+  <c:lang val="en-US"/>
   <c:roundedCorners val="0"/>
   <mc:AlternateContent xmlns:mc="http://schemas.openxmlformats.org/markup-compatibility/2006">
     <mc:Choice xmlns:c14="http://schemas.microsoft.com/office/drawing/2007/8/2/chart" Requires="c14">
@@ -678,11 +697,11 @@
           <c:showPercent val="0"/>
           <c:showBubbleSize val="0"/>
         </c:dLbls>
-        <c:axId val="124181504"/>
-        <c:axId val="124388096"/>
+        <c:axId val="160889072"/>
+        <c:axId val="160888288"/>
       </c:scatterChart>
       <c:valAx>
-        <c:axId val="124181504"/>
+        <c:axId val="160889072"/>
         <c:scaling>
           <c:orientation val="minMax"/>
           <c:max val="20"/>
@@ -693,13 +712,13 @@
         <c:majorTickMark val="out"/>
         <c:minorTickMark val="none"/>
         <c:tickLblPos val="nextTo"/>
-        <c:crossAx val="124388096"/>
+        <c:crossAx val="160888288"/>
         <c:crosses val="autoZero"/>
         <c:crossBetween val="midCat"/>
         <c:majorUnit val="4"/>
       </c:valAx>
       <c:valAx>
-        <c:axId val="124388096"/>
+        <c:axId val="160888288"/>
         <c:scaling>
           <c:orientation val="minMax"/>
           <c:max val="1"/>
@@ -711,7 +730,7 @@
         <c:majorTickMark val="out"/>
         <c:minorTickMark val="none"/>
         <c:tickLblPos val="nextTo"/>
-        <c:crossAx val="124181504"/>
+        <c:crossAx val="160889072"/>
         <c:crosses val="autoZero"/>
         <c:crossBetween val="midCat"/>
       </c:valAx>
@@ -913,7 +932,7 @@
             <a:fld id="{1D8BD707-D9CF-40AE-B4C6-C98DA3205C09}" type="datetimeFigureOut">
               <a:rPr lang="en-US" smtClean="0"/>
               <a:pPr/>
-              <a:t>2016-03-08</a:t>
+              <a:t>3/8/2016</a:t>
             </a:fld>
             <a:endParaRPr lang="en-US"/>
           </a:p>
@@ -1080,7 +1099,7 @@
             <a:fld id="{1D8BD707-D9CF-40AE-B4C6-C98DA3205C09}" type="datetimeFigureOut">
               <a:rPr lang="en-US" smtClean="0"/>
               <a:pPr/>
-              <a:t>2016-03-08</a:t>
+              <a:t>3/8/2016</a:t>
             </a:fld>
             <a:endParaRPr lang="en-US"/>
           </a:p>
@@ -1257,7 +1276,7 @@
             <a:fld id="{1D8BD707-D9CF-40AE-B4C6-C98DA3205C09}" type="datetimeFigureOut">
               <a:rPr lang="en-US" smtClean="0"/>
               <a:pPr/>
-              <a:t>2016-03-08</a:t>
+              <a:t>3/8/2016</a:t>
             </a:fld>
             <a:endParaRPr lang="en-US"/>
           </a:p>
@@ -1424,7 +1443,7 @@
             <a:fld id="{1D8BD707-D9CF-40AE-B4C6-C98DA3205C09}" type="datetimeFigureOut">
               <a:rPr lang="en-US" smtClean="0"/>
               <a:pPr/>
-              <a:t>2016-03-08</a:t>
+              <a:t>3/8/2016</a:t>
             </a:fld>
             <a:endParaRPr lang="en-US"/>
           </a:p>
@@ -1667,7 +1686,7 @@
             <a:fld id="{1D8BD707-D9CF-40AE-B4C6-C98DA3205C09}" type="datetimeFigureOut">
               <a:rPr lang="en-US" smtClean="0"/>
               <a:pPr/>
-              <a:t>2016-03-08</a:t>
+              <a:t>3/8/2016</a:t>
             </a:fld>
             <a:endParaRPr lang="en-US"/>
           </a:p>
@@ -1952,7 +1971,7 @@
             <a:fld id="{1D8BD707-D9CF-40AE-B4C6-C98DA3205C09}" type="datetimeFigureOut">
               <a:rPr lang="en-US" smtClean="0"/>
               <a:pPr/>
-              <a:t>2016-03-08</a:t>
+              <a:t>3/8/2016</a:t>
             </a:fld>
             <a:endParaRPr lang="en-US"/>
           </a:p>
@@ -2371,7 +2390,7 @@
             <a:fld id="{1D8BD707-D9CF-40AE-B4C6-C98DA3205C09}" type="datetimeFigureOut">
               <a:rPr lang="en-US" smtClean="0"/>
               <a:pPr/>
-              <a:t>2016-03-08</a:t>
+              <a:t>3/8/2016</a:t>
             </a:fld>
             <a:endParaRPr lang="en-US"/>
           </a:p>
@@ -2486,7 +2505,7 @@
             <a:fld id="{1D8BD707-D9CF-40AE-B4C6-C98DA3205C09}" type="datetimeFigureOut">
               <a:rPr lang="en-US" smtClean="0"/>
               <a:pPr/>
-              <a:t>2016-03-08</a:t>
+              <a:t>3/8/2016</a:t>
             </a:fld>
             <a:endParaRPr lang="en-US"/>
           </a:p>
@@ -2578,7 +2597,7 @@
             <a:fld id="{1D8BD707-D9CF-40AE-B4C6-C98DA3205C09}" type="datetimeFigureOut">
               <a:rPr lang="en-US" smtClean="0"/>
               <a:pPr/>
-              <a:t>2016-03-08</a:t>
+              <a:t>3/8/2016</a:t>
             </a:fld>
             <a:endParaRPr lang="en-US"/>
           </a:p>
@@ -2852,7 +2871,7 @@
             <a:fld id="{1D8BD707-D9CF-40AE-B4C6-C98DA3205C09}" type="datetimeFigureOut">
               <a:rPr lang="en-US" smtClean="0"/>
               <a:pPr/>
-              <a:t>2016-03-08</a:t>
+              <a:t>3/8/2016</a:t>
             </a:fld>
             <a:endParaRPr lang="en-US"/>
           </a:p>
@@ -3102,7 +3121,7 @@
             <a:fld id="{1D8BD707-D9CF-40AE-B4C6-C98DA3205C09}" type="datetimeFigureOut">
               <a:rPr lang="en-US" smtClean="0"/>
               <a:pPr/>
-              <a:t>2016-03-08</a:t>
+              <a:t>3/8/2016</a:t>
             </a:fld>
             <a:endParaRPr lang="en-US"/>
           </a:p>
@@ -3312,7 +3331,7 @@
             <a:fld id="{1D8BD707-D9CF-40AE-B4C6-C98DA3205C09}" type="datetimeFigureOut">
               <a:rPr lang="en-US" smtClean="0"/>
               <a:pPr/>
-              <a:t>2016-03-08</a:t>
+              <a:t>3/8/2016</a:t>
             </a:fld>
             <a:endParaRPr lang="en-US"/>
           </a:p>
@@ -3752,6 +3771,1544 @@
     <p:extLst>
       <p:ext uri="{BB962C8B-B14F-4D97-AF65-F5344CB8AC3E}">
         <p14:creationId xmlns:p14="http://schemas.microsoft.com/office/powerpoint/2010/main" val="3103577567"/>
+      </p:ext>
+    </p:extLst>
+  </p:cSld>
+  <p:clrMapOvr>
+    <a:masterClrMapping/>
+  </p:clrMapOvr>
+  <p:timing>
+    <p:tnLst>
+      <p:par>
+        <p:cTn id="1" dur="indefinite" restart="never" nodeType="tmRoot"/>
+      </p:par>
+    </p:tnLst>
+  </p:timing>
+</p:sld>
+</file>
+
+<file path=ppt/slides/slide10.xml><?xml version="1.0" encoding="utf-8"?>
+<p:sld xmlns:a="http://schemas.openxmlformats.org/drawingml/2006/main" xmlns:r="http://schemas.openxmlformats.org/officeDocument/2006/relationships" xmlns:p="http://schemas.openxmlformats.org/presentationml/2006/main">
+  <p:cSld>
+    <p:spTree>
+      <p:nvGrpSpPr>
+        <p:cNvPr id="1" name=""/>
+        <p:cNvGrpSpPr/>
+        <p:nvPr/>
+      </p:nvGrpSpPr>
+      <p:grpSpPr>
+        <a:xfrm>
+          <a:off x="0" y="0"/>
+          <a:ext cx="0" cy="0"/>
+          <a:chOff x="0" y="0"/>
+          <a:chExt cx="0" cy="0"/>
+        </a:xfrm>
+      </p:grpSpPr>
+      <p:sp>
+        <p:nvSpPr>
+          <p:cNvPr id="2" name="Title 1"/>
+          <p:cNvSpPr>
+            <a:spLocks noGrp="1"/>
+          </p:cNvSpPr>
+          <p:nvPr>
+            <p:ph type="title"/>
+          </p:nvPr>
+        </p:nvSpPr>
+        <p:spPr/>
+        <p:txBody>
+          <a:bodyPr/>
+          <a:lstStyle/>
+          <a:p>
+            <a:r>
+              <a:rPr lang="en-US" dirty="0" err="1" smtClean="0"/>
+              <a:t>Throw'em</a:t>
+            </a:r>
+            <a:r>
+              <a:rPr lang="en-US" dirty="0" smtClean="0"/>
+              <a:t> in the pool!</a:t>
+            </a:r>
+            <a:endParaRPr lang="nl-BE" dirty="0"/>
+          </a:p>
+        </p:txBody>
+      </p:sp>
+      <p:sp>
+        <p:nvSpPr>
+          <p:cNvPr id="4" name="TextBox 3"/>
+          <p:cNvSpPr txBox="1"/>
+          <p:nvPr/>
+        </p:nvSpPr>
+        <p:spPr>
+          <a:xfrm>
+            <a:off x="1641796" y="2021681"/>
+            <a:ext cx="6664004" cy="3693319"/>
+          </a:xfrm>
+          <a:prstGeom prst="rect">
+            <a:avLst/>
+          </a:prstGeom>
+          <a:solidFill>
+            <a:schemeClr val="bg1">
+              <a:lumMod val="85000"/>
+            </a:schemeClr>
+          </a:solidFill>
+        </p:spPr>
+        <p:txBody>
+          <a:bodyPr wrap="none" rtlCol="0">
+            <a:spAutoFit/>
+          </a:bodyPr>
+          <a:lstStyle/>
+          <a:p>
+            <a:r>
+              <a:rPr lang="nl-BE" dirty="0" err="1">
+                <a:latin typeface="Courier New" panose="02070309020205020404" pitchFamily="49" charset="0"/>
+                <a:cs typeface="Courier New" panose="02070309020205020404" pitchFamily="49" charset="0"/>
+              </a:rPr>
+              <a:t>def</a:t>
+            </a:r>
+            <a:r>
+              <a:rPr lang="nl-BE" dirty="0">
+                <a:latin typeface="Courier New" panose="02070309020205020404" pitchFamily="49" charset="0"/>
+                <a:cs typeface="Courier New" panose="02070309020205020404" pitchFamily="49" charset="0"/>
+              </a:rPr>
+              <a:t> </a:t>
+            </a:r>
+            <a:r>
+              <a:rPr lang="nl-BE" dirty="0" err="1">
+                <a:latin typeface="Courier New" panose="02070309020205020404" pitchFamily="49" charset="0"/>
+                <a:cs typeface="Courier New" panose="02070309020205020404" pitchFamily="49" charset="0"/>
+              </a:rPr>
+              <a:t>count_nucl</a:t>
+            </a:r>
+            <a:r>
+              <a:rPr lang="nl-BE" dirty="0">
+                <a:latin typeface="Courier New" panose="02070309020205020404" pitchFamily="49" charset="0"/>
+                <a:cs typeface="Courier New" panose="02070309020205020404" pitchFamily="49" charset="0"/>
+              </a:rPr>
+              <a:t>(</a:t>
+            </a:r>
+            <a:r>
+              <a:rPr lang="nl-BE" dirty="0" err="1">
+                <a:latin typeface="Courier New" panose="02070309020205020404" pitchFamily="49" charset="0"/>
+                <a:cs typeface="Courier New" panose="02070309020205020404" pitchFamily="49" charset="0"/>
+              </a:rPr>
+              <a:t>file_name</a:t>
+            </a:r>
+            <a:r>
+              <a:rPr lang="nl-BE" dirty="0">
+                <a:latin typeface="Courier New" panose="02070309020205020404" pitchFamily="49" charset="0"/>
+                <a:cs typeface="Courier New" panose="02070309020205020404" pitchFamily="49" charset="0"/>
+              </a:rPr>
+              <a:t>, </a:t>
+            </a:r>
+            <a:r>
+              <a:rPr lang="nl-BE" dirty="0" err="1">
+                <a:latin typeface="Courier New" panose="02070309020205020404" pitchFamily="49" charset="0"/>
+                <a:cs typeface="Courier New" panose="02070309020205020404" pitchFamily="49" charset="0"/>
+              </a:rPr>
+              <a:t>pool_size</a:t>
+            </a:r>
+            <a:r>
+              <a:rPr lang="nl-BE" dirty="0">
+                <a:latin typeface="Courier New" panose="02070309020205020404" pitchFamily="49" charset="0"/>
+                <a:cs typeface="Courier New" panose="02070309020205020404" pitchFamily="49" charset="0"/>
+              </a:rPr>
+              <a:t>):</a:t>
+            </a:r>
+          </a:p>
+          <a:p>
+            <a:r>
+              <a:rPr lang="nl-BE" dirty="0">
+                <a:latin typeface="Courier New" panose="02070309020205020404" pitchFamily="49" charset="0"/>
+                <a:cs typeface="Courier New" panose="02070309020205020404" pitchFamily="49" charset="0"/>
+              </a:rPr>
+              <a:t>    </a:t>
+            </a:r>
+            <a:r>
+              <a:rPr lang="nl-BE" dirty="0" err="1">
+                <a:latin typeface="Courier New" panose="02070309020205020404" pitchFamily="49" charset="0"/>
+                <a:cs typeface="Courier New" panose="02070309020205020404" pitchFamily="49" charset="0"/>
+              </a:rPr>
+              <a:t>file_size</a:t>
+            </a:r>
+            <a:r>
+              <a:rPr lang="nl-BE" dirty="0">
+                <a:latin typeface="Courier New" panose="02070309020205020404" pitchFamily="49" charset="0"/>
+                <a:cs typeface="Courier New" panose="02070309020205020404" pitchFamily="49" charset="0"/>
+              </a:rPr>
+              <a:t> = </a:t>
+            </a:r>
+            <a:r>
+              <a:rPr lang="nl-BE" dirty="0" err="1">
+                <a:latin typeface="Courier New" panose="02070309020205020404" pitchFamily="49" charset="0"/>
+                <a:cs typeface="Courier New" panose="02070309020205020404" pitchFamily="49" charset="0"/>
+              </a:rPr>
+              <a:t>os.path.getsize</a:t>
+            </a:r>
+            <a:r>
+              <a:rPr lang="nl-BE" dirty="0">
+                <a:latin typeface="Courier New" panose="02070309020205020404" pitchFamily="49" charset="0"/>
+                <a:cs typeface="Courier New" panose="02070309020205020404" pitchFamily="49" charset="0"/>
+              </a:rPr>
+              <a:t>(</a:t>
+            </a:r>
+            <a:r>
+              <a:rPr lang="nl-BE" dirty="0" err="1">
+                <a:latin typeface="Courier New" panose="02070309020205020404" pitchFamily="49" charset="0"/>
+                <a:cs typeface="Courier New" panose="02070309020205020404" pitchFamily="49" charset="0"/>
+              </a:rPr>
+              <a:t>file_name</a:t>
+            </a:r>
+            <a:r>
+              <a:rPr lang="nl-BE" dirty="0">
+                <a:latin typeface="Courier New" panose="02070309020205020404" pitchFamily="49" charset="0"/>
+                <a:cs typeface="Courier New" panose="02070309020205020404" pitchFamily="49" charset="0"/>
+              </a:rPr>
+              <a:t>)</a:t>
+            </a:r>
+          </a:p>
+          <a:p>
+            <a:r>
+              <a:rPr lang="nl-BE" dirty="0">
+                <a:latin typeface="Courier New" panose="02070309020205020404" pitchFamily="49" charset="0"/>
+                <a:cs typeface="Courier New" panose="02070309020205020404" pitchFamily="49" charset="0"/>
+              </a:rPr>
+              <a:t>    </a:t>
+            </a:r>
+            <a:r>
+              <a:rPr lang="nl-BE" dirty="0" err="1">
+                <a:latin typeface="Courier New" panose="02070309020205020404" pitchFamily="49" charset="0"/>
+                <a:cs typeface="Courier New" panose="02070309020205020404" pitchFamily="49" charset="0"/>
+              </a:rPr>
+              <a:t>chunk_size</a:t>
+            </a:r>
+            <a:r>
+              <a:rPr lang="nl-BE" dirty="0">
+                <a:latin typeface="Courier New" panose="02070309020205020404" pitchFamily="49" charset="0"/>
+                <a:cs typeface="Courier New" panose="02070309020205020404" pitchFamily="49" charset="0"/>
+              </a:rPr>
+              <a:t> = </a:t>
+            </a:r>
+            <a:r>
+              <a:rPr lang="nl-BE" dirty="0" err="1">
+                <a:latin typeface="Courier New" panose="02070309020205020404" pitchFamily="49" charset="0"/>
+                <a:cs typeface="Courier New" panose="02070309020205020404" pitchFamily="49" charset="0"/>
+              </a:rPr>
+              <a:t>file_size</a:t>
+            </a:r>
+            <a:r>
+              <a:rPr lang="nl-BE" dirty="0">
+                <a:latin typeface="Courier New" panose="02070309020205020404" pitchFamily="49" charset="0"/>
+                <a:cs typeface="Courier New" panose="02070309020205020404" pitchFamily="49" charset="0"/>
+              </a:rPr>
+              <a:t>//</a:t>
+            </a:r>
+            <a:r>
+              <a:rPr lang="nl-BE" dirty="0" err="1">
+                <a:latin typeface="Courier New" panose="02070309020205020404" pitchFamily="49" charset="0"/>
+                <a:cs typeface="Courier New" panose="02070309020205020404" pitchFamily="49" charset="0"/>
+              </a:rPr>
+              <a:t>pool_size</a:t>
+            </a:r>
+            <a:r>
+              <a:rPr lang="nl-BE" dirty="0">
+                <a:latin typeface="Courier New" panose="02070309020205020404" pitchFamily="49" charset="0"/>
+                <a:cs typeface="Courier New" panose="02070309020205020404" pitchFamily="49" charset="0"/>
+              </a:rPr>
+              <a:t> + 1</a:t>
+            </a:r>
+          </a:p>
+          <a:p>
+            <a:r>
+              <a:rPr lang="nl-BE" dirty="0">
+                <a:latin typeface="Courier New" panose="02070309020205020404" pitchFamily="49" charset="0"/>
+                <a:cs typeface="Courier New" panose="02070309020205020404" pitchFamily="49" charset="0"/>
+              </a:rPr>
+              <a:t>    </a:t>
+            </a:r>
+            <a:r>
+              <a:rPr lang="nl-BE" dirty="0" err="1">
+                <a:latin typeface="Courier New" panose="02070309020205020404" pitchFamily="49" charset="0"/>
+                <a:cs typeface="Courier New" panose="02070309020205020404" pitchFamily="49" charset="0"/>
+              </a:rPr>
+              <a:t>offsets</a:t>
+            </a:r>
+            <a:r>
+              <a:rPr lang="nl-BE" dirty="0">
+                <a:latin typeface="Courier New" panose="02070309020205020404" pitchFamily="49" charset="0"/>
+                <a:cs typeface="Courier New" panose="02070309020205020404" pitchFamily="49" charset="0"/>
+              </a:rPr>
+              <a:t> = range(0, </a:t>
+            </a:r>
+            <a:r>
+              <a:rPr lang="nl-BE" dirty="0" err="1">
+                <a:latin typeface="Courier New" panose="02070309020205020404" pitchFamily="49" charset="0"/>
+                <a:cs typeface="Courier New" panose="02070309020205020404" pitchFamily="49" charset="0"/>
+              </a:rPr>
+              <a:t>file_size</a:t>
+            </a:r>
+            <a:r>
+              <a:rPr lang="nl-BE" dirty="0">
+                <a:latin typeface="Courier New" panose="02070309020205020404" pitchFamily="49" charset="0"/>
+                <a:cs typeface="Courier New" panose="02070309020205020404" pitchFamily="49" charset="0"/>
+              </a:rPr>
+              <a:t>, </a:t>
+            </a:r>
+            <a:r>
+              <a:rPr lang="nl-BE" dirty="0" err="1">
+                <a:latin typeface="Courier New" panose="02070309020205020404" pitchFamily="49" charset="0"/>
+                <a:cs typeface="Courier New" panose="02070309020205020404" pitchFamily="49" charset="0"/>
+              </a:rPr>
+              <a:t>chunk_size</a:t>
+            </a:r>
+            <a:r>
+              <a:rPr lang="nl-BE" dirty="0">
+                <a:latin typeface="Courier New" panose="02070309020205020404" pitchFamily="49" charset="0"/>
+                <a:cs typeface="Courier New" panose="02070309020205020404" pitchFamily="49" charset="0"/>
+              </a:rPr>
+              <a:t>)</a:t>
+            </a:r>
+          </a:p>
+          <a:p>
+            <a:r>
+              <a:rPr lang="nl-BE" dirty="0">
+                <a:latin typeface="Courier New" panose="02070309020205020404" pitchFamily="49" charset="0"/>
+                <a:cs typeface="Courier New" panose="02070309020205020404" pitchFamily="49" charset="0"/>
+              </a:rPr>
+              <a:t>    </a:t>
+            </a:r>
+            <a:r>
+              <a:rPr lang="nl-BE" dirty="0" err="1">
+                <a:latin typeface="Courier New" panose="02070309020205020404" pitchFamily="49" charset="0"/>
+                <a:cs typeface="Courier New" panose="02070309020205020404" pitchFamily="49" charset="0"/>
+              </a:rPr>
+              <a:t>args</a:t>
+            </a:r>
+            <a:r>
+              <a:rPr lang="nl-BE" dirty="0">
+                <a:latin typeface="Courier New" panose="02070309020205020404" pitchFamily="49" charset="0"/>
+                <a:cs typeface="Courier New" panose="02070309020205020404" pitchFamily="49" charset="0"/>
+              </a:rPr>
+              <a:t> = [(</a:t>
+            </a:r>
+            <a:r>
+              <a:rPr lang="nl-BE" dirty="0" err="1">
+                <a:latin typeface="Courier New" panose="02070309020205020404" pitchFamily="49" charset="0"/>
+                <a:cs typeface="Courier New" panose="02070309020205020404" pitchFamily="49" charset="0"/>
+              </a:rPr>
+              <a:t>file_name</a:t>
+            </a:r>
+            <a:r>
+              <a:rPr lang="nl-BE" dirty="0">
+                <a:latin typeface="Courier New" panose="02070309020205020404" pitchFamily="49" charset="0"/>
+                <a:cs typeface="Courier New" panose="02070309020205020404" pitchFamily="49" charset="0"/>
+              </a:rPr>
+              <a:t>, offset, </a:t>
+            </a:r>
+            <a:r>
+              <a:rPr lang="nl-BE" dirty="0" err="1" smtClean="0">
+                <a:latin typeface="Courier New" panose="02070309020205020404" pitchFamily="49" charset="0"/>
+                <a:cs typeface="Courier New" panose="02070309020205020404" pitchFamily="49" charset="0"/>
+              </a:rPr>
+              <a:t>chunk_size</a:t>
+            </a:r>
+            <a:r>
+              <a:rPr lang="nl-BE" dirty="0" smtClean="0">
+                <a:latin typeface="Courier New" panose="02070309020205020404" pitchFamily="49" charset="0"/>
+                <a:cs typeface="Courier New" panose="02070309020205020404" pitchFamily="49" charset="0"/>
+              </a:rPr>
+              <a:t>)</a:t>
+            </a:r>
+          </a:p>
+          <a:p>
+            <a:r>
+              <a:rPr lang="nl-BE" dirty="0">
+                <a:latin typeface="Courier New" panose="02070309020205020404" pitchFamily="49" charset="0"/>
+                <a:cs typeface="Courier New" panose="02070309020205020404" pitchFamily="49" charset="0"/>
+              </a:rPr>
+              <a:t> </a:t>
+            </a:r>
+            <a:r>
+              <a:rPr lang="nl-BE" dirty="0" smtClean="0">
+                <a:latin typeface="Courier New" panose="02070309020205020404" pitchFamily="49" charset="0"/>
+                <a:cs typeface="Courier New" panose="02070309020205020404" pitchFamily="49" charset="0"/>
+              </a:rPr>
+              <a:t>           </a:t>
+            </a:r>
+            <a:r>
+              <a:rPr lang="nl-BE" dirty="0" err="1" smtClean="0">
+                <a:latin typeface="Courier New" panose="02070309020205020404" pitchFamily="49" charset="0"/>
+                <a:cs typeface="Courier New" panose="02070309020205020404" pitchFamily="49" charset="0"/>
+              </a:rPr>
+              <a:t>for</a:t>
+            </a:r>
+            <a:r>
+              <a:rPr lang="nl-BE" dirty="0" smtClean="0">
+                <a:latin typeface="Courier New" panose="02070309020205020404" pitchFamily="49" charset="0"/>
+                <a:cs typeface="Courier New" panose="02070309020205020404" pitchFamily="49" charset="0"/>
+              </a:rPr>
+              <a:t> </a:t>
+            </a:r>
+            <a:r>
+              <a:rPr lang="nl-BE" dirty="0">
+                <a:latin typeface="Courier New" panose="02070309020205020404" pitchFamily="49" charset="0"/>
+                <a:cs typeface="Courier New" panose="02070309020205020404" pitchFamily="49" charset="0"/>
+              </a:rPr>
+              <a:t>offset in </a:t>
+            </a:r>
+            <a:r>
+              <a:rPr lang="nl-BE" dirty="0" err="1">
+                <a:latin typeface="Courier New" panose="02070309020205020404" pitchFamily="49" charset="0"/>
+                <a:cs typeface="Courier New" panose="02070309020205020404" pitchFamily="49" charset="0"/>
+              </a:rPr>
+              <a:t>offsets</a:t>
+            </a:r>
+            <a:r>
+              <a:rPr lang="nl-BE" dirty="0">
+                <a:latin typeface="Courier New" panose="02070309020205020404" pitchFamily="49" charset="0"/>
+                <a:cs typeface="Courier New" panose="02070309020205020404" pitchFamily="49" charset="0"/>
+              </a:rPr>
+              <a:t>]</a:t>
+            </a:r>
+          </a:p>
+          <a:p>
+            <a:r>
+              <a:rPr lang="nl-BE" dirty="0">
+                <a:latin typeface="Courier New" panose="02070309020205020404" pitchFamily="49" charset="0"/>
+                <a:cs typeface="Courier New" panose="02070309020205020404" pitchFamily="49" charset="0"/>
+              </a:rPr>
+              <a:t>    pool = </a:t>
+            </a:r>
+            <a:r>
+              <a:rPr lang="nl-BE" dirty="0" err="1">
+                <a:latin typeface="Courier New" panose="02070309020205020404" pitchFamily="49" charset="0"/>
+                <a:cs typeface="Courier New" panose="02070309020205020404" pitchFamily="49" charset="0"/>
+              </a:rPr>
+              <a:t>multiprocessing.Pool</a:t>
+            </a:r>
+            <a:r>
+              <a:rPr lang="nl-BE" dirty="0">
+                <a:latin typeface="Courier New" panose="02070309020205020404" pitchFamily="49" charset="0"/>
+                <a:cs typeface="Courier New" panose="02070309020205020404" pitchFamily="49" charset="0"/>
+              </a:rPr>
+              <a:t>(</a:t>
+            </a:r>
+            <a:r>
+              <a:rPr lang="nl-BE" dirty="0" err="1">
+                <a:latin typeface="Courier New" panose="02070309020205020404" pitchFamily="49" charset="0"/>
+                <a:cs typeface="Courier New" panose="02070309020205020404" pitchFamily="49" charset="0"/>
+              </a:rPr>
+              <a:t>pool_size</a:t>
+            </a:r>
+            <a:r>
+              <a:rPr lang="nl-BE" dirty="0">
+                <a:latin typeface="Courier New" panose="02070309020205020404" pitchFamily="49" charset="0"/>
+                <a:cs typeface="Courier New" panose="02070309020205020404" pitchFamily="49" charset="0"/>
+              </a:rPr>
+              <a:t>)</a:t>
+            </a:r>
+          </a:p>
+          <a:p>
+            <a:r>
+              <a:rPr lang="nl-BE" dirty="0">
+                <a:latin typeface="Courier New" panose="02070309020205020404" pitchFamily="49" charset="0"/>
+                <a:cs typeface="Courier New" panose="02070309020205020404" pitchFamily="49" charset="0"/>
+              </a:rPr>
+              <a:t>    counters = </a:t>
+            </a:r>
+            <a:r>
+              <a:rPr lang="nl-BE" dirty="0" err="1">
+                <a:latin typeface="Courier New" panose="02070309020205020404" pitchFamily="49" charset="0"/>
+                <a:cs typeface="Courier New" panose="02070309020205020404" pitchFamily="49" charset="0"/>
+              </a:rPr>
+              <a:t>pool.map</a:t>
+            </a:r>
+            <a:r>
+              <a:rPr lang="nl-BE" dirty="0">
+                <a:latin typeface="Courier New" panose="02070309020205020404" pitchFamily="49" charset="0"/>
+                <a:cs typeface="Courier New" panose="02070309020205020404" pitchFamily="49" charset="0"/>
+              </a:rPr>
+              <a:t>(</a:t>
+            </a:r>
+            <a:r>
+              <a:rPr lang="nl-BE" dirty="0" err="1">
+                <a:latin typeface="Courier New" panose="02070309020205020404" pitchFamily="49" charset="0"/>
+                <a:cs typeface="Courier New" panose="02070309020205020404" pitchFamily="49" charset="0"/>
+              </a:rPr>
+              <a:t>count_chunk</a:t>
+            </a:r>
+            <a:r>
+              <a:rPr lang="nl-BE" dirty="0">
+                <a:latin typeface="Courier New" panose="02070309020205020404" pitchFamily="49" charset="0"/>
+                <a:cs typeface="Courier New" panose="02070309020205020404" pitchFamily="49" charset="0"/>
+              </a:rPr>
+              <a:t>, </a:t>
+            </a:r>
+            <a:r>
+              <a:rPr lang="nl-BE" dirty="0" err="1">
+                <a:latin typeface="Courier New" panose="02070309020205020404" pitchFamily="49" charset="0"/>
+                <a:cs typeface="Courier New" panose="02070309020205020404" pitchFamily="49" charset="0"/>
+              </a:rPr>
+              <a:t>args</a:t>
+            </a:r>
+            <a:r>
+              <a:rPr lang="nl-BE" dirty="0">
+                <a:latin typeface="Courier New" panose="02070309020205020404" pitchFamily="49" charset="0"/>
+                <a:cs typeface="Courier New" panose="02070309020205020404" pitchFamily="49" charset="0"/>
+              </a:rPr>
+              <a:t>)</a:t>
+            </a:r>
+          </a:p>
+          <a:p>
+            <a:r>
+              <a:rPr lang="nl-BE" dirty="0">
+                <a:latin typeface="Courier New" panose="02070309020205020404" pitchFamily="49" charset="0"/>
+                <a:cs typeface="Courier New" panose="02070309020205020404" pitchFamily="49" charset="0"/>
+              </a:rPr>
+              <a:t>    counter = {'A': 0, 'C': 0, 'G': 0, </a:t>
+            </a:r>
+            <a:r>
+              <a:rPr lang="nl-BE" dirty="0" err="1">
+                <a:latin typeface="Courier New" panose="02070309020205020404" pitchFamily="49" charset="0"/>
+                <a:cs typeface="Courier New" panose="02070309020205020404" pitchFamily="49" charset="0"/>
+              </a:rPr>
+              <a:t>'T</a:t>
+            </a:r>
+            <a:r>
+              <a:rPr lang="nl-BE" dirty="0">
+                <a:latin typeface="Courier New" panose="02070309020205020404" pitchFamily="49" charset="0"/>
+                <a:cs typeface="Courier New" panose="02070309020205020404" pitchFamily="49" charset="0"/>
+              </a:rPr>
+              <a:t>': 0}</a:t>
+            </a:r>
+          </a:p>
+          <a:p>
+            <a:r>
+              <a:rPr lang="nl-BE" dirty="0">
+                <a:latin typeface="Courier New" panose="02070309020205020404" pitchFamily="49" charset="0"/>
+                <a:cs typeface="Courier New" panose="02070309020205020404" pitchFamily="49" charset="0"/>
+              </a:rPr>
+              <a:t>    </a:t>
+            </a:r>
+            <a:r>
+              <a:rPr lang="nl-BE" dirty="0" err="1">
+                <a:latin typeface="Courier New" panose="02070309020205020404" pitchFamily="49" charset="0"/>
+                <a:cs typeface="Courier New" panose="02070309020205020404" pitchFamily="49" charset="0"/>
+              </a:rPr>
+              <a:t>for</a:t>
+            </a:r>
+            <a:r>
+              <a:rPr lang="nl-BE" dirty="0">
+                <a:latin typeface="Courier New" panose="02070309020205020404" pitchFamily="49" charset="0"/>
+                <a:cs typeface="Courier New" panose="02070309020205020404" pitchFamily="49" charset="0"/>
+              </a:rPr>
+              <a:t> </a:t>
+            </a:r>
+            <a:r>
+              <a:rPr lang="nl-BE" dirty="0" err="1">
+                <a:latin typeface="Courier New" panose="02070309020205020404" pitchFamily="49" charset="0"/>
+                <a:cs typeface="Courier New" panose="02070309020205020404" pitchFamily="49" charset="0"/>
+              </a:rPr>
+              <a:t>part_counter</a:t>
+            </a:r>
+            <a:r>
+              <a:rPr lang="nl-BE" dirty="0">
+                <a:latin typeface="Courier New" panose="02070309020205020404" pitchFamily="49" charset="0"/>
+                <a:cs typeface="Courier New" panose="02070309020205020404" pitchFamily="49" charset="0"/>
+              </a:rPr>
+              <a:t> in counters:</a:t>
+            </a:r>
+          </a:p>
+          <a:p>
+            <a:r>
+              <a:rPr lang="nl-BE" dirty="0">
+                <a:latin typeface="Courier New" panose="02070309020205020404" pitchFamily="49" charset="0"/>
+                <a:cs typeface="Courier New" panose="02070309020205020404" pitchFamily="49" charset="0"/>
+              </a:rPr>
+              <a:t>        </a:t>
+            </a:r>
+            <a:r>
+              <a:rPr lang="nl-BE" dirty="0" err="1">
+                <a:latin typeface="Courier New" panose="02070309020205020404" pitchFamily="49" charset="0"/>
+                <a:cs typeface="Courier New" panose="02070309020205020404" pitchFamily="49" charset="0"/>
+              </a:rPr>
+              <a:t>for</a:t>
+            </a:r>
+            <a:r>
+              <a:rPr lang="nl-BE" dirty="0">
+                <a:latin typeface="Courier New" panose="02070309020205020404" pitchFamily="49" charset="0"/>
+                <a:cs typeface="Courier New" panose="02070309020205020404" pitchFamily="49" charset="0"/>
+              </a:rPr>
+              <a:t> </a:t>
+            </a:r>
+            <a:r>
+              <a:rPr lang="nl-BE" dirty="0" err="1">
+                <a:latin typeface="Courier New" panose="02070309020205020404" pitchFamily="49" charset="0"/>
+                <a:cs typeface="Courier New" panose="02070309020205020404" pitchFamily="49" charset="0"/>
+              </a:rPr>
+              <a:t>nucl</a:t>
+            </a:r>
+            <a:r>
+              <a:rPr lang="nl-BE" dirty="0">
+                <a:latin typeface="Courier New" panose="02070309020205020404" pitchFamily="49" charset="0"/>
+                <a:cs typeface="Courier New" panose="02070309020205020404" pitchFamily="49" charset="0"/>
+              </a:rPr>
+              <a:t> in </a:t>
+            </a:r>
+            <a:r>
+              <a:rPr lang="nl-BE" dirty="0" err="1">
+                <a:latin typeface="Courier New" panose="02070309020205020404" pitchFamily="49" charset="0"/>
+                <a:cs typeface="Courier New" panose="02070309020205020404" pitchFamily="49" charset="0"/>
+              </a:rPr>
+              <a:t>part_counter</a:t>
+            </a:r>
+            <a:r>
+              <a:rPr lang="nl-BE" dirty="0">
+                <a:latin typeface="Courier New" panose="02070309020205020404" pitchFamily="49" charset="0"/>
+                <a:cs typeface="Courier New" panose="02070309020205020404" pitchFamily="49" charset="0"/>
+              </a:rPr>
+              <a:t>:</a:t>
+            </a:r>
+          </a:p>
+          <a:p>
+            <a:r>
+              <a:rPr lang="nl-BE" dirty="0">
+                <a:latin typeface="Courier New" panose="02070309020205020404" pitchFamily="49" charset="0"/>
+                <a:cs typeface="Courier New" panose="02070309020205020404" pitchFamily="49" charset="0"/>
+              </a:rPr>
+              <a:t>            counter[</a:t>
+            </a:r>
+            <a:r>
+              <a:rPr lang="nl-BE" dirty="0" err="1">
+                <a:latin typeface="Courier New" panose="02070309020205020404" pitchFamily="49" charset="0"/>
+                <a:cs typeface="Courier New" panose="02070309020205020404" pitchFamily="49" charset="0"/>
+              </a:rPr>
+              <a:t>nucl</a:t>
+            </a:r>
+            <a:r>
+              <a:rPr lang="nl-BE" dirty="0">
+                <a:latin typeface="Courier New" panose="02070309020205020404" pitchFamily="49" charset="0"/>
+                <a:cs typeface="Courier New" panose="02070309020205020404" pitchFamily="49" charset="0"/>
+              </a:rPr>
+              <a:t>] += </a:t>
+            </a:r>
+            <a:r>
+              <a:rPr lang="nl-BE" dirty="0" err="1">
+                <a:latin typeface="Courier New" panose="02070309020205020404" pitchFamily="49" charset="0"/>
+                <a:cs typeface="Courier New" panose="02070309020205020404" pitchFamily="49" charset="0"/>
+              </a:rPr>
+              <a:t>part_counter</a:t>
+            </a:r>
+            <a:r>
+              <a:rPr lang="nl-BE" dirty="0">
+                <a:latin typeface="Courier New" panose="02070309020205020404" pitchFamily="49" charset="0"/>
+                <a:cs typeface="Courier New" panose="02070309020205020404" pitchFamily="49" charset="0"/>
+              </a:rPr>
+              <a:t>[</a:t>
+            </a:r>
+            <a:r>
+              <a:rPr lang="nl-BE" dirty="0" err="1">
+                <a:latin typeface="Courier New" panose="02070309020205020404" pitchFamily="49" charset="0"/>
+                <a:cs typeface="Courier New" panose="02070309020205020404" pitchFamily="49" charset="0"/>
+              </a:rPr>
+              <a:t>nucl</a:t>
+            </a:r>
+            <a:r>
+              <a:rPr lang="nl-BE" dirty="0">
+                <a:latin typeface="Courier New" panose="02070309020205020404" pitchFamily="49" charset="0"/>
+                <a:cs typeface="Courier New" panose="02070309020205020404" pitchFamily="49" charset="0"/>
+              </a:rPr>
+              <a:t>]</a:t>
+            </a:r>
+          </a:p>
+          <a:p>
+            <a:r>
+              <a:rPr lang="nl-BE" dirty="0">
+                <a:latin typeface="Courier New" panose="02070309020205020404" pitchFamily="49" charset="0"/>
+                <a:cs typeface="Courier New" panose="02070309020205020404" pitchFamily="49" charset="0"/>
+              </a:rPr>
+              <a:t>    return counter</a:t>
+            </a:r>
+            <a:endParaRPr lang="nl-BE" dirty="0" smtClean="0">
+              <a:latin typeface="Courier New" panose="02070309020205020404" pitchFamily="49" charset="0"/>
+              <a:cs typeface="Courier New" panose="02070309020205020404" pitchFamily="49" charset="0"/>
+            </a:endParaRPr>
+          </a:p>
+        </p:txBody>
+      </p:sp>
+      <p:grpSp>
+        <p:nvGrpSpPr>
+          <p:cNvPr id="5" name="Group 4"/>
+          <p:cNvGrpSpPr/>
+          <p:nvPr/>
+        </p:nvGrpSpPr>
+        <p:grpSpPr>
+          <a:xfrm>
+            <a:off x="154600" y="1981200"/>
+            <a:ext cx="2055200" cy="1250374"/>
+            <a:chOff x="5793400" y="2133600"/>
+            <a:chExt cx="2055200" cy="1250374"/>
+          </a:xfrm>
+        </p:grpSpPr>
+        <p:sp>
+          <p:nvSpPr>
+            <p:cNvPr id="6" name="TextBox 5"/>
+            <p:cNvSpPr txBox="1"/>
+            <p:nvPr/>
+          </p:nvSpPr>
+          <p:spPr>
+            <a:xfrm>
+              <a:off x="5793400" y="2133600"/>
+              <a:ext cx="1293200" cy="646331"/>
+            </a:xfrm>
+            <a:prstGeom prst="rect">
+              <a:avLst/>
+            </a:prstGeom>
+            <a:noFill/>
+            <a:ln>
+              <a:solidFill>
+                <a:schemeClr val="tx1"/>
+              </a:solidFill>
+            </a:ln>
+          </p:spPr>
+          <p:txBody>
+            <a:bodyPr wrap="square" rtlCol="0">
+              <a:spAutoFit/>
+            </a:bodyPr>
+            <a:lstStyle/>
+            <a:p>
+              <a:r>
+                <a:rPr lang="en-US" dirty="0" smtClean="0">
+                  <a:latin typeface="Courier New" panose="02070309020205020404" pitchFamily="49" charset="0"/>
+                  <a:cs typeface="Courier New" panose="02070309020205020404" pitchFamily="49" charset="0"/>
+                </a:rPr>
+                <a:t>tuple</a:t>
+              </a:r>
+              <a:r>
+                <a:rPr lang="en-US" dirty="0" smtClean="0"/>
+                <a:t>s as</a:t>
+              </a:r>
+              <a:br>
+                <a:rPr lang="en-US" dirty="0" smtClean="0"/>
+              </a:br>
+              <a:r>
+                <a:rPr lang="en-US" dirty="0" smtClean="0"/>
+                <a:t>input</a:t>
+              </a:r>
+              <a:endParaRPr lang="nl-BE" dirty="0"/>
+            </a:p>
+          </p:txBody>
+        </p:sp>
+        <p:cxnSp>
+          <p:nvCxnSpPr>
+            <p:cNvPr id="7" name="Straight Arrow Connector 6"/>
+            <p:cNvCxnSpPr>
+              <a:stCxn id="6" idx="3"/>
+            </p:cNvCxnSpPr>
+            <p:nvPr/>
+          </p:nvCxnSpPr>
+          <p:spPr>
+            <a:xfrm>
+              <a:off x="7086600" y="2456766"/>
+              <a:ext cx="762000" cy="927208"/>
+            </a:xfrm>
+            <a:prstGeom prst="straightConnector1">
+              <a:avLst/>
+            </a:prstGeom>
+            <a:ln w="12700">
+              <a:solidFill>
+                <a:schemeClr val="tx1"/>
+              </a:solidFill>
+              <a:tailEnd type="stealth" w="lg" len="lg"/>
+            </a:ln>
+          </p:spPr>
+          <p:style>
+            <a:lnRef idx="1">
+              <a:schemeClr val="accent1"/>
+            </a:lnRef>
+            <a:fillRef idx="0">
+              <a:schemeClr val="accent1"/>
+            </a:fillRef>
+            <a:effectRef idx="0">
+              <a:schemeClr val="accent1"/>
+            </a:effectRef>
+            <a:fontRef idx="minor">
+              <a:schemeClr val="tx1"/>
+            </a:fontRef>
+          </p:style>
+        </p:cxnSp>
+      </p:grpSp>
+      <p:grpSp>
+        <p:nvGrpSpPr>
+          <p:cNvPr id="11" name="Group 10"/>
+          <p:cNvGrpSpPr/>
+          <p:nvPr/>
+        </p:nvGrpSpPr>
+        <p:grpSpPr>
+          <a:xfrm>
+            <a:off x="152400" y="2819400"/>
+            <a:ext cx="2057400" cy="990600"/>
+            <a:chOff x="5791200" y="2362200"/>
+            <a:chExt cx="2057400" cy="990600"/>
+          </a:xfrm>
+        </p:grpSpPr>
+        <p:sp>
+          <p:nvSpPr>
+            <p:cNvPr id="12" name="TextBox 11"/>
+            <p:cNvSpPr txBox="1"/>
+            <p:nvPr/>
+          </p:nvSpPr>
+          <p:spPr>
+            <a:xfrm>
+              <a:off x="5791200" y="2362200"/>
+              <a:ext cx="1295400" cy="646331"/>
+            </a:xfrm>
+            <a:prstGeom prst="rect">
+              <a:avLst/>
+            </a:prstGeom>
+            <a:noFill/>
+            <a:ln>
+              <a:solidFill>
+                <a:schemeClr val="tx1"/>
+              </a:solidFill>
+            </a:ln>
+          </p:spPr>
+          <p:txBody>
+            <a:bodyPr wrap="square" rtlCol="0">
+              <a:spAutoFit/>
+            </a:bodyPr>
+            <a:lstStyle/>
+            <a:p>
+              <a:r>
+                <a:rPr lang="en-US" dirty="0" smtClean="0"/>
+                <a:t>pool of</a:t>
+              </a:r>
+              <a:br>
+                <a:rPr lang="en-US" dirty="0" smtClean="0"/>
+              </a:br>
+              <a:r>
+                <a:rPr lang="en-US" dirty="0" smtClean="0"/>
+                <a:t>processes</a:t>
+              </a:r>
+              <a:endParaRPr lang="nl-BE" dirty="0"/>
+            </a:p>
+          </p:txBody>
+        </p:sp>
+        <p:cxnSp>
+          <p:nvCxnSpPr>
+            <p:cNvPr id="13" name="Straight Arrow Connector 12"/>
+            <p:cNvCxnSpPr>
+              <a:stCxn id="12" idx="3"/>
+            </p:cNvCxnSpPr>
+            <p:nvPr/>
+          </p:nvCxnSpPr>
+          <p:spPr>
+            <a:xfrm>
+              <a:off x="7086600" y="2685366"/>
+              <a:ext cx="762000" cy="667434"/>
+            </a:xfrm>
+            <a:prstGeom prst="straightConnector1">
+              <a:avLst/>
+            </a:prstGeom>
+            <a:ln w="12700">
+              <a:solidFill>
+                <a:schemeClr val="tx1"/>
+              </a:solidFill>
+              <a:tailEnd type="stealth" w="lg" len="lg"/>
+            </a:ln>
+          </p:spPr>
+          <p:style>
+            <a:lnRef idx="1">
+              <a:schemeClr val="accent1"/>
+            </a:lnRef>
+            <a:fillRef idx="0">
+              <a:schemeClr val="accent1"/>
+            </a:fillRef>
+            <a:effectRef idx="0">
+              <a:schemeClr val="accent1"/>
+            </a:effectRef>
+            <a:fontRef idx="minor">
+              <a:schemeClr val="tx1"/>
+            </a:fontRef>
+          </p:style>
+        </p:cxnSp>
+      </p:grpSp>
+      <p:grpSp>
+        <p:nvGrpSpPr>
+          <p:cNvPr id="14" name="Group 13"/>
+          <p:cNvGrpSpPr/>
+          <p:nvPr/>
+        </p:nvGrpSpPr>
+        <p:grpSpPr>
+          <a:xfrm>
+            <a:off x="177390" y="3594910"/>
+            <a:ext cx="2032409" cy="646332"/>
+            <a:chOff x="5802115" y="2751823"/>
+            <a:chExt cx="2205368" cy="621371"/>
+          </a:xfrm>
+        </p:grpSpPr>
+        <p:sp>
+          <p:nvSpPr>
+            <p:cNvPr id="15" name="TextBox 14"/>
+            <p:cNvSpPr txBox="1"/>
+            <p:nvPr/>
+          </p:nvSpPr>
+          <p:spPr>
+            <a:xfrm>
+              <a:off x="5802115" y="2751823"/>
+              <a:ext cx="1378523" cy="621371"/>
+            </a:xfrm>
+            <a:prstGeom prst="rect">
+              <a:avLst/>
+            </a:prstGeom>
+            <a:noFill/>
+            <a:ln>
+              <a:solidFill>
+                <a:schemeClr val="tx1"/>
+              </a:solidFill>
+            </a:ln>
+          </p:spPr>
+          <p:txBody>
+            <a:bodyPr wrap="square" rtlCol="0">
+              <a:spAutoFit/>
+            </a:bodyPr>
+            <a:lstStyle/>
+            <a:p>
+              <a:r>
+                <a:rPr lang="en-US" dirty="0" smtClean="0"/>
+                <a:t>concurrent</a:t>
+              </a:r>
+              <a:br>
+                <a:rPr lang="en-US" dirty="0" smtClean="0"/>
+              </a:br>
+              <a:r>
+                <a:rPr lang="en-US" dirty="0" smtClean="0"/>
+                <a:t>processing</a:t>
+              </a:r>
+              <a:endParaRPr lang="nl-BE" dirty="0"/>
+            </a:p>
+          </p:txBody>
+        </p:sp>
+        <p:cxnSp>
+          <p:nvCxnSpPr>
+            <p:cNvPr id="16" name="Straight Arrow Connector 15"/>
+            <p:cNvCxnSpPr>
+              <a:stCxn id="15" idx="3"/>
+            </p:cNvCxnSpPr>
+            <p:nvPr/>
+          </p:nvCxnSpPr>
+          <p:spPr>
+            <a:xfrm>
+              <a:off x="7180638" y="3062509"/>
+              <a:ext cx="826845" cy="189129"/>
+            </a:xfrm>
+            <a:prstGeom prst="straightConnector1">
+              <a:avLst/>
+            </a:prstGeom>
+            <a:ln w="12700">
+              <a:solidFill>
+                <a:schemeClr val="tx1"/>
+              </a:solidFill>
+              <a:tailEnd type="stealth" w="lg" len="lg"/>
+            </a:ln>
+          </p:spPr>
+          <p:style>
+            <a:lnRef idx="1">
+              <a:schemeClr val="accent1"/>
+            </a:lnRef>
+            <a:fillRef idx="0">
+              <a:schemeClr val="accent1"/>
+            </a:fillRef>
+            <a:effectRef idx="0">
+              <a:schemeClr val="accent1"/>
+            </a:effectRef>
+            <a:fontRef idx="minor">
+              <a:schemeClr val="tx1"/>
+            </a:fontRef>
+          </p:style>
+        </p:cxnSp>
+      </p:grpSp>
+      <p:grpSp>
+        <p:nvGrpSpPr>
+          <p:cNvPr id="43" name="Group 42"/>
+          <p:cNvGrpSpPr/>
+          <p:nvPr/>
+        </p:nvGrpSpPr>
+        <p:grpSpPr>
+          <a:xfrm>
+            <a:off x="152400" y="4325034"/>
+            <a:ext cx="2060274" cy="1085165"/>
+            <a:chOff x="457200" y="4325034"/>
+            <a:chExt cx="2060274" cy="1085165"/>
+          </a:xfrm>
+        </p:grpSpPr>
+        <p:grpSp>
+          <p:nvGrpSpPr>
+            <p:cNvPr id="19" name="Group 18"/>
+            <p:cNvGrpSpPr/>
+            <p:nvPr/>
+          </p:nvGrpSpPr>
+          <p:grpSpPr>
+            <a:xfrm>
+              <a:off x="457200" y="4546123"/>
+              <a:ext cx="1828800" cy="646331"/>
+              <a:chOff x="5733524" y="2594677"/>
+              <a:chExt cx="1984432" cy="888963"/>
+            </a:xfrm>
+          </p:grpSpPr>
+          <p:sp>
+            <p:nvSpPr>
+              <p:cNvPr id="20" name="TextBox 19"/>
+              <p:cNvSpPr txBox="1"/>
+              <p:nvPr/>
+            </p:nvSpPr>
+            <p:spPr>
+              <a:xfrm>
+                <a:off x="5733524" y="2594677"/>
+                <a:ext cx="1405638" cy="888963"/>
+              </a:xfrm>
+              <a:prstGeom prst="rect">
+                <a:avLst/>
+              </a:prstGeom>
+              <a:noFill/>
+              <a:ln>
+                <a:solidFill>
+                  <a:schemeClr val="tx1"/>
+                </a:solidFill>
+              </a:ln>
+            </p:spPr>
+            <p:txBody>
+              <a:bodyPr wrap="square" rtlCol="0">
+                <a:spAutoFit/>
+              </a:bodyPr>
+              <a:lstStyle/>
+              <a:p>
+                <a:r>
+                  <a:rPr lang="en-US" dirty="0" smtClean="0"/>
+                  <a:t>aggregating</a:t>
+                </a:r>
+                <a:br>
+                  <a:rPr lang="en-US" dirty="0" smtClean="0"/>
+                </a:br>
+                <a:r>
+                  <a:rPr lang="en-US" dirty="0" smtClean="0"/>
+                  <a:t>results</a:t>
+                </a:r>
+                <a:endParaRPr lang="nl-BE" dirty="0"/>
+              </a:p>
+            </p:txBody>
+          </p:sp>
+          <p:cxnSp>
+            <p:nvCxnSpPr>
+              <p:cNvPr id="21" name="Straight Arrow Connector 20"/>
+              <p:cNvCxnSpPr>
+                <a:stCxn id="20" idx="3"/>
+                <a:endCxn id="40" idx="1"/>
+              </p:cNvCxnSpPr>
+              <p:nvPr/>
+            </p:nvCxnSpPr>
+            <p:spPr>
+              <a:xfrm flipV="1">
+                <a:off x="7139162" y="3036860"/>
+                <a:ext cx="578794" cy="2300"/>
+              </a:xfrm>
+              <a:prstGeom prst="straightConnector1">
+                <a:avLst/>
+              </a:prstGeom>
+              <a:ln w="12700">
+                <a:solidFill>
+                  <a:schemeClr val="tx1"/>
+                </a:solidFill>
+                <a:tailEnd type="stealth" w="lg" len="lg"/>
+              </a:ln>
+            </p:spPr>
+            <p:style>
+              <a:lnRef idx="1">
+                <a:schemeClr val="accent1"/>
+              </a:lnRef>
+              <a:fillRef idx="0">
+                <a:schemeClr val="accent1"/>
+              </a:fillRef>
+              <a:effectRef idx="0">
+                <a:schemeClr val="accent1"/>
+              </a:effectRef>
+              <a:fontRef idx="minor">
+                <a:schemeClr val="tx1"/>
+              </a:fontRef>
+            </p:style>
+          </p:cxnSp>
+        </p:grpSp>
+        <p:sp>
+          <p:nvSpPr>
+            <p:cNvPr id="40" name="Left Brace 39"/>
+            <p:cNvSpPr/>
+            <p:nvPr/>
+          </p:nvSpPr>
+          <p:spPr>
+            <a:xfrm>
+              <a:off x="2286000" y="4325034"/>
+              <a:ext cx="231474" cy="1085165"/>
+            </a:xfrm>
+            <a:prstGeom prst="leftBrace">
+              <a:avLst/>
+            </a:prstGeom>
+            <a:ln>
+              <a:solidFill>
+                <a:schemeClr val="tx1"/>
+              </a:solidFill>
+            </a:ln>
+          </p:spPr>
+          <p:style>
+            <a:lnRef idx="1">
+              <a:schemeClr val="accent1"/>
+            </a:lnRef>
+            <a:fillRef idx="0">
+              <a:schemeClr val="accent1"/>
+            </a:fillRef>
+            <a:effectRef idx="0">
+              <a:schemeClr val="accent1"/>
+            </a:effectRef>
+            <a:fontRef idx="minor">
+              <a:schemeClr val="tx1"/>
+            </a:fontRef>
+          </p:style>
+          <p:txBody>
+            <a:bodyPr rtlCol="0" anchor="ctr"/>
+            <a:lstStyle/>
+            <a:p>
+              <a:pPr algn="ctr"/>
+              <a:endParaRPr lang="nl-BE"/>
+            </a:p>
+          </p:txBody>
+        </p:sp>
+      </p:grpSp>
+      <p:grpSp>
+        <p:nvGrpSpPr>
+          <p:cNvPr id="44" name="Group 43"/>
+          <p:cNvGrpSpPr/>
+          <p:nvPr/>
+        </p:nvGrpSpPr>
+        <p:grpSpPr>
+          <a:xfrm>
+            <a:off x="7239000" y="1840468"/>
+            <a:ext cx="1752600" cy="1893332"/>
+            <a:chOff x="5371108" y="2635746"/>
+            <a:chExt cx="1752600" cy="1893332"/>
+          </a:xfrm>
+        </p:grpSpPr>
+        <p:sp>
+          <p:nvSpPr>
+            <p:cNvPr id="45" name="TextBox 44"/>
+            <p:cNvSpPr txBox="1"/>
+            <p:nvPr/>
+          </p:nvSpPr>
+          <p:spPr>
+            <a:xfrm>
+              <a:off x="5486400" y="2635746"/>
+              <a:ext cx="1637308" cy="369332"/>
+            </a:xfrm>
+            <a:prstGeom prst="rect">
+              <a:avLst/>
+            </a:prstGeom>
+            <a:solidFill>
+              <a:schemeClr val="bg1"/>
+            </a:solidFill>
+            <a:ln>
+              <a:solidFill>
+                <a:schemeClr val="tx1"/>
+              </a:solidFill>
+            </a:ln>
+          </p:spPr>
+          <p:txBody>
+            <a:bodyPr wrap="none" rtlCol="0">
+              <a:spAutoFit/>
+            </a:bodyPr>
+            <a:lstStyle/>
+            <a:p>
+              <a:r>
+                <a:rPr lang="en-US" dirty="0" err="1" smtClean="0">
+                  <a:cs typeface="Courier New" panose="02070309020205020404" pitchFamily="49" charset="0"/>
+                </a:rPr>
+                <a:t>nr</a:t>
+              </a:r>
+              <a:r>
+                <a:rPr lang="en-US" dirty="0" smtClean="0">
+                  <a:cs typeface="Courier New" panose="02070309020205020404" pitchFamily="49" charset="0"/>
+                </a:rPr>
+                <a:t>. of processes</a:t>
+              </a:r>
+              <a:endParaRPr lang="nl-BE" dirty="0"/>
+            </a:p>
+          </p:txBody>
+        </p:sp>
+        <p:cxnSp>
+          <p:nvCxnSpPr>
+            <p:cNvPr id="46" name="Straight Arrow Connector 45"/>
+            <p:cNvCxnSpPr>
+              <a:stCxn id="45" idx="2"/>
+            </p:cNvCxnSpPr>
+            <p:nvPr/>
+          </p:nvCxnSpPr>
+          <p:spPr>
+            <a:xfrm flipH="1">
+              <a:off x="5371108" y="3005078"/>
+              <a:ext cx="933946" cy="1524000"/>
+            </a:xfrm>
+            <a:prstGeom prst="straightConnector1">
+              <a:avLst/>
+            </a:prstGeom>
+            <a:ln w="12700">
+              <a:solidFill>
+                <a:schemeClr val="tx1"/>
+              </a:solidFill>
+              <a:tailEnd type="stealth" w="lg" len="lg"/>
+            </a:ln>
+          </p:spPr>
+          <p:style>
+            <a:lnRef idx="1">
+              <a:schemeClr val="accent1"/>
+            </a:lnRef>
+            <a:fillRef idx="0">
+              <a:schemeClr val="accent1"/>
+            </a:fillRef>
+            <a:effectRef idx="0">
+              <a:schemeClr val="accent1"/>
+            </a:effectRef>
+            <a:fontRef idx="minor">
+              <a:schemeClr val="tx1"/>
+            </a:fontRef>
+          </p:style>
+        </p:cxnSp>
+      </p:grpSp>
+    </p:spTree>
+    <p:extLst>
+      <p:ext uri="{BB962C8B-B14F-4D97-AF65-F5344CB8AC3E}">
+        <p14:creationId xmlns:p14="http://schemas.microsoft.com/office/powerpoint/2010/main" val="4239114519"/>
+      </p:ext>
+    </p:extLst>
+  </p:cSld>
+  <p:clrMapOvr>
+    <a:masterClrMapping/>
+  </p:clrMapOvr>
+  <p:timing>
+    <p:tnLst>
+      <p:par>
+        <p:cTn id="1" dur="indefinite" restart="never" nodeType="tmRoot">
+          <p:childTnLst>
+            <p:seq concurrent="1" nextAc="seek">
+              <p:cTn id="2" dur="indefinite" nodeType="mainSeq">
+                <p:childTnLst>
+                  <p:par>
+                    <p:cTn id="3" fill="hold">
+                      <p:stCondLst>
+                        <p:cond delay="indefinite"/>
+                      </p:stCondLst>
+                      <p:childTnLst>
+                        <p:par>
+                          <p:cTn id="4" fill="hold">
+                            <p:stCondLst>
+                              <p:cond delay="0"/>
+                            </p:stCondLst>
+                            <p:childTnLst>
+                              <p:par>
+                                <p:cTn id="5" presetID="1" presetClass="entr" presetSubtype="0" fill="hold" nodeType="clickEffect">
+                                  <p:stCondLst>
+                                    <p:cond delay="0"/>
+                                  </p:stCondLst>
+                                  <p:childTnLst>
+                                    <p:set>
+                                      <p:cBhvr>
+                                        <p:cTn id="6" dur="1" fill="hold">
+                                          <p:stCondLst>
+                                            <p:cond delay="0"/>
+                                          </p:stCondLst>
+                                        </p:cTn>
+                                        <p:tgtEl>
+                                          <p:spTgt spid="5"/>
+                                        </p:tgtEl>
+                                        <p:attrNameLst>
+                                          <p:attrName>style.visibility</p:attrName>
+                                        </p:attrNameLst>
+                                      </p:cBhvr>
+                                      <p:to>
+                                        <p:strVal val="visible"/>
+                                      </p:to>
+                                    </p:set>
+                                  </p:childTnLst>
+                                </p:cTn>
+                              </p:par>
+                            </p:childTnLst>
+                          </p:cTn>
+                        </p:par>
+                      </p:childTnLst>
+                    </p:cTn>
+                  </p:par>
+                  <p:par>
+                    <p:cTn id="7" fill="hold">
+                      <p:stCondLst>
+                        <p:cond delay="indefinite"/>
+                      </p:stCondLst>
+                      <p:childTnLst>
+                        <p:par>
+                          <p:cTn id="8" fill="hold">
+                            <p:stCondLst>
+                              <p:cond delay="0"/>
+                            </p:stCondLst>
+                            <p:childTnLst>
+                              <p:par>
+                                <p:cTn id="9" presetID="1" presetClass="entr" presetSubtype="0" fill="hold" nodeType="clickEffect">
+                                  <p:stCondLst>
+                                    <p:cond delay="0"/>
+                                  </p:stCondLst>
+                                  <p:childTnLst>
+                                    <p:set>
+                                      <p:cBhvr>
+                                        <p:cTn id="10" dur="1" fill="hold">
+                                          <p:stCondLst>
+                                            <p:cond delay="0"/>
+                                          </p:stCondLst>
+                                        </p:cTn>
+                                        <p:tgtEl>
+                                          <p:spTgt spid="11"/>
+                                        </p:tgtEl>
+                                        <p:attrNameLst>
+                                          <p:attrName>style.visibility</p:attrName>
+                                        </p:attrNameLst>
+                                      </p:cBhvr>
+                                      <p:to>
+                                        <p:strVal val="visible"/>
+                                      </p:to>
+                                    </p:set>
+                                  </p:childTnLst>
+                                </p:cTn>
+                              </p:par>
+                            </p:childTnLst>
+                          </p:cTn>
+                        </p:par>
+                      </p:childTnLst>
+                    </p:cTn>
+                  </p:par>
+                  <p:par>
+                    <p:cTn id="11" fill="hold">
+                      <p:stCondLst>
+                        <p:cond delay="indefinite"/>
+                      </p:stCondLst>
+                      <p:childTnLst>
+                        <p:par>
+                          <p:cTn id="12" fill="hold">
+                            <p:stCondLst>
+                              <p:cond delay="0"/>
+                            </p:stCondLst>
+                            <p:childTnLst>
+                              <p:par>
+                                <p:cTn id="13" presetID="1" presetClass="entr" presetSubtype="0" fill="hold" nodeType="clickEffect">
+                                  <p:stCondLst>
+                                    <p:cond delay="0"/>
+                                  </p:stCondLst>
+                                  <p:childTnLst>
+                                    <p:set>
+                                      <p:cBhvr>
+                                        <p:cTn id="14" dur="1" fill="hold">
+                                          <p:stCondLst>
+                                            <p:cond delay="0"/>
+                                          </p:stCondLst>
+                                        </p:cTn>
+                                        <p:tgtEl>
+                                          <p:spTgt spid="44"/>
+                                        </p:tgtEl>
+                                        <p:attrNameLst>
+                                          <p:attrName>style.visibility</p:attrName>
+                                        </p:attrNameLst>
+                                      </p:cBhvr>
+                                      <p:to>
+                                        <p:strVal val="visible"/>
+                                      </p:to>
+                                    </p:set>
+                                  </p:childTnLst>
+                                </p:cTn>
+                              </p:par>
+                            </p:childTnLst>
+                          </p:cTn>
+                        </p:par>
+                      </p:childTnLst>
+                    </p:cTn>
+                  </p:par>
+                  <p:par>
+                    <p:cTn id="15" fill="hold">
+                      <p:stCondLst>
+                        <p:cond delay="indefinite"/>
+                      </p:stCondLst>
+                      <p:childTnLst>
+                        <p:par>
+                          <p:cTn id="16" fill="hold">
+                            <p:stCondLst>
+                              <p:cond delay="0"/>
+                            </p:stCondLst>
+                            <p:childTnLst>
+                              <p:par>
+                                <p:cTn id="17" presetID="1" presetClass="entr" presetSubtype="0" fill="hold" nodeType="clickEffect">
+                                  <p:stCondLst>
+                                    <p:cond delay="0"/>
+                                  </p:stCondLst>
+                                  <p:childTnLst>
+                                    <p:set>
+                                      <p:cBhvr>
+                                        <p:cTn id="18" dur="1" fill="hold">
+                                          <p:stCondLst>
+                                            <p:cond delay="0"/>
+                                          </p:stCondLst>
+                                        </p:cTn>
+                                        <p:tgtEl>
+                                          <p:spTgt spid="14"/>
+                                        </p:tgtEl>
+                                        <p:attrNameLst>
+                                          <p:attrName>style.visibility</p:attrName>
+                                        </p:attrNameLst>
+                                      </p:cBhvr>
+                                      <p:to>
+                                        <p:strVal val="visible"/>
+                                      </p:to>
+                                    </p:set>
+                                  </p:childTnLst>
+                                </p:cTn>
+                              </p:par>
+                            </p:childTnLst>
+                          </p:cTn>
+                        </p:par>
+                      </p:childTnLst>
+                    </p:cTn>
+                  </p:par>
+                  <p:par>
+                    <p:cTn id="19" fill="hold">
+                      <p:stCondLst>
+                        <p:cond delay="indefinite"/>
+                      </p:stCondLst>
+                      <p:childTnLst>
+                        <p:par>
+                          <p:cTn id="20" fill="hold">
+                            <p:stCondLst>
+                              <p:cond delay="0"/>
+                            </p:stCondLst>
+                            <p:childTnLst>
+                              <p:par>
+                                <p:cTn id="21" presetID="1" presetClass="entr" presetSubtype="0" fill="hold" nodeType="clickEffect">
+                                  <p:stCondLst>
+                                    <p:cond delay="0"/>
+                                  </p:stCondLst>
+                                  <p:childTnLst>
+                                    <p:set>
+                                      <p:cBhvr>
+                                        <p:cTn id="22" dur="1" fill="hold">
+                                          <p:stCondLst>
+                                            <p:cond delay="0"/>
+                                          </p:stCondLst>
+                                        </p:cTn>
+                                        <p:tgtEl>
+                                          <p:spTgt spid="43"/>
+                                        </p:tgtEl>
+                                        <p:attrNameLst>
+                                          <p:attrName>style.visibility</p:attrName>
+                                        </p:attrNameLst>
+                                      </p:cBhvr>
+                                      <p:to>
+                                        <p:strVal val="visible"/>
+                                      </p:to>
+                                    </p:set>
+                                  </p:childTnLst>
+                                </p:cTn>
+                              </p:par>
+                            </p:childTnLst>
+                          </p:cTn>
+                        </p:par>
+                      </p:childTnLst>
+                    </p:cTn>
+                  </p:par>
+                </p:childTnLst>
+              </p:cTn>
+              <p:prevCondLst>
+                <p:cond evt="onPrev" delay="0">
+                  <p:tgtEl>
+                    <p:sldTgt/>
+                  </p:tgtEl>
+                </p:cond>
+              </p:prevCondLst>
+              <p:nextCondLst>
+                <p:cond evt="onNext" delay="0">
+                  <p:tgtEl>
+                    <p:sldTgt/>
+                  </p:tgtEl>
+                </p:cond>
+              </p:nextCondLst>
+            </p:seq>
+          </p:childTnLst>
+        </p:cTn>
+      </p:par>
+    </p:tnLst>
+  </p:timing>
+</p:sld>
+</file>
+
+<file path=ppt/slides/slide11.xml><?xml version="1.0" encoding="utf-8"?>
+<p:sld xmlns:a="http://schemas.openxmlformats.org/drawingml/2006/main" xmlns:r="http://schemas.openxmlformats.org/officeDocument/2006/relationships" xmlns:p="http://schemas.openxmlformats.org/presentationml/2006/main">
+  <p:cSld>
+    <p:spTree>
+      <p:nvGrpSpPr>
+        <p:cNvPr id="1" name=""/>
+        <p:cNvGrpSpPr/>
+        <p:nvPr/>
+      </p:nvGrpSpPr>
+      <p:grpSpPr>
+        <a:xfrm>
+          <a:off x="0" y="0"/>
+          <a:ext cx="0" cy="0"/>
+          <a:chOff x="0" y="0"/>
+          <a:chExt cx="0" cy="0"/>
+        </a:xfrm>
+      </p:grpSpPr>
+      <p:sp>
+        <p:nvSpPr>
+          <p:cNvPr id="2" name="Title 1"/>
+          <p:cNvSpPr>
+            <a:spLocks noGrp="1"/>
+          </p:cNvSpPr>
+          <p:nvPr>
+            <p:ph type="title"/>
+          </p:nvPr>
+        </p:nvSpPr>
+        <p:spPr/>
+        <p:txBody>
+          <a:bodyPr/>
+          <a:lstStyle/>
+          <a:p>
+            <a:r>
+              <a:rPr lang="en-US" dirty="0" smtClean="0"/>
+              <a:t>futures</a:t>
+            </a:r>
+            <a:endParaRPr lang="nl-BE" dirty="0"/>
+          </a:p>
+        </p:txBody>
+      </p:sp>
+      <p:sp>
+        <p:nvSpPr>
+          <p:cNvPr id="3" name="Text Placeholder 2"/>
+          <p:cNvSpPr>
+            <a:spLocks noGrp="1"/>
+          </p:cNvSpPr>
+          <p:nvPr>
+            <p:ph type="body" idx="1"/>
+          </p:nvPr>
+        </p:nvSpPr>
+        <p:spPr/>
+        <p:txBody>
+          <a:bodyPr/>
+          <a:lstStyle/>
+          <a:p>
+            <a:endParaRPr lang="nl-BE"/>
+          </a:p>
+        </p:txBody>
+      </p:sp>
+    </p:spTree>
+    <p:extLst>
+      <p:ext uri="{BB962C8B-B14F-4D97-AF65-F5344CB8AC3E}">
+        <p14:creationId xmlns:p14="http://schemas.microsoft.com/office/powerpoint/2010/main" val="3962184908"/>
       </p:ext>
     </p:extLst>
   </p:cSld>
@@ -6178,6 +7735,13 @@
   <p:clrMapOvr>
     <a:masterClrMapping/>
   </p:clrMapOvr>
+  <p:timing>
+    <p:tnLst>
+      <p:par>
+        <p:cTn id="1" dur="indefinite" restart="never" nodeType="tmRoot"/>
+      </p:par>
+    </p:tnLst>
+  </p:timing>
 </p:sld>
 </file>
 
@@ -6215,7 +7779,7 @@
           <a:p>
             <a:r>
               <a:rPr lang="en-US" dirty="0" smtClean="0"/>
-              <a:t>futures</a:t>
+              <a:t>Example</a:t>
             </a:r>
             <a:endParaRPr lang="nl-BE" dirty="0"/>
           </a:p>
@@ -6223,12 +7787,12 @@
       </p:sp>
       <p:sp>
         <p:nvSpPr>
-          <p:cNvPr id="3" name="Text Placeholder 2"/>
+          <p:cNvPr id="3" name="Content Placeholder 2"/>
           <p:cNvSpPr>
             <a:spLocks noGrp="1"/>
           </p:cNvSpPr>
           <p:nvPr>
-            <p:ph type="body" idx="1"/>
+            <p:ph idx="1"/>
           </p:nvPr>
         </p:nvSpPr>
         <p:spPr/>
@@ -6236,20 +7800,1506 @@
           <a:bodyPr/>
           <a:lstStyle/>
           <a:p>
-            <a:endParaRPr lang="nl-BE"/>
+            <a:r>
+              <a:rPr lang="en-US" dirty="0" smtClean="0"/>
+              <a:t>Count nucleotides in DNA sequence:</a:t>
+            </a:r>
+            <a:br>
+              <a:rPr lang="en-US" dirty="0" smtClean="0"/>
+            </a:br>
+            <a:r>
+              <a:rPr lang="en-US" dirty="0" smtClean="0"/>
+              <a:t>how many </a:t>
+            </a:r>
+            <a:r>
+              <a:rPr lang="en-US" dirty="0" smtClean="0">
+                <a:latin typeface="Courier New" panose="02070309020205020404" pitchFamily="49" charset="0"/>
+                <a:cs typeface="Courier New" panose="02070309020205020404" pitchFamily="49" charset="0"/>
+              </a:rPr>
+              <a:t>A</a:t>
+            </a:r>
+            <a:r>
+              <a:rPr lang="en-US" dirty="0" smtClean="0"/>
+              <a:t>, </a:t>
+            </a:r>
+            <a:r>
+              <a:rPr lang="en-US" dirty="0" smtClean="0">
+                <a:latin typeface="Courier New" panose="02070309020205020404" pitchFamily="49" charset="0"/>
+                <a:cs typeface="Courier New" panose="02070309020205020404" pitchFamily="49" charset="0"/>
+              </a:rPr>
+              <a:t>C</a:t>
+            </a:r>
+            <a:r>
+              <a:rPr lang="en-US" dirty="0" smtClean="0"/>
+              <a:t>, </a:t>
+            </a:r>
+            <a:r>
+              <a:rPr lang="en-US" dirty="0" smtClean="0">
+                <a:latin typeface="Courier New" panose="02070309020205020404" pitchFamily="49" charset="0"/>
+                <a:cs typeface="Courier New" panose="02070309020205020404" pitchFamily="49" charset="0"/>
+              </a:rPr>
+              <a:t>G</a:t>
+            </a:r>
+            <a:r>
+              <a:rPr lang="en-US" dirty="0" smtClean="0"/>
+              <a:t>, </a:t>
+            </a:r>
+            <a:r>
+              <a:rPr lang="en-US" dirty="0" smtClean="0">
+                <a:latin typeface="Courier New" panose="02070309020205020404" pitchFamily="49" charset="0"/>
+                <a:cs typeface="Courier New" panose="02070309020205020404" pitchFamily="49" charset="0"/>
+              </a:rPr>
+              <a:t>T</a:t>
+            </a:r>
+            <a:endParaRPr lang="nl-BE" dirty="0">
+              <a:latin typeface="Courier New" panose="02070309020205020404" pitchFamily="49" charset="0"/>
+              <a:cs typeface="Courier New" panose="02070309020205020404" pitchFamily="49" charset="0"/>
+            </a:endParaRPr>
           </a:p>
         </p:txBody>
       </p:sp>
+      <p:sp>
+        <p:nvSpPr>
+          <p:cNvPr id="4" name="TextBox 3"/>
+          <p:cNvSpPr txBox="1"/>
+          <p:nvPr/>
+        </p:nvSpPr>
+        <p:spPr>
+          <a:xfrm>
+            <a:off x="2620769" y="3429000"/>
+            <a:ext cx="2941831" cy="1200329"/>
+          </a:xfrm>
+          <a:prstGeom prst="rect">
+            <a:avLst/>
+          </a:prstGeom>
+          <a:solidFill>
+            <a:schemeClr val="accent3">
+              <a:lumMod val="40000"/>
+              <a:lumOff val="60000"/>
+            </a:schemeClr>
+          </a:solidFill>
+          <a:ln>
+            <a:solidFill>
+              <a:schemeClr val="tx1"/>
+            </a:solidFill>
+          </a:ln>
+        </p:spPr>
+        <p:txBody>
+          <a:bodyPr wrap="none" rtlCol="0">
+            <a:spAutoFit/>
+          </a:bodyPr>
+          <a:lstStyle/>
+          <a:p>
+            <a:r>
+              <a:rPr lang="nl-BE" dirty="0">
+                <a:latin typeface="Courier New" panose="02070309020205020404" pitchFamily="49" charset="0"/>
+                <a:cs typeface="Courier New" panose="02070309020205020404" pitchFamily="49" charset="0"/>
+              </a:rPr>
+              <a:t>AGTCATCCAAGTGGTGATAT</a:t>
+            </a:r>
+          </a:p>
+          <a:p>
+            <a:r>
+              <a:rPr lang="nl-BE" dirty="0">
+                <a:latin typeface="Courier New" panose="02070309020205020404" pitchFamily="49" charset="0"/>
+                <a:cs typeface="Courier New" panose="02070309020205020404" pitchFamily="49" charset="0"/>
+              </a:rPr>
+              <a:t>TATTGCCGGCGAGTAACTAT</a:t>
+            </a:r>
+          </a:p>
+          <a:p>
+            <a:r>
+              <a:rPr lang="nl-BE" dirty="0">
+                <a:latin typeface="Courier New" panose="02070309020205020404" pitchFamily="49" charset="0"/>
+                <a:cs typeface="Courier New" panose="02070309020205020404" pitchFamily="49" charset="0"/>
+              </a:rPr>
+              <a:t>CGATCTTAGACATCTGTATT</a:t>
+            </a:r>
+          </a:p>
+          <a:p>
+            <a:r>
+              <a:rPr lang="nl-BE" dirty="0" smtClean="0">
+                <a:latin typeface="Courier New" panose="02070309020205020404" pitchFamily="49" charset="0"/>
+                <a:cs typeface="Courier New" panose="02070309020205020404" pitchFamily="49" charset="0"/>
+              </a:rPr>
+              <a:t>AAGAGAAGTTACTAGCGGGA</a:t>
+            </a:r>
+            <a:endParaRPr lang="nl-BE" dirty="0">
+              <a:latin typeface="Courier New" panose="02070309020205020404" pitchFamily="49" charset="0"/>
+              <a:cs typeface="Courier New" panose="02070309020205020404" pitchFamily="49" charset="0"/>
+            </a:endParaRPr>
+          </a:p>
+        </p:txBody>
+      </p:sp>
+      <p:grpSp>
+        <p:nvGrpSpPr>
+          <p:cNvPr id="23" name="Group 22"/>
+          <p:cNvGrpSpPr/>
+          <p:nvPr/>
+        </p:nvGrpSpPr>
+        <p:grpSpPr>
+          <a:xfrm>
+            <a:off x="990600" y="2667000"/>
+            <a:ext cx="1871930" cy="2667000"/>
+            <a:chOff x="990600" y="2667000"/>
+            <a:chExt cx="1871930" cy="2667000"/>
+          </a:xfrm>
+        </p:grpSpPr>
+        <p:grpSp>
+          <p:nvGrpSpPr>
+            <p:cNvPr id="9" name="Group 8"/>
+            <p:cNvGrpSpPr/>
+            <p:nvPr/>
+          </p:nvGrpSpPr>
+          <p:grpSpPr>
+            <a:xfrm>
+              <a:off x="1524000" y="2667000"/>
+              <a:ext cx="1338530" cy="1066800"/>
+              <a:chOff x="1524000" y="2667000"/>
+              <a:chExt cx="1338530" cy="1066800"/>
+            </a:xfrm>
+          </p:grpSpPr>
+          <p:sp>
+            <p:nvSpPr>
+              <p:cNvPr id="5" name="TextBox 4"/>
+              <p:cNvSpPr txBox="1"/>
+              <p:nvPr/>
+            </p:nvSpPr>
+            <p:spPr>
+              <a:xfrm>
+                <a:off x="1524000" y="2667000"/>
+                <a:ext cx="1064202" cy="369332"/>
+              </a:xfrm>
+              <a:prstGeom prst="rect">
+                <a:avLst/>
+              </a:prstGeom>
+              <a:solidFill>
+                <a:schemeClr val="bg1"/>
+              </a:solidFill>
+              <a:ln>
+                <a:solidFill>
+                  <a:schemeClr val="tx1"/>
+                </a:solidFill>
+              </a:ln>
+            </p:spPr>
+            <p:txBody>
+              <a:bodyPr wrap="none" rtlCol="0">
+                <a:spAutoFit/>
+              </a:bodyPr>
+              <a:lstStyle/>
+              <a:p>
+                <a:r>
+                  <a:rPr lang="en-US" dirty="0" smtClean="0"/>
+                  <a:t>Process 0</a:t>
+                </a:r>
+                <a:endParaRPr lang="nl-BE" dirty="0"/>
+              </a:p>
+            </p:txBody>
+          </p:sp>
+          <p:sp>
+            <p:nvSpPr>
+              <p:cNvPr id="6" name="Rectangle 5"/>
+              <p:cNvSpPr/>
+              <p:nvPr/>
+            </p:nvSpPr>
+            <p:spPr>
+              <a:xfrm>
+                <a:off x="2710130" y="3429000"/>
+                <a:ext cx="152400" cy="304800"/>
+              </a:xfrm>
+              <a:prstGeom prst="rect">
+                <a:avLst/>
+              </a:prstGeom>
+              <a:noFill/>
+              <a:ln>
+                <a:solidFill>
+                  <a:schemeClr val="tx1"/>
+                </a:solidFill>
+              </a:ln>
+            </p:spPr>
+            <p:style>
+              <a:lnRef idx="2">
+                <a:schemeClr val="accent1">
+                  <a:shade val="50000"/>
+                </a:schemeClr>
+              </a:lnRef>
+              <a:fillRef idx="1">
+                <a:schemeClr val="accent1"/>
+              </a:fillRef>
+              <a:effectRef idx="0">
+                <a:schemeClr val="accent1"/>
+              </a:effectRef>
+              <a:fontRef idx="minor">
+                <a:schemeClr val="lt1"/>
+              </a:fontRef>
+            </p:style>
+            <p:txBody>
+              <a:bodyPr rtlCol="0" anchor="ctr"/>
+              <a:lstStyle/>
+              <a:p>
+                <a:pPr algn="ctr"/>
+                <a:endParaRPr lang="nl-BE"/>
+              </a:p>
+            </p:txBody>
+          </p:sp>
+          <p:cxnSp>
+            <p:nvCxnSpPr>
+              <p:cNvPr id="8" name="Straight Arrow Connector 7"/>
+              <p:cNvCxnSpPr>
+                <a:stCxn id="5" idx="2"/>
+                <a:endCxn id="6" idx="1"/>
+              </p:cNvCxnSpPr>
+              <p:nvPr/>
+            </p:nvCxnSpPr>
+            <p:spPr>
+              <a:xfrm>
+                <a:off x="2056101" y="3036332"/>
+                <a:ext cx="654029" cy="545068"/>
+              </a:xfrm>
+              <a:prstGeom prst="straightConnector1">
+                <a:avLst/>
+              </a:prstGeom>
+              <a:ln w="19050">
+                <a:solidFill>
+                  <a:schemeClr val="tx1"/>
+                </a:solidFill>
+                <a:prstDash val="dash"/>
+                <a:tailEnd type="stealth" w="lg" len="lg"/>
+              </a:ln>
+            </p:spPr>
+            <p:style>
+              <a:lnRef idx="1">
+                <a:schemeClr val="accent1"/>
+              </a:lnRef>
+              <a:fillRef idx="0">
+                <a:schemeClr val="accent1"/>
+              </a:fillRef>
+              <a:effectRef idx="0">
+                <a:schemeClr val="accent1"/>
+              </a:effectRef>
+              <a:fontRef idx="minor">
+                <a:schemeClr val="tx1"/>
+              </a:fontRef>
+            </p:style>
+          </p:cxnSp>
+        </p:grpSp>
+        <p:grpSp>
+          <p:nvGrpSpPr>
+            <p:cNvPr id="10" name="Group 9"/>
+            <p:cNvGrpSpPr/>
+            <p:nvPr/>
+          </p:nvGrpSpPr>
+          <p:grpSpPr>
+            <a:xfrm>
+              <a:off x="990600" y="3212068"/>
+              <a:ext cx="1871930" cy="826532"/>
+              <a:chOff x="990600" y="2907268"/>
+              <a:chExt cx="1871930" cy="826532"/>
+            </a:xfrm>
+          </p:grpSpPr>
+          <p:sp>
+            <p:nvSpPr>
+              <p:cNvPr id="11" name="TextBox 10"/>
+              <p:cNvSpPr txBox="1"/>
+              <p:nvPr/>
+            </p:nvSpPr>
+            <p:spPr>
+              <a:xfrm>
+                <a:off x="990600" y="2907268"/>
+                <a:ext cx="1064202" cy="369332"/>
+              </a:xfrm>
+              <a:prstGeom prst="rect">
+                <a:avLst/>
+              </a:prstGeom>
+              <a:solidFill>
+                <a:schemeClr val="bg1"/>
+              </a:solidFill>
+              <a:ln>
+                <a:solidFill>
+                  <a:srgbClr val="0070C0"/>
+                </a:solidFill>
+              </a:ln>
+            </p:spPr>
+            <p:txBody>
+              <a:bodyPr wrap="none" rtlCol="0">
+                <a:spAutoFit/>
+              </a:bodyPr>
+              <a:lstStyle/>
+              <a:p>
+                <a:r>
+                  <a:rPr lang="en-US" dirty="0" smtClean="0">
+                    <a:solidFill>
+                      <a:srgbClr val="0070C0"/>
+                    </a:solidFill>
+                  </a:rPr>
+                  <a:t>Process 1</a:t>
+                </a:r>
+                <a:endParaRPr lang="nl-BE" dirty="0">
+                  <a:solidFill>
+                    <a:srgbClr val="0070C0"/>
+                  </a:solidFill>
+                </a:endParaRPr>
+              </a:p>
+            </p:txBody>
+          </p:sp>
+          <p:sp>
+            <p:nvSpPr>
+              <p:cNvPr id="12" name="Rectangle 11"/>
+              <p:cNvSpPr/>
+              <p:nvPr/>
+            </p:nvSpPr>
+            <p:spPr>
+              <a:xfrm>
+                <a:off x="2710130" y="3429000"/>
+                <a:ext cx="152400" cy="304800"/>
+              </a:xfrm>
+              <a:prstGeom prst="rect">
+                <a:avLst/>
+              </a:prstGeom>
+              <a:noFill/>
+              <a:ln>
+                <a:solidFill>
+                  <a:srgbClr val="0070C0"/>
+                </a:solidFill>
+              </a:ln>
+            </p:spPr>
+            <p:style>
+              <a:lnRef idx="2">
+                <a:schemeClr val="accent1">
+                  <a:shade val="50000"/>
+                </a:schemeClr>
+              </a:lnRef>
+              <a:fillRef idx="1">
+                <a:schemeClr val="accent1"/>
+              </a:fillRef>
+              <a:effectRef idx="0">
+                <a:schemeClr val="accent1"/>
+              </a:effectRef>
+              <a:fontRef idx="minor">
+                <a:schemeClr val="lt1"/>
+              </a:fontRef>
+            </p:style>
+            <p:txBody>
+              <a:bodyPr rtlCol="0" anchor="ctr"/>
+              <a:lstStyle/>
+              <a:p>
+                <a:pPr algn="ctr"/>
+                <a:endParaRPr lang="nl-BE"/>
+              </a:p>
+            </p:txBody>
+          </p:sp>
+          <p:cxnSp>
+            <p:nvCxnSpPr>
+              <p:cNvPr id="13" name="Straight Arrow Connector 12"/>
+              <p:cNvCxnSpPr>
+                <a:stCxn id="11" idx="2"/>
+                <a:endCxn id="12" idx="1"/>
+              </p:cNvCxnSpPr>
+              <p:nvPr/>
+            </p:nvCxnSpPr>
+            <p:spPr>
+              <a:xfrm>
+                <a:off x="1522701" y="3276600"/>
+                <a:ext cx="1187429" cy="304800"/>
+              </a:xfrm>
+              <a:prstGeom prst="straightConnector1">
+                <a:avLst/>
+              </a:prstGeom>
+              <a:ln w="19050">
+                <a:solidFill>
+                  <a:srgbClr val="0070C0"/>
+                </a:solidFill>
+                <a:prstDash val="dash"/>
+                <a:tailEnd type="stealth" w="lg" len="lg"/>
+              </a:ln>
+            </p:spPr>
+            <p:style>
+              <a:lnRef idx="1">
+                <a:schemeClr val="accent1"/>
+              </a:lnRef>
+              <a:fillRef idx="0">
+                <a:schemeClr val="accent1"/>
+              </a:fillRef>
+              <a:effectRef idx="0">
+                <a:schemeClr val="accent1"/>
+              </a:effectRef>
+              <a:fontRef idx="minor">
+                <a:schemeClr val="tx1"/>
+              </a:fontRef>
+            </p:style>
+          </p:cxnSp>
+        </p:grpSp>
+        <p:grpSp>
+          <p:nvGrpSpPr>
+            <p:cNvPr id="14" name="Group 13"/>
+            <p:cNvGrpSpPr/>
+            <p:nvPr/>
+          </p:nvGrpSpPr>
+          <p:grpSpPr>
+            <a:xfrm>
+              <a:off x="990600" y="4038600"/>
+              <a:ext cx="1871930" cy="705920"/>
+              <a:chOff x="990600" y="3429000"/>
+              <a:chExt cx="1871930" cy="705920"/>
+            </a:xfrm>
+          </p:grpSpPr>
+          <p:sp>
+            <p:nvSpPr>
+              <p:cNvPr id="15" name="TextBox 14"/>
+              <p:cNvSpPr txBox="1"/>
+              <p:nvPr/>
+            </p:nvSpPr>
+            <p:spPr>
+              <a:xfrm>
+                <a:off x="990600" y="3765588"/>
+                <a:ext cx="1064202" cy="369332"/>
+              </a:xfrm>
+              <a:prstGeom prst="rect">
+                <a:avLst/>
+              </a:prstGeom>
+              <a:solidFill>
+                <a:schemeClr val="bg1"/>
+              </a:solidFill>
+              <a:ln>
+                <a:solidFill>
+                  <a:srgbClr val="C00000"/>
+                </a:solidFill>
+              </a:ln>
+            </p:spPr>
+            <p:txBody>
+              <a:bodyPr wrap="none" rtlCol="0">
+                <a:spAutoFit/>
+              </a:bodyPr>
+              <a:lstStyle/>
+              <a:p>
+                <a:r>
+                  <a:rPr lang="en-US" dirty="0" smtClean="0">
+                    <a:solidFill>
+                      <a:srgbClr val="C00000"/>
+                    </a:solidFill>
+                  </a:rPr>
+                  <a:t>Process 2</a:t>
+                </a:r>
+                <a:endParaRPr lang="nl-BE" dirty="0">
+                  <a:solidFill>
+                    <a:srgbClr val="C00000"/>
+                  </a:solidFill>
+                </a:endParaRPr>
+              </a:p>
+            </p:txBody>
+          </p:sp>
+          <p:sp>
+            <p:nvSpPr>
+              <p:cNvPr id="16" name="Rectangle 15"/>
+              <p:cNvSpPr/>
+              <p:nvPr/>
+            </p:nvSpPr>
+            <p:spPr>
+              <a:xfrm>
+                <a:off x="2710130" y="3429000"/>
+                <a:ext cx="152400" cy="304800"/>
+              </a:xfrm>
+              <a:prstGeom prst="rect">
+                <a:avLst/>
+              </a:prstGeom>
+              <a:noFill/>
+              <a:ln>
+                <a:solidFill>
+                  <a:srgbClr val="C00000"/>
+                </a:solidFill>
+              </a:ln>
+            </p:spPr>
+            <p:style>
+              <a:lnRef idx="2">
+                <a:schemeClr val="accent1">
+                  <a:shade val="50000"/>
+                </a:schemeClr>
+              </a:lnRef>
+              <a:fillRef idx="1">
+                <a:schemeClr val="accent1"/>
+              </a:fillRef>
+              <a:effectRef idx="0">
+                <a:schemeClr val="accent1"/>
+              </a:effectRef>
+              <a:fontRef idx="minor">
+                <a:schemeClr val="lt1"/>
+              </a:fontRef>
+            </p:style>
+            <p:txBody>
+              <a:bodyPr rtlCol="0" anchor="ctr"/>
+              <a:lstStyle/>
+              <a:p>
+                <a:pPr algn="ctr"/>
+                <a:endParaRPr lang="nl-BE"/>
+              </a:p>
+            </p:txBody>
+          </p:sp>
+          <p:cxnSp>
+            <p:nvCxnSpPr>
+              <p:cNvPr id="17" name="Straight Arrow Connector 16"/>
+              <p:cNvCxnSpPr>
+                <a:stCxn id="15" idx="0"/>
+                <a:endCxn id="16" idx="1"/>
+              </p:cNvCxnSpPr>
+              <p:nvPr/>
+            </p:nvCxnSpPr>
+            <p:spPr>
+              <a:xfrm flipV="1">
+                <a:off x="1522701" y="3581400"/>
+                <a:ext cx="1187429" cy="184188"/>
+              </a:xfrm>
+              <a:prstGeom prst="straightConnector1">
+                <a:avLst/>
+              </a:prstGeom>
+              <a:ln w="19050">
+                <a:solidFill>
+                  <a:srgbClr val="C00000"/>
+                </a:solidFill>
+                <a:prstDash val="dash"/>
+                <a:tailEnd type="stealth" w="lg" len="lg"/>
+              </a:ln>
+            </p:spPr>
+            <p:style>
+              <a:lnRef idx="1">
+                <a:schemeClr val="accent1"/>
+              </a:lnRef>
+              <a:fillRef idx="0">
+                <a:schemeClr val="accent1"/>
+              </a:fillRef>
+              <a:effectRef idx="0">
+                <a:schemeClr val="accent1"/>
+              </a:effectRef>
+              <a:fontRef idx="minor">
+                <a:schemeClr val="tx1"/>
+              </a:fontRef>
+            </p:style>
+          </p:cxnSp>
+        </p:grpSp>
+        <p:grpSp>
+          <p:nvGrpSpPr>
+            <p:cNvPr id="19" name="Group 18"/>
+            <p:cNvGrpSpPr/>
+            <p:nvPr/>
+          </p:nvGrpSpPr>
+          <p:grpSpPr>
+            <a:xfrm>
+              <a:off x="1450398" y="4343400"/>
+              <a:ext cx="1412132" cy="990600"/>
+              <a:chOff x="1450398" y="3429000"/>
+              <a:chExt cx="1412132" cy="990600"/>
+            </a:xfrm>
+          </p:grpSpPr>
+          <p:sp>
+            <p:nvSpPr>
+              <p:cNvPr id="20" name="TextBox 19"/>
+              <p:cNvSpPr txBox="1"/>
+              <p:nvPr/>
+            </p:nvSpPr>
+            <p:spPr>
+              <a:xfrm>
+                <a:off x="1450398" y="4050268"/>
+                <a:ext cx="1064202" cy="369332"/>
+              </a:xfrm>
+              <a:prstGeom prst="rect">
+                <a:avLst/>
+              </a:prstGeom>
+              <a:solidFill>
+                <a:schemeClr val="bg1"/>
+              </a:solidFill>
+              <a:ln>
+                <a:solidFill>
+                  <a:srgbClr val="00B050"/>
+                </a:solidFill>
+              </a:ln>
+            </p:spPr>
+            <p:txBody>
+              <a:bodyPr wrap="none" rtlCol="0">
+                <a:spAutoFit/>
+              </a:bodyPr>
+              <a:lstStyle/>
+              <a:p>
+                <a:r>
+                  <a:rPr lang="en-US" dirty="0" smtClean="0">
+                    <a:solidFill>
+                      <a:srgbClr val="00B050"/>
+                    </a:solidFill>
+                  </a:rPr>
+                  <a:t>Process 3</a:t>
+                </a:r>
+                <a:endParaRPr lang="nl-BE" dirty="0">
+                  <a:solidFill>
+                    <a:srgbClr val="00B050"/>
+                  </a:solidFill>
+                </a:endParaRPr>
+              </a:p>
+            </p:txBody>
+          </p:sp>
+          <p:sp>
+            <p:nvSpPr>
+              <p:cNvPr id="21" name="Rectangle 20"/>
+              <p:cNvSpPr/>
+              <p:nvPr/>
+            </p:nvSpPr>
+            <p:spPr>
+              <a:xfrm>
+                <a:off x="2710130" y="3429000"/>
+                <a:ext cx="152400" cy="304800"/>
+              </a:xfrm>
+              <a:prstGeom prst="rect">
+                <a:avLst/>
+              </a:prstGeom>
+              <a:noFill/>
+              <a:ln>
+                <a:solidFill>
+                  <a:srgbClr val="00B050"/>
+                </a:solidFill>
+              </a:ln>
+            </p:spPr>
+            <p:style>
+              <a:lnRef idx="2">
+                <a:schemeClr val="accent1">
+                  <a:shade val="50000"/>
+                </a:schemeClr>
+              </a:lnRef>
+              <a:fillRef idx="1">
+                <a:schemeClr val="accent1"/>
+              </a:fillRef>
+              <a:effectRef idx="0">
+                <a:schemeClr val="accent1"/>
+              </a:effectRef>
+              <a:fontRef idx="minor">
+                <a:schemeClr val="lt1"/>
+              </a:fontRef>
+            </p:style>
+            <p:txBody>
+              <a:bodyPr rtlCol="0" anchor="ctr"/>
+              <a:lstStyle/>
+              <a:p>
+                <a:pPr algn="ctr"/>
+                <a:endParaRPr lang="nl-BE"/>
+              </a:p>
+            </p:txBody>
+          </p:sp>
+          <p:cxnSp>
+            <p:nvCxnSpPr>
+              <p:cNvPr id="22" name="Straight Arrow Connector 21"/>
+              <p:cNvCxnSpPr>
+                <a:stCxn id="20" idx="0"/>
+                <a:endCxn id="21" idx="1"/>
+              </p:cNvCxnSpPr>
+              <p:nvPr/>
+            </p:nvCxnSpPr>
+            <p:spPr>
+              <a:xfrm flipV="1">
+                <a:off x="1982499" y="3581400"/>
+                <a:ext cx="727631" cy="468868"/>
+              </a:xfrm>
+              <a:prstGeom prst="straightConnector1">
+                <a:avLst/>
+              </a:prstGeom>
+              <a:ln w="19050">
+                <a:solidFill>
+                  <a:srgbClr val="00B050"/>
+                </a:solidFill>
+                <a:prstDash val="dash"/>
+                <a:tailEnd type="stealth" w="lg" len="lg"/>
+              </a:ln>
+            </p:spPr>
+            <p:style>
+              <a:lnRef idx="1">
+                <a:schemeClr val="accent1"/>
+              </a:lnRef>
+              <a:fillRef idx="0">
+                <a:schemeClr val="accent1"/>
+              </a:fillRef>
+              <a:effectRef idx="0">
+                <a:schemeClr val="accent1"/>
+              </a:effectRef>
+              <a:fontRef idx="minor">
+                <a:schemeClr val="tx1"/>
+              </a:fontRef>
+            </p:style>
+          </p:cxnSp>
+        </p:grpSp>
+      </p:grpSp>
+      <p:grpSp>
+        <p:nvGrpSpPr>
+          <p:cNvPr id="26" name="Group 25"/>
+          <p:cNvGrpSpPr/>
+          <p:nvPr/>
+        </p:nvGrpSpPr>
+        <p:grpSpPr>
+          <a:xfrm>
+            <a:off x="6127990" y="3657600"/>
+            <a:ext cx="1111010" cy="1131332"/>
+            <a:chOff x="6127990" y="3657600"/>
+            <a:chExt cx="1111010" cy="1131332"/>
+          </a:xfrm>
+        </p:grpSpPr>
+        <p:sp>
+          <p:nvSpPr>
+            <p:cNvPr id="24" name="Flowchart: Or 23"/>
+            <p:cNvSpPr/>
+            <p:nvPr/>
+          </p:nvSpPr>
+          <p:spPr>
+            <a:xfrm>
+              <a:off x="6324600" y="3657600"/>
+              <a:ext cx="685800" cy="685800"/>
+            </a:xfrm>
+            <a:prstGeom prst="flowChartOr">
+              <a:avLst/>
+            </a:prstGeom>
+            <a:solidFill>
+              <a:schemeClr val="bg1"/>
+            </a:solidFill>
+            <a:ln>
+              <a:solidFill>
+                <a:schemeClr val="tx1"/>
+              </a:solidFill>
+            </a:ln>
+          </p:spPr>
+          <p:style>
+            <a:lnRef idx="2">
+              <a:schemeClr val="accent1">
+                <a:shade val="50000"/>
+              </a:schemeClr>
+            </a:lnRef>
+            <a:fillRef idx="1">
+              <a:schemeClr val="accent1"/>
+            </a:fillRef>
+            <a:effectRef idx="0">
+              <a:schemeClr val="accent1"/>
+            </a:effectRef>
+            <a:fontRef idx="minor">
+              <a:schemeClr val="lt1"/>
+            </a:fontRef>
+          </p:style>
+          <p:txBody>
+            <a:bodyPr rtlCol="0" anchor="ctr"/>
+            <a:lstStyle/>
+            <a:p>
+              <a:pPr algn="ctr"/>
+              <a:endParaRPr lang="nl-BE"/>
+            </a:p>
+          </p:txBody>
+        </p:sp>
+        <p:sp>
+          <p:nvSpPr>
+            <p:cNvPr id="25" name="TextBox 24"/>
+            <p:cNvSpPr txBox="1"/>
+            <p:nvPr/>
+          </p:nvSpPr>
+          <p:spPr>
+            <a:xfrm>
+              <a:off x="6127990" y="4419600"/>
+              <a:ext cx="1111010" cy="369332"/>
+            </a:xfrm>
+            <a:prstGeom prst="rect">
+              <a:avLst/>
+            </a:prstGeom>
+            <a:noFill/>
+          </p:spPr>
+          <p:txBody>
+            <a:bodyPr wrap="none" rtlCol="0">
+              <a:spAutoFit/>
+            </a:bodyPr>
+            <a:lstStyle/>
+            <a:p>
+              <a:r>
+                <a:rPr lang="en-US" dirty="0" smtClean="0"/>
+                <a:t>aggregate</a:t>
+              </a:r>
+              <a:endParaRPr lang="nl-BE" dirty="0"/>
+            </a:p>
+          </p:txBody>
+        </p:sp>
+      </p:grpSp>
     </p:spTree>
     <p:extLst>
       <p:ext uri="{BB962C8B-B14F-4D97-AF65-F5344CB8AC3E}">
-        <p14:creationId xmlns:p14="http://schemas.microsoft.com/office/powerpoint/2010/main" val="3962184908"/>
+        <p14:creationId xmlns:p14="http://schemas.microsoft.com/office/powerpoint/2010/main" val="1153524669"/>
       </p:ext>
     </p:extLst>
   </p:cSld>
   <p:clrMapOvr>
     <a:masterClrMapping/>
   </p:clrMapOvr>
+  <p:timing>
+    <p:tnLst>
+      <p:par>
+        <p:cTn id="1" dur="indefinite" restart="never" nodeType="tmRoot">
+          <p:childTnLst>
+            <p:seq concurrent="1" nextAc="seek">
+              <p:cTn id="2" dur="indefinite" nodeType="mainSeq">
+                <p:childTnLst>
+                  <p:par>
+                    <p:cTn id="3" fill="hold">
+                      <p:stCondLst>
+                        <p:cond delay="indefinite"/>
+                      </p:stCondLst>
+                      <p:childTnLst>
+                        <p:par>
+                          <p:cTn id="4" fill="hold">
+                            <p:stCondLst>
+                              <p:cond delay="0"/>
+                            </p:stCondLst>
+                            <p:childTnLst>
+                              <p:par>
+                                <p:cTn id="5" presetID="63" presetClass="path" presetSubtype="0" accel="50000" decel="50000" fill="hold" nodeType="clickEffect">
+                                  <p:stCondLst>
+                                    <p:cond delay="0"/>
+                                  </p:stCondLst>
+                                  <p:childTnLst>
+                                    <p:animMotion origin="layout" path="M -2.77778E-7 -3.33333E-6 L 0.28108 -3.33333E-6 " pathEditMode="relative" rAng="0" ptsTypes="AA">
+                                      <p:cBhvr>
+                                        <p:cTn id="6" dur="2000" fill="hold"/>
+                                        <p:tgtEl>
+                                          <p:spTgt spid="23"/>
+                                        </p:tgtEl>
+                                        <p:attrNameLst>
+                                          <p:attrName>ppt_x</p:attrName>
+                                          <p:attrName>ppt_y</p:attrName>
+                                        </p:attrNameLst>
+                                      </p:cBhvr>
+                                      <p:rCtr x="14045" y="0"/>
+                                    </p:animMotion>
+                                  </p:childTnLst>
+                                </p:cTn>
+                              </p:par>
+                            </p:childTnLst>
+                          </p:cTn>
+                        </p:par>
+                      </p:childTnLst>
+                    </p:cTn>
+                  </p:par>
+                </p:childTnLst>
+              </p:cTn>
+              <p:prevCondLst>
+                <p:cond evt="onPrev" delay="0">
+                  <p:tgtEl>
+                    <p:sldTgt/>
+                  </p:tgtEl>
+                </p:cond>
+              </p:prevCondLst>
+              <p:nextCondLst>
+                <p:cond evt="onNext" delay="0">
+                  <p:tgtEl>
+                    <p:sldTgt/>
+                  </p:tgtEl>
+                </p:cond>
+              </p:nextCondLst>
+            </p:seq>
+          </p:childTnLst>
+        </p:cTn>
+      </p:par>
+    </p:tnLst>
+  </p:timing>
+</p:sld>
+</file>
+
+<file path=ppt/slides/slide9.xml><?xml version="1.0" encoding="utf-8"?>
+<p:sld xmlns:a="http://schemas.openxmlformats.org/drawingml/2006/main" xmlns:r="http://schemas.openxmlformats.org/officeDocument/2006/relationships" xmlns:p="http://schemas.openxmlformats.org/presentationml/2006/main">
+  <p:cSld>
+    <p:spTree>
+      <p:nvGrpSpPr>
+        <p:cNvPr id="1" name=""/>
+        <p:cNvGrpSpPr/>
+        <p:nvPr/>
+      </p:nvGrpSpPr>
+      <p:grpSpPr>
+        <a:xfrm>
+          <a:off x="0" y="0"/>
+          <a:ext cx="0" cy="0"/>
+          <a:chOff x="0" y="0"/>
+          <a:chExt cx="0" cy="0"/>
+        </a:xfrm>
+      </p:grpSpPr>
+      <p:sp>
+        <p:nvSpPr>
+          <p:cNvPr id="2" name="Title 1"/>
+          <p:cNvSpPr>
+            <a:spLocks noGrp="1"/>
+          </p:cNvSpPr>
+          <p:nvPr>
+            <p:ph type="title"/>
+          </p:nvPr>
+        </p:nvSpPr>
+        <p:spPr/>
+        <p:txBody>
+          <a:bodyPr/>
+          <a:lstStyle/>
+          <a:p>
+            <a:r>
+              <a:rPr lang="en-US" dirty="0" smtClean="0"/>
+              <a:t>Count a chunk</a:t>
+            </a:r>
+            <a:endParaRPr lang="nl-BE" dirty="0"/>
+          </a:p>
+        </p:txBody>
+      </p:sp>
+      <p:sp>
+        <p:nvSpPr>
+          <p:cNvPr id="3" name="Content Placeholder 2"/>
+          <p:cNvSpPr>
+            <a:spLocks noGrp="1"/>
+          </p:cNvSpPr>
+          <p:nvPr>
+            <p:ph idx="1"/>
+          </p:nvPr>
+        </p:nvSpPr>
+        <p:spPr/>
+        <p:txBody>
+          <a:bodyPr/>
+          <a:lstStyle/>
+          <a:p>
+            <a:r>
+              <a:rPr lang="en-US" dirty="0" smtClean="0"/>
+              <a:t>Given: file name, start position, chunk size</a:t>
+            </a:r>
+          </a:p>
+          <a:p>
+            <a:r>
+              <a:rPr lang="en-US" dirty="0" smtClean="0"/>
+              <a:t>Return: </a:t>
+            </a:r>
+            <a:r>
+              <a:rPr lang="en-US" dirty="0" err="1" smtClean="0">
+                <a:latin typeface="Courier New" panose="02070309020205020404" pitchFamily="49" charset="0"/>
+                <a:cs typeface="Courier New" panose="02070309020205020404" pitchFamily="49" charset="0"/>
+              </a:rPr>
+              <a:t>dict</a:t>
+            </a:r>
+            <a:r>
+              <a:rPr lang="en-US" dirty="0" smtClean="0"/>
+              <a:t> of counts</a:t>
+            </a:r>
+            <a:endParaRPr lang="nl-BE" dirty="0"/>
+          </a:p>
+        </p:txBody>
+      </p:sp>
+      <p:sp>
+        <p:nvSpPr>
+          <p:cNvPr id="4" name="TextBox 3"/>
+          <p:cNvSpPr txBox="1"/>
+          <p:nvPr/>
+        </p:nvSpPr>
+        <p:spPr>
+          <a:xfrm>
+            <a:off x="1143000" y="3005078"/>
+            <a:ext cx="6526146" cy="2862322"/>
+          </a:xfrm>
+          <a:prstGeom prst="rect">
+            <a:avLst/>
+          </a:prstGeom>
+          <a:solidFill>
+            <a:schemeClr val="bg1">
+              <a:lumMod val="85000"/>
+            </a:schemeClr>
+          </a:solidFill>
+        </p:spPr>
+        <p:txBody>
+          <a:bodyPr wrap="none" rtlCol="0">
+            <a:spAutoFit/>
+          </a:bodyPr>
+          <a:lstStyle/>
+          <a:p>
+            <a:r>
+              <a:rPr lang="nl-BE" dirty="0" err="1" smtClean="0">
+                <a:latin typeface="Courier New" panose="02070309020205020404" pitchFamily="49" charset="0"/>
+                <a:cs typeface="Courier New" panose="02070309020205020404" pitchFamily="49" charset="0"/>
+              </a:rPr>
+              <a:t>def</a:t>
+            </a:r>
+            <a:r>
+              <a:rPr lang="nl-BE" dirty="0" smtClean="0">
+                <a:latin typeface="Courier New" panose="02070309020205020404" pitchFamily="49" charset="0"/>
+                <a:cs typeface="Courier New" panose="02070309020205020404" pitchFamily="49" charset="0"/>
+              </a:rPr>
+              <a:t> </a:t>
+            </a:r>
+            <a:r>
+              <a:rPr lang="nl-BE" dirty="0" err="1">
+                <a:latin typeface="Courier New" panose="02070309020205020404" pitchFamily="49" charset="0"/>
+                <a:cs typeface="Courier New" panose="02070309020205020404" pitchFamily="49" charset="0"/>
+              </a:rPr>
+              <a:t>count_chunk</a:t>
+            </a:r>
+            <a:r>
+              <a:rPr lang="nl-BE" dirty="0">
+                <a:latin typeface="Courier New" panose="02070309020205020404" pitchFamily="49" charset="0"/>
+                <a:cs typeface="Courier New" panose="02070309020205020404" pitchFamily="49" charset="0"/>
+              </a:rPr>
+              <a:t>(</a:t>
+            </a:r>
+            <a:r>
+              <a:rPr lang="nl-BE" dirty="0" err="1">
+                <a:latin typeface="Courier New" panose="02070309020205020404" pitchFamily="49" charset="0"/>
+                <a:cs typeface="Courier New" panose="02070309020205020404" pitchFamily="49" charset="0"/>
+              </a:rPr>
+              <a:t>args</a:t>
+            </a:r>
+            <a:r>
+              <a:rPr lang="nl-BE" dirty="0">
+                <a:latin typeface="Courier New" panose="02070309020205020404" pitchFamily="49" charset="0"/>
+                <a:cs typeface="Courier New" panose="02070309020205020404" pitchFamily="49" charset="0"/>
+              </a:rPr>
+              <a:t>):</a:t>
+            </a:r>
+          </a:p>
+          <a:p>
+            <a:r>
+              <a:rPr lang="nl-BE" dirty="0">
+                <a:latin typeface="Courier New" panose="02070309020205020404" pitchFamily="49" charset="0"/>
+                <a:cs typeface="Courier New" panose="02070309020205020404" pitchFamily="49" charset="0"/>
+              </a:rPr>
+              <a:t>    </a:t>
+            </a:r>
+            <a:r>
+              <a:rPr lang="nl-BE" dirty="0" err="1">
+                <a:latin typeface="Courier New" panose="02070309020205020404" pitchFamily="49" charset="0"/>
+                <a:cs typeface="Courier New" panose="02070309020205020404" pitchFamily="49" charset="0"/>
+              </a:rPr>
+              <a:t>file_name</a:t>
+            </a:r>
+            <a:r>
+              <a:rPr lang="nl-BE" dirty="0">
+                <a:latin typeface="Courier New" panose="02070309020205020404" pitchFamily="49" charset="0"/>
+                <a:cs typeface="Courier New" panose="02070309020205020404" pitchFamily="49" charset="0"/>
+              </a:rPr>
+              <a:t>, </a:t>
+            </a:r>
+            <a:r>
+              <a:rPr lang="nl-BE" dirty="0" err="1">
+                <a:latin typeface="Courier New" panose="02070309020205020404" pitchFamily="49" charset="0"/>
+                <a:cs typeface="Courier New" panose="02070309020205020404" pitchFamily="49" charset="0"/>
+              </a:rPr>
+              <a:t>file_pos</a:t>
+            </a:r>
+            <a:r>
+              <a:rPr lang="nl-BE" dirty="0">
+                <a:latin typeface="Courier New" panose="02070309020205020404" pitchFamily="49" charset="0"/>
+                <a:cs typeface="Courier New" panose="02070309020205020404" pitchFamily="49" charset="0"/>
+              </a:rPr>
+              <a:t>, </a:t>
+            </a:r>
+            <a:r>
+              <a:rPr lang="nl-BE" dirty="0" err="1">
+                <a:latin typeface="Courier New" panose="02070309020205020404" pitchFamily="49" charset="0"/>
+                <a:cs typeface="Courier New" panose="02070309020205020404" pitchFamily="49" charset="0"/>
+              </a:rPr>
+              <a:t>chunk_size</a:t>
+            </a:r>
+            <a:r>
+              <a:rPr lang="nl-BE" dirty="0">
+                <a:latin typeface="Courier New" panose="02070309020205020404" pitchFamily="49" charset="0"/>
+                <a:cs typeface="Courier New" panose="02070309020205020404" pitchFamily="49" charset="0"/>
+              </a:rPr>
+              <a:t> = </a:t>
+            </a:r>
+            <a:r>
+              <a:rPr lang="nl-BE" dirty="0" err="1">
+                <a:latin typeface="Courier New" panose="02070309020205020404" pitchFamily="49" charset="0"/>
+                <a:cs typeface="Courier New" panose="02070309020205020404" pitchFamily="49" charset="0"/>
+              </a:rPr>
+              <a:t>args</a:t>
+            </a:r>
+            <a:endParaRPr lang="nl-BE" dirty="0">
+              <a:latin typeface="Courier New" panose="02070309020205020404" pitchFamily="49" charset="0"/>
+              <a:cs typeface="Courier New" panose="02070309020205020404" pitchFamily="49" charset="0"/>
+            </a:endParaRPr>
+          </a:p>
+          <a:p>
+            <a:r>
+              <a:rPr lang="nl-BE" dirty="0">
+                <a:latin typeface="Courier New" panose="02070309020205020404" pitchFamily="49" charset="0"/>
+                <a:cs typeface="Courier New" panose="02070309020205020404" pitchFamily="49" charset="0"/>
+              </a:rPr>
+              <a:t>    counter = {'A': 0, 'C': 0, 'G': 0, </a:t>
+            </a:r>
+            <a:r>
+              <a:rPr lang="nl-BE" dirty="0" err="1">
+                <a:latin typeface="Courier New" panose="02070309020205020404" pitchFamily="49" charset="0"/>
+                <a:cs typeface="Courier New" panose="02070309020205020404" pitchFamily="49" charset="0"/>
+              </a:rPr>
+              <a:t>'T</a:t>
+            </a:r>
+            <a:r>
+              <a:rPr lang="nl-BE" dirty="0">
+                <a:latin typeface="Courier New" panose="02070309020205020404" pitchFamily="49" charset="0"/>
+                <a:cs typeface="Courier New" panose="02070309020205020404" pitchFamily="49" charset="0"/>
+              </a:rPr>
+              <a:t>': 0}</a:t>
+            </a:r>
+          </a:p>
+          <a:p>
+            <a:r>
+              <a:rPr lang="nl-BE" dirty="0">
+                <a:latin typeface="Courier New" panose="02070309020205020404" pitchFamily="49" charset="0"/>
+                <a:cs typeface="Courier New" panose="02070309020205020404" pitchFamily="49" charset="0"/>
+              </a:rPr>
+              <a:t>    </a:t>
+            </a:r>
+            <a:r>
+              <a:rPr lang="nl-BE" dirty="0" err="1">
+                <a:latin typeface="Courier New" panose="02070309020205020404" pitchFamily="49" charset="0"/>
+                <a:cs typeface="Courier New" panose="02070309020205020404" pitchFamily="49" charset="0"/>
+              </a:rPr>
+              <a:t>with</a:t>
+            </a:r>
+            <a:r>
+              <a:rPr lang="nl-BE" dirty="0">
+                <a:latin typeface="Courier New" panose="02070309020205020404" pitchFamily="49" charset="0"/>
+                <a:cs typeface="Courier New" panose="02070309020205020404" pitchFamily="49" charset="0"/>
+              </a:rPr>
+              <a:t> open(</a:t>
+            </a:r>
+            <a:r>
+              <a:rPr lang="nl-BE" dirty="0" err="1">
+                <a:latin typeface="Courier New" panose="02070309020205020404" pitchFamily="49" charset="0"/>
+                <a:cs typeface="Courier New" panose="02070309020205020404" pitchFamily="49" charset="0"/>
+              </a:rPr>
+              <a:t>file_name</a:t>
+            </a:r>
+            <a:r>
+              <a:rPr lang="nl-BE" dirty="0">
+                <a:latin typeface="Courier New" panose="02070309020205020404" pitchFamily="49" charset="0"/>
+                <a:cs typeface="Courier New" panose="02070309020205020404" pitchFamily="49" charset="0"/>
+              </a:rPr>
+              <a:t>, 'r') as file:</a:t>
+            </a:r>
+          </a:p>
+          <a:p>
+            <a:r>
+              <a:rPr lang="nl-BE" dirty="0">
+                <a:latin typeface="Courier New" panose="02070309020205020404" pitchFamily="49" charset="0"/>
+                <a:cs typeface="Courier New" panose="02070309020205020404" pitchFamily="49" charset="0"/>
+              </a:rPr>
+              <a:t>        </a:t>
+            </a:r>
+            <a:r>
+              <a:rPr lang="nl-BE" dirty="0" err="1">
+                <a:latin typeface="Courier New" panose="02070309020205020404" pitchFamily="49" charset="0"/>
+                <a:cs typeface="Courier New" panose="02070309020205020404" pitchFamily="49" charset="0"/>
+              </a:rPr>
+              <a:t>file.seek</a:t>
+            </a:r>
+            <a:r>
+              <a:rPr lang="nl-BE" dirty="0">
+                <a:latin typeface="Courier New" panose="02070309020205020404" pitchFamily="49" charset="0"/>
+                <a:cs typeface="Courier New" panose="02070309020205020404" pitchFamily="49" charset="0"/>
+              </a:rPr>
+              <a:t>(</a:t>
+            </a:r>
+            <a:r>
+              <a:rPr lang="nl-BE" dirty="0" err="1">
+                <a:latin typeface="Courier New" panose="02070309020205020404" pitchFamily="49" charset="0"/>
+                <a:cs typeface="Courier New" panose="02070309020205020404" pitchFamily="49" charset="0"/>
+              </a:rPr>
+              <a:t>file_pos</a:t>
+            </a:r>
+            <a:r>
+              <a:rPr lang="nl-BE" dirty="0">
+                <a:latin typeface="Courier New" panose="02070309020205020404" pitchFamily="49" charset="0"/>
+                <a:cs typeface="Courier New" panose="02070309020205020404" pitchFamily="49" charset="0"/>
+              </a:rPr>
+              <a:t>)</a:t>
+            </a:r>
+          </a:p>
+          <a:p>
+            <a:r>
+              <a:rPr lang="nl-BE" dirty="0">
+                <a:latin typeface="Courier New" panose="02070309020205020404" pitchFamily="49" charset="0"/>
+                <a:cs typeface="Courier New" panose="02070309020205020404" pitchFamily="49" charset="0"/>
+              </a:rPr>
+              <a:t>        </a:t>
+            </a:r>
+            <a:r>
+              <a:rPr lang="nl-BE" dirty="0" err="1">
+                <a:latin typeface="Courier New" panose="02070309020205020404" pitchFamily="49" charset="0"/>
+                <a:cs typeface="Courier New" panose="02070309020205020404" pitchFamily="49" charset="0"/>
+              </a:rPr>
+              <a:t>dna</a:t>
+            </a:r>
+            <a:r>
+              <a:rPr lang="nl-BE" dirty="0">
+                <a:latin typeface="Courier New" panose="02070309020205020404" pitchFamily="49" charset="0"/>
+                <a:cs typeface="Courier New" panose="02070309020205020404" pitchFamily="49" charset="0"/>
+              </a:rPr>
+              <a:t> = </a:t>
+            </a:r>
+            <a:r>
+              <a:rPr lang="nl-BE" dirty="0" err="1">
+                <a:latin typeface="Courier New" panose="02070309020205020404" pitchFamily="49" charset="0"/>
+                <a:cs typeface="Courier New" panose="02070309020205020404" pitchFamily="49" charset="0"/>
+              </a:rPr>
+              <a:t>file.read</a:t>
+            </a:r>
+            <a:r>
+              <a:rPr lang="nl-BE" dirty="0">
+                <a:latin typeface="Courier New" panose="02070309020205020404" pitchFamily="49" charset="0"/>
+                <a:cs typeface="Courier New" panose="02070309020205020404" pitchFamily="49" charset="0"/>
+              </a:rPr>
+              <a:t>(</a:t>
+            </a:r>
+            <a:r>
+              <a:rPr lang="nl-BE" dirty="0" err="1">
+                <a:latin typeface="Courier New" panose="02070309020205020404" pitchFamily="49" charset="0"/>
+                <a:cs typeface="Courier New" panose="02070309020205020404" pitchFamily="49" charset="0"/>
+              </a:rPr>
+              <a:t>chunk_size</a:t>
+            </a:r>
+            <a:r>
+              <a:rPr lang="nl-BE" dirty="0">
+                <a:latin typeface="Courier New" panose="02070309020205020404" pitchFamily="49" charset="0"/>
+                <a:cs typeface="Courier New" panose="02070309020205020404" pitchFamily="49" charset="0"/>
+              </a:rPr>
+              <a:t>)</a:t>
+            </a:r>
+          </a:p>
+          <a:p>
+            <a:r>
+              <a:rPr lang="nl-BE" dirty="0">
+                <a:latin typeface="Courier New" panose="02070309020205020404" pitchFamily="49" charset="0"/>
+                <a:cs typeface="Courier New" panose="02070309020205020404" pitchFamily="49" charset="0"/>
+              </a:rPr>
+              <a:t>        </a:t>
+            </a:r>
+            <a:r>
+              <a:rPr lang="nl-BE" dirty="0" err="1">
+                <a:latin typeface="Courier New" panose="02070309020205020404" pitchFamily="49" charset="0"/>
+                <a:cs typeface="Courier New" panose="02070309020205020404" pitchFamily="49" charset="0"/>
+              </a:rPr>
+              <a:t>for</a:t>
+            </a:r>
+            <a:r>
+              <a:rPr lang="nl-BE" dirty="0">
+                <a:latin typeface="Courier New" panose="02070309020205020404" pitchFamily="49" charset="0"/>
+                <a:cs typeface="Courier New" panose="02070309020205020404" pitchFamily="49" charset="0"/>
+              </a:rPr>
+              <a:t> </a:t>
+            </a:r>
+            <a:r>
+              <a:rPr lang="nl-BE" dirty="0" err="1">
+                <a:latin typeface="Courier New" panose="02070309020205020404" pitchFamily="49" charset="0"/>
+                <a:cs typeface="Courier New" panose="02070309020205020404" pitchFamily="49" charset="0"/>
+              </a:rPr>
+              <a:t>char</a:t>
+            </a:r>
+            <a:r>
+              <a:rPr lang="nl-BE" dirty="0">
+                <a:latin typeface="Courier New" panose="02070309020205020404" pitchFamily="49" charset="0"/>
+                <a:cs typeface="Courier New" panose="02070309020205020404" pitchFamily="49" charset="0"/>
+              </a:rPr>
+              <a:t> in </a:t>
+            </a:r>
+            <a:r>
+              <a:rPr lang="nl-BE" dirty="0" err="1">
+                <a:latin typeface="Courier New" panose="02070309020205020404" pitchFamily="49" charset="0"/>
+                <a:cs typeface="Courier New" panose="02070309020205020404" pitchFamily="49" charset="0"/>
+              </a:rPr>
+              <a:t>dna</a:t>
+            </a:r>
+            <a:r>
+              <a:rPr lang="nl-BE" dirty="0">
+                <a:latin typeface="Courier New" panose="02070309020205020404" pitchFamily="49" charset="0"/>
+                <a:cs typeface="Courier New" panose="02070309020205020404" pitchFamily="49" charset="0"/>
+              </a:rPr>
+              <a:t>:</a:t>
+            </a:r>
+          </a:p>
+          <a:p>
+            <a:r>
+              <a:rPr lang="nl-BE" dirty="0">
+                <a:latin typeface="Courier New" panose="02070309020205020404" pitchFamily="49" charset="0"/>
+                <a:cs typeface="Courier New" panose="02070309020205020404" pitchFamily="49" charset="0"/>
+              </a:rPr>
+              <a:t>            </a:t>
+            </a:r>
+            <a:r>
+              <a:rPr lang="nl-BE" dirty="0" err="1">
+                <a:latin typeface="Courier New" panose="02070309020205020404" pitchFamily="49" charset="0"/>
+                <a:cs typeface="Courier New" panose="02070309020205020404" pitchFamily="49" charset="0"/>
+              </a:rPr>
+              <a:t>if</a:t>
+            </a:r>
+            <a:r>
+              <a:rPr lang="nl-BE" dirty="0">
+                <a:latin typeface="Courier New" panose="02070309020205020404" pitchFamily="49" charset="0"/>
+                <a:cs typeface="Courier New" panose="02070309020205020404" pitchFamily="49" charset="0"/>
+              </a:rPr>
+              <a:t> </a:t>
+            </a:r>
+            <a:r>
+              <a:rPr lang="nl-BE" dirty="0" err="1">
+                <a:latin typeface="Courier New" panose="02070309020205020404" pitchFamily="49" charset="0"/>
+                <a:cs typeface="Courier New" panose="02070309020205020404" pitchFamily="49" charset="0"/>
+              </a:rPr>
+              <a:t>char</a:t>
+            </a:r>
+            <a:r>
+              <a:rPr lang="nl-BE" dirty="0">
+                <a:latin typeface="Courier New" panose="02070309020205020404" pitchFamily="49" charset="0"/>
+                <a:cs typeface="Courier New" panose="02070309020205020404" pitchFamily="49" charset="0"/>
+              </a:rPr>
+              <a:t> in counter:</a:t>
+            </a:r>
+          </a:p>
+          <a:p>
+            <a:r>
+              <a:rPr lang="nl-BE" dirty="0">
+                <a:latin typeface="Courier New" panose="02070309020205020404" pitchFamily="49" charset="0"/>
+                <a:cs typeface="Courier New" panose="02070309020205020404" pitchFamily="49" charset="0"/>
+              </a:rPr>
+              <a:t>                counter[</a:t>
+            </a:r>
+            <a:r>
+              <a:rPr lang="nl-BE" dirty="0" err="1">
+                <a:latin typeface="Courier New" panose="02070309020205020404" pitchFamily="49" charset="0"/>
+                <a:cs typeface="Courier New" panose="02070309020205020404" pitchFamily="49" charset="0"/>
+              </a:rPr>
+              <a:t>char</a:t>
+            </a:r>
+            <a:r>
+              <a:rPr lang="nl-BE" dirty="0">
+                <a:latin typeface="Courier New" panose="02070309020205020404" pitchFamily="49" charset="0"/>
+                <a:cs typeface="Courier New" panose="02070309020205020404" pitchFamily="49" charset="0"/>
+              </a:rPr>
+              <a:t>] += 1</a:t>
+            </a:r>
+          </a:p>
+          <a:p>
+            <a:r>
+              <a:rPr lang="nl-BE" dirty="0">
+                <a:latin typeface="Courier New" panose="02070309020205020404" pitchFamily="49" charset="0"/>
+                <a:cs typeface="Courier New" panose="02070309020205020404" pitchFamily="49" charset="0"/>
+              </a:rPr>
+              <a:t>    return </a:t>
+            </a:r>
+            <a:r>
+              <a:rPr lang="nl-BE" dirty="0" smtClean="0">
+                <a:latin typeface="Courier New" panose="02070309020205020404" pitchFamily="49" charset="0"/>
+                <a:cs typeface="Courier New" panose="02070309020205020404" pitchFamily="49" charset="0"/>
+              </a:rPr>
+              <a:t>counter</a:t>
+            </a:r>
+            <a:endParaRPr lang="nl-BE" dirty="0">
+              <a:latin typeface="Courier New" panose="02070309020205020404" pitchFamily="49" charset="0"/>
+              <a:cs typeface="Courier New" panose="02070309020205020404" pitchFamily="49" charset="0"/>
+            </a:endParaRPr>
+          </a:p>
+        </p:txBody>
+      </p:sp>
+      <p:grpSp>
+        <p:nvGrpSpPr>
+          <p:cNvPr id="8" name="Group 7"/>
+          <p:cNvGrpSpPr/>
+          <p:nvPr/>
+        </p:nvGrpSpPr>
+        <p:grpSpPr>
+          <a:xfrm>
+            <a:off x="4038600" y="2362200"/>
+            <a:ext cx="3198600" cy="642878"/>
+            <a:chOff x="4038600" y="2362200"/>
+            <a:chExt cx="3198600" cy="642878"/>
+          </a:xfrm>
+        </p:grpSpPr>
+        <p:sp>
+          <p:nvSpPr>
+            <p:cNvPr id="5" name="TextBox 4"/>
+            <p:cNvSpPr txBox="1"/>
+            <p:nvPr/>
+          </p:nvSpPr>
+          <p:spPr>
+            <a:xfrm>
+              <a:off x="5486400" y="2362200"/>
+              <a:ext cx="1750800" cy="369332"/>
+            </a:xfrm>
+            <a:prstGeom prst="rect">
+              <a:avLst/>
+            </a:prstGeom>
+            <a:noFill/>
+            <a:ln>
+              <a:solidFill>
+                <a:schemeClr val="tx1"/>
+              </a:solidFill>
+            </a:ln>
+          </p:spPr>
+          <p:txBody>
+            <a:bodyPr wrap="none" rtlCol="0">
+              <a:spAutoFit/>
+            </a:bodyPr>
+            <a:lstStyle/>
+            <a:p>
+              <a:r>
+                <a:rPr lang="en-US" dirty="0" smtClean="0">
+                  <a:latin typeface="Courier New" panose="02070309020205020404" pitchFamily="49" charset="0"/>
+                  <a:cs typeface="Courier New" panose="02070309020205020404" pitchFamily="49" charset="0"/>
+                </a:rPr>
+                <a:t>tuple</a:t>
+              </a:r>
+              <a:r>
+                <a:rPr lang="en-US" dirty="0" smtClean="0"/>
+                <a:t> as input!</a:t>
+              </a:r>
+              <a:endParaRPr lang="nl-BE" dirty="0"/>
+            </a:p>
+          </p:txBody>
+        </p:sp>
+        <p:cxnSp>
+          <p:nvCxnSpPr>
+            <p:cNvPr id="7" name="Straight Arrow Connector 6"/>
+            <p:cNvCxnSpPr/>
+            <p:nvPr/>
+          </p:nvCxnSpPr>
+          <p:spPr>
+            <a:xfrm flipH="1">
+              <a:off x="4038600" y="2590800"/>
+              <a:ext cx="1447800" cy="414278"/>
+            </a:xfrm>
+            <a:prstGeom prst="straightConnector1">
+              <a:avLst/>
+            </a:prstGeom>
+            <a:ln w="12700">
+              <a:solidFill>
+                <a:schemeClr val="tx1"/>
+              </a:solidFill>
+              <a:tailEnd type="stealth" w="lg" len="lg"/>
+            </a:ln>
+          </p:spPr>
+          <p:style>
+            <a:lnRef idx="1">
+              <a:schemeClr val="accent1"/>
+            </a:lnRef>
+            <a:fillRef idx="0">
+              <a:schemeClr val="accent1"/>
+            </a:fillRef>
+            <a:effectRef idx="0">
+              <a:schemeClr val="accent1"/>
+            </a:effectRef>
+            <a:fontRef idx="minor">
+              <a:schemeClr val="tx1"/>
+            </a:fontRef>
+          </p:style>
+        </p:cxnSp>
+      </p:grpSp>
+    </p:spTree>
+    <p:extLst>
+      <p:ext uri="{BB962C8B-B14F-4D97-AF65-F5344CB8AC3E}">
+        <p14:creationId xmlns:p14="http://schemas.microsoft.com/office/powerpoint/2010/main" val="2452726112"/>
+      </p:ext>
+    </p:extLst>
+  </p:cSld>
+  <p:clrMapOvr>
+    <a:masterClrMapping/>
+  </p:clrMapOvr>
+  <p:timing>
+    <p:tnLst>
+      <p:par>
+        <p:cTn id="1" dur="indefinite" restart="never" nodeType="tmRoot"/>
+      </p:par>
+    </p:tnLst>
+  </p:timing>
 </p:sld>
 </file>
 

--- a/Python/Multiprocessor/concurrent_programming.pptx
+++ b/Python/Multiprocessor/concurrent_programming.pptx
@@ -15,7 +15,14 @@
     <p:sldId id="264" r:id="rId9"/>
     <p:sldId id="265" r:id="rId10"/>
     <p:sldId id="266" r:id="rId11"/>
-    <p:sldId id="260" r:id="rId12"/>
+    <p:sldId id="267" r:id="rId12"/>
+    <p:sldId id="272" r:id="rId13"/>
+    <p:sldId id="273" r:id="rId14"/>
+    <p:sldId id="269" r:id="rId15"/>
+    <p:sldId id="270" r:id="rId16"/>
+    <p:sldId id="271" r:id="rId17"/>
+    <p:sldId id="268" r:id="rId18"/>
+    <p:sldId id="260" r:id="rId19"/>
   </p:sldIdLst>
   <p:sldSz cx="9144000" cy="6858000" type="screen4x3"/>
   <p:notesSz cx="6858000" cy="9144000"/>
@@ -237,11 +244,11 @@
           <c:showPercent val="0"/>
           <c:showBubbleSize val="0"/>
         </c:dLbls>
-        <c:axId val="180580016"/>
-        <c:axId val="181251816"/>
+        <c:axId val="162166768"/>
+        <c:axId val="162165984"/>
       </c:scatterChart>
       <c:valAx>
-        <c:axId val="180580016"/>
+        <c:axId val="162166768"/>
         <c:scaling>
           <c:orientation val="minMax"/>
           <c:max val="20"/>
@@ -252,13 +259,13 @@
         <c:majorTickMark val="out"/>
         <c:minorTickMark val="none"/>
         <c:tickLblPos val="nextTo"/>
-        <c:crossAx val="181251816"/>
+        <c:crossAx val="162165984"/>
         <c:crosses val="autoZero"/>
         <c:crossBetween val="midCat"/>
         <c:majorUnit val="4"/>
       </c:valAx>
       <c:valAx>
-        <c:axId val="181251816"/>
+        <c:axId val="162165984"/>
         <c:scaling>
           <c:orientation val="minMax"/>
         </c:scaling>
@@ -269,7 +276,7 @@
         <c:majorTickMark val="out"/>
         <c:minorTickMark val="none"/>
         <c:tickLblPos val="nextTo"/>
-        <c:crossAx val="180580016"/>
+        <c:crossAx val="162166768"/>
         <c:crosses val="autoZero"/>
         <c:crossBetween val="midCat"/>
       </c:valAx>
@@ -388,11 +395,11 @@
           <c:showPercent val="0"/>
           <c:showBubbleSize val="0"/>
         </c:dLbls>
-        <c:axId val="181250640"/>
-        <c:axId val="181250248"/>
+        <c:axId val="162164808"/>
+        <c:axId val="162164416"/>
       </c:scatterChart>
       <c:valAx>
-        <c:axId val="181250640"/>
+        <c:axId val="162164808"/>
         <c:scaling>
           <c:orientation val="minMax"/>
           <c:max val="20"/>
@@ -403,13 +410,13 @@
         <c:majorTickMark val="out"/>
         <c:minorTickMark val="none"/>
         <c:tickLblPos val="nextTo"/>
-        <c:crossAx val="181250248"/>
+        <c:crossAx val="162164416"/>
         <c:crosses val="autoZero"/>
         <c:crossBetween val="midCat"/>
         <c:majorUnit val="4"/>
       </c:valAx>
       <c:valAx>
-        <c:axId val="181250248"/>
+        <c:axId val="162164416"/>
         <c:scaling>
           <c:orientation val="minMax"/>
           <c:max val="1"/>
@@ -421,7 +428,7 @@
         <c:majorTickMark val="out"/>
         <c:minorTickMark val="none"/>
         <c:tickLblPos val="nextTo"/>
-        <c:crossAx val="181250640"/>
+        <c:crossAx val="162164808"/>
         <c:crosses val="autoZero"/>
         <c:crossBetween val="midCat"/>
       </c:valAx>
@@ -545,11 +552,11 @@
           <c:showPercent val="0"/>
           <c:showBubbleSize val="0"/>
         </c:dLbls>
-        <c:axId val="181249464"/>
-        <c:axId val="160886720"/>
+        <c:axId val="147130208"/>
+        <c:axId val="147130600"/>
       </c:scatterChart>
       <c:valAx>
-        <c:axId val="181249464"/>
+        <c:axId val="147130208"/>
         <c:scaling>
           <c:orientation val="minMax"/>
           <c:max val="20"/>
@@ -560,13 +567,13 @@
         <c:majorTickMark val="out"/>
         <c:minorTickMark val="none"/>
         <c:tickLblPos val="nextTo"/>
-        <c:crossAx val="160886720"/>
+        <c:crossAx val="147130600"/>
         <c:crosses val="autoZero"/>
         <c:crossBetween val="midCat"/>
         <c:majorUnit val="4"/>
       </c:valAx>
       <c:valAx>
-        <c:axId val="160886720"/>
+        <c:axId val="147130600"/>
         <c:scaling>
           <c:orientation val="minMax"/>
           <c:min val="1"/>
@@ -578,7 +585,7 @@
         <c:majorTickMark val="out"/>
         <c:minorTickMark val="none"/>
         <c:tickLblPos val="nextTo"/>
-        <c:crossAx val="181249464"/>
+        <c:crossAx val="147130208"/>
         <c:crosses val="autoZero"/>
         <c:crossBetween val="midCat"/>
       </c:valAx>
@@ -697,11 +704,11 @@
           <c:showPercent val="0"/>
           <c:showBubbleSize val="0"/>
         </c:dLbls>
-        <c:axId val="160889072"/>
-        <c:axId val="160888288"/>
+        <c:axId val="163321968"/>
+        <c:axId val="163322360"/>
       </c:scatterChart>
       <c:valAx>
-        <c:axId val="160889072"/>
+        <c:axId val="163321968"/>
         <c:scaling>
           <c:orientation val="minMax"/>
           <c:max val="20"/>
@@ -712,13 +719,13 @@
         <c:majorTickMark val="out"/>
         <c:minorTickMark val="none"/>
         <c:tickLblPos val="nextTo"/>
-        <c:crossAx val="160888288"/>
+        <c:crossAx val="163322360"/>
         <c:crosses val="autoZero"/>
         <c:crossBetween val="midCat"/>
         <c:majorUnit val="4"/>
       </c:valAx>
       <c:valAx>
-        <c:axId val="160888288"/>
+        <c:axId val="163322360"/>
         <c:scaling>
           <c:orientation val="minMax"/>
           <c:max val="1"/>
@@ -730,7 +737,7 @@
         <c:majorTickMark val="out"/>
         <c:minorTickMark val="none"/>
         <c:tickLblPos val="nextTo"/>
-        <c:crossAx val="160889072"/>
+        <c:crossAx val="163321968"/>
         <c:crosses val="autoZero"/>
         <c:crossBetween val="midCat"/>
       </c:valAx>
@@ -748,6 +755,845 @@
     <c:autoUpdate val="0"/>
   </c:externalData>
 </c:chartSpace>
+</file>
+
+<file path=ppt/charts/chart5.xml><?xml version="1.0" encoding="utf-8"?>
+<c:chartSpace xmlns:c="http://schemas.openxmlformats.org/drawingml/2006/chart" xmlns:a="http://schemas.openxmlformats.org/drawingml/2006/main" xmlns:r="http://schemas.openxmlformats.org/officeDocument/2006/relationships">
+  <c:date1904 val="0"/>
+  <c:lang val="en-US"/>
+  <c:roundedCorners val="0"/>
+  <mc:AlternateContent xmlns:mc="http://schemas.openxmlformats.org/markup-compatibility/2006">
+    <mc:Choice xmlns:c14="http://schemas.microsoft.com/office/drawing/2007/8/2/chart" Requires="c14">
+      <c14:style val="102"/>
+    </mc:Choice>
+    <mc:Fallback>
+      <c:style val="2"/>
+    </mc:Fallback>
+  </mc:AlternateContent>
+  <c:chart>
+    <c:autoTitleDeleted val="1"/>
+    <c:plotArea>
+      <c:layout/>
+      <c:scatterChart>
+        <c:scatterStyle val="lineMarker"/>
+        <c:varyColors val="0"/>
+        <c:ser>
+          <c:idx val="0"/>
+          <c:order val="0"/>
+          <c:tx>
+            <c:strRef>
+              <c:f>Sheet1!$C$1</c:f>
+              <c:strCache>
+                <c:ptCount val="1"/>
+                <c:pt idx="0">
+                  <c:v>speedup</c:v>
+                </c:pt>
+              </c:strCache>
+            </c:strRef>
+          </c:tx>
+          <c:spPr>
+            <a:ln w="19050" cap="rnd">
+              <a:solidFill>
+                <a:schemeClr val="accent1"/>
+              </a:solidFill>
+              <a:round/>
+            </a:ln>
+            <a:effectLst/>
+          </c:spPr>
+          <c:marker>
+            <c:symbol val="circle"/>
+            <c:size val="5"/>
+            <c:spPr>
+              <a:solidFill>
+                <a:schemeClr val="accent1"/>
+              </a:solidFill>
+              <a:ln w="9525">
+                <a:solidFill>
+                  <a:schemeClr val="accent1"/>
+                </a:solidFill>
+              </a:ln>
+              <a:effectLst/>
+            </c:spPr>
+          </c:marker>
+          <c:xVal>
+            <c:numRef>
+              <c:f>Sheet1!$A$2:$A$6</c:f>
+              <c:numCache>
+                <c:formatCode>General</c:formatCode>
+                <c:ptCount val="5"/>
+                <c:pt idx="0">
+                  <c:v>1</c:v>
+                </c:pt>
+                <c:pt idx="1">
+                  <c:v>2</c:v>
+                </c:pt>
+                <c:pt idx="2">
+                  <c:v>4</c:v>
+                </c:pt>
+                <c:pt idx="3">
+                  <c:v>8</c:v>
+                </c:pt>
+                <c:pt idx="4">
+                  <c:v>16</c:v>
+                </c:pt>
+              </c:numCache>
+            </c:numRef>
+          </c:xVal>
+          <c:yVal>
+            <c:numRef>
+              <c:f>Sheet1!$C$2:$C$6</c:f>
+              <c:numCache>
+                <c:formatCode>0.0</c:formatCode>
+                <c:ptCount val="5"/>
+                <c:pt idx="0">
+                  <c:v>1</c:v>
+                </c:pt>
+                <c:pt idx="1">
+                  <c:v>1.9298245614035088</c:v>
+                </c:pt>
+                <c:pt idx="2">
+                  <c:v>3.2352941176470589</c:v>
+                </c:pt>
+                <c:pt idx="3">
+                  <c:v>5.2380952380952381</c:v>
+                </c:pt>
+                <c:pt idx="4">
+                  <c:v>5</c:v>
+                </c:pt>
+              </c:numCache>
+            </c:numRef>
+          </c:yVal>
+          <c:smooth val="0"/>
+        </c:ser>
+        <c:dLbls>
+          <c:showLegendKey val="0"/>
+          <c:showVal val="0"/>
+          <c:showCatName val="0"/>
+          <c:showSerName val="0"/>
+          <c:showPercent val="0"/>
+          <c:showBubbleSize val="0"/>
+        </c:dLbls>
+        <c:axId val="266774376"/>
+        <c:axId val="266233712"/>
+      </c:scatterChart>
+      <c:valAx>
+        <c:axId val="266774376"/>
+        <c:scaling>
+          <c:logBase val="2"/>
+          <c:orientation val="minMax"/>
+          <c:max val="16"/>
+          <c:min val="1"/>
+        </c:scaling>
+        <c:delete val="0"/>
+        <c:axPos val="b"/>
+        <c:majorGridlines>
+          <c:spPr>
+            <a:ln w="9525" cap="flat" cmpd="sng" algn="ctr">
+              <a:solidFill>
+                <a:schemeClr val="tx1">
+                  <a:lumMod val="15000"/>
+                  <a:lumOff val="85000"/>
+                </a:schemeClr>
+              </a:solidFill>
+              <a:round/>
+            </a:ln>
+            <a:effectLst/>
+          </c:spPr>
+        </c:majorGridlines>
+        <c:numFmt formatCode="General" sourceLinked="1"/>
+        <c:majorTickMark val="none"/>
+        <c:minorTickMark val="none"/>
+        <c:tickLblPos val="nextTo"/>
+        <c:spPr>
+          <a:noFill/>
+          <a:ln w="9525" cap="flat" cmpd="sng" algn="ctr">
+            <a:solidFill>
+              <a:schemeClr val="tx1">
+                <a:lumMod val="25000"/>
+                <a:lumOff val="75000"/>
+              </a:schemeClr>
+            </a:solidFill>
+            <a:round/>
+          </a:ln>
+          <a:effectLst/>
+        </c:spPr>
+        <c:txPr>
+          <a:bodyPr rot="-60000000" spcFirstLastPara="1" vertOverflow="ellipsis" vert="horz" wrap="square" anchor="ctr" anchorCtr="1"/>
+          <a:lstStyle/>
+          <a:p>
+            <a:pPr>
+              <a:defRPr sz="900" b="0" i="0" u="none" strike="noStrike" kern="1200" baseline="0">
+                <a:solidFill>
+                  <a:schemeClr val="tx1">
+                    <a:lumMod val="65000"/>
+                    <a:lumOff val="35000"/>
+                  </a:schemeClr>
+                </a:solidFill>
+                <a:latin typeface="+mn-lt"/>
+                <a:ea typeface="+mn-ea"/>
+                <a:cs typeface="+mn-cs"/>
+              </a:defRPr>
+            </a:pPr>
+            <a:endParaRPr lang="nl-BE"/>
+          </a:p>
+        </c:txPr>
+        <c:crossAx val="266233712"/>
+        <c:crosses val="autoZero"/>
+        <c:crossBetween val="midCat"/>
+      </c:valAx>
+      <c:valAx>
+        <c:axId val="266233712"/>
+        <c:scaling>
+          <c:logBase val="2"/>
+          <c:orientation val="minMax"/>
+          <c:min val="1"/>
+        </c:scaling>
+        <c:delete val="0"/>
+        <c:axPos val="l"/>
+        <c:majorGridlines>
+          <c:spPr>
+            <a:ln w="9525" cap="flat" cmpd="sng" algn="ctr">
+              <a:solidFill>
+                <a:schemeClr val="tx1">
+                  <a:lumMod val="15000"/>
+                  <a:lumOff val="85000"/>
+                </a:schemeClr>
+              </a:solidFill>
+              <a:round/>
+            </a:ln>
+            <a:effectLst/>
+          </c:spPr>
+        </c:majorGridlines>
+        <c:numFmt formatCode="0.0" sourceLinked="1"/>
+        <c:majorTickMark val="none"/>
+        <c:minorTickMark val="none"/>
+        <c:tickLblPos val="nextTo"/>
+        <c:spPr>
+          <a:noFill/>
+          <a:ln w="9525" cap="flat" cmpd="sng" algn="ctr">
+            <a:solidFill>
+              <a:schemeClr val="tx1">
+                <a:lumMod val="25000"/>
+                <a:lumOff val="75000"/>
+              </a:schemeClr>
+            </a:solidFill>
+            <a:round/>
+          </a:ln>
+          <a:effectLst/>
+        </c:spPr>
+        <c:txPr>
+          <a:bodyPr rot="-60000000" spcFirstLastPara="1" vertOverflow="ellipsis" vert="horz" wrap="square" anchor="ctr" anchorCtr="1"/>
+          <a:lstStyle/>
+          <a:p>
+            <a:pPr>
+              <a:defRPr sz="900" b="0" i="0" u="none" strike="noStrike" kern="1200" baseline="0">
+                <a:solidFill>
+                  <a:schemeClr val="tx1">
+                    <a:lumMod val="65000"/>
+                    <a:lumOff val="35000"/>
+                  </a:schemeClr>
+                </a:solidFill>
+                <a:latin typeface="+mn-lt"/>
+                <a:ea typeface="+mn-ea"/>
+                <a:cs typeface="+mn-cs"/>
+              </a:defRPr>
+            </a:pPr>
+            <a:endParaRPr lang="nl-BE"/>
+          </a:p>
+        </c:txPr>
+        <c:crossAx val="266774376"/>
+        <c:crosses val="autoZero"/>
+        <c:crossBetween val="midCat"/>
+      </c:valAx>
+      <c:spPr>
+        <a:noFill/>
+        <a:ln>
+          <a:noFill/>
+        </a:ln>
+        <a:effectLst/>
+      </c:spPr>
+    </c:plotArea>
+    <c:plotVisOnly val="1"/>
+    <c:dispBlanksAs val="gap"/>
+    <c:showDLblsOverMax val="0"/>
+  </c:chart>
+  <c:spPr>
+    <a:noFill/>
+    <a:ln>
+      <a:noFill/>
+    </a:ln>
+    <a:effectLst/>
+  </c:spPr>
+  <c:txPr>
+    <a:bodyPr/>
+    <a:lstStyle/>
+    <a:p>
+      <a:pPr>
+        <a:defRPr/>
+      </a:pPr>
+      <a:endParaRPr lang="nl-BE"/>
+    </a:p>
+  </c:txPr>
+  <c:externalData r:id="rId3">
+    <c:autoUpdate val="0"/>
+  </c:externalData>
+</c:chartSpace>
+</file>
+
+<file path=ppt/charts/colors1.xml><?xml version="1.0" encoding="utf-8"?>
+<cs:colorStyle xmlns:cs="http://schemas.microsoft.com/office/drawing/2012/chartStyle" xmlns:a="http://schemas.openxmlformats.org/drawingml/2006/main" meth="cycle" id="10">
+  <a:schemeClr val="accent1"/>
+  <a:schemeClr val="accent2"/>
+  <a:schemeClr val="accent3"/>
+  <a:schemeClr val="accent4"/>
+  <a:schemeClr val="accent5"/>
+  <a:schemeClr val="accent6"/>
+  <cs:variation/>
+  <cs:variation>
+    <a:lumMod val="60000"/>
+  </cs:variation>
+  <cs:variation>
+    <a:lumMod val="80000"/>
+    <a:lumOff val="20000"/>
+  </cs:variation>
+  <cs:variation>
+    <a:lumMod val="80000"/>
+  </cs:variation>
+  <cs:variation>
+    <a:lumMod val="60000"/>
+    <a:lumOff val="40000"/>
+  </cs:variation>
+  <cs:variation>
+    <a:lumMod val="50000"/>
+  </cs:variation>
+  <cs:variation>
+    <a:lumMod val="70000"/>
+    <a:lumOff val="30000"/>
+  </cs:variation>
+  <cs:variation>
+    <a:lumMod val="70000"/>
+  </cs:variation>
+  <cs:variation>
+    <a:lumMod val="50000"/>
+    <a:lumOff val="50000"/>
+  </cs:variation>
+</cs:colorStyle>
+</file>
+
+<file path=ppt/charts/style1.xml><?xml version="1.0" encoding="utf-8"?>
+<cs:chartStyle xmlns:cs="http://schemas.microsoft.com/office/drawing/2012/chartStyle" xmlns:a="http://schemas.openxmlformats.org/drawingml/2006/main" id="240">
+  <cs:axisTitle>
+    <cs:lnRef idx="0"/>
+    <cs:fillRef idx="0"/>
+    <cs:effectRef idx="0"/>
+    <cs:fontRef idx="minor">
+      <a:schemeClr val="tx1">
+        <a:lumMod val="65000"/>
+        <a:lumOff val="35000"/>
+      </a:schemeClr>
+    </cs:fontRef>
+    <cs:defRPr sz="1000" kern="1200"/>
+  </cs:axisTitle>
+  <cs:categoryAxis>
+    <cs:lnRef idx="0"/>
+    <cs:fillRef idx="0"/>
+    <cs:effectRef idx="0"/>
+    <cs:fontRef idx="minor">
+      <a:schemeClr val="tx1">
+        <a:lumMod val="65000"/>
+        <a:lumOff val="35000"/>
+      </a:schemeClr>
+    </cs:fontRef>
+    <cs:spPr>
+      <a:ln w="9525" cap="flat" cmpd="sng" algn="ctr">
+        <a:solidFill>
+          <a:schemeClr val="tx1">
+            <a:lumMod val="25000"/>
+            <a:lumOff val="75000"/>
+          </a:schemeClr>
+        </a:solidFill>
+        <a:round/>
+      </a:ln>
+    </cs:spPr>
+    <cs:defRPr sz="900" kern="1200"/>
+  </cs:categoryAxis>
+  <cs:chartArea mods="allowNoFillOverride allowNoLineOverride">
+    <cs:lnRef idx="0"/>
+    <cs:fillRef idx="0"/>
+    <cs:effectRef idx="0"/>
+    <cs:fontRef idx="minor">
+      <a:schemeClr val="tx1"/>
+    </cs:fontRef>
+    <cs:spPr>
+      <a:solidFill>
+        <a:schemeClr val="bg1"/>
+      </a:solidFill>
+      <a:ln w="9525" cap="flat" cmpd="sng" algn="ctr">
+        <a:solidFill>
+          <a:schemeClr val="tx1">
+            <a:lumMod val="15000"/>
+            <a:lumOff val="85000"/>
+          </a:schemeClr>
+        </a:solidFill>
+        <a:round/>
+      </a:ln>
+    </cs:spPr>
+    <cs:defRPr sz="1000" kern="1200"/>
+  </cs:chartArea>
+  <cs:dataLabel>
+    <cs:lnRef idx="0"/>
+    <cs:fillRef idx="0"/>
+    <cs:effectRef idx="0"/>
+    <cs:fontRef idx="minor">
+      <a:schemeClr val="tx1">
+        <a:lumMod val="75000"/>
+        <a:lumOff val="25000"/>
+      </a:schemeClr>
+    </cs:fontRef>
+    <cs:defRPr sz="900" kern="1200"/>
+  </cs:dataLabel>
+  <cs:dataLabelCallout>
+    <cs:lnRef idx="0"/>
+    <cs:fillRef idx="0"/>
+    <cs:effectRef idx="0"/>
+    <cs:fontRef idx="minor">
+      <a:schemeClr val="dk1">
+        <a:lumMod val="65000"/>
+        <a:lumOff val="35000"/>
+      </a:schemeClr>
+    </cs:fontRef>
+    <cs:spPr>
+      <a:solidFill>
+        <a:schemeClr val="lt1"/>
+      </a:solidFill>
+      <a:ln>
+        <a:solidFill>
+          <a:schemeClr val="dk1">
+            <a:lumMod val="25000"/>
+            <a:lumOff val="75000"/>
+          </a:schemeClr>
+        </a:solidFill>
+      </a:ln>
+    </cs:spPr>
+    <cs:defRPr sz="900" kern="1200"/>
+    <cs:bodyPr rot="0" spcFirstLastPara="1" vertOverflow="clip" horzOverflow="clip" vert="horz" wrap="square" lIns="36576" tIns="18288" rIns="36576" bIns="18288" anchor="ctr" anchorCtr="1">
+      <a:spAutoFit/>
+    </cs:bodyPr>
+  </cs:dataLabelCallout>
+  <cs:dataPoint>
+    <cs:lnRef idx="0"/>
+    <cs:fillRef idx="1">
+      <cs:styleClr val="auto"/>
+    </cs:fillRef>
+    <cs:effectRef idx="0"/>
+    <cs:fontRef idx="minor">
+      <a:schemeClr val="tx1"/>
+    </cs:fontRef>
+  </cs:dataPoint>
+  <cs:dataPoint3D>
+    <cs:lnRef idx="0"/>
+    <cs:fillRef idx="1">
+      <cs:styleClr val="auto"/>
+    </cs:fillRef>
+    <cs:effectRef idx="0"/>
+    <cs:fontRef idx="minor">
+      <a:schemeClr val="tx1"/>
+    </cs:fontRef>
+  </cs:dataPoint3D>
+  <cs:dataPointLine>
+    <cs:lnRef idx="0">
+      <cs:styleClr val="auto"/>
+    </cs:lnRef>
+    <cs:fillRef idx="1"/>
+    <cs:effectRef idx="0"/>
+    <cs:fontRef idx="minor">
+      <a:schemeClr val="tx1"/>
+    </cs:fontRef>
+    <cs:spPr>
+      <a:ln w="19050" cap="rnd">
+        <a:solidFill>
+          <a:schemeClr val="phClr"/>
+        </a:solidFill>
+        <a:round/>
+      </a:ln>
+    </cs:spPr>
+  </cs:dataPointLine>
+  <cs:dataPointMarker>
+    <cs:lnRef idx="0">
+      <cs:styleClr val="auto"/>
+    </cs:lnRef>
+    <cs:fillRef idx="1">
+      <cs:styleClr val="auto"/>
+    </cs:fillRef>
+    <cs:effectRef idx="0"/>
+    <cs:fontRef idx="minor">
+      <a:schemeClr val="tx1"/>
+    </cs:fontRef>
+    <cs:spPr>
+      <a:ln w="9525">
+        <a:solidFill>
+          <a:schemeClr val="phClr"/>
+        </a:solidFill>
+      </a:ln>
+    </cs:spPr>
+  </cs:dataPointMarker>
+  <cs:dataPointMarkerLayout symbol="circle" size="5"/>
+  <cs:dataPointWireframe>
+    <cs:lnRef idx="0">
+      <cs:styleClr val="auto"/>
+    </cs:lnRef>
+    <cs:fillRef idx="0"/>
+    <cs:effectRef idx="0"/>
+    <cs:fontRef idx="minor">
+      <a:schemeClr val="dk1"/>
+    </cs:fontRef>
+    <cs:spPr>
+      <a:ln w="9525" cap="rnd">
+        <a:solidFill>
+          <a:schemeClr val="phClr"/>
+        </a:solidFill>
+        <a:round/>
+      </a:ln>
+    </cs:spPr>
+  </cs:dataPointWireframe>
+  <cs:dataTable>
+    <cs:lnRef idx="0"/>
+    <cs:fillRef idx="0"/>
+    <cs:effectRef idx="0"/>
+    <cs:fontRef idx="minor">
+      <a:schemeClr val="tx1">
+        <a:lumMod val="65000"/>
+        <a:lumOff val="35000"/>
+      </a:schemeClr>
+    </cs:fontRef>
+    <cs:spPr>
+      <a:noFill/>
+      <a:ln w="9525" cap="flat" cmpd="sng" algn="ctr">
+        <a:solidFill>
+          <a:schemeClr val="tx1">
+            <a:lumMod val="15000"/>
+            <a:lumOff val="85000"/>
+          </a:schemeClr>
+        </a:solidFill>
+        <a:round/>
+      </a:ln>
+    </cs:spPr>
+    <cs:defRPr sz="900" kern="1200"/>
+  </cs:dataTable>
+  <cs:downBar>
+    <cs:lnRef idx="0"/>
+    <cs:fillRef idx="0"/>
+    <cs:effectRef idx="0"/>
+    <cs:fontRef idx="minor">
+      <a:schemeClr val="tx1"/>
+    </cs:fontRef>
+    <cs:spPr>
+      <a:solidFill>
+        <a:schemeClr val="dk1">
+          <a:lumMod val="75000"/>
+          <a:lumOff val="25000"/>
+        </a:schemeClr>
+      </a:solidFill>
+      <a:ln w="9525" cap="flat" cmpd="sng" algn="ctr">
+        <a:solidFill>
+          <a:schemeClr val="tx1">
+            <a:lumMod val="65000"/>
+            <a:lumOff val="35000"/>
+          </a:schemeClr>
+        </a:solidFill>
+        <a:round/>
+      </a:ln>
+    </cs:spPr>
+  </cs:downBar>
+  <cs:dropLine>
+    <cs:lnRef idx="0"/>
+    <cs:fillRef idx="0"/>
+    <cs:effectRef idx="0"/>
+    <cs:fontRef idx="minor">
+      <a:schemeClr val="tx1"/>
+    </cs:fontRef>
+    <cs:spPr>
+      <a:ln w="9525" cap="flat" cmpd="sng" algn="ctr">
+        <a:solidFill>
+          <a:schemeClr val="tx1">
+            <a:lumMod val="35000"/>
+            <a:lumOff val="65000"/>
+          </a:schemeClr>
+        </a:solidFill>
+        <a:round/>
+      </a:ln>
+    </cs:spPr>
+  </cs:dropLine>
+  <cs:errorBar>
+    <cs:lnRef idx="0"/>
+    <cs:fillRef idx="0"/>
+    <cs:effectRef idx="0"/>
+    <cs:fontRef idx="minor">
+      <a:schemeClr val="tx1"/>
+    </cs:fontRef>
+    <cs:spPr>
+      <a:ln w="9525" cap="flat" cmpd="sng" algn="ctr">
+        <a:solidFill>
+          <a:schemeClr val="tx1">
+            <a:lumMod val="65000"/>
+            <a:lumOff val="35000"/>
+          </a:schemeClr>
+        </a:solidFill>
+        <a:round/>
+      </a:ln>
+    </cs:spPr>
+  </cs:errorBar>
+  <cs:floor>
+    <cs:lnRef idx="0"/>
+    <cs:fillRef idx="0"/>
+    <cs:effectRef idx="0"/>
+    <cs:fontRef idx="minor">
+      <a:schemeClr val="tx1"/>
+    </cs:fontRef>
+    <cs:spPr>
+      <a:noFill/>
+      <a:ln>
+        <a:noFill/>
+      </a:ln>
+    </cs:spPr>
+  </cs:floor>
+  <cs:gridlineMajor>
+    <cs:lnRef idx="0"/>
+    <cs:fillRef idx="0"/>
+    <cs:effectRef idx="0"/>
+    <cs:fontRef idx="minor">
+      <a:schemeClr val="tx1"/>
+    </cs:fontRef>
+    <cs:spPr>
+      <a:ln w="9525" cap="flat" cmpd="sng" algn="ctr">
+        <a:solidFill>
+          <a:schemeClr val="tx1">
+            <a:lumMod val="15000"/>
+            <a:lumOff val="85000"/>
+          </a:schemeClr>
+        </a:solidFill>
+        <a:round/>
+      </a:ln>
+    </cs:spPr>
+  </cs:gridlineMajor>
+  <cs:gridlineMinor>
+    <cs:lnRef idx="0"/>
+    <cs:fillRef idx="0"/>
+    <cs:effectRef idx="0"/>
+    <cs:fontRef idx="minor">
+      <a:schemeClr val="tx1"/>
+    </cs:fontRef>
+    <cs:spPr>
+      <a:ln w="9525" cap="flat" cmpd="sng" algn="ctr">
+        <a:solidFill>
+          <a:schemeClr val="tx1">
+            <a:lumMod val="5000"/>
+            <a:lumOff val="95000"/>
+          </a:schemeClr>
+        </a:solidFill>
+        <a:round/>
+      </a:ln>
+    </cs:spPr>
+  </cs:gridlineMinor>
+  <cs:hiLoLine>
+    <cs:lnRef idx="0"/>
+    <cs:fillRef idx="0"/>
+    <cs:effectRef idx="0"/>
+    <cs:fontRef idx="minor">
+      <a:schemeClr val="tx1"/>
+    </cs:fontRef>
+    <cs:spPr>
+      <a:ln w="9525" cap="flat" cmpd="sng" algn="ctr">
+        <a:solidFill>
+          <a:schemeClr val="tx1">
+            <a:lumMod val="50000"/>
+            <a:lumOff val="50000"/>
+          </a:schemeClr>
+        </a:solidFill>
+        <a:round/>
+      </a:ln>
+    </cs:spPr>
+  </cs:hiLoLine>
+  <cs:leaderLine>
+    <cs:lnRef idx="0"/>
+    <cs:fillRef idx="0"/>
+    <cs:effectRef idx="0"/>
+    <cs:fontRef idx="minor">
+      <a:schemeClr val="tx1"/>
+    </cs:fontRef>
+    <cs:spPr>
+      <a:ln w="9525" cap="flat" cmpd="sng" algn="ctr">
+        <a:solidFill>
+          <a:schemeClr val="tx1">
+            <a:lumMod val="35000"/>
+            <a:lumOff val="65000"/>
+          </a:schemeClr>
+        </a:solidFill>
+        <a:round/>
+      </a:ln>
+    </cs:spPr>
+  </cs:leaderLine>
+  <cs:legend>
+    <cs:lnRef idx="0"/>
+    <cs:fillRef idx="0"/>
+    <cs:effectRef idx="0"/>
+    <cs:fontRef idx="minor">
+      <a:schemeClr val="tx1">
+        <a:lumMod val="65000"/>
+        <a:lumOff val="35000"/>
+      </a:schemeClr>
+    </cs:fontRef>
+    <cs:defRPr sz="900" kern="1200"/>
+  </cs:legend>
+  <cs:plotArea mods="allowNoFillOverride allowNoLineOverride">
+    <cs:lnRef idx="0"/>
+    <cs:fillRef idx="0"/>
+    <cs:effectRef idx="0"/>
+    <cs:fontRef idx="minor">
+      <a:schemeClr val="tx1"/>
+    </cs:fontRef>
+  </cs:plotArea>
+  <cs:plotArea3D mods="allowNoFillOverride allowNoLineOverride">
+    <cs:lnRef idx="0"/>
+    <cs:fillRef idx="0"/>
+    <cs:effectRef idx="0"/>
+    <cs:fontRef idx="minor">
+      <a:schemeClr val="tx1"/>
+    </cs:fontRef>
+  </cs:plotArea3D>
+  <cs:seriesAxis>
+    <cs:lnRef idx="0"/>
+    <cs:fillRef idx="0"/>
+    <cs:effectRef idx="0"/>
+    <cs:fontRef idx="minor">
+      <a:schemeClr val="tx1">
+        <a:lumMod val="65000"/>
+        <a:lumOff val="35000"/>
+      </a:schemeClr>
+    </cs:fontRef>
+    <cs:defRPr sz="900" kern="1200"/>
+  </cs:seriesAxis>
+  <cs:seriesLine>
+    <cs:lnRef idx="0"/>
+    <cs:fillRef idx="0"/>
+    <cs:effectRef idx="0"/>
+    <cs:fontRef idx="minor">
+      <a:schemeClr val="tx1"/>
+    </cs:fontRef>
+    <cs:spPr>
+      <a:ln w="9525" cap="flat" cmpd="sng" algn="ctr">
+        <a:solidFill>
+          <a:schemeClr val="tx1">
+            <a:lumMod val="35000"/>
+            <a:lumOff val="65000"/>
+          </a:schemeClr>
+        </a:solidFill>
+        <a:round/>
+      </a:ln>
+    </cs:spPr>
+  </cs:seriesLine>
+  <cs:title>
+    <cs:lnRef idx="0"/>
+    <cs:fillRef idx="0"/>
+    <cs:effectRef idx="0"/>
+    <cs:fontRef idx="minor">
+      <a:schemeClr val="tx1">
+        <a:lumMod val="65000"/>
+        <a:lumOff val="35000"/>
+      </a:schemeClr>
+    </cs:fontRef>
+    <cs:defRPr sz="1400" b="0" kern="1200" spc="0" baseline="0"/>
+  </cs:title>
+  <cs:trendline>
+    <cs:lnRef idx="0">
+      <cs:styleClr val="auto"/>
+    </cs:lnRef>
+    <cs:fillRef idx="0"/>
+    <cs:effectRef idx="0"/>
+    <cs:fontRef idx="minor">
+      <a:schemeClr val="tx1"/>
+    </cs:fontRef>
+    <cs:spPr>
+      <a:ln w="19050" cap="rnd">
+        <a:solidFill>
+          <a:schemeClr val="phClr"/>
+        </a:solidFill>
+        <a:prstDash val="sysDot"/>
+      </a:ln>
+    </cs:spPr>
+  </cs:trendline>
+  <cs:trendlineLabel>
+    <cs:lnRef idx="0"/>
+    <cs:fillRef idx="0"/>
+    <cs:effectRef idx="0"/>
+    <cs:fontRef idx="minor">
+      <a:schemeClr val="tx1">
+        <a:lumMod val="65000"/>
+        <a:lumOff val="35000"/>
+      </a:schemeClr>
+    </cs:fontRef>
+    <cs:defRPr sz="900" kern="1200"/>
+  </cs:trendlineLabel>
+  <cs:upBar>
+    <cs:lnRef idx="0"/>
+    <cs:fillRef idx="0"/>
+    <cs:effectRef idx="0"/>
+    <cs:fontRef idx="minor">
+      <a:schemeClr val="tx1"/>
+    </cs:fontRef>
+    <cs:spPr>
+      <a:solidFill>
+        <a:schemeClr val="lt1"/>
+      </a:solidFill>
+      <a:ln w="9525" cap="flat" cmpd="sng" algn="ctr">
+        <a:solidFill>
+          <a:schemeClr val="tx1">
+            <a:lumMod val="65000"/>
+            <a:lumOff val="35000"/>
+          </a:schemeClr>
+        </a:solidFill>
+        <a:round/>
+      </a:ln>
+    </cs:spPr>
+  </cs:upBar>
+  <cs:valueAxis>
+    <cs:lnRef idx="0"/>
+    <cs:fillRef idx="0"/>
+    <cs:effectRef idx="0"/>
+    <cs:fontRef idx="minor">
+      <a:schemeClr val="tx1">
+        <a:lumMod val="65000"/>
+        <a:lumOff val="35000"/>
+      </a:schemeClr>
+    </cs:fontRef>
+    <cs:spPr>
+      <a:ln w="9525" cap="flat" cmpd="sng" algn="ctr">
+        <a:solidFill>
+          <a:schemeClr val="tx1">
+            <a:lumMod val="25000"/>
+            <a:lumOff val="75000"/>
+          </a:schemeClr>
+        </a:solidFill>
+        <a:round/>
+      </a:ln>
+    </cs:spPr>
+    <cs:defRPr sz="900" kern="1200"/>
+  </cs:valueAxis>
+  <cs:wall>
+    <cs:lnRef idx="0"/>
+    <cs:fillRef idx="0"/>
+    <cs:effectRef idx="0"/>
+    <cs:fontRef idx="minor">
+      <a:schemeClr val="tx1"/>
+    </cs:fontRef>
+    <cs:spPr>
+      <a:noFill/>
+      <a:ln>
+        <a:noFill/>
+      </a:ln>
+    </cs:spPr>
+  </cs:wall>
+</cs:chartStyle>
 </file>
 
 <file path=ppt/slideLayouts/slideLayout1.xml><?xml version="1.0" encoding="utf-8"?>
@@ -932,7 +1778,7 @@
             <a:fld id="{1D8BD707-D9CF-40AE-B4C6-C98DA3205C09}" type="datetimeFigureOut">
               <a:rPr lang="en-US" smtClean="0"/>
               <a:pPr/>
-              <a:t>3/8/2016</a:t>
+              <a:t>3/9/2016</a:t>
             </a:fld>
             <a:endParaRPr lang="en-US"/>
           </a:p>
@@ -1099,7 +1945,7 @@
             <a:fld id="{1D8BD707-D9CF-40AE-B4C6-C98DA3205C09}" type="datetimeFigureOut">
               <a:rPr lang="en-US" smtClean="0"/>
               <a:pPr/>
-              <a:t>3/8/2016</a:t>
+              <a:t>3/9/2016</a:t>
             </a:fld>
             <a:endParaRPr lang="en-US"/>
           </a:p>
@@ -1276,7 +2122,7 @@
             <a:fld id="{1D8BD707-D9CF-40AE-B4C6-C98DA3205C09}" type="datetimeFigureOut">
               <a:rPr lang="en-US" smtClean="0"/>
               <a:pPr/>
-              <a:t>3/8/2016</a:t>
+              <a:t>3/9/2016</a:t>
             </a:fld>
             <a:endParaRPr lang="en-US"/>
           </a:p>
@@ -1443,7 +2289,7 @@
             <a:fld id="{1D8BD707-D9CF-40AE-B4C6-C98DA3205C09}" type="datetimeFigureOut">
               <a:rPr lang="en-US" smtClean="0"/>
               <a:pPr/>
-              <a:t>3/8/2016</a:t>
+              <a:t>3/9/2016</a:t>
             </a:fld>
             <a:endParaRPr lang="en-US"/>
           </a:p>
@@ -1686,7 +2532,7 @@
             <a:fld id="{1D8BD707-D9CF-40AE-B4C6-C98DA3205C09}" type="datetimeFigureOut">
               <a:rPr lang="en-US" smtClean="0"/>
               <a:pPr/>
-              <a:t>3/8/2016</a:t>
+              <a:t>3/9/2016</a:t>
             </a:fld>
             <a:endParaRPr lang="en-US"/>
           </a:p>
@@ -1971,7 +2817,7 @@
             <a:fld id="{1D8BD707-D9CF-40AE-B4C6-C98DA3205C09}" type="datetimeFigureOut">
               <a:rPr lang="en-US" smtClean="0"/>
               <a:pPr/>
-              <a:t>3/8/2016</a:t>
+              <a:t>3/9/2016</a:t>
             </a:fld>
             <a:endParaRPr lang="en-US"/>
           </a:p>
@@ -2390,7 +3236,7 @@
             <a:fld id="{1D8BD707-D9CF-40AE-B4C6-C98DA3205C09}" type="datetimeFigureOut">
               <a:rPr lang="en-US" smtClean="0"/>
               <a:pPr/>
-              <a:t>3/8/2016</a:t>
+              <a:t>3/9/2016</a:t>
             </a:fld>
             <a:endParaRPr lang="en-US"/>
           </a:p>
@@ -2505,7 +3351,7 @@
             <a:fld id="{1D8BD707-D9CF-40AE-B4C6-C98DA3205C09}" type="datetimeFigureOut">
               <a:rPr lang="en-US" smtClean="0"/>
               <a:pPr/>
-              <a:t>3/8/2016</a:t>
+              <a:t>3/9/2016</a:t>
             </a:fld>
             <a:endParaRPr lang="en-US"/>
           </a:p>
@@ -2597,7 +3443,7 @@
             <a:fld id="{1D8BD707-D9CF-40AE-B4C6-C98DA3205C09}" type="datetimeFigureOut">
               <a:rPr lang="en-US" smtClean="0"/>
               <a:pPr/>
-              <a:t>3/8/2016</a:t>
+              <a:t>3/9/2016</a:t>
             </a:fld>
             <a:endParaRPr lang="en-US"/>
           </a:p>
@@ -2871,7 +3717,7 @@
             <a:fld id="{1D8BD707-D9CF-40AE-B4C6-C98DA3205C09}" type="datetimeFigureOut">
               <a:rPr lang="en-US" smtClean="0"/>
               <a:pPr/>
-              <a:t>3/8/2016</a:t>
+              <a:t>3/9/2016</a:t>
             </a:fld>
             <a:endParaRPr lang="en-US"/>
           </a:p>
@@ -3121,7 +3967,7 @@
             <a:fld id="{1D8BD707-D9CF-40AE-B4C6-C98DA3205C09}" type="datetimeFigureOut">
               <a:rPr lang="en-US" smtClean="0"/>
               <a:pPr/>
-              <a:t>3/8/2016</a:t>
+              <a:t>3/9/2016</a:t>
             </a:fld>
             <a:endParaRPr lang="en-US"/>
           </a:p>
@@ -3331,7 +4177,7 @@
             <a:fld id="{1D8BD707-D9CF-40AE-B4C6-C98DA3205C09}" type="datetimeFigureOut">
               <a:rPr lang="en-US" smtClean="0"/>
               <a:pPr/>
-              <a:t>3/8/2016</a:t>
+              <a:t>3/9/2016</a:t>
             </a:fld>
             <a:endParaRPr lang="en-US"/>
           </a:p>
@@ -3840,7 +4686,7 @@
         <p:spPr>
           <a:xfrm>
             <a:off x="1641796" y="2021681"/>
-            <a:ext cx="6664004" cy="3693319"/>
+            <a:ext cx="7215437" cy="3693319"/>
           </a:xfrm>
           <a:prstGeom prst="rect">
             <a:avLst/>
@@ -4175,14 +5021,83 @@
                 <a:latin typeface="Courier New" panose="02070309020205020404" pitchFamily="49" charset="0"/>
                 <a:cs typeface="Courier New" panose="02070309020205020404" pitchFamily="49" charset="0"/>
               </a:rPr>
-              <a:t>    pool = </a:t>
+              <a:t>    </a:t>
+            </a:r>
+            <a:r>
+              <a:rPr lang="nl-BE" dirty="0" err="1" smtClean="0">
+                <a:latin typeface="Courier New" panose="02070309020205020404" pitchFamily="49" charset="0"/>
+                <a:cs typeface="Courier New" panose="02070309020205020404" pitchFamily="49" charset="0"/>
+              </a:rPr>
+              <a:t>with</a:t>
+            </a:r>
+            <a:r>
+              <a:rPr lang="nl-BE" dirty="0" smtClean="0">
+                <a:latin typeface="Courier New" panose="02070309020205020404" pitchFamily="49" charset="0"/>
+                <a:cs typeface="Courier New" panose="02070309020205020404" pitchFamily="49" charset="0"/>
+              </a:rPr>
+              <a:t> </a:t>
+            </a:r>
+            <a:r>
+              <a:rPr lang="nl-BE" dirty="0" err="1" smtClean="0">
+                <a:latin typeface="Courier New" panose="02070309020205020404" pitchFamily="49" charset="0"/>
+                <a:cs typeface="Courier New" panose="02070309020205020404" pitchFamily="49" charset="0"/>
+              </a:rPr>
+              <a:t>multiprocessing.Pool</a:t>
+            </a:r>
+            <a:r>
+              <a:rPr lang="nl-BE" dirty="0" smtClean="0">
+                <a:latin typeface="Courier New" panose="02070309020205020404" pitchFamily="49" charset="0"/>
+                <a:cs typeface="Courier New" panose="02070309020205020404" pitchFamily="49" charset="0"/>
+              </a:rPr>
+              <a:t>(</a:t>
+            </a:r>
+            <a:r>
+              <a:rPr lang="nl-BE" dirty="0" err="1" smtClean="0">
+                <a:latin typeface="Courier New" panose="02070309020205020404" pitchFamily="49" charset="0"/>
+                <a:cs typeface="Courier New" panose="02070309020205020404" pitchFamily="49" charset="0"/>
+              </a:rPr>
+              <a:t>pool_size</a:t>
+            </a:r>
+            <a:r>
+              <a:rPr lang="nl-BE" dirty="0" smtClean="0">
+                <a:latin typeface="Courier New" panose="02070309020205020404" pitchFamily="49" charset="0"/>
+                <a:cs typeface="Courier New" panose="02070309020205020404" pitchFamily="49" charset="0"/>
+              </a:rPr>
+              <a:t>) as pool:</a:t>
+            </a:r>
+            <a:endParaRPr lang="nl-BE" dirty="0">
+              <a:latin typeface="Courier New" panose="02070309020205020404" pitchFamily="49" charset="0"/>
+              <a:cs typeface="Courier New" panose="02070309020205020404" pitchFamily="49" charset="0"/>
+            </a:endParaRPr>
+          </a:p>
+          <a:p>
+            <a:r>
+              <a:rPr lang="nl-BE" dirty="0">
+                <a:latin typeface="Courier New" panose="02070309020205020404" pitchFamily="49" charset="0"/>
+                <a:cs typeface="Courier New" panose="02070309020205020404" pitchFamily="49" charset="0"/>
+              </a:rPr>
+              <a:t>    </a:t>
+            </a:r>
+            <a:r>
+              <a:rPr lang="nl-BE" dirty="0" smtClean="0">
+                <a:latin typeface="Courier New" panose="02070309020205020404" pitchFamily="49" charset="0"/>
+                <a:cs typeface="Courier New" panose="02070309020205020404" pitchFamily="49" charset="0"/>
+              </a:rPr>
+              <a:t>    counters </a:t>
+            </a:r>
+            <a:r>
+              <a:rPr lang="nl-BE" dirty="0">
+                <a:latin typeface="Courier New" panose="02070309020205020404" pitchFamily="49" charset="0"/>
+                <a:cs typeface="Courier New" panose="02070309020205020404" pitchFamily="49" charset="0"/>
+              </a:rPr>
+              <a:t>= </a:t>
             </a:r>
             <a:r>
               <a:rPr lang="nl-BE" dirty="0" err="1">
                 <a:latin typeface="Courier New" panose="02070309020205020404" pitchFamily="49" charset="0"/>
                 <a:cs typeface="Courier New" panose="02070309020205020404" pitchFamily="49" charset="0"/>
               </a:rPr>
-              <a:t>multiprocessing.Pool</a:t>
+              <a:t>pool.map</a:t>
             </a:r>
             <a:r>
               <a:rPr lang="nl-BE" dirty="0">
@@ -4196,188 +5111,172 @@
                 <a:latin typeface="Courier New" panose="02070309020205020404" pitchFamily="49" charset="0"/>
                 <a:cs typeface="Courier New" panose="02070309020205020404" pitchFamily="49" charset="0"/>
               </a:rPr>
-              <a:t>pool_size</a:t>
+              <a:t>count_chunk</a:t>
             </a:r>
             <a:r>
               <a:rPr lang="nl-BE" dirty="0">
                 <a:latin typeface="Courier New" panose="02070309020205020404" pitchFamily="49" charset="0"/>
                 <a:cs typeface="Courier New" panose="02070309020205020404" pitchFamily="49" charset="0"/>
               </a:rPr>
+              <a:t>, </a:t>
+            </a:r>
+            <a:r>
+              <a:rPr lang="nl-BE" dirty="0" err="1">
+                <a:latin typeface="Courier New" panose="02070309020205020404" pitchFamily="49" charset="0"/>
+                <a:cs typeface="Courier New" panose="02070309020205020404" pitchFamily="49" charset="0"/>
+              </a:rPr>
+              <a:t>args</a:t>
+            </a:r>
+            <a:r>
+              <a:rPr lang="nl-BE" dirty="0">
+                <a:latin typeface="Courier New" panose="02070309020205020404" pitchFamily="49" charset="0"/>
+                <a:cs typeface="Courier New" panose="02070309020205020404" pitchFamily="49" charset="0"/>
+              </a:rPr>
               <a:t>)</a:t>
             </a:r>
           </a:p>
           <a:p>
             <a:r>
+              <a:rPr lang="nl-BE" dirty="0" smtClean="0">
+                <a:latin typeface="Courier New" panose="02070309020205020404" pitchFamily="49" charset="0"/>
+                <a:cs typeface="Courier New" panose="02070309020205020404" pitchFamily="49" charset="0"/>
+              </a:rPr>
+              <a:t>    counter </a:t>
+            </a:r>
+            <a:r>
               <a:rPr lang="nl-BE" dirty="0">
                 <a:latin typeface="Courier New" panose="02070309020205020404" pitchFamily="49" charset="0"/>
                 <a:cs typeface="Courier New" panose="02070309020205020404" pitchFamily="49" charset="0"/>
               </a:rPr>
-              <a:t>    counters = </a:t>
+              <a:t>= {'A': 0, 'C': 0, 'G': 0, </a:t>
             </a:r>
             <a:r>
               <a:rPr lang="nl-BE" dirty="0" err="1">
                 <a:latin typeface="Courier New" panose="02070309020205020404" pitchFamily="49" charset="0"/>
                 <a:cs typeface="Courier New" panose="02070309020205020404" pitchFamily="49" charset="0"/>
               </a:rPr>
-              <a:t>pool.map</a:t>
+              <a:t>'T</a:t>
             </a:r>
             <a:r>
               <a:rPr lang="nl-BE" dirty="0">
                 <a:latin typeface="Courier New" panose="02070309020205020404" pitchFamily="49" charset="0"/>
                 <a:cs typeface="Courier New" panose="02070309020205020404" pitchFamily="49" charset="0"/>
               </a:rPr>
-              <a:t>(</a:t>
+              <a:t>': 0}</a:t>
+            </a:r>
+          </a:p>
+          <a:p>
+            <a:r>
+              <a:rPr lang="nl-BE" dirty="0">
+                <a:latin typeface="Courier New" panose="02070309020205020404" pitchFamily="49" charset="0"/>
+                <a:cs typeface="Courier New" panose="02070309020205020404" pitchFamily="49" charset="0"/>
+              </a:rPr>
+              <a:t>    </a:t>
+            </a:r>
+            <a:r>
+              <a:rPr lang="nl-BE" dirty="0" err="1" smtClean="0">
+                <a:latin typeface="Courier New" panose="02070309020205020404" pitchFamily="49" charset="0"/>
+                <a:cs typeface="Courier New" panose="02070309020205020404" pitchFamily="49" charset="0"/>
+              </a:rPr>
+              <a:t>for</a:t>
+            </a:r>
+            <a:r>
+              <a:rPr lang="nl-BE" dirty="0" smtClean="0">
+                <a:latin typeface="Courier New" panose="02070309020205020404" pitchFamily="49" charset="0"/>
+                <a:cs typeface="Courier New" panose="02070309020205020404" pitchFamily="49" charset="0"/>
+              </a:rPr>
+              <a:t> </a:t>
             </a:r>
             <a:r>
               <a:rPr lang="nl-BE" dirty="0" err="1">
                 <a:latin typeface="Courier New" panose="02070309020205020404" pitchFamily="49" charset="0"/>
                 <a:cs typeface="Courier New" panose="02070309020205020404" pitchFamily="49" charset="0"/>
               </a:rPr>
-              <a:t>count_chunk</a:t>
+              <a:t>part_counter</a:t>
             </a:r>
             <a:r>
               <a:rPr lang="nl-BE" dirty="0">
                 <a:latin typeface="Courier New" panose="02070309020205020404" pitchFamily="49" charset="0"/>
                 <a:cs typeface="Courier New" panose="02070309020205020404" pitchFamily="49" charset="0"/>
               </a:rPr>
-              <a:t>, </a:t>
+              <a:t> in counters:</a:t>
+            </a:r>
+          </a:p>
+          <a:p>
+            <a:r>
+              <a:rPr lang="nl-BE" dirty="0">
+                <a:latin typeface="Courier New" panose="02070309020205020404" pitchFamily="49" charset="0"/>
+                <a:cs typeface="Courier New" panose="02070309020205020404" pitchFamily="49" charset="0"/>
+              </a:rPr>
+              <a:t>    </a:t>
+            </a:r>
+            <a:r>
+              <a:rPr lang="nl-BE" dirty="0" smtClean="0">
+                <a:latin typeface="Courier New" panose="02070309020205020404" pitchFamily="49" charset="0"/>
+                <a:cs typeface="Courier New" panose="02070309020205020404" pitchFamily="49" charset="0"/>
+              </a:rPr>
+              <a:t>   </a:t>
+            </a:r>
+            <a:r>
+              <a:rPr lang="nl-BE" dirty="0" err="1" smtClean="0">
+                <a:latin typeface="Courier New" panose="02070309020205020404" pitchFamily="49" charset="0"/>
+                <a:cs typeface="Courier New" panose="02070309020205020404" pitchFamily="49" charset="0"/>
+              </a:rPr>
+              <a:t>for</a:t>
+            </a:r>
+            <a:r>
+              <a:rPr lang="nl-BE" dirty="0" smtClean="0">
+                <a:latin typeface="Courier New" panose="02070309020205020404" pitchFamily="49" charset="0"/>
+                <a:cs typeface="Courier New" panose="02070309020205020404" pitchFamily="49" charset="0"/>
+              </a:rPr>
+              <a:t> </a:t>
             </a:r>
             <a:r>
               <a:rPr lang="nl-BE" dirty="0" err="1">
                 <a:latin typeface="Courier New" panose="02070309020205020404" pitchFamily="49" charset="0"/>
                 <a:cs typeface="Courier New" panose="02070309020205020404" pitchFamily="49" charset="0"/>
               </a:rPr>
-              <a:t>args</a:t>
+              <a:t>nucl</a:t>
             </a:r>
             <a:r>
               <a:rPr lang="nl-BE" dirty="0">
                 <a:latin typeface="Courier New" panose="02070309020205020404" pitchFamily="49" charset="0"/>
                 <a:cs typeface="Courier New" panose="02070309020205020404" pitchFamily="49" charset="0"/>
               </a:rPr>
-              <a:t>)</a:t>
-            </a:r>
-          </a:p>
-          <a:p>
+              <a:t> in </a:t>
+            </a:r>
+            <a:r>
+              <a:rPr lang="nl-BE" dirty="0" err="1">
+                <a:latin typeface="Courier New" panose="02070309020205020404" pitchFamily="49" charset="0"/>
+                <a:cs typeface="Courier New" panose="02070309020205020404" pitchFamily="49" charset="0"/>
+              </a:rPr>
+              <a:t>part_counter</a:t>
+            </a:r>
             <a:r>
               <a:rPr lang="nl-BE" dirty="0">
                 <a:latin typeface="Courier New" panose="02070309020205020404" pitchFamily="49" charset="0"/>
                 <a:cs typeface="Courier New" panose="02070309020205020404" pitchFamily="49" charset="0"/>
               </a:rPr>
-              <a:t>    counter = {'A': 0, 'C': 0, 'G': 0, </a:t>
-            </a:r>
-            <a:r>
-              <a:rPr lang="nl-BE" dirty="0" err="1">
-                <a:latin typeface="Courier New" panose="02070309020205020404" pitchFamily="49" charset="0"/>
-                <a:cs typeface="Courier New" panose="02070309020205020404" pitchFamily="49" charset="0"/>
-              </a:rPr>
-              <a:t>'T</a:t>
-            </a:r>
+              <a:t>:</a:t>
+            </a:r>
+          </a:p>
+          <a:p>
             <a:r>
               <a:rPr lang="nl-BE" dirty="0">
                 <a:latin typeface="Courier New" panose="02070309020205020404" pitchFamily="49" charset="0"/>
                 <a:cs typeface="Courier New" panose="02070309020205020404" pitchFamily="49" charset="0"/>
               </a:rPr>
-              <a:t>': 0}</a:t>
-            </a:r>
-          </a:p>
-          <a:p>
-            <a:r>
-              <a:rPr lang="nl-BE" dirty="0">
-                <a:latin typeface="Courier New" panose="02070309020205020404" pitchFamily="49" charset="0"/>
-                <a:cs typeface="Courier New" panose="02070309020205020404" pitchFamily="49" charset="0"/>
-              </a:rPr>
               <a:t>    </a:t>
             </a:r>
             <a:r>
-              <a:rPr lang="nl-BE" dirty="0" err="1">
-                <a:latin typeface="Courier New" panose="02070309020205020404" pitchFamily="49" charset="0"/>
-                <a:cs typeface="Courier New" panose="02070309020205020404" pitchFamily="49" charset="0"/>
-              </a:rPr>
-              <a:t>for</a:t>
-            </a:r>
-            <a:r>
-              <a:rPr lang="nl-BE" dirty="0">
-                <a:latin typeface="Courier New" panose="02070309020205020404" pitchFamily="49" charset="0"/>
-                <a:cs typeface="Courier New" panose="02070309020205020404" pitchFamily="49" charset="0"/>
-              </a:rPr>
-              <a:t> </a:t>
-            </a:r>
-            <a:r>
-              <a:rPr lang="nl-BE" dirty="0" err="1">
-                <a:latin typeface="Courier New" panose="02070309020205020404" pitchFamily="49" charset="0"/>
-                <a:cs typeface="Courier New" panose="02070309020205020404" pitchFamily="49" charset="0"/>
-              </a:rPr>
-              <a:t>part_counter</a:t>
-            </a:r>
-            <a:r>
-              <a:rPr lang="nl-BE" dirty="0">
-                <a:latin typeface="Courier New" panose="02070309020205020404" pitchFamily="49" charset="0"/>
-                <a:cs typeface="Courier New" panose="02070309020205020404" pitchFamily="49" charset="0"/>
-              </a:rPr>
-              <a:t> in counters:</a:t>
-            </a:r>
-          </a:p>
-          <a:p>
-            <a:r>
-              <a:rPr lang="nl-BE" dirty="0">
-                <a:latin typeface="Courier New" panose="02070309020205020404" pitchFamily="49" charset="0"/>
-                <a:cs typeface="Courier New" panose="02070309020205020404" pitchFamily="49" charset="0"/>
-              </a:rPr>
-              <a:t>        </a:t>
-            </a:r>
-            <a:r>
-              <a:rPr lang="nl-BE" dirty="0" err="1">
-                <a:latin typeface="Courier New" panose="02070309020205020404" pitchFamily="49" charset="0"/>
-                <a:cs typeface="Courier New" panose="02070309020205020404" pitchFamily="49" charset="0"/>
-              </a:rPr>
-              <a:t>for</a:t>
-            </a:r>
-            <a:r>
-              <a:rPr lang="nl-BE" dirty="0">
-                <a:latin typeface="Courier New" panose="02070309020205020404" pitchFamily="49" charset="0"/>
-                <a:cs typeface="Courier New" panose="02070309020205020404" pitchFamily="49" charset="0"/>
-              </a:rPr>
-              <a:t> </a:t>
-            </a:r>
-            <a:r>
-              <a:rPr lang="nl-BE" dirty="0" err="1">
-                <a:latin typeface="Courier New" panose="02070309020205020404" pitchFamily="49" charset="0"/>
-                <a:cs typeface="Courier New" panose="02070309020205020404" pitchFamily="49" charset="0"/>
-              </a:rPr>
-              <a:t>nucl</a:t>
-            </a:r>
-            <a:r>
-              <a:rPr lang="nl-BE" dirty="0">
-                <a:latin typeface="Courier New" panose="02070309020205020404" pitchFamily="49" charset="0"/>
-                <a:cs typeface="Courier New" panose="02070309020205020404" pitchFamily="49" charset="0"/>
-              </a:rPr>
-              <a:t> in </a:t>
-            </a:r>
-            <a:r>
-              <a:rPr lang="nl-BE" dirty="0" err="1">
-                <a:latin typeface="Courier New" panose="02070309020205020404" pitchFamily="49" charset="0"/>
-                <a:cs typeface="Courier New" panose="02070309020205020404" pitchFamily="49" charset="0"/>
-              </a:rPr>
-              <a:t>part_counter</a:t>
-            </a:r>
-            <a:r>
-              <a:rPr lang="nl-BE" dirty="0">
-                <a:latin typeface="Courier New" panose="02070309020205020404" pitchFamily="49" charset="0"/>
-                <a:cs typeface="Courier New" panose="02070309020205020404" pitchFamily="49" charset="0"/>
-              </a:rPr>
-              <a:t>:</a:t>
-            </a:r>
-          </a:p>
-          <a:p>
-            <a:r>
-              <a:rPr lang="nl-BE" dirty="0">
-                <a:latin typeface="Courier New" panose="02070309020205020404" pitchFamily="49" charset="0"/>
-                <a:cs typeface="Courier New" panose="02070309020205020404" pitchFamily="49" charset="0"/>
-              </a:rPr>
-              <a:t>            counter[</a:t>
-            </a:r>
-            <a:r>
-              <a:rPr lang="nl-BE" dirty="0" err="1">
+              <a:rPr lang="nl-BE" dirty="0" smtClean="0">
+                <a:latin typeface="Courier New" panose="02070309020205020404" pitchFamily="49" charset="0"/>
+                <a:cs typeface="Courier New" panose="02070309020205020404" pitchFamily="49" charset="0"/>
+              </a:rPr>
+              <a:t>       counter[</a:t>
+            </a:r>
+            <a:r>
+              <a:rPr lang="nl-BE" dirty="0" err="1" smtClean="0">
                 <a:latin typeface="Courier New" panose="02070309020205020404" pitchFamily="49" charset="0"/>
                 <a:cs typeface="Courier New" panose="02070309020205020404" pitchFamily="49" charset="0"/>
               </a:rPr>
@@ -4545,9 +5444,9 @@
         <p:grpSpPr>
           <a:xfrm>
             <a:off x="152400" y="2819400"/>
-            <a:ext cx="2057400" cy="990600"/>
+            <a:ext cx="2819400" cy="990600"/>
             <a:chOff x="5791200" y="2362200"/>
-            <a:chExt cx="2057400" cy="990600"/>
+            <a:chExt cx="2819400" cy="990600"/>
           </a:xfrm>
         </p:grpSpPr>
         <p:sp>
@@ -4603,7 +5502,7 @@
           <p:spPr>
             <a:xfrm>
               <a:off x="7086600" y="2685366"/>
-              <a:ext cx="762000" cy="667434"/>
+              <a:ext cx="1524000" cy="667434"/>
             </a:xfrm>
             <a:prstGeom prst="straightConnector1">
               <a:avLst/>
@@ -4888,7 +5787,7 @@
         </p:nvGrpSpPr>
         <p:grpSpPr>
           <a:xfrm>
-            <a:off x="7239000" y="1840468"/>
+            <a:off x="7086600" y="1840468"/>
             <a:ext cx="1752600" cy="1893332"/>
             <a:chOff x="5371108" y="2635746"/>
             <a:chExt cx="1752600" cy="1893332"/>
@@ -5247,6 +6146,3516 @@
 </file>
 
 <file path=ppt/slides/slide11.xml><?xml version="1.0" encoding="utf-8"?>
+<p:sld xmlns:a="http://schemas.openxmlformats.org/drawingml/2006/main" xmlns:r="http://schemas.openxmlformats.org/officeDocument/2006/relationships" xmlns:p="http://schemas.openxmlformats.org/presentationml/2006/main">
+  <p:cSld>
+    <p:spTree>
+      <p:nvGrpSpPr>
+        <p:cNvPr id="1" name=""/>
+        <p:cNvGrpSpPr/>
+        <p:nvPr/>
+      </p:nvGrpSpPr>
+      <p:grpSpPr>
+        <a:xfrm>
+          <a:off x="0" y="0"/>
+          <a:ext cx="0" cy="0"/>
+          <a:chOff x="0" y="0"/>
+          <a:chExt cx="0" cy="0"/>
+        </a:xfrm>
+      </p:grpSpPr>
+      <p:sp>
+        <p:nvSpPr>
+          <p:cNvPr id="2" name="Title 1"/>
+          <p:cNvSpPr>
+            <a:spLocks noGrp="1"/>
+          </p:cNvSpPr>
+          <p:nvPr>
+            <p:ph type="title"/>
+          </p:nvPr>
+        </p:nvSpPr>
+        <p:spPr/>
+        <p:txBody>
+          <a:bodyPr/>
+          <a:lstStyle/>
+          <a:p>
+            <a:r>
+              <a:rPr lang="en-US" dirty="0" smtClean="0"/>
+              <a:t>Scaling</a:t>
+            </a:r>
+            <a:endParaRPr lang="nl-BE" dirty="0"/>
+          </a:p>
+        </p:txBody>
+      </p:sp>
+      <p:graphicFrame>
+        <p:nvGraphicFramePr>
+          <p:cNvPr id="3" name="Chart 2"/>
+          <p:cNvGraphicFramePr>
+            <a:graphicFrameLocks/>
+          </p:cNvGraphicFramePr>
+          <p:nvPr>
+            <p:extLst>
+              <p:ext uri="{D42A27DB-BD31-4B8C-83A1-F6EECF244321}">
+                <p14:modId xmlns:p14="http://schemas.microsoft.com/office/powerpoint/2010/main" val="1594995467"/>
+              </p:ext>
+            </p:extLst>
+          </p:nvPr>
+        </p:nvGraphicFramePr>
+        <p:xfrm>
+          <a:off x="2286000" y="2057400"/>
+          <a:ext cx="4572000" cy="2743200"/>
+        </p:xfrm>
+        <a:graphic>
+          <a:graphicData uri="http://schemas.openxmlformats.org/drawingml/2006/chart">
+            <c:chart xmlns:c="http://schemas.openxmlformats.org/drawingml/2006/chart" xmlns:r="http://schemas.openxmlformats.org/officeDocument/2006/relationships" r:id="rId2"/>
+          </a:graphicData>
+        </a:graphic>
+      </p:graphicFrame>
+      <p:sp>
+        <p:nvSpPr>
+          <p:cNvPr id="4" name="TextBox 3"/>
+          <p:cNvSpPr txBox="1"/>
+          <p:nvPr/>
+        </p:nvSpPr>
+        <p:spPr>
+          <a:xfrm>
+            <a:off x="4419600" y="4736068"/>
+            <a:ext cx="684675" cy="369332"/>
+          </a:xfrm>
+          <a:prstGeom prst="rect">
+            <a:avLst/>
+          </a:prstGeom>
+          <a:noFill/>
+        </p:spPr>
+        <p:txBody>
+          <a:bodyPr wrap="none" rtlCol="0">
+            <a:spAutoFit/>
+          </a:bodyPr>
+          <a:lstStyle/>
+          <a:p>
+            <a:r>
+              <a:rPr lang="en-US" dirty="0" smtClean="0"/>
+              <a:t>cores</a:t>
+            </a:r>
+            <a:endParaRPr lang="nl-BE" dirty="0"/>
+          </a:p>
+        </p:txBody>
+      </p:sp>
+      <p:sp>
+        <p:nvSpPr>
+          <p:cNvPr id="5" name="TextBox 4"/>
+          <p:cNvSpPr txBox="1"/>
+          <p:nvPr/>
+        </p:nvSpPr>
+        <p:spPr>
+          <a:xfrm rot="16200000">
+            <a:off x="1605044" y="3207224"/>
+            <a:ext cx="992579" cy="369332"/>
+          </a:xfrm>
+          <a:prstGeom prst="rect">
+            <a:avLst/>
+          </a:prstGeom>
+          <a:noFill/>
+        </p:spPr>
+        <p:txBody>
+          <a:bodyPr wrap="none" rtlCol="0">
+            <a:spAutoFit/>
+          </a:bodyPr>
+          <a:lstStyle/>
+          <a:p>
+            <a:r>
+              <a:rPr lang="en-US" dirty="0" smtClean="0"/>
+              <a:t>speedup</a:t>
+            </a:r>
+            <a:endParaRPr lang="nl-BE" dirty="0"/>
+          </a:p>
+        </p:txBody>
+      </p:sp>
+      <p:grpSp>
+        <p:nvGrpSpPr>
+          <p:cNvPr id="11" name="Group 10"/>
+          <p:cNvGrpSpPr/>
+          <p:nvPr/>
+        </p:nvGrpSpPr>
+        <p:grpSpPr>
+          <a:xfrm>
+            <a:off x="228600" y="2057400"/>
+            <a:ext cx="2429774" cy="609600"/>
+            <a:chOff x="228600" y="2057400"/>
+            <a:chExt cx="2429774" cy="609600"/>
+          </a:xfrm>
+        </p:grpSpPr>
+        <p:sp>
+          <p:nvSpPr>
+            <p:cNvPr id="6" name="Oval 5"/>
+            <p:cNvSpPr/>
+            <p:nvPr/>
+          </p:nvSpPr>
+          <p:spPr>
+            <a:xfrm>
+              <a:off x="2582174" y="2590800"/>
+              <a:ext cx="76200" cy="76200"/>
+            </a:xfrm>
+            <a:prstGeom prst="ellipse">
+              <a:avLst/>
+            </a:prstGeom>
+            <a:solidFill>
+              <a:srgbClr val="C00000"/>
+            </a:solidFill>
+            <a:ln>
+              <a:solidFill>
+                <a:srgbClr val="C00000"/>
+              </a:solidFill>
+            </a:ln>
+          </p:spPr>
+          <p:style>
+            <a:lnRef idx="2">
+              <a:schemeClr val="accent1">
+                <a:shade val="50000"/>
+              </a:schemeClr>
+            </a:lnRef>
+            <a:fillRef idx="1">
+              <a:schemeClr val="accent1"/>
+            </a:fillRef>
+            <a:effectRef idx="0">
+              <a:schemeClr val="accent1"/>
+            </a:effectRef>
+            <a:fontRef idx="minor">
+              <a:schemeClr val="lt1"/>
+            </a:fontRef>
+          </p:style>
+          <p:txBody>
+            <a:bodyPr rtlCol="0" anchor="ctr"/>
+            <a:lstStyle/>
+            <a:p>
+              <a:pPr algn="ctr"/>
+              <a:endParaRPr lang="nl-BE"/>
+            </a:p>
+          </p:txBody>
+        </p:sp>
+        <p:cxnSp>
+          <p:nvCxnSpPr>
+            <p:cNvPr id="8" name="Straight Arrow Connector 7"/>
+            <p:cNvCxnSpPr>
+              <a:stCxn id="9" idx="3"/>
+            </p:cNvCxnSpPr>
+            <p:nvPr/>
+          </p:nvCxnSpPr>
+          <p:spPr>
+            <a:xfrm>
+              <a:off x="1627509" y="2242066"/>
+              <a:ext cx="954665" cy="348734"/>
+            </a:xfrm>
+            <a:prstGeom prst="straightConnector1">
+              <a:avLst/>
+            </a:prstGeom>
+            <a:ln>
+              <a:solidFill>
+                <a:srgbClr val="C00000"/>
+              </a:solidFill>
+              <a:tailEnd type="stealth" w="lg" len="lg"/>
+            </a:ln>
+          </p:spPr>
+          <p:style>
+            <a:lnRef idx="1">
+              <a:schemeClr val="accent1"/>
+            </a:lnRef>
+            <a:fillRef idx="0">
+              <a:schemeClr val="accent1"/>
+            </a:fillRef>
+            <a:effectRef idx="0">
+              <a:schemeClr val="accent1"/>
+            </a:effectRef>
+            <a:fontRef idx="minor">
+              <a:schemeClr val="tx1"/>
+            </a:fontRef>
+          </p:style>
+        </p:cxnSp>
+        <p:sp>
+          <p:nvSpPr>
+            <p:cNvPr id="9" name="TextBox 8"/>
+            <p:cNvSpPr txBox="1"/>
+            <p:nvPr/>
+          </p:nvSpPr>
+          <p:spPr>
+            <a:xfrm>
+              <a:off x="228600" y="2057400"/>
+              <a:ext cx="1398909" cy="369332"/>
+            </a:xfrm>
+            <a:prstGeom prst="rect">
+              <a:avLst/>
+            </a:prstGeom>
+            <a:noFill/>
+            <a:ln>
+              <a:solidFill>
+                <a:srgbClr val="C00000"/>
+              </a:solidFill>
+            </a:ln>
+          </p:spPr>
+          <p:txBody>
+            <a:bodyPr wrap="none" rtlCol="0">
+              <a:spAutoFit/>
+            </a:bodyPr>
+            <a:lstStyle/>
+            <a:p>
+              <a:r>
+                <a:rPr lang="en-US" dirty="0" smtClean="0">
+                  <a:solidFill>
+                    <a:srgbClr val="C00000"/>
+                  </a:solidFill>
+                </a:rPr>
+                <a:t>C application</a:t>
+              </a:r>
+              <a:endParaRPr lang="nl-BE" dirty="0">
+                <a:solidFill>
+                  <a:srgbClr val="C00000"/>
+                </a:solidFill>
+              </a:endParaRPr>
+            </a:p>
+          </p:txBody>
+        </p:sp>
+      </p:grpSp>
+      <p:grpSp>
+        <p:nvGrpSpPr>
+          <p:cNvPr id="16" name="Group 15"/>
+          <p:cNvGrpSpPr/>
+          <p:nvPr/>
+        </p:nvGrpSpPr>
+        <p:grpSpPr>
+          <a:xfrm>
+            <a:off x="5867400" y="2038709"/>
+            <a:ext cx="2966975" cy="552091"/>
+            <a:chOff x="5867400" y="2038709"/>
+            <a:chExt cx="2966975" cy="552091"/>
+          </a:xfrm>
+        </p:grpSpPr>
+        <p:sp>
+          <p:nvSpPr>
+            <p:cNvPr id="12" name="TextBox 11"/>
+            <p:cNvSpPr txBox="1"/>
+            <p:nvPr/>
+          </p:nvSpPr>
+          <p:spPr>
+            <a:xfrm>
+              <a:off x="7264715" y="2038709"/>
+              <a:ext cx="1569660" cy="369332"/>
+            </a:xfrm>
+            <a:prstGeom prst="rect">
+              <a:avLst/>
+            </a:prstGeom>
+            <a:noFill/>
+            <a:ln>
+              <a:solidFill>
+                <a:schemeClr val="tx1"/>
+              </a:solidFill>
+            </a:ln>
+          </p:spPr>
+          <p:txBody>
+            <a:bodyPr wrap="none" rtlCol="0">
+              <a:spAutoFit/>
+            </a:bodyPr>
+            <a:lstStyle/>
+            <a:p>
+              <a:r>
+                <a:rPr lang="en-US" dirty="0" smtClean="0"/>
+                <a:t>10</a:t>
+              </a:r>
+              <a:r>
+                <a:rPr lang="en-US" baseline="30000" dirty="0" smtClean="0"/>
+                <a:t>9</a:t>
+              </a:r>
+              <a:r>
+                <a:rPr lang="en-US" dirty="0" smtClean="0"/>
+                <a:t> bases: 21 s</a:t>
+              </a:r>
+              <a:endParaRPr lang="nl-BE" dirty="0"/>
+            </a:p>
+          </p:txBody>
+        </p:sp>
+        <p:cxnSp>
+          <p:nvCxnSpPr>
+            <p:cNvPr id="13" name="Straight Arrow Connector 12"/>
+            <p:cNvCxnSpPr>
+              <a:stCxn id="12" idx="1"/>
+            </p:cNvCxnSpPr>
+            <p:nvPr/>
+          </p:nvCxnSpPr>
+          <p:spPr>
+            <a:xfrm flipH="1">
+              <a:off x="5867400" y="2223375"/>
+              <a:ext cx="1397315" cy="367425"/>
+            </a:xfrm>
+            <a:prstGeom prst="straightConnector1">
+              <a:avLst/>
+            </a:prstGeom>
+            <a:ln>
+              <a:solidFill>
+                <a:schemeClr val="tx1"/>
+              </a:solidFill>
+              <a:tailEnd type="stealth" w="lg" len="lg"/>
+            </a:ln>
+          </p:spPr>
+          <p:style>
+            <a:lnRef idx="1">
+              <a:schemeClr val="accent1"/>
+            </a:lnRef>
+            <a:fillRef idx="0">
+              <a:schemeClr val="accent1"/>
+            </a:fillRef>
+            <a:effectRef idx="0">
+              <a:schemeClr val="accent1"/>
+            </a:effectRef>
+            <a:fontRef idx="minor">
+              <a:schemeClr val="tx1"/>
+            </a:fontRef>
+          </p:style>
+        </p:cxnSp>
+      </p:grpSp>
+    </p:spTree>
+    <p:extLst>
+      <p:ext uri="{BB962C8B-B14F-4D97-AF65-F5344CB8AC3E}">
+        <p14:creationId xmlns:p14="http://schemas.microsoft.com/office/powerpoint/2010/main" val="888027458"/>
+      </p:ext>
+    </p:extLst>
+  </p:cSld>
+  <p:clrMapOvr>
+    <a:masterClrMapping/>
+  </p:clrMapOvr>
+  <p:timing>
+    <p:tnLst>
+      <p:par>
+        <p:cTn id="1" dur="indefinite" restart="never" nodeType="tmRoot">
+          <p:childTnLst>
+            <p:seq concurrent="1" nextAc="seek">
+              <p:cTn id="2" dur="indefinite" nodeType="mainSeq">
+                <p:childTnLst>
+                  <p:par>
+                    <p:cTn id="3" fill="hold">
+                      <p:stCondLst>
+                        <p:cond delay="indefinite"/>
+                      </p:stCondLst>
+                      <p:childTnLst>
+                        <p:par>
+                          <p:cTn id="4" fill="hold">
+                            <p:stCondLst>
+                              <p:cond delay="0"/>
+                            </p:stCondLst>
+                            <p:childTnLst>
+                              <p:par>
+                                <p:cTn id="5" presetID="1" presetClass="entr" presetSubtype="0" fill="hold" nodeType="clickEffect">
+                                  <p:stCondLst>
+                                    <p:cond delay="0"/>
+                                  </p:stCondLst>
+                                  <p:childTnLst>
+                                    <p:set>
+                                      <p:cBhvr>
+                                        <p:cTn id="6" dur="1" fill="hold">
+                                          <p:stCondLst>
+                                            <p:cond delay="0"/>
+                                          </p:stCondLst>
+                                        </p:cTn>
+                                        <p:tgtEl>
+                                          <p:spTgt spid="11"/>
+                                        </p:tgtEl>
+                                        <p:attrNameLst>
+                                          <p:attrName>style.visibility</p:attrName>
+                                        </p:attrNameLst>
+                                      </p:cBhvr>
+                                      <p:to>
+                                        <p:strVal val="visible"/>
+                                      </p:to>
+                                    </p:set>
+                                  </p:childTnLst>
+                                </p:cTn>
+                              </p:par>
+                            </p:childTnLst>
+                          </p:cTn>
+                        </p:par>
+                      </p:childTnLst>
+                    </p:cTn>
+                  </p:par>
+                </p:childTnLst>
+              </p:cTn>
+              <p:prevCondLst>
+                <p:cond evt="onPrev" delay="0">
+                  <p:tgtEl>
+                    <p:sldTgt/>
+                  </p:tgtEl>
+                </p:cond>
+              </p:prevCondLst>
+              <p:nextCondLst>
+                <p:cond evt="onNext" delay="0">
+                  <p:tgtEl>
+                    <p:sldTgt/>
+                  </p:tgtEl>
+                </p:cond>
+              </p:nextCondLst>
+            </p:seq>
+          </p:childTnLst>
+        </p:cTn>
+      </p:par>
+    </p:tnLst>
+  </p:timing>
+</p:sld>
+</file>
+
+<file path=ppt/slides/slide12.xml><?xml version="1.0" encoding="utf-8"?>
+<p:sld xmlns:a="http://schemas.openxmlformats.org/drawingml/2006/main" xmlns:r="http://schemas.openxmlformats.org/officeDocument/2006/relationships" xmlns:p="http://schemas.openxmlformats.org/presentationml/2006/main">
+  <p:cSld>
+    <p:spTree>
+      <p:nvGrpSpPr>
+        <p:cNvPr id="1" name=""/>
+        <p:cNvGrpSpPr/>
+        <p:nvPr/>
+      </p:nvGrpSpPr>
+      <p:grpSpPr>
+        <a:xfrm>
+          <a:off x="0" y="0"/>
+          <a:ext cx="0" cy="0"/>
+          <a:chOff x="0" y="0"/>
+          <a:chExt cx="0" cy="0"/>
+        </a:xfrm>
+      </p:grpSpPr>
+      <p:sp>
+        <p:nvSpPr>
+          <p:cNvPr id="3" name="Title 2"/>
+          <p:cNvSpPr>
+            <a:spLocks noGrp="1"/>
+          </p:cNvSpPr>
+          <p:nvPr>
+            <p:ph type="title"/>
+          </p:nvPr>
+        </p:nvSpPr>
+        <p:spPr/>
+        <p:txBody>
+          <a:bodyPr/>
+          <a:lstStyle/>
+          <a:p>
+            <a:r>
+              <a:rPr lang="en-US" dirty="0" smtClean="0"/>
+              <a:t>Pool methods</a:t>
+            </a:r>
+            <a:endParaRPr lang="nl-BE" dirty="0"/>
+          </a:p>
+        </p:txBody>
+      </p:sp>
+      <p:sp>
+        <p:nvSpPr>
+          <p:cNvPr id="4" name="Content Placeholder 3"/>
+          <p:cNvSpPr>
+            <a:spLocks noGrp="1"/>
+          </p:cNvSpPr>
+          <p:nvPr>
+            <p:ph idx="1"/>
+          </p:nvPr>
+        </p:nvSpPr>
+        <p:spPr/>
+        <p:txBody>
+          <a:bodyPr>
+            <a:normAutofit fontScale="85000" lnSpcReduction="10000"/>
+          </a:bodyPr>
+          <a:lstStyle/>
+          <a:p>
+            <a:r>
+              <a:rPr lang="en-US" dirty="0" smtClean="0">
+                <a:latin typeface="Courier New" panose="02070309020205020404" pitchFamily="49" charset="0"/>
+                <a:cs typeface="Courier New" panose="02070309020205020404" pitchFamily="49" charset="0"/>
+              </a:rPr>
+              <a:t>apply</a:t>
+            </a:r>
+            <a:r>
+              <a:rPr lang="en-US" dirty="0" smtClean="0"/>
+              <a:t>: call function with single argument, blocking</a:t>
+            </a:r>
+          </a:p>
+          <a:p>
+            <a:r>
+              <a:rPr lang="en-US" dirty="0" err="1" smtClean="0">
+                <a:latin typeface="Courier New" panose="02070309020205020404" pitchFamily="49" charset="0"/>
+                <a:cs typeface="Courier New" panose="02070309020205020404" pitchFamily="49" charset="0"/>
+              </a:rPr>
+              <a:t>apply_async</a:t>
+            </a:r>
+            <a:r>
+              <a:rPr lang="en-US" dirty="0" smtClean="0"/>
+              <a:t>: call function with single argument, non-blocking</a:t>
+            </a:r>
+          </a:p>
+          <a:p>
+            <a:r>
+              <a:rPr lang="en-US" dirty="0" smtClean="0">
+                <a:latin typeface="Courier New" panose="02070309020205020404" pitchFamily="49" charset="0"/>
+                <a:cs typeface="Courier New" panose="02070309020205020404" pitchFamily="49" charset="0"/>
+              </a:rPr>
+              <a:t>map</a:t>
+            </a:r>
+            <a:r>
+              <a:rPr lang="en-US" dirty="0" smtClean="0"/>
+              <a:t>/</a:t>
+            </a:r>
+            <a:r>
+              <a:rPr lang="en-US" dirty="0" err="1" smtClean="0">
+                <a:latin typeface="Courier New" panose="02070309020205020404" pitchFamily="49" charset="0"/>
+                <a:cs typeface="Courier New" panose="02070309020205020404" pitchFamily="49" charset="0"/>
+              </a:rPr>
+              <a:t>imap</a:t>
+            </a:r>
+            <a:r>
+              <a:rPr lang="en-US" dirty="0" smtClean="0"/>
+              <a:t>: call function on each of </a:t>
+            </a:r>
+            <a:r>
+              <a:rPr lang="en-US" dirty="0" err="1" smtClean="0"/>
+              <a:t>iterable</a:t>
+            </a:r>
+            <a:r>
+              <a:rPr lang="en-US" dirty="0" smtClean="0"/>
+              <a:t>, blocking</a:t>
+            </a:r>
+          </a:p>
+          <a:p>
+            <a:r>
+              <a:rPr lang="en-US" dirty="0" err="1" smtClean="0">
+                <a:latin typeface="Courier New" panose="02070309020205020404" pitchFamily="49" charset="0"/>
+                <a:cs typeface="Courier New" panose="02070309020205020404" pitchFamily="49" charset="0"/>
+              </a:rPr>
+              <a:t>map_async</a:t>
+            </a:r>
+            <a:r>
+              <a:rPr lang="en-US" dirty="0" smtClean="0"/>
+              <a:t>: call function on each of </a:t>
+            </a:r>
+            <a:r>
+              <a:rPr lang="en-US" dirty="0" err="1" smtClean="0"/>
+              <a:t>iterable</a:t>
+            </a:r>
+            <a:r>
+              <a:rPr lang="en-US" dirty="0" smtClean="0"/>
+              <a:t>, non-blocking</a:t>
+            </a:r>
+          </a:p>
+          <a:p>
+            <a:r>
+              <a:rPr lang="en-US" dirty="0" err="1" smtClean="0">
+                <a:latin typeface="Courier New" panose="02070309020205020404" pitchFamily="49" charset="0"/>
+                <a:cs typeface="Courier New" panose="02070309020205020404" pitchFamily="49" charset="0"/>
+              </a:rPr>
+              <a:t>starmap</a:t>
+            </a:r>
+            <a:r>
+              <a:rPr lang="en-US" dirty="0" smtClean="0"/>
+              <a:t>: call function on each of </a:t>
+            </a:r>
+            <a:r>
+              <a:rPr lang="en-US" dirty="0" err="1" smtClean="0"/>
+              <a:t>iterable</a:t>
+            </a:r>
+            <a:r>
+              <a:rPr lang="en-US" dirty="0" smtClean="0"/>
+              <a:t>, itself </a:t>
+            </a:r>
+            <a:r>
+              <a:rPr lang="en-US" dirty="0" err="1" smtClean="0"/>
+              <a:t>iterables</a:t>
+            </a:r>
+            <a:r>
+              <a:rPr lang="en-US" dirty="0" smtClean="0"/>
+              <a:t> and unpacked as arguments, blocking</a:t>
+            </a:r>
+          </a:p>
+          <a:p>
+            <a:r>
+              <a:rPr lang="en-US" dirty="0" err="1" smtClean="0">
+                <a:latin typeface="Courier New" panose="02070309020205020404" pitchFamily="49" charset="0"/>
+                <a:cs typeface="Courier New" panose="02070309020205020404" pitchFamily="49" charset="0"/>
+              </a:rPr>
+              <a:t>starmap_async</a:t>
+            </a:r>
+            <a:r>
+              <a:rPr lang="en-US" dirty="0" smtClean="0"/>
+              <a:t>: </a:t>
+            </a:r>
+            <a:r>
+              <a:rPr lang="en-US" dirty="0"/>
+              <a:t>call function on each of </a:t>
+            </a:r>
+            <a:r>
+              <a:rPr lang="en-US" dirty="0" err="1"/>
+              <a:t>iterable</a:t>
+            </a:r>
+            <a:r>
+              <a:rPr lang="en-US" dirty="0"/>
+              <a:t>, itself </a:t>
+            </a:r>
+            <a:r>
+              <a:rPr lang="en-US" dirty="0" err="1"/>
+              <a:t>iterables</a:t>
+            </a:r>
+            <a:r>
+              <a:rPr lang="en-US" dirty="0"/>
+              <a:t> and unpacked as arguments, blocking</a:t>
+            </a:r>
+            <a:endParaRPr lang="nl-BE" dirty="0"/>
+          </a:p>
+        </p:txBody>
+      </p:sp>
+    </p:spTree>
+    <p:extLst>
+      <p:ext uri="{BB962C8B-B14F-4D97-AF65-F5344CB8AC3E}">
+        <p14:creationId xmlns:p14="http://schemas.microsoft.com/office/powerpoint/2010/main" val="2859830712"/>
+      </p:ext>
+    </p:extLst>
+  </p:cSld>
+  <p:clrMapOvr>
+    <a:masterClrMapping/>
+  </p:clrMapOvr>
+  <p:timing>
+    <p:tnLst>
+      <p:par>
+        <p:cTn id="1" dur="indefinite" restart="never" nodeType="tmRoot"/>
+      </p:par>
+    </p:tnLst>
+  </p:timing>
+</p:sld>
+</file>
+
+<file path=ppt/slides/slide13.xml><?xml version="1.0" encoding="utf-8"?>
+<p:sld xmlns:a="http://schemas.openxmlformats.org/drawingml/2006/main" xmlns:r="http://schemas.openxmlformats.org/officeDocument/2006/relationships" xmlns:p="http://schemas.openxmlformats.org/presentationml/2006/main">
+  <p:cSld>
+    <p:spTree>
+      <p:nvGrpSpPr>
+        <p:cNvPr id="1" name=""/>
+        <p:cNvGrpSpPr/>
+        <p:nvPr/>
+      </p:nvGrpSpPr>
+      <p:grpSpPr>
+        <a:xfrm>
+          <a:off x="0" y="0"/>
+          <a:ext cx="0" cy="0"/>
+          <a:chOff x="0" y="0"/>
+          <a:chExt cx="0" cy="0"/>
+        </a:xfrm>
+      </p:grpSpPr>
+      <p:sp>
+        <p:nvSpPr>
+          <p:cNvPr id="2" name="Title 1"/>
+          <p:cNvSpPr>
+            <a:spLocks noGrp="1"/>
+          </p:cNvSpPr>
+          <p:nvPr>
+            <p:ph type="title"/>
+          </p:nvPr>
+        </p:nvSpPr>
+        <p:spPr/>
+        <p:txBody>
+          <a:bodyPr/>
+          <a:lstStyle/>
+          <a:p>
+            <a:r>
+              <a:rPr lang="en-US" dirty="0" smtClean="0"/>
+              <a:t>Results</a:t>
+            </a:r>
+            <a:endParaRPr lang="nl-BE" dirty="0"/>
+          </a:p>
+        </p:txBody>
+      </p:sp>
+      <p:sp>
+        <p:nvSpPr>
+          <p:cNvPr id="3" name="Content Placeholder 2"/>
+          <p:cNvSpPr>
+            <a:spLocks noGrp="1"/>
+          </p:cNvSpPr>
+          <p:nvPr>
+            <p:ph idx="1"/>
+          </p:nvPr>
+        </p:nvSpPr>
+        <p:spPr/>
+        <p:txBody>
+          <a:bodyPr/>
+          <a:lstStyle/>
+          <a:p>
+            <a:r>
+              <a:rPr lang="en-US" dirty="0" smtClean="0"/>
+              <a:t>Asynchronous methods return </a:t>
+            </a:r>
+            <a:r>
+              <a:rPr lang="en-US" dirty="0" err="1" smtClean="0">
+                <a:latin typeface="Courier New" panose="02070309020205020404" pitchFamily="49" charset="0"/>
+                <a:cs typeface="Courier New" panose="02070309020205020404" pitchFamily="49" charset="0"/>
+              </a:rPr>
+              <a:t>AsyncResult</a:t>
+            </a:r>
+            <a:r>
+              <a:rPr lang="en-US" dirty="0" smtClean="0"/>
+              <a:t> objects</a:t>
+            </a:r>
+          </a:p>
+          <a:p>
+            <a:pPr lvl="1"/>
+            <a:r>
+              <a:rPr lang="en-US" dirty="0" smtClean="0">
+                <a:latin typeface="Courier New" panose="02070309020205020404" pitchFamily="49" charset="0"/>
+                <a:cs typeface="Courier New" panose="02070309020205020404" pitchFamily="49" charset="0"/>
+              </a:rPr>
+              <a:t>wait(): </a:t>
+            </a:r>
+            <a:r>
+              <a:rPr lang="en-US" dirty="0" smtClean="0"/>
+              <a:t>blocks till result is ready</a:t>
+            </a:r>
+          </a:p>
+          <a:p>
+            <a:pPr lvl="1"/>
+            <a:r>
+              <a:rPr lang="en-US" dirty="0" smtClean="0">
+                <a:latin typeface="Courier New" panose="02070309020205020404" pitchFamily="49" charset="0"/>
+                <a:cs typeface="Courier New" panose="02070309020205020404" pitchFamily="49" charset="0"/>
+              </a:rPr>
+              <a:t>get()</a:t>
+            </a:r>
+            <a:r>
+              <a:rPr lang="en-US" dirty="0" smtClean="0"/>
+              <a:t>: blocks till result is ready, then returns it</a:t>
+            </a:r>
+          </a:p>
+          <a:p>
+            <a:pPr lvl="1"/>
+            <a:endParaRPr lang="en-US" dirty="0" smtClean="0"/>
+          </a:p>
+          <a:p>
+            <a:pPr lvl="1"/>
+            <a:r>
+              <a:rPr lang="en-US" dirty="0" smtClean="0">
+                <a:latin typeface="Courier New" panose="02070309020205020404" pitchFamily="49" charset="0"/>
+                <a:cs typeface="Courier New" panose="02070309020205020404" pitchFamily="49" charset="0"/>
+              </a:rPr>
+              <a:t>ready()</a:t>
+            </a:r>
+            <a:r>
+              <a:rPr lang="en-US" dirty="0" smtClean="0"/>
+              <a:t>: True when result is ready</a:t>
+            </a:r>
+          </a:p>
+          <a:p>
+            <a:pPr lvl="1"/>
+            <a:r>
+              <a:rPr lang="en-US" dirty="0" smtClean="0">
+                <a:latin typeface="Courier New" panose="02070309020205020404" pitchFamily="49" charset="0"/>
+                <a:cs typeface="Courier New" panose="02070309020205020404" pitchFamily="49" charset="0"/>
+              </a:rPr>
+              <a:t>successful()</a:t>
+            </a:r>
+            <a:r>
+              <a:rPr lang="en-US" dirty="0" smtClean="0"/>
+              <a:t>: True when no exceptions where raised, only call when ready</a:t>
+            </a:r>
+            <a:endParaRPr lang="nl-BE" dirty="0"/>
+          </a:p>
+        </p:txBody>
+      </p:sp>
+    </p:spTree>
+    <p:extLst>
+      <p:ext uri="{BB962C8B-B14F-4D97-AF65-F5344CB8AC3E}">
+        <p14:creationId xmlns:p14="http://schemas.microsoft.com/office/powerpoint/2010/main" val="2407152856"/>
+      </p:ext>
+    </p:extLst>
+  </p:cSld>
+  <p:clrMapOvr>
+    <a:masterClrMapping/>
+  </p:clrMapOvr>
+  <p:timing>
+    <p:tnLst>
+      <p:par>
+        <p:cTn id="1" dur="indefinite" restart="never" nodeType="tmRoot"/>
+      </p:par>
+    </p:tnLst>
+  </p:timing>
+</p:sld>
+</file>
+
+<file path=ppt/slides/slide14.xml><?xml version="1.0" encoding="utf-8"?>
+<p:sld xmlns:a="http://schemas.openxmlformats.org/drawingml/2006/main" xmlns:r="http://schemas.openxmlformats.org/officeDocument/2006/relationships" xmlns:p="http://schemas.openxmlformats.org/presentationml/2006/main">
+  <p:cSld>
+    <p:spTree>
+      <p:nvGrpSpPr>
+        <p:cNvPr id="1" name=""/>
+        <p:cNvGrpSpPr/>
+        <p:nvPr/>
+      </p:nvGrpSpPr>
+      <p:grpSpPr>
+        <a:xfrm>
+          <a:off x="0" y="0"/>
+          <a:ext cx="0" cy="0"/>
+          <a:chOff x="0" y="0"/>
+          <a:chExt cx="0" cy="0"/>
+        </a:xfrm>
+      </p:grpSpPr>
+      <p:sp>
+        <p:nvSpPr>
+          <p:cNvPr id="2" name="Title 1"/>
+          <p:cNvSpPr>
+            <a:spLocks noGrp="1"/>
+          </p:cNvSpPr>
+          <p:nvPr>
+            <p:ph type="title"/>
+          </p:nvPr>
+        </p:nvSpPr>
+        <p:spPr/>
+        <p:txBody>
+          <a:bodyPr/>
+          <a:lstStyle/>
+          <a:p>
+            <a:r>
+              <a:rPr lang="en-US" dirty="0" smtClean="0"/>
+              <a:t>Shared memory</a:t>
+            </a:r>
+            <a:endParaRPr lang="nl-BE" dirty="0"/>
+          </a:p>
+        </p:txBody>
+      </p:sp>
+      <p:sp>
+        <p:nvSpPr>
+          <p:cNvPr id="3" name="Content Placeholder 2"/>
+          <p:cNvSpPr>
+            <a:spLocks noGrp="1"/>
+          </p:cNvSpPr>
+          <p:nvPr>
+            <p:ph idx="1"/>
+          </p:nvPr>
+        </p:nvSpPr>
+        <p:spPr/>
+        <p:txBody>
+          <a:bodyPr/>
+          <a:lstStyle/>
+          <a:p>
+            <a:r>
+              <a:rPr lang="en-US" dirty="0" smtClean="0"/>
+              <a:t>Explicitly work with </a:t>
+            </a:r>
+            <a:r>
+              <a:rPr lang="en-US" dirty="0" smtClean="0">
+                <a:latin typeface="Courier New" panose="02070309020205020404" pitchFamily="49" charset="0"/>
+                <a:cs typeface="Courier New" panose="02070309020205020404" pitchFamily="49" charset="0"/>
+              </a:rPr>
+              <a:t>Process</a:t>
+            </a:r>
+          </a:p>
+          <a:p>
+            <a:r>
+              <a:rPr lang="en-US" dirty="0" smtClean="0"/>
+              <a:t>Processes can share</a:t>
+            </a:r>
+          </a:p>
+          <a:p>
+            <a:pPr lvl="1"/>
+            <a:r>
+              <a:rPr lang="en-US" dirty="0" smtClean="0"/>
+              <a:t>Single value: </a:t>
+            </a:r>
+            <a:r>
+              <a:rPr lang="en-US" dirty="0" err="1" smtClean="0">
+                <a:latin typeface="Courier New" panose="02070309020205020404" pitchFamily="49" charset="0"/>
+                <a:cs typeface="Courier New" panose="02070309020205020404" pitchFamily="49" charset="0"/>
+              </a:rPr>
+              <a:t>multiprocessing.Value</a:t>
+            </a:r>
+            <a:endParaRPr lang="en-US" dirty="0" smtClean="0">
+              <a:latin typeface="Courier New" panose="02070309020205020404" pitchFamily="49" charset="0"/>
+              <a:cs typeface="Courier New" panose="02070309020205020404" pitchFamily="49" charset="0"/>
+            </a:endParaRPr>
+          </a:p>
+          <a:p>
+            <a:pPr lvl="1"/>
+            <a:r>
+              <a:rPr lang="en-US" dirty="0" smtClean="0"/>
+              <a:t>Array: </a:t>
+            </a:r>
+            <a:r>
+              <a:rPr lang="en-US" dirty="0" err="1" smtClean="0">
+                <a:latin typeface="Courier New" panose="02070309020205020404" pitchFamily="49" charset="0"/>
+                <a:cs typeface="Courier New" panose="02070309020205020404" pitchFamily="49" charset="0"/>
+              </a:rPr>
+              <a:t>multiprocessing.Array</a:t>
+            </a:r>
+            <a:endParaRPr lang="en-US" dirty="0" smtClean="0">
+              <a:latin typeface="Courier New" panose="02070309020205020404" pitchFamily="49" charset="0"/>
+              <a:cs typeface="Courier New" panose="02070309020205020404" pitchFamily="49" charset="0"/>
+            </a:endParaRPr>
+          </a:p>
+          <a:p>
+            <a:pPr lvl="1"/>
+            <a:r>
+              <a:rPr lang="en-US" dirty="0" err="1" smtClean="0"/>
+              <a:t>Syncronized</a:t>
+            </a:r>
+            <a:r>
+              <a:rPr lang="en-US" dirty="0" smtClean="0"/>
+              <a:t> FIFO queue: </a:t>
+            </a:r>
+            <a:r>
+              <a:rPr lang="en-US" dirty="0" err="1" smtClean="0">
+                <a:latin typeface="Courier New" panose="02070309020205020404" pitchFamily="49" charset="0"/>
+                <a:cs typeface="Courier New" panose="02070309020205020404" pitchFamily="49" charset="0"/>
+              </a:rPr>
+              <a:t>multiprocessing.Queue</a:t>
+            </a:r>
+            <a:endParaRPr lang="en-US" dirty="0" smtClean="0">
+              <a:latin typeface="Courier New" panose="02070309020205020404" pitchFamily="49" charset="0"/>
+              <a:cs typeface="Courier New" panose="02070309020205020404" pitchFamily="49" charset="0"/>
+            </a:endParaRPr>
+          </a:p>
+          <a:p>
+            <a:r>
+              <a:rPr lang="en-US" dirty="0" smtClean="0">
+                <a:cs typeface="Courier New" panose="02070309020205020404" pitchFamily="49" charset="0"/>
+              </a:rPr>
+              <a:t>Shared variables should be locked for non-atomic update operations</a:t>
+            </a:r>
+            <a:endParaRPr lang="nl-BE" dirty="0">
+              <a:cs typeface="Courier New" panose="02070309020205020404" pitchFamily="49" charset="0"/>
+            </a:endParaRPr>
+          </a:p>
+        </p:txBody>
+      </p:sp>
+    </p:spTree>
+    <p:extLst>
+      <p:ext uri="{BB962C8B-B14F-4D97-AF65-F5344CB8AC3E}">
+        <p14:creationId xmlns:p14="http://schemas.microsoft.com/office/powerpoint/2010/main" val="3630193509"/>
+      </p:ext>
+    </p:extLst>
+  </p:cSld>
+  <p:clrMapOvr>
+    <a:masterClrMapping/>
+  </p:clrMapOvr>
+  <p:timing>
+    <p:tnLst>
+      <p:par>
+        <p:cTn id="1" dur="indefinite" restart="never" nodeType="tmRoot"/>
+      </p:par>
+    </p:tnLst>
+  </p:timing>
+</p:sld>
+</file>
+
+<file path=ppt/slides/slide15.xml><?xml version="1.0" encoding="utf-8"?>
+<p:sld xmlns:a="http://schemas.openxmlformats.org/drawingml/2006/main" xmlns:r="http://schemas.openxmlformats.org/officeDocument/2006/relationships" xmlns:p="http://schemas.openxmlformats.org/presentationml/2006/main">
+  <p:cSld>
+    <p:spTree>
+      <p:nvGrpSpPr>
+        <p:cNvPr id="1" name=""/>
+        <p:cNvGrpSpPr/>
+        <p:nvPr/>
+      </p:nvGrpSpPr>
+      <p:grpSpPr>
+        <a:xfrm>
+          <a:off x="0" y="0"/>
+          <a:ext cx="0" cy="0"/>
+          <a:chOff x="0" y="0"/>
+          <a:chExt cx="0" cy="0"/>
+        </a:xfrm>
+      </p:grpSpPr>
+      <p:sp>
+        <p:nvSpPr>
+          <p:cNvPr id="2" name="Title 1"/>
+          <p:cNvSpPr>
+            <a:spLocks noGrp="1"/>
+          </p:cNvSpPr>
+          <p:nvPr>
+            <p:ph type="title"/>
+          </p:nvPr>
+        </p:nvSpPr>
+        <p:spPr/>
+        <p:txBody>
+          <a:bodyPr/>
+          <a:lstStyle/>
+          <a:p>
+            <a:r>
+              <a:rPr lang="en-US" dirty="0" smtClean="0"/>
+              <a:t>Computing a part of </a:t>
+            </a:r>
+            <a:r>
+              <a:rPr lang="en-US" dirty="0" smtClean="0">
+                <a:sym typeface="Symbol" panose="05050102010706020507" pitchFamily="18" charset="2"/>
+              </a:rPr>
+              <a:t></a:t>
+            </a:r>
+            <a:endParaRPr lang="nl-BE" dirty="0"/>
+          </a:p>
+        </p:txBody>
+      </p:sp>
+      <p:sp>
+        <p:nvSpPr>
+          <p:cNvPr id="3" name="TextBox 2"/>
+          <p:cNvSpPr txBox="1"/>
+          <p:nvPr/>
+        </p:nvSpPr>
+        <p:spPr>
+          <a:xfrm>
+            <a:off x="914400" y="1981200"/>
+            <a:ext cx="6112571" cy="2585323"/>
+          </a:xfrm>
+          <a:prstGeom prst="rect">
+            <a:avLst/>
+          </a:prstGeom>
+          <a:solidFill>
+            <a:schemeClr val="bg1">
+              <a:lumMod val="85000"/>
+            </a:schemeClr>
+          </a:solidFill>
+        </p:spPr>
+        <p:txBody>
+          <a:bodyPr wrap="none" rtlCol="0">
+            <a:spAutoFit/>
+          </a:bodyPr>
+          <a:lstStyle/>
+          <a:p>
+            <a:r>
+              <a:rPr lang="nl-BE" dirty="0" err="1">
+                <a:latin typeface="Courier New" panose="02070309020205020404" pitchFamily="49" charset="0"/>
+                <a:cs typeface="Courier New" panose="02070309020205020404" pitchFamily="49" charset="0"/>
+              </a:rPr>
+              <a:t>def</a:t>
+            </a:r>
+            <a:r>
+              <a:rPr lang="nl-BE" dirty="0">
+                <a:latin typeface="Courier New" panose="02070309020205020404" pitchFamily="49" charset="0"/>
+                <a:cs typeface="Courier New" panose="02070309020205020404" pitchFamily="49" charset="0"/>
+              </a:rPr>
+              <a:t> </a:t>
+            </a:r>
+            <a:r>
+              <a:rPr lang="nl-BE" dirty="0" err="1">
+                <a:latin typeface="Courier New" panose="02070309020205020404" pitchFamily="49" charset="0"/>
+                <a:cs typeface="Courier New" panose="02070309020205020404" pitchFamily="49" charset="0"/>
+              </a:rPr>
+              <a:t>partial_pi</a:t>
+            </a:r>
+            <a:r>
+              <a:rPr lang="nl-BE" dirty="0">
+                <a:latin typeface="Courier New" panose="02070309020205020404" pitchFamily="49" charset="0"/>
+                <a:cs typeface="Courier New" panose="02070309020205020404" pitchFamily="49" charset="0"/>
+              </a:rPr>
+              <a:t>(</a:t>
+            </a:r>
+            <a:r>
+              <a:rPr lang="nl-BE" dirty="0" err="1">
+                <a:latin typeface="Courier New" panose="02070309020205020404" pitchFamily="49" charset="0"/>
+                <a:cs typeface="Courier New" panose="02070309020205020404" pitchFamily="49" charset="0"/>
+              </a:rPr>
+              <a:t>nr_tries</a:t>
+            </a:r>
+            <a:r>
+              <a:rPr lang="nl-BE" dirty="0">
+                <a:latin typeface="Courier New" panose="02070309020205020404" pitchFamily="49" charset="0"/>
+                <a:cs typeface="Courier New" panose="02070309020205020404" pitchFamily="49" charset="0"/>
+              </a:rPr>
+              <a:t>, </a:t>
+            </a:r>
+            <a:r>
+              <a:rPr lang="nl-BE" dirty="0" err="1">
+                <a:latin typeface="Courier New" panose="02070309020205020404" pitchFamily="49" charset="0"/>
+                <a:cs typeface="Courier New" panose="02070309020205020404" pitchFamily="49" charset="0"/>
+              </a:rPr>
+              <a:t>p_sum</a:t>
+            </a:r>
+            <a:r>
+              <a:rPr lang="nl-BE" dirty="0">
+                <a:latin typeface="Courier New" panose="02070309020205020404" pitchFamily="49" charset="0"/>
+                <a:cs typeface="Courier New" panose="02070309020205020404" pitchFamily="49" charset="0"/>
+              </a:rPr>
+              <a:t>):</a:t>
+            </a:r>
+          </a:p>
+          <a:p>
+            <a:r>
+              <a:rPr lang="nl-BE" dirty="0">
+                <a:latin typeface="Courier New" panose="02070309020205020404" pitchFamily="49" charset="0"/>
+                <a:cs typeface="Courier New" panose="02070309020205020404" pitchFamily="49" charset="0"/>
+              </a:rPr>
+              <a:t>    </a:t>
+            </a:r>
+            <a:r>
+              <a:rPr lang="nl-BE" dirty="0" err="1">
+                <a:latin typeface="Courier New" panose="02070309020205020404" pitchFamily="49" charset="0"/>
+                <a:cs typeface="Courier New" panose="02070309020205020404" pitchFamily="49" charset="0"/>
+              </a:rPr>
+              <a:t>nr_hits</a:t>
+            </a:r>
+            <a:r>
+              <a:rPr lang="nl-BE" dirty="0">
+                <a:latin typeface="Courier New" panose="02070309020205020404" pitchFamily="49" charset="0"/>
+                <a:cs typeface="Courier New" panose="02070309020205020404" pitchFamily="49" charset="0"/>
+              </a:rPr>
+              <a:t> = 0</a:t>
+            </a:r>
+          </a:p>
+          <a:p>
+            <a:r>
+              <a:rPr lang="nl-BE" dirty="0">
+                <a:latin typeface="Courier New" panose="02070309020205020404" pitchFamily="49" charset="0"/>
+                <a:cs typeface="Courier New" panose="02070309020205020404" pitchFamily="49" charset="0"/>
+              </a:rPr>
+              <a:t>    </a:t>
+            </a:r>
+            <a:r>
+              <a:rPr lang="nl-BE" dirty="0" err="1">
+                <a:latin typeface="Courier New" panose="02070309020205020404" pitchFamily="49" charset="0"/>
+                <a:cs typeface="Courier New" panose="02070309020205020404" pitchFamily="49" charset="0"/>
+              </a:rPr>
+              <a:t>for</a:t>
+            </a:r>
+            <a:r>
+              <a:rPr lang="nl-BE" dirty="0">
+                <a:latin typeface="Courier New" panose="02070309020205020404" pitchFamily="49" charset="0"/>
+                <a:cs typeface="Courier New" panose="02070309020205020404" pitchFamily="49" charset="0"/>
+              </a:rPr>
+              <a:t> _ in range(</a:t>
+            </a:r>
+            <a:r>
+              <a:rPr lang="nl-BE" dirty="0" err="1">
+                <a:latin typeface="Courier New" panose="02070309020205020404" pitchFamily="49" charset="0"/>
+                <a:cs typeface="Courier New" panose="02070309020205020404" pitchFamily="49" charset="0"/>
+              </a:rPr>
+              <a:t>nr_tries</a:t>
+            </a:r>
+            <a:r>
+              <a:rPr lang="nl-BE" dirty="0">
+                <a:latin typeface="Courier New" panose="02070309020205020404" pitchFamily="49" charset="0"/>
+                <a:cs typeface="Courier New" panose="02070309020205020404" pitchFamily="49" charset="0"/>
+              </a:rPr>
+              <a:t>):</a:t>
+            </a:r>
+          </a:p>
+          <a:p>
+            <a:r>
+              <a:rPr lang="nl-BE" dirty="0">
+                <a:latin typeface="Courier New" panose="02070309020205020404" pitchFamily="49" charset="0"/>
+                <a:cs typeface="Courier New" panose="02070309020205020404" pitchFamily="49" charset="0"/>
+              </a:rPr>
+              <a:t>        x = </a:t>
+            </a:r>
+            <a:r>
+              <a:rPr lang="nl-BE" dirty="0" err="1">
+                <a:latin typeface="Courier New" panose="02070309020205020404" pitchFamily="49" charset="0"/>
+                <a:cs typeface="Courier New" panose="02070309020205020404" pitchFamily="49" charset="0"/>
+              </a:rPr>
+              <a:t>random.random</a:t>
+            </a:r>
+            <a:r>
+              <a:rPr lang="nl-BE" dirty="0">
+                <a:latin typeface="Courier New" panose="02070309020205020404" pitchFamily="49" charset="0"/>
+                <a:cs typeface="Courier New" panose="02070309020205020404" pitchFamily="49" charset="0"/>
+              </a:rPr>
+              <a:t>()</a:t>
+            </a:r>
+          </a:p>
+          <a:p>
+            <a:r>
+              <a:rPr lang="nl-BE" dirty="0">
+                <a:latin typeface="Courier New" panose="02070309020205020404" pitchFamily="49" charset="0"/>
+                <a:cs typeface="Courier New" panose="02070309020205020404" pitchFamily="49" charset="0"/>
+              </a:rPr>
+              <a:t>        y = </a:t>
+            </a:r>
+            <a:r>
+              <a:rPr lang="nl-BE" dirty="0" err="1">
+                <a:latin typeface="Courier New" panose="02070309020205020404" pitchFamily="49" charset="0"/>
+                <a:cs typeface="Courier New" panose="02070309020205020404" pitchFamily="49" charset="0"/>
+              </a:rPr>
+              <a:t>random.random</a:t>
+            </a:r>
+            <a:r>
+              <a:rPr lang="nl-BE" dirty="0">
+                <a:latin typeface="Courier New" panose="02070309020205020404" pitchFamily="49" charset="0"/>
+                <a:cs typeface="Courier New" panose="02070309020205020404" pitchFamily="49" charset="0"/>
+              </a:rPr>
+              <a:t>()</a:t>
+            </a:r>
+          </a:p>
+          <a:p>
+            <a:r>
+              <a:rPr lang="nl-BE" dirty="0">
+                <a:latin typeface="Courier New" panose="02070309020205020404" pitchFamily="49" charset="0"/>
+                <a:cs typeface="Courier New" panose="02070309020205020404" pitchFamily="49" charset="0"/>
+              </a:rPr>
+              <a:t>        </a:t>
+            </a:r>
+            <a:r>
+              <a:rPr lang="nl-BE" dirty="0" err="1">
+                <a:latin typeface="Courier New" panose="02070309020205020404" pitchFamily="49" charset="0"/>
+                <a:cs typeface="Courier New" panose="02070309020205020404" pitchFamily="49" charset="0"/>
+              </a:rPr>
+              <a:t>if</a:t>
+            </a:r>
+            <a:r>
+              <a:rPr lang="nl-BE" dirty="0">
+                <a:latin typeface="Courier New" panose="02070309020205020404" pitchFamily="49" charset="0"/>
+                <a:cs typeface="Courier New" panose="02070309020205020404" pitchFamily="49" charset="0"/>
+              </a:rPr>
+              <a:t> x**2 + y**2 &lt; 1.0:</a:t>
+            </a:r>
+          </a:p>
+          <a:p>
+            <a:r>
+              <a:rPr lang="nl-BE" dirty="0">
+                <a:latin typeface="Courier New" panose="02070309020205020404" pitchFamily="49" charset="0"/>
+                <a:cs typeface="Courier New" panose="02070309020205020404" pitchFamily="49" charset="0"/>
+              </a:rPr>
+              <a:t>            </a:t>
+            </a:r>
+            <a:r>
+              <a:rPr lang="nl-BE" dirty="0" err="1">
+                <a:latin typeface="Courier New" panose="02070309020205020404" pitchFamily="49" charset="0"/>
+                <a:cs typeface="Courier New" panose="02070309020205020404" pitchFamily="49" charset="0"/>
+              </a:rPr>
+              <a:t>nr_hits</a:t>
+            </a:r>
+            <a:r>
+              <a:rPr lang="nl-BE" dirty="0">
+                <a:latin typeface="Courier New" panose="02070309020205020404" pitchFamily="49" charset="0"/>
+                <a:cs typeface="Courier New" panose="02070309020205020404" pitchFamily="49" charset="0"/>
+              </a:rPr>
+              <a:t> += 1</a:t>
+            </a:r>
+          </a:p>
+          <a:p>
+            <a:r>
+              <a:rPr lang="nl-BE" dirty="0">
+                <a:latin typeface="Courier New" panose="02070309020205020404" pitchFamily="49" charset="0"/>
+                <a:cs typeface="Courier New" panose="02070309020205020404" pitchFamily="49" charset="0"/>
+              </a:rPr>
+              <a:t>    </a:t>
+            </a:r>
+            <a:r>
+              <a:rPr lang="nl-BE" dirty="0" err="1">
+                <a:latin typeface="Courier New" panose="02070309020205020404" pitchFamily="49" charset="0"/>
+                <a:cs typeface="Courier New" panose="02070309020205020404" pitchFamily="49" charset="0"/>
+              </a:rPr>
+              <a:t>with</a:t>
+            </a:r>
+            <a:r>
+              <a:rPr lang="nl-BE" dirty="0">
+                <a:latin typeface="Courier New" panose="02070309020205020404" pitchFamily="49" charset="0"/>
+                <a:cs typeface="Courier New" panose="02070309020205020404" pitchFamily="49" charset="0"/>
+              </a:rPr>
+              <a:t> </a:t>
+            </a:r>
+            <a:r>
+              <a:rPr lang="nl-BE" dirty="0" err="1">
+                <a:latin typeface="Courier New" panose="02070309020205020404" pitchFamily="49" charset="0"/>
+                <a:cs typeface="Courier New" panose="02070309020205020404" pitchFamily="49" charset="0"/>
+              </a:rPr>
+              <a:t>p_sum.get_lock</a:t>
+            </a:r>
+            <a:r>
+              <a:rPr lang="nl-BE" dirty="0">
+                <a:latin typeface="Courier New" panose="02070309020205020404" pitchFamily="49" charset="0"/>
+                <a:cs typeface="Courier New" panose="02070309020205020404" pitchFamily="49" charset="0"/>
+              </a:rPr>
+              <a:t>():</a:t>
+            </a:r>
+          </a:p>
+          <a:p>
+            <a:r>
+              <a:rPr lang="nl-BE" dirty="0">
+                <a:latin typeface="Courier New" panose="02070309020205020404" pitchFamily="49" charset="0"/>
+                <a:cs typeface="Courier New" panose="02070309020205020404" pitchFamily="49" charset="0"/>
+              </a:rPr>
+              <a:t>        </a:t>
+            </a:r>
+            <a:r>
+              <a:rPr lang="nl-BE" dirty="0" err="1">
+                <a:latin typeface="Courier New" panose="02070309020205020404" pitchFamily="49" charset="0"/>
+                <a:cs typeface="Courier New" panose="02070309020205020404" pitchFamily="49" charset="0"/>
+              </a:rPr>
+              <a:t>p_sum.value</a:t>
+            </a:r>
+            <a:r>
+              <a:rPr lang="nl-BE" dirty="0">
+                <a:latin typeface="Courier New" panose="02070309020205020404" pitchFamily="49" charset="0"/>
+                <a:cs typeface="Courier New" panose="02070309020205020404" pitchFamily="49" charset="0"/>
+              </a:rPr>
+              <a:t> += 4.0*</a:t>
+            </a:r>
+            <a:r>
+              <a:rPr lang="nl-BE" dirty="0" err="1">
+                <a:latin typeface="Courier New" panose="02070309020205020404" pitchFamily="49" charset="0"/>
+                <a:cs typeface="Courier New" panose="02070309020205020404" pitchFamily="49" charset="0"/>
+              </a:rPr>
+              <a:t>nr_hits</a:t>
+            </a:r>
+            <a:r>
+              <a:rPr lang="nl-BE" dirty="0">
+                <a:latin typeface="Courier New" panose="02070309020205020404" pitchFamily="49" charset="0"/>
+                <a:cs typeface="Courier New" panose="02070309020205020404" pitchFamily="49" charset="0"/>
+              </a:rPr>
+              <a:t>/</a:t>
+            </a:r>
+            <a:r>
+              <a:rPr lang="nl-BE" dirty="0" err="1">
+                <a:latin typeface="Courier New" panose="02070309020205020404" pitchFamily="49" charset="0"/>
+                <a:cs typeface="Courier New" panose="02070309020205020404" pitchFamily="49" charset="0"/>
+              </a:rPr>
+              <a:t>nr_tries</a:t>
+            </a:r>
+            <a:endParaRPr lang="nl-BE" dirty="0">
+              <a:latin typeface="Courier New" panose="02070309020205020404" pitchFamily="49" charset="0"/>
+              <a:cs typeface="Courier New" panose="02070309020205020404" pitchFamily="49" charset="0"/>
+            </a:endParaRPr>
+          </a:p>
+        </p:txBody>
+      </p:sp>
+      <p:grpSp>
+        <p:nvGrpSpPr>
+          <p:cNvPr id="4" name="Group 3"/>
+          <p:cNvGrpSpPr/>
+          <p:nvPr/>
+        </p:nvGrpSpPr>
+        <p:grpSpPr>
+          <a:xfrm>
+            <a:off x="5154546" y="2323445"/>
+            <a:ext cx="2916554" cy="369332"/>
+            <a:chOff x="4189200" y="2362200"/>
+            <a:chExt cx="2916554" cy="369332"/>
+          </a:xfrm>
+        </p:grpSpPr>
+        <p:sp>
+          <p:nvSpPr>
+            <p:cNvPr id="5" name="TextBox 4"/>
+            <p:cNvSpPr txBox="1"/>
+            <p:nvPr/>
+          </p:nvSpPr>
+          <p:spPr>
+            <a:xfrm>
+              <a:off x="5486400" y="2362200"/>
+              <a:ext cx="1619354" cy="369332"/>
+            </a:xfrm>
+            <a:prstGeom prst="rect">
+              <a:avLst/>
+            </a:prstGeom>
+            <a:solidFill>
+              <a:schemeClr val="bg1"/>
+            </a:solidFill>
+            <a:ln>
+              <a:solidFill>
+                <a:schemeClr val="tx1"/>
+              </a:solidFill>
+            </a:ln>
+          </p:spPr>
+          <p:txBody>
+            <a:bodyPr wrap="none" rtlCol="0">
+              <a:spAutoFit/>
+            </a:bodyPr>
+            <a:lstStyle/>
+            <a:p>
+              <a:r>
+                <a:rPr lang="en-US" dirty="0">
+                  <a:cs typeface="Courier New" panose="02070309020205020404" pitchFamily="49" charset="0"/>
+                </a:rPr>
+                <a:t>s</a:t>
+              </a:r>
+              <a:r>
+                <a:rPr lang="en-US" dirty="0" smtClean="0">
+                  <a:cs typeface="Courier New" panose="02070309020205020404" pitchFamily="49" charset="0"/>
+                </a:rPr>
+                <a:t>hared variable</a:t>
+              </a:r>
+              <a:endParaRPr lang="nl-BE" dirty="0"/>
+            </a:p>
+          </p:txBody>
+        </p:sp>
+        <p:cxnSp>
+          <p:nvCxnSpPr>
+            <p:cNvPr id="6" name="Straight Arrow Connector 5"/>
+            <p:cNvCxnSpPr>
+              <a:stCxn id="5" idx="1"/>
+            </p:cNvCxnSpPr>
+            <p:nvPr/>
+          </p:nvCxnSpPr>
+          <p:spPr>
+            <a:xfrm flipH="1" flipV="1">
+              <a:off x="4189200" y="2362200"/>
+              <a:ext cx="1297200" cy="184666"/>
+            </a:xfrm>
+            <a:prstGeom prst="straightConnector1">
+              <a:avLst/>
+            </a:prstGeom>
+            <a:ln w="12700">
+              <a:solidFill>
+                <a:schemeClr val="tx1"/>
+              </a:solidFill>
+              <a:tailEnd type="stealth" w="lg" len="lg"/>
+            </a:ln>
+          </p:spPr>
+          <p:style>
+            <a:lnRef idx="1">
+              <a:schemeClr val="accent1"/>
+            </a:lnRef>
+            <a:fillRef idx="0">
+              <a:schemeClr val="accent1"/>
+            </a:fillRef>
+            <a:effectRef idx="0">
+              <a:schemeClr val="accent1"/>
+            </a:effectRef>
+            <a:fontRef idx="minor">
+              <a:schemeClr val="tx1"/>
+            </a:fontRef>
+          </p:style>
+        </p:cxnSp>
+      </p:grpSp>
+      <p:grpSp>
+        <p:nvGrpSpPr>
+          <p:cNvPr id="7" name="Group 6"/>
+          <p:cNvGrpSpPr/>
+          <p:nvPr/>
+        </p:nvGrpSpPr>
+        <p:grpSpPr>
+          <a:xfrm>
+            <a:off x="4087746" y="4490324"/>
+            <a:ext cx="4485025" cy="1066799"/>
+            <a:chOff x="3124200" y="1941732"/>
+            <a:chExt cx="4485025" cy="1066799"/>
+          </a:xfrm>
+        </p:grpSpPr>
+        <p:sp>
+          <p:nvSpPr>
+            <p:cNvPr id="8" name="TextBox 7"/>
+            <p:cNvSpPr txBox="1"/>
+            <p:nvPr/>
+          </p:nvSpPr>
+          <p:spPr>
+            <a:xfrm>
+              <a:off x="5486400" y="2362200"/>
+              <a:ext cx="2122825" cy="646331"/>
+            </a:xfrm>
+            <a:prstGeom prst="rect">
+              <a:avLst/>
+            </a:prstGeom>
+            <a:solidFill>
+              <a:schemeClr val="bg1"/>
+            </a:solidFill>
+            <a:ln>
+              <a:solidFill>
+                <a:schemeClr val="tx1"/>
+              </a:solidFill>
+            </a:ln>
+          </p:spPr>
+          <p:txBody>
+            <a:bodyPr wrap="none" rtlCol="0">
+              <a:spAutoFit/>
+            </a:bodyPr>
+            <a:lstStyle/>
+            <a:p>
+              <a:r>
+                <a:rPr lang="en-US" dirty="0">
+                  <a:cs typeface="Courier New" panose="02070309020205020404" pitchFamily="49" charset="0"/>
+                </a:rPr>
+                <a:t>n</a:t>
+              </a:r>
+              <a:r>
+                <a:rPr lang="en-US" dirty="0" smtClean="0">
+                  <a:cs typeface="Courier New" panose="02070309020205020404" pitchFamily="49" charset="0"/>
+                </a:rPr>
+                <a:t>on-atomic update</a:t>
+              </a:r>
+              <a:br>
+                <a:rPr lang="en-US" dirty="0" smtClean="0">
+                  <a:cs typeface="Courier New" panose="02070309020205020404" pitchFamily="49" charset="0"/>
+                </a:rPr>
+              </a:br>
+              <a:r>
+                <a:rPr lang="en-US" dirty="0" smtClean="0">
+                  <a:cs typeface="Courier New" panose="02070309020205020404" pitchFamily="49" charset="0"/>
+                </a:rPr>
+                <a:t>load/store operation</a:t>
+              </a:r>
+              <a:endParaRPr lang="nl-BE" dirty="0"/>
+            </a:p>
+          </p:txBody>
+        </p:sp>
+        <p:cxnSp>
+          <p:nvCxnSpPr>
+            <p:cNvPr id="9" name="Straight Arrow Connector 8"/>
+            <p:cNvCxnSpPr>
+              <a:stCxn id="8" idx="1"/>
+            </p:cNvCxnSpPr>
+            <p:nvPr/>
+          </p:nvCxnSpPr>
+          <p:spPr>
+            <a:xfrm flipH="1" flipV="1">
+              <a:off x="3124200" y="1941732"/>
+              <a:ext cx="2362200" cy="743634"/>
+            </a:xfrm>
+            <a:prstGeom prst="straightConnector1">
+              <a:avLst/>
+            </a:prstGeom>
+            <a:ln w="12700">
+              <a:solidFill>
+                <a:schemeClr val="tx1"/>
+              </a:solidFill>
+              <a:tailEnd type="stealth" w="lg" len="lg"/>
+            </a:ln>
+          </p:spPr>
+          <p:style>
+            <a:lnRef idx="1">
+              <a:schemeClr val="accent1"/>
+            </a:lnRef>
+            <a:fillRef idx="0">
+              <a:schemeClr val="accent1"/>
+            </a:fillRef>
+            <a:effectRef idx="0">
+              <a:schemeClr val="accent1"/>
+            </a:effectRef>
+            <a:fontRef idx="minor">
+              <a:schemeClr val="tx1"/>
+            </a:fontRef>
+          </p:style>
+        </p:cxnSp>
+      </p:grpSp>
+      <p:grpSp>
+        <p:nvGrpSpPr>
+          <p:cNvPr id="13" name="Group 12"/>
+          <p:cNvGrpSpPr/>
+          <p:nvPr/>
+        </p:nvGrpSpPr>
+        <p:grpSpPr>
+          <a:xfrm>
+            <a:off x="4621146" y="3234392"/>
+            <a:ext cx="3140569" cy="798731"/>
+            <a:chOff x="3657600" y="2362200"/>
+            <a:chExt cx="3140569" cy="798731"/>
+          </a:xfrm>
+        </p:grpSpPr>
+        <p:sp>
+          <p:nvSpPr>
+            <p:cNvPr id="14" name="TextBox 13"/>
+            <p:cNvSpPr txBox="1"/>
+            <p:nvPr/>
+          </p:nvSpPr>
+          <p:spPr>
+            <a:xfrm>
+              <a:off x="5486400" y="2362200"/>
+              <a:ext cx="1311769" cy="369332"/>
+            </a:xfrm>
+            <a:prstGeom prst="rect">
+              <a:avLst/>
+            </a:prstGeom>
+            <a:solidFill>
+              <a:schemeClr val="bg1"/>
+            </a:solidFill>
+            <a:ln>
+              <a:solidFill>
+                <a:schemeClr val="tx1"/>
+              </a:solidFill>
+            </a:ln>
+          </p:spPr>
+          <p:txBody>
+            <a:bodyPr wrap="none" rtlCol="0">
+              <a:spAutoFit/>
+            </a:bodyPr>
+            <a:lstStyle/>
+            <a:p>
+              <a:r>
+                <a:rPr lang="en-US" dirty="0">
+                  <a:cs typeface="Courier New" panose="02070309020205020404" pitchFamily="49" charset="0"/>
+                </a:rPr>
+                <a:t>a</a:t>
+              </a:r>
+              <a:r>
+                <a:rPr lang="en-US" dirty="0" smtClean="0">
+                  <a:cs typeface="Courier New" panose="02070309020205020404" pitchFamily="49" charset="0"/>
+                </a:rPr>
+                <a:t>cquire lock</a:t>
+              </a:r>
+              <a:endParaRPr lang="nl-BE" dirty="0"/>
+            </a:p>
+          </p:txBody>
+        </p:sp>
+        <p:cxnSp>
+          <p:nvCxnSpPr>
+            <p:cNvPr id="15" name="Straight Arrow Connector 14"/>
+            <p:cNvCxnSpPr>
+              <a:stCxn id="14" idx="1"/>
+            </p:cNvCxnSpPr>
+            <p:nvPr/>
+          </p:nvCxnSpPr>
+          <p:spPr>
+            <a:xfrm flipH="1">
+              <a:off x="3657600" y="2546866"/>
+              <a:ext cx="1828800" cy="614065"/>
+            </a:xfrm>
+            <a:prstGeom prst="straightConnector1">
+              <a:avLst/>
+            </a:prstGeom>
+            <a:ln w="12700">
+              <a:solidFill>
+                <a:schemeClr val="tx1"/>
+              </a:solidFill>
+              <a:tailEnd type="stealth" w="lg" len="lg"/>
+            </a:ln>
+          </p:spPr>
+          <p:style>
+            <a:lnRef idx="1">
+              <a:schemeClr val="accent1"/>
+            </a:lnRef>
+            <a:fillRef idx="0">
+              <a:schemeClr val="accent1"/>
+            </a:fillRef>
+            <a:effectRef idx="0">
+              <a:schemeClr val="accent1"/>
+            </a:effectRef>
+            <a:fontRef idx="minor">
+              <a:schemeClr val="tx1"/>
+            </a:fontRef>
+          </p:style>
+        </p:cxnSp>
+      </p:grpSp>
+    </p:spTree>
+    <p:extLst>
+      <p:ext uri="{BB962C8B-B14F-4D97-AF65-F5344CB8AC3E}">
+        <p14:creationId xmlns:p14="http://schemas.microsoft.com/office/powerpoint/2010/main" val="4071265450"/>
+      </p:ext>
+    </p:extLst>
+  </p:cSld>
+  <p:clrMapOvr>
+    <a:masterClrMapping/>
+  </p:clrMapOvr>
+  <p:timing>
+    <p:tnLst>
+      <p:par>
+        <p:cTn id="1" dur="indefinite" restart="never" nodeType="tmRoot">
+          <p:childTnLst>
+            <p:seq concurrent="1" nextAc="seek">
+              <p:cTn id="2" dur="indefinite" nodeType="mainSeq">
+                <p:childTnLst>
+                  <p:par>
+                    <p:cTn id="3" fill="hold">
+                      <p:stCondLst>
+                        <p:cond delay="indefinite"/>
+                      </p:stCondLst>
+                      <p:childTnLst>
+                        <p:par>
+                          <p:cTn id="4" fill="hold">
+                            <p:stCondLst>
+                              <p:cond delay="0"/>
+                            </p:stCondLst>
+                            <p:childTnLst>
+                              <p:par>
+                                <p:cTn id="5" presetID="1" presetClass="entr" presetSubtype="0" fill="hold" nodeType="clickEffect">
+                                  <p:stCondLst>
+                                    <p:cond delay="0"/>
+                                  </p:stCondLst>
+                                  <p:childTnLst>
+                                    <p:set>
+                                      <p:cBhvr>
+                                        <p:cTn id="6" dur="1" fill="hold">
+                                          <p:stCondLst>
+                                            <p:cond delay="0"/>
+                                          </p:stCondLst>
+                                        </p:cTn>
+                                        <p:tgtEl>
+                                          <p:spTgt spid="4"/>
+                                        </p:tgtEl>
+                                        <p:attrNameLst>
+                                          <p:attrName>style.visibility</p:attrName>
+                                        </p:attrNameLst>
+                                      </p:cBhvr>
+                                      <p:to>
+                                        <p:strVal val="visible"/>
+                                      </p:to>
+                                    </p:set>
+                                  </p:childTnLst>
+                                </p:cTn>
+                              </p:par>
+                            </p:childTnLst>
+                          </p:cTn>
+                        </p:par>
+                      </p:childTnLst>
+                    </p:cTn>
+                  </p:par>
+                  <p:par>
+                    <p:cTn id="7" fill="hold">
+                      <p:stCondLst>
+                        <p:cond delay="indefinite"/>
+                      </p:stCondLst>
+                      <p:childTnLst>
+                        <p:par>
+                          <p:cTn id="8" fill="hold">
+                            <p:stCondLst>
+                              <p:cond delay="0"/>
+                            </p:stCondLst>
+                            <p:childTnLst>
+                              <p:par>
+                                <p:cTn id="9" presetID="1" presetClass="entr" presetSubtype="0" fill="hold" nodeType="clickEffect">
+                                  <p:stCondLst>
+                                    <p:cond delay="0"/>
+                                  </p:stCondLst>
+                                  <p:childTnLst>
+                                    <p:set>
+                                      <p:cBhvr>
+                                        <p:cTn id="10" dur="1" fill="hold">
+                                          <p:stCondLst>
+                                            <p:cond delay="0"/>
+                                          </p:stCondLst>
+                                        </p:cTn>
+                                        <p:tgtEl>
+                                          <p:spTgt spid="7"/>
+                                        </p:tgtEl>
+                                        <p:attrNameLst>
+                                          <p:attrName>style.visibility</p:attrName>
+                                        </p:attrNameLst>
+                                      </p:cBhvr>
+                                      <p:to>
+                                        <p:strVal val="visible"/>
+                                      </p:to>
+                                    </p:set>
+                                  </p:childTnLst>
+                                </p:cTn>
+                              </p:par>
+                            </p:childTnLst>
+                          </p:cTn>
+                        </p:par>
+                      </p:childTnLst>
+                    </p:cTn>
+                  </p:par>
+                  <p:par>
+                    <p:cTn id="11" fill="hold">
+                      <p:stCondLst>
+                        <p:cond delay="indefinite"/>
+                      </p:stCondLst>
+                      <p:childTnLst>
+                        <p:par>
+                          <p:cTn id="12" fill="hold">
+                            <p:stCondLst>
+                              <p:cond delay="0"/>
+                            </p:stCondLst>
+                            <p:childTnLst>
+                              <p:par>
+                                <p:cTn id="13" presetID="1" presetClass="entr" presetSubtype="0" fill="hold" nodeType="clickEffect">
+                                  <p:stCondLst>
+                                    <p:cond delay="0"/>
+                                  </p:stCondLst>
+                                  <p:childTnLst>
+                                    <p:set>
+                                      <p:cBhvr>
+                                        <p:cTn id="14" dur="1" fill="hold">
+                                          <p:stCondLst>
+                                            <p:cond delay="0"/>
+                                          </p:stCondLst>
+                                        </p:cTn>
+                                        <p:tgtEl>
+                                          <p:spTgt spid="13"/>
+                                        </p:tgtEl>
+                                        <p:attrNameLst>
+                                          <p:attrName>style.visibility</p:attrName>
+                                        </p:attrNameLst>
+                                      </p:cBhvr>
+                                      <p:to>
+                                        <p:strVal val="visible"/>
+                                      </p:to>
+                                    </p:set>
+                                  </p:childTnLst>
+                                </p:cTn>
+                              </p:par>
+                            </p:childTnLst>
+                          </p:cTn>
+                        </p:par>
+                      </p:childTnLst>
+                    </p:cTn>
+                  </p:par>
+                </p:childTnLst>
+              </p:cTn>
+              <p:prevCondLst>
+                <p:cond evt="onPrev" delay="0">
+                  <p:tgtEl>
+                    <p:sldTgt/>
+                  </p:tgtEl>
+                </p:cond>
+              </p:prevCondLst>
+              <p:nextCondLst>
+                <p:cond evt="onNext" delay="0">
+                  <p:tgtEl>
+                    <p:sldTgt/>
+                  </p:tgtEl>
+                </p:cond>
+              </p:nextCondLst>
+            </p:seq>
+          </p:childTnLst>
+        </p:cTn>
+      </p:par>
+    </p:tnLst>
+  </p:timing>
+</p:sld>
+</file>
+
+<file path=ppt/slides/slide16.xml><?xml version="1.0" encoding="utf-8"?>
+<p:sld xmlns:a="http://schemas.openxmlformats.org/drawingml/2006/main" xmlns:r="http://schemas.openxmlformats.org/officeDocument/2006/relationships" xmlns:p="http://schemas.openxmlformats.org/presentationml/2006/main">
+  <p:cSld>
+    <p:spTree>
+      <p:nvGrpSpPr>
+        <p:cNvPr id="1" name=""/>
+        <p:cNvGrpSpPr/>
+        <p:nvPr/>
+      </p:nvGrpSpPr>
+      <p:grpSpPr>
+        <a:xfrm>
+          <a:off x="0" y="0"/>
+          <a:ext cx="0" cy="0"/>
+          <a:chOff x="0" y="0"/>
+          <a:chExt cx="0" cy="0"/>
+        </a:xfrm>
+      </p:grpSpPr>
+      <p:sp>
+        <p:nvSpPr>
+          <p:cNvPr id="2" name="Title 1"/>
+          <p:cNvSpPr>
+            <a:spLocks noGrp="1"/>
+          </p:cNvSpPr>
+          <p:nvPr>
+            <p:ph type="title"/>
+          </p:nvPr>
+        </p:nvSpPr>
+        <p:spPr/>
+        <p:txBody>
+          <a:bodyPr/>
+          <a:lstStyle/>
+          <a:p>
+            <a:r>
+              <a:rPr lang="en-US" dirty="0" smtClean="0"/>
+              <a:t>Computing it all</a:t>
+            </a:r>
+            <a:endParaRPr lang="nl-BE" dirty="0"/>
+          </a:p>
+        </p:txBody>
+      </p:sp>
+      <p:sp>
+        <p:nvSpPr>
+          <p:cNvPr id="3" name="TextBox 2"/>
+          <p:cNvSpPr txBox="1"/>
+          <p:nvPr/>
+        </p:nvSpPr>
+        <p:spPr>
+          <a:xfrm>
+            <a:off x="1623763" y="1981200"/>
+            <a:ext cx="7215437" cy="3416320"/>
+          </a:xfrm>
+          <a:prstGeom prst="rect">
+            <a:avLst/>
+          </a:prstGeom>
+          <a:solidFill>
+            <a:schemeClr val="bg1">
+              <a:lumMod val="85000"/>
+            </a:schemeClr>
+          </a:solidFill>
+        </p:spPr>
+        <p:txBody>
+          <a:bodyPr wrap="none" rtlCol="0">
+            <a:spAutoFit/>
+          </a:bodyPr>
+          <a:lstStyle/>
+          <a:p>
+            <a:r>
+              <a:rPr lang="nl-BE" dirty="0" err="1">
+                <a:latin typeface="Courier New" panose="02070309020205020404" pitchFamily="49" charset="0"/>
+                <a:cs typeface="Courier New" panose="02070309020205020404" pitchFamily="49" charset="0"/>
+              </a:rPr>
+              <a:t>def</a:t>
+            </a:r>
+            <a:r>
+              <a:rPr lang="nl-BE" dirty="0">
+                <a:latin typeface="Courier New" panose="02070309020205020404" pitchFamily="49" charset="0"/>
+                <a:cs typeface="Courier New" panose="02070309020205020404" pitchFamily="49" charset="0"/>
+              </a:rPr>
+              <a:t> </a:t>
+            </a:r>
+            <a:r>
+              <a:rPr lang="nl-BE" dirty="0" err="1">
+                <a:latin typeface="Courier New" panose="02070309020205020404" pitchFamily="49" charset="0"/>
+                <a:cs typeface="Courier New" panose="02070309020205020404" pitchFamily="49" charset="0"/>
+              </a:rPr>
+              <a:t>compute_pi</a:t>
+            </a:r>
+            <a:r>
+              <a:rPr lang="nl-BE" dirty="0">
+                <a:latin typeface="Courier New" panose="02070309020205020404" pitchFamily="49" charset="0"/>
+                <a:cs typeface="Courier New" panose="02070309020205020404" pitchFamily="49" charset="0"/>
+              </a:rPr>
+              <a:t>(</a:t>
+            </a:r>
+            <a:r>
+              <a:rPr lang="nl-BE" dirty="0" err="1">
+                <a:latin typeface="Courier New" panose="02070309020205020404" pitchFamily="49" charset="0"/>
+                <a:cs typeface="Courier New" panose="02070309020205020404" pitchFamily="49" charset="0"/>
+              </a:rPr>
+              <a:t>nr_tries</a:t>
+            </a:r>
+            <a:r>
+              <a:rPr lang="nl-BE" dirty="0">
+                <a:latin typeface="Courier New" panose="02070309020205020404" pitchFamily="49" charset="0"/>
+                <a:cs typeface="Courier New" panose="02070309020205020404" pitchFamily="49" charset="0"/>
+              </a:rPr>
+              <a:t>=10000, </a:t>
+            </a:r>
+            <a:r>
+              <a:rPr lang="nl-BE" dirty="0" err="1" smtClean="0">
+                <a:latin typeface="Courier New" panose="02070309020205020404" pitchFamily="49" charset="0"/>
+                <a:cs typeface="Courier New" panose="02070309020205020404" pitchFamily="49" charset="0"/>
+              </a:rPr>
+              <a:t>pool_size</a:t>
+            </a:r>
+            <a:r>
+              <a:rPr lang="nl-BE" dirty="0" smtClean="0">
+                <a:latin typeface="Courier New" panose="02070309020205020404" pitchFamily="49" charset="0"/>
+                <a:cs typeface="Courier New" panose="02070309020205020404" pitchFamily="49" charset="0"/>
+              </a:rPr>
+              <a:t>=1):</a:t>
+            </a:r>
+          </a:p>
+          <a:p>
+            <a:r>
+              <a:rPr lang="en-US" dirty="0">
+                <a:latin typeface="Courier New" panose="02070309020205020404" pitchFamily="49" charset="0"/>
+                <a:cs typeface="Courier New" panose="02070309020205020404" pitchFamily="49" charset="0"/>
+              </a:rPr>
+              <a:t> </a:t>
+            </a:r>
+            <a:r>
+              <a:rPr lang="en-US" dirty="0" smtClean="0">
+                <a:latin typeface="Courier New" panose="02070309020205020404" pitchFamily="49" charset="0"/>
+                <a:cs typeface="Courier New" panose="02070309020205020404" pitchFamily="49" charset="0"/>
+              </a:rPr>
+              <a:t>   </a:t>
+            </a:r>
+            <a:r>
+              <a:rPr lang="en-US" dirty="0" err="1" smtClean="0">
+                <a:latin typeface="Courier New" panose="02070309020205020404" pitchFamily="49" charset="0"/>
+                <a:cs typeface="Courier New" panose="02070309020205020404" pitchFamily="49" charset="0"/>
+              </a:rPr>
+              <a:t>p_tries</a:t>
+            </a:r>
+            <a:r>
+              <a:rPr lang="en-US" dirty="0" smtClean="0">
+                <a:latin typeface="Courier New" panose="02070309020205020404" pitchFamily="49" charset="0"/>
+                <a:cs typeface="Courier New" panose="02070309020205020404" pitchFamily="49" charset="0"/>
+              </a:rPr>
+              <a:t> = </a:t>
+            </a:r>
+            <a:r>
+              <a:rPr lang="nl-BE" dirty="0" err="1">
+                <a:latin typeface="Courier New" panose="02070309020205020404" pitchFamily="49" charset="0"/>
+                <a:cs typeface="Courier New" panose="02070309020205020404" pitchFamily="49" charset="0"/>
+              </a:rPr>
+              <a:t>nr_tries</a:t>
+            </a:r>
+            <a:r>
+              <a:rPr lang="nl-BE" dirty="0">
+                <a:latin typeface="Courier New" panose="02070309020205020404" pitchFamily="49" charset="0"/>
+                <a:cs typeface="Courier New" panose="02070309020205020404" pitchFamily="49" charset="0"/>
+              </a:rPr>
+              <a:t>//</a:t>
+            </a:r>
+            <a:r>
+              <a:rPr lang="nl-BE" dirty="0" err="1">
+                <a:latin typeface="Courier New" panose="02070309020205020404" pitchFamily="49" charset="0"/>
+                <a:cs typeface="Courier New" panose="02070309020205020404" pitchFamily="49" charset="0"/>
+              </a:rPr>
+              <a:t>pool_size</a:t>
+            </a:r>
+            <a:endParaRPr lang="nl-BE" dirty="0">
+              <a:latin typeface="Courier New" panose="02070309020205020404" pitchFamily="49" charset="0"/>
+              <a:cs typeface="Courier New" panose="02070309020205020404" pitchFamily="49" charset="0"/>
+            </a:endParaRPr>
+          </a:p>
+          <a:p>
+            <a:r>
+              <a:rPr lang="nl-BE" dirty="0">
+                <a:latin typeface="Courier New" panose="02070309020205020404" pitchFamily="49" charset="0"/>
+                <a:cs typeface="Courier New" panose="02070309020205020404" pitchFamily="49" charset="0"/>
+              </a:rPr>
+              <a:t>    </a:t>
+            </a:r>
+            <a:r>
+              <a:rPr lang="nl-BE" dirty="0" err="1">
+                <a:latin typeface="Courier New" panose="02070309020205020404" pitchFamily="49" charset="0"/>
+                <a:cs typeface="Courier New" panose="02070309020205020404" pitchFamily="49" charset="0"/>
+              </a:rPr>
+              <a:t>ctx</a:t>
+            </a:r>
+            <a:r>
+              <a:rPr lang="nl-BE" dirty="0">
+                <a:latin typeface="Courier New" panose="02070309020205020404" pitchFamily="49" charset="0"/>
+                <a:cs typeface="Courier New" panose="02070309020205020404" pitchFamily="49" charset="0"/>
+              </a:rPr>
+              <a:t> = </a:t>
+            </a:r>
+            <a:r>
+              <a:rPr lang="nl-BE" dirty="0" err="1" smtClean="0">
+                <a:latin typeface="Courier New" panose="02070309020205020404" pitchFamily="49" charset="0"/>
+                <a:cs typeface="Courier New" panose="02070309020205020404" pitchFamily="49" charset="0"/>
+              </a:rPr>
+              <a:t>multiprocessing.get_context</a:t>
+            </a:r>
+            <a:r>
+              <a:rPr lang="nl-BE" dirty="0">
+                <a:latin typeface="Courier New" panose="02070309020205020404" pitchFamily="49" charset="0"/>
+                <a:cs typeface="Courier New" panose="02070309020205020404" pitchFamily="49" charset="0"/>
+              </a:rPr>
+              <a:t>('</a:t>
+            </a:r>
+            <a:r>
+              <a:rPr lang="nl-BE" dirty="0" err="1">
+                <a:latin typeface="Courier New" panose="02070309020205020404" pitchFamily="49" charset="0"/>
+                <a:cs typeface="Courier New" panose="02070309020205020404" pitchFamily="49" charset="0"/>
+              </a:rPr>
+              <a:t>forkserver</a:t>
+            </a:r>
+            <a:r>
+              <a:rPr lang="nl-BE" dirty="0">
+                <a:latin typeface="Courier New" panose="02070309020205020404" pitchFamily="49" charset="0"/>
+                <a:cs typeface="Courier New" panose="02070309020205020404" pitchFamily="49" charset="0"/>
+              </a:rPr>
+              <a:t>')</a:t>
+            </a:r>
+          </a:p>
+          <a:p>
+            <a:r>
+              <a:rPr lang="nl-BE" dirty="0">
+                <a:latin typeface="Courier New" panose="02070309020205020404" pitchFamily="49" charset="0"/>
+                <a:cs typeface="Courier New" panose="02070309020205020404" pitchFamily="49" charset="0"/>
+              </a:rPr>
+              <a:t>    </a:t>
+            </a:r>
+            <a:r>
+              <a:rPr lang="nl-BE" dirty="0" err="1">
+                <a:latin typeface="Courier New" panose="02070309020205020404" pitchFamily="49" charset="0"/>
+                <a:cs typeface="Courier New" panose="02070309020205020404" pitchFamily="49" charset="0"/>
+              </a:rPr>
+              <a:t>p_sum</a:t>
+            </a:r>
+            <a:r>
+              <a:rPr lang="nl-BE" dirty="0">
+                <a:latin typeface="Courier New" panose="02070309020205020404" pitchFamily="49" charset="0"/>
+                <a:cs typeface="Courier New" panose="02070309020205020404" pitchFamily="49" charset="0"/>
+              </a:rPr>
+              <a:t> = </a:t>
+            </a:r>
+            <a:r>
+              <a:rPr lang="nl-BE" dirty="0" err="1">
+                <a:latin typeface="Courier New" panose="02070309020205020404" pitchFamily="49" charset="0"/>
+                <a:cs typeface="Courier New" panose="02070309020205020404" pitchFamily="49" charset="0"/>
+              </a:rPr>
+              <a:t>ctx.Value</a:t>
+            </a:r>
+            <a:r>
+              <a:rPr lang="nl-BE" dirty="0">
+                <a:latin typeface="Courier New" panose="02070309020205020404" pitchFamily="49" charset="0"/>
+                <a:cs typeface="Courier New" panose="02070309020205020404" pitchFamily="49" charset="0"/>
+              </a:rPr>
+              <a:t>('d', 0.0)</a:t>
+            </a:r>
+          </a:p>
+          <a:p>
+            <a:r>
+              <a:rPr lang="nl-BE" dirty="0">
+                <a:latin typeface="Courier New" panose="02070309020205020404" pitchFamily="49" charset="0"/>
+                <a:cs typeface="Courier New" panose="02070309020205020404" pitchFamily="49" charset="0"/>
+              </a:rPr>
+              <a:t>    </a:t>
+            </a:r>
+            <a:r>
+              <a:rPr lang="nl-BE" dirty="0" err="1">
+                <a:latin typeface="Courier New" panose="02070309020205020404" pitchFamily="49" charset="0"/>
+                <a:cs typeface="Courier New" panose="02070309020205020404" pitchFamily="49" charset="0"/>
+              </a:rPr>
+              <a:t>processes</a:t>
+            </a:r>
+            <a:r>
+              <a:rPr lang="nl-BE" dirty="0">
+                <a:latin typeface="Courier New" panose="02070309020205020404" pitchFamily="49" charset="0"/>
+                <a:cs typeface="Courier New" panose="02070309020205020404" pitchFamily="49" charset="0"/>
+              </a:rPr>
+              <a:t> = [</a:t>
+            </a:r>
+            <a:r>
+              <a:rPr lang="nl-BE" dirty="0" err="1">
+                <a:latin typeface="Courier New" panose="02070309020205020404" pitchFamily="49" charset="0"/>
+                <a:cs typeface="Courier New" panose="02070309020205020404" pitchFamily="49" charset="0"/>
+              </a:rPr>
+              <a:t>ctx.Process</a:t>
+            </a:r>
+            <a:r>
+              <a:rPr lang="nl-BE" dirty="0">
+                <a:latin typeface="Courier New" panose="02070309020205020404" pitchFamily="49" charset="0"/>
+                <a:cs typeface="Courier New" panose="02070309020205020404" pitchFamily="49" charset="0"/>
+              </a:rPr>
+              <a:t>(target=</a:t>
+            </a:r>
+            <a:r>
+              <a:rPr lang="nl-BE" dirty="0" err="1">
+                <a:latin typeface="Courier New" panose="02070309020205020404" pitchFamily="49" charset="0"/>
+                <a:cs typeface="Courier New" panose="02070309020205020404" pitchFamily="49" charset="0"/>
+              </a:rPr>
+              <a:t>partial_pi</a:t>
+            </a:r>
+            <a:r>
+              <a:rPr lang="nl-BE" dirty="0">
+                <a:latin typeface="Courier New" panose="02070309020205020404" pitchFamily="49" charset="0"/>
+                <a:cs typeface="Courier New" panose="02070309020205020404" pitchFamily="49" charset="0"/>
+              </a:rPr>
+              <a:t>,</a:t>
+            </a:r>
+          </a:p>
+          <a:p>
+            <a:r>
+              <a:rPr lang="nl-BE" dirty="0">
+                <a:latin typeface="Courier New" panose="02070309020205020404" pitchFamily="49" charset="0"/>
+                <a:cs typeface="Courier New" panose="02070309020205020404" pitchFamily="49" charset="0"/>
+              </a:rPr>
+              <a:t>                             </a:t>
+            </a:r>
+            <a:r>
+              <a:rPr lang="nl-BE" dirty="0" err="1">
+                <a:latin typeface="Courier New" panose="02070309020205020404" pitchFamily="49" charset="0"/>
+                <a:cs typeface="Courier New" panose="02070309020205020404" pitchFamily="49" charset="0"/>
+              </a:rPr>
+              <a:t>args</a:t>
+            </a:r>
+            <a:r>
+              <a:rPr lang="nl-BE" dirty="0" smtClean="0">
+                <a:latin typeface="Courier New" panose="02070309020205020404" pitchFamily="49" charset="0"/>
+                <a:cs typeface="Courier New" panose="02070309020205020404" pitchFamily="49" charset="0"/>
+              </a:rPr>
+              <a:t>=(</a:t>
+            </a:r>
+            <a:r>
+              <a:rPr lang="nl-BE" dirty="0" err="1" smtClean="0">
+                <a:latin typeface="Courier New" panose="02070309020205020404" pitchFamily="49" charset="0"/>
+                <a:cs typeface="Courier New" panose="02070309020205020404" pitchFamily="49" charset="0"/>
+              </a:rPr>
+              <a:t>p_tries</a:t>
+            </a:r>
+            <a:r>
+              <a:rPr lang="nl-BE" dirty="0" smtClean="0">
+                <a:latin typeface="Courier New" panose="02070309020205020404" pitchFamily="49" charset="0"/>
+                <a:cs typeface="Courier New" panose="02070309020205020404" pitchFamily="49" charset="0"/>
+              </a:rPr>
+              <a:t>, </a:t>
+            </a:r>
+            <a:r>
+              <a:rPr lang="nl-BE" dirty="0" err="1">
+                <a:latin typeface="Courier New" panose="02070309020205020404" pitchFamily="49" charset="0"/>
+                <a:cs typeface="Courier New" panose="02070309020205020404" pitchFamily="49" charset="0"/>
+              </a:rPr>
+              <a:t>p_sum</a:t>
+            </a:r>
+            <a:r>
+              <a:rPr lang="nl-BE" dirty="0">
+                <a:latin typeface="Courier New" panose="02070309020205020404" pitchFamily="49" charset="0"/>
+                <a:cs typeface="Courier New" panose="02070309020205020404" pitchFamily="49" charset="0"/>
+              </a:rPr>
+              <a:t>))</a:t>
+            </a:r>
+          </a:p>
+          <a:p>
+            <a:r>
+              <a:rPr lang="nl-BE" dirty="0">
+                <a:latin typeface="Courier New" panose="02070309020205020404" pitchFamily="49" charset="0"/>
+                <a:cs typeface="Courier New" panose="02070309020205020404" pitchFamily="49" charset="0"/>
+              </a:rPr>
+              <a:t>                 </a:t>
+            </a:r>
+            <a:r>
+              <a:rPr lang="nl-BE" dirty="0" err="1">
+                <a:latin typeface="Courier New" panose="02070309020205020404" pitchFamily="49" charset="0"/>
+                <a:cs typeface="Courier New" panose="02070309020205020404" pitchFamily="49" charset="0"/>
+              </a:rPr>
+              <a:t>for</a:t>
+            </a:r>
+            <a:r>
+              <a:rPr lang="nl-BE" dirty="0">
+                <a:latin typeface="Courier New" panose="02070309020205020404" pitchFamily="49" charset="0"/>
+                <a:cs typeface="Courier New" panose="02070309020205020404" pitchFamily="49" charset="0"/>
+              </a:rPr>
+              <a:t> _ in range(</a:t>
+            </a:r>
+            <a:r>
+              <a:rPr lang="nl-BE" dirty="0" err="1">
+                <a:latin typeface="Courier New" panose="02070309020205020404" pitchFamily="49" charset="0"/>
+                <a:cs typeface="Courier New" panose="02070309020205020404" pitchFamily="49" charset="0"/>
+              </a:rPr>
+              <a:t>pool_size</a:t>
+            </a:r>
+            <a:r>
+              <a:rPr lang="nl-BE" dirty="0">
+                <a:latin typeface="Courier New" panose="02070309020205020404" pitchFamily="49" charset="0"/>
+                <a:cs typeface="Courier New" panose="02070309020205020404" pitchFamily="49" charset="0"/>
+              </a:rPr>
+              <a:t>)]</a:t>
+            </a:r>
+          </a:p>
+          <a:p>
+            <a:r>
+              <a:rPr lang="nl-BE" dirty="0">
+                <a:latin typeface="Courier New" panose="02070309020205020404" pitchFamily="49" charset="0"/>
+                <a:cs typeface="Courier New" panose="02070309020205020404" pitchFamily="49" charset="0"/>
+              </a:rPr>
+              <a:t>    </a:t>
+            </a:r>
+            <a:r>
+              <a:rPr lang="nl-BE" dirty="0" err="1">
+                <a:latin typeface="Courier New" panose="02070309020205020404" pitchFamily="49" charset="0"/>
+                <a:cs typeface="Courier New" panose="02070309020205020404" pitchFamily="49" charset="0"/>
+              </a:rPr>
+              <a:t>for</a:t>
+            </a:r>
+            <a:r>
+              <a:rPr lang="nl-BE" dirty="0">
+                <a:latin typeface="Courier New" panose="02070309020205020404" pitchFamily="49" charset="0"/>
+                <a:cs typeface="Courier New" panose="02070309020205020404" pitchFamily="49" charset="0"/>
+              </a:rPr>
+              <a:t> </a:t>
+            </a:r>
+            <a:r>
+              <a:rPr lang="nl-BE" dirty="0" err="1">
+                <a:latin typeface="Courier New" panose="02070309020205020404" pitchFamily="49" charset="0"/>
+                <a:cs typeface="Courier New" panose="02070309020205020404" pitchFamily="49" charset="0"/>
+              </a:rPr>
+              <a:t>process</a:t>
+            </a:r>
+            <a:r>
+              <a:rPr lang="nl-BE" dirty="0">
+                <a:latin typeface="Courier New" panose="02070309020205020404" pitchFamily="49" charset="0"/>
+                <a:cs typeface="Courier New" panose="02070309020205020404" pitchFamily="49" charset="0"/>
+              </a:rPr>
+              <a:t> in </a:t>
+            </a:r>
+            <a:r>
+              <a:rPr lang="nl-BE" dirty="0" err="1">
+                <a:latin typeface="Courier New" panose="02070309020205020404" pitchFamily="49" charset="0"/>
+                <a:cs typeface="Courier New" panose="02070309020205020404" pitchFamily="49" charset="0"/>
+              </a:rPr>
+              <a:t>processes</a:t>
+            </a:r>
+            <a:r>
+              <a:rPr lang="nl-BE" dirty="0">
+                <a:latin typeface="Courier New" panose="02070309020205020404" pitchFamily="49" charset="0"/>
+                <a:cs typeface="Courier New" panose="02070309020205020404" pitchFamily="49" charset="0"/>
+              </a:rPr>
+              <a:t>:</a:t>
+            </a:r>
+          </a:p>
+          <a:p>
+            <a:r>
+              <a:rPr lang="nl-BE" dirty="0">
+                <a:latin typeface="Courier New" panose="02070309020205020404" pitchFamily="49" charset="0"/>
+                <a:cs typeface="Courier New" panose="02070309020205020404" pitchFamily="49" charset="0"/>
+              </a:rPr>
+              <a:t>        </a:t>
+            </a:r>
+            <a:r>
+              <a:rPr lang="nl-BE" dirty="0" err="1">
+                <a:latin typeface="Courier New" panose="02070309020205020404" pitchFamily="49" charset="0"/>
+                <a:cs typeface="Courier New" panose="02070309020205020404" pitchFamily="49" charset="0"/>
+              </a:rPr>
+              <a:t>process.start</a:t>
+            </a:r>
+            <a:r>
+              <a:rPr lang="nl-BE" dirty="0">
+                <a:latin typeface="Courier New" panose="02070309020205020404" pitchFamily="49" charset="0"/>
+                <a:cs typeface="Courier New" panose="02070309020205020404" pitchFamily="49" charset="0"/>
+              </a:rPr>
+              <a:t>()</a:t>
+            </a:r>
+          </a:p>
+          <a:p>
+            <a:r>
+              <a:rPr lang="nl-BE" dirty="0">
+                <a:latin typeface="Courier New" panose="02070309020205020404" pitchFamily="49" charset="0"/>
+                <a:cs typeface="Courier New" panose="02070309020205020404" pitchFamily="49" charset="0"/>
+              </a:rPr>
+              <a:t>    </a:t>
+            </a:r>
+            <a:r>
+              <a:rPr lang="nl-BE" dirty="0" err="1">
+                <a:latin typeface="Courier New" panose="02070309020205020404" pitchFamily="49" charset="0"/>
+                <a:cs typeface="Courier New" panose="02070309020205020404" pitchFamily="49" charset="0"/>
+              </a:rPr>
+              <a:t>for</a:t>
+            </a:r>
+            <a:r>
+              <a:rPr lang="nl-BE" dirty="0">
+                <a:latin typeface="Courier New" panose="02070309020205020404" pitchFamily="49" charset="0"/>
+                <a:cs typeface="Courier New" panose="02070309020205020404" pitchFamily="49" charset="0"/>
+              </a:rPr>
+              <a:t> </a:t>
+            </a:r>
+            <a:r>
+              <a:rPr lang="nl-BE" dirty="0" err="1">
+                <a:latin typeface="Courier New" panose="02070309020205020404" pitchFamily="49" charset="0"/>
+                <a:cs typeface="Courier New" panose="02070309020205020404" pitchFamily="49" charset="0"/>
+              </a:rPr>
+              <a:t>process</a:t>
+            </a:r>
+            <a:r>
+              <a:rPr lang="nl-BE" dirty="0">
+                <a:latin typeface="Courier New" panose="02070309020205020404" pitchFamily="49" charset="0"/>
+                <a:cs typeface="Courier New" panose="02070309020205020404" pitchFamily="49" charset="0"/>
+              </a:rPr>
+              <a:t> in </a:t>
+            </a:r>
+            <a:r>
+              <a:rPr lang="nl-BE" dirty="0" err="1">
+                <a:latin typeface="Courier New" panose="02070309020205020404" pitchFamily="49" charset="0"/>
+                <a:cs typeface="Courier New" panose="02070309020205020404" pitchFamily="49" charset="0"/>
+              </a:rPr>
+              <a:t>processes</a:t>
+            </a:r>
+            <a:r>
+              <a:rPr lang="nl-BE" dirty="0">
+                <a:latin typeface="Courier New" panose="02070309020205020404" pitchFamily="49" charset="0"/>
+                <a:cs typeface="Courier New" panose="02070309020205020404" pitchFamily="49" charset="0"/>
+              </a:rPr>
+              <a:t>:</a:t>
+            </a:r>
+          </a:p>
+          <a:p>
+            <a:r>
+              <a:rPr lang="nl-BE" dirty="0">
+                <a:latin typeface="Courier New" panose="02070309020205020404" pitchFamily="49" charset="0"/>
+                <a:cs typeface="Courier New" panose="02070309020205020404" pitchFamily="49" charset="0"/>
+              </a:rPr>
+              <a:t>        </a:t>
+            </a:r>
+            <a:r>
+              <a:rPr lang="nl-BE" dirty="0" err="1">
+                <a:latin typeface="Courier New" panose="02070309020205020404" pitchFamily="49" charset="0"/>
+                <a:cs typeface="Courier New" panose="02070309020205020404" pitchFamily="49" charset="0"/>
+              </a:rPr>
+              <a:t>process.join</a:t>
+            </a:r>
+            <a:r>
+              <a:rPr lang="nl-BE" dirty="0">
+                <a:latin typeface="Courier New" panose="02070309020205020404" pitchFamily="49" charset="0"/>
+                <a:cs typeface="Courier New" panose="02070309020205020404" pitchFamily="49" charset="0"/>
+              </a:rPr>
+              <a:t>()</a:t>
+            </a:r>
+          </a:p>
+          <a:p>
+            <a:r>
+              <a:rPr lang="nl-BE" dirty="0" smtClean="0">
+                <a:latin typeface="Courier New" panose="02070309020205020404" pitchFamily="49" charset="0"/>
+                <a:cs typeface="Courier New" panose="02070309020205020404" pitchFamily="49" charset="0"/>
+              </a:rPr>
+              <a:t>return </a:t>
+            </a:r>
+            <a:r>
+              <a:rPr lang="nl-BE" dirty="0" err="1">
+                <a:latin typeface="Courier New" panose="02070309020205020404" pitchFamily="49" charset="0"/>
+                <a:cs typeface="Courier New" panose="02070309020205020404" pitchFamily="49" charset="0"/>
+              </a:rPr>
+              <a:t>p_sum.value</a:t>
+            </a:r>
+            <a:r>
+              <a:rPr lang="nl-BE" dirty="0">
+                <a:latin typeface="Courier New" panose="02070309020205020404" pitchFamily="49" charset="0"/>
+                <a:cs typeface="Courier New" panose="02070309020205020404" pitchFamily="49" charset="0"/>
+              </a:rPr>
+              <a:t>/</a:t>
+            </a:r>
+            <a:r>
+              <a:rPr lang="nl-BE" dirty="0" err="1">
+                <a:latin typeface="Courier New" panose="02070309020205020404" pitchFamily="49" charset="0"/>
+                <a:cs typeface="Courier New" panose="02070309020205020404" pitchFamily="49" charset="0"/>
+              </a:rPr>
+              <a:t>pool_size</a:t>
+            </a:r>
+            <a:endParaRPr lang="nl-BE" dirty="0">
+              <a:latin typeface="Courier New" panose="02070309020205020404" pitchFamily="49" charset="0"/>
+              <a:cs typeface="Courier New" panose="02070309020205020404" pitchFamily="49" charset="0"/>
+            </a:endParaRPr>
+          </a:p>
+        </p:txBody>
+      </p:sp>
+      <p:grpSp>
+        <p:nvGrpSpPr>
+          <p:cNvPr id="4" name="Group 3"/>
+          <p:cNvGrpSpPr/>
+          <p:nvPr/>
+        </p:nvGrpSpPr>
+        <p:grpSpPr>
+          <a:xfrm>
+            <a:off x="76199" y="1295400"/>
+            <a:ext cx="2133600" cy="1447800"/>
+            <a:chOff x="5714999" y="2133600"/>
+            <a:chExt cx="2133600" cy="1447800"/>
+          </a:xfrm>
+        </p:grpSpPr>
+        <p:sp>
+          <p:nvSpPr>
+            <p:cNvPr id="5" name="TextBox 4"/>
+            <p:cNvSpPr txBox="1"/>
+            <p:nvPr/>
+          </p:nvSpPr>
+          <p:spPr>
+            <a:xfrm>
+              <a:off x="5714999" y="2133600"/>
+              <a:ext cx="1547563" cy="646331"/>
+            </a:xfrm>
+            <a:prstGeom prst="rect">
+              <a:avLst/>
+            </a:prstGeom>
+            <a:noFill/>
+            <a:ln>
+              <a:solidFill>
+                <a:schemeClr val="tx1"/>
+              </a:solidFill>
+            </a:ln>
+          </p:spPr>
+          <p:txBody>
+            <a:bodyPr wrap="square" rtlCol="0">
+              <a:spAutoFit/>
+            </a:bodyPr>
+            <a:lstStyle/>
+            <a:p>
+              <a:r>
+                <a:rPr lang="en-US" dirty="0">
+                  <a:cs typeface="Courier New" panose="02070309020205020404" pitchFamily="49" charset="0"/>
+                </a:rPr>
+                <a:t>c</a:t>
+              </a:r>
+              <a:r>
+                <a:rPr lang="en-US" dirty="0" smtClean="0">
+                  <a:cs typeface="Courier New" panose="02070309020205020404" pitchFamily="49" charset="0"/>
+                </a:rPr>
+                <a:t>reate a</a:t>
+              </a:r>
+              <a:br>
+                <a:rPr lang="en-US" dirty="0" smtClean="0">
+                  <a:cs typeface="Courier New" panose="02070309020205020404" pitchFamily="49" charset="0"/>
+                </a:rPr>
+              </a:br>
+              <a:r>
+                <a:rPr lang="en-US" dirty="0" smtClean="0">
+                  <a:cs typeface="Courier New" panose="02070309020205020404" pitchFamily="49" charset="0"/>
+                </a:rPr>
+                <a:t>context</a:t>
+              </a:r>
+              <a:endParaRPr lang="nl-BE" dirty="0"/>
+            </a:p>
+          </p:txBody>
+        </p:sp>
+        <p:cxnSp>
+          <p:nvCxnSpPr>
+            <p:cNvPr id="6" name="Straight Arrow Connector 5"/>
+            <p:cNvCxnSpPr>
+              <a:stCxn id="5" idx="3"/>
+            </p:cNvCxnSpPr>
+            <p:nvPr/>
+          </p:nvCxnSpPr>
+          <p:spPr>
+            <a:xfrm>
+              <a:off x="7262562" y="2456766"/>
+              <a:ext cx="586037" cy="1124634"/>
+            </a:xfrm>
+            <a:prstGeom prst="straightConnector1">
+              <a:avLst/>
+            </a:prstGeom>
+            <a:ln w="12700">
+              <a:solidFill>
+                <a:schemeClr val="tx1"/>
+              </a:solidFill>
+              <a:tailEnd type="stealth" w="lg" len="lg"/>
+            </a:ln>
+          </p:spPr>
+          <p:style>
+            <a:lnRef idx="1">
+              <a:schemeClr val="accent1"/>
+            </a:lnRef>
+            <a:fillRef idx="0">
+              <a:schemeClr val="accent1"/>
+            </a:fillRef>
+            <a:effectRef idx="0">
+              <a:schemeClr val="accent1"/>
+            </a:effectRef>
+            <a:fontRef idx="minor">
+              <a:schemeClr val="tx1"/>
+            </a:fontRef>
+          </p:style>
+        </p:cxnSp>
+      </p:grpSp>
+      <p:grpSp>
+        <p:nvGrpSpPr>
+          <p:cNvPr id="7" name="Group 6"/>
+          <p:cNvGrpSpPr/>
+          <p:nvPr/>
+        </p:nvGrpSpPr>
+        <p:grpSpPr>
+          <a:xfrm>
+            <a:off x="76199" y="1981200"/>
+            <a:ext cx="2133601" cy="990600"/>
+            <a:chOff x="5714999" y="2362200"/>
+            <a:chExt cx="2133601" cy="990600"/>
+          </a:xfrm>
+        </p:grpSpPr>
+        <p:sp>
+          <p:nvSpPr>
+            <p:cNvPr id="8" name="TextBox 7"/>
+            <p:cNvSpPr txBox="1"/>
+            <p:nvPr/>
+          </p:nvSpPr>
+          <p:spPr>
+            <a:xfrm>
+              <a:off x="5714999" y="2362200"/>
+              <a:ext cx="1547563" cy="646331"/>
+            </a:xfrm>
+            <a:prstGeom prst="rect">
+              <a:avLst/>
+            </a:prstGeom>
+            <a:noFill/>
+            <a:ln>
+              <a:solidFill>
+                <a:schemeClr val="tx1"/>
+              </a:solidFill>
+            </a:ln>
+          </p:spPr>
+          <p:txBody>
+            <a:bodyPr wrap="square" rtlCol="0">
+              <a:spAutoFit/>
+            </a:bodyPr>
+            <a:lstStyle/>
+            <a:p>
+              <a:r>
+                <a:rPr lang="en-US" dirty="0"/>
+                <a:t>c</a:t>
+              </a:r>
+              <a:r>
+                <a:rPr lang="en-US" dirty="0" smtClean="0"/>
+                <a:t>reate shared</a:t>
+              </a:r>
+              <a:br>
+                <a:rPr lang="en-US" dirty="0" smtClean="0"/>
+              </a:br>
+              <a:r>
+                <a:rPr lang="en-US" dirty="0" smtClean="0"/>
+                <a:t>variable</a:t>
+              </a:r>
+              <a:endParaRPr lang="nl-BE" dirty="0"/>
+            </a:p>
+          </p:txBody>
+        </p:sp>
+        <p:cxnSp>
+          <p:nvCxnSpPr>
+            <p:cNvPr id="9" name="Straight Arrow Connector 8"/>
+            <p:cNvCxnSpPr>
+              <a:stCxn id="8" idx="3"/>
+            </p:cNvCxnSpPr>
+            <p:nvPr/>
+          </p:nvCxnSpPr>
+          <p:spPr>
+            <a:xfrm>
+              <a:off x="7262562" y="2685366"/>
+              <a:ext cx="586038" cy="667434"/>
+            </a:xfrm>
+            <a:prstGeom prst="straightConnector1">
+              <a:avLst/>
+            </a:prstGeom>
+            <a:ln w="12700">
+              <a:solidFill>
+                <a:schemeClr val="tx1"/>
+              </a:solidFill>
+              <a:tailEnd type="stealth" w="lg" len="lg"/>
+            </a:ln>
+          </p:spPr>
+          <p:style>
+            <a:lnRef idx="1">
+              <a:schemeClr val="accent1"/>
+            </a:lnRef>
+            <a:fillRef idx="0">
+              <a:schemeClr val="accent1"/>
+            </a:fillRef>
+            <a:effectRef idx="0">
+              <a:schemeClr val="accent1"/>
+            </a:effectRef>
+            <a:fontRef idx="minor">
+              <a:schemeClr val="tx1"/>
+            </a:fontRef>
+          </p:style>
+        </p:cxnSp>
+      </p:grpSp>
+      <p:grpSp>
+        <p:nvGrpSpPr>
+          <p:cNvPr id="10" name="Group 9"/>
+          <p:cNvGrpSpPr/>
+          <p:nvPr/>
+        </p:nvGrpSpPr>
+        <p:grpSpPr>
+          <a:xfrm>
+            <a:off x="76198" y="3505200"/>
+            <a:ext cx="2032410" cy="646332"/>
+            <a:chOff x="5802114" y="2751823"/>
+            <a:chExt cx="2205369" cy="621371"/>
+          </a:xfrm>
+        </p:grpSpPr>
+        <p:sp>
+          <p:nvSpPr>
+            <p:cNvPr id="11" name="TextBox 10"/>
+            <p:cNvSpPr txBox="1"/>
+            <p:nvPr/>
+          </p:nvSpPr>
+          <p:spPr>
+            <a:xfrm>
+              <a:off x="5802114" y="2751823"/>
+              <a:ext cx="1679259" cy="621371"/>
+            </a:xfrm>
+            <a:prstGeom prst="rect">
+              <a:avLst/>
+            </a:prstGeom>
+            <a:noFill/>
+            <a:ln>
+              <a:solidFill>
+                <a:schemeClr val="tx1"/>
+              </a:solidFill>
+            </a:ln>
+          </p:spPr>
+          <p:txBody>
+            <a:bodyPr wrap="square" rtlCol="0">
+              <a:spAutoFit/>
+            </a:bodyPr>
+            <a:lstStyle/>
+            <a:p>
+              <a:r>
+                <a:rPr lang="en-US" dirty="0" smtClean="0"/>
+                <a:t>start all</a:t>
+              </a:r>
+              <a:r>
+                <a:rPr lang="en-US" dirty="0" smtClean="0"/>
+                <a:t/>
+              </a:r>
+              <a:br>
+                <a:rPr lang="en-US" dirty="0" smtClean="0"/>
+              </a:br>
+              <a:r>
+                <a:rPr lang="en-US" dirty="0" smtClean="0"/>
+                <a:t>processes</a:t>
+              </a:r>
+              <a:endParaRPr lang="nl-BE" dirty="0"/>
+            </a:p>
+          </p:txBody>
+        </p:sp>
+        <p:cxnSp>
+          <p:nvCxnSpPr>
+            <p:cNvPr id="12" name="Straight Arrow Connector 11"/>
+            <p:cNvCxnSpPr>
+              <a:stCxn id="11" idx="3"/>
+            </p:cNvCxnSpPr>
+            <p:nvPr/>
+          </p:nvCxnSpPr>
+          <p:spPr>
+            <a:xfrm>
+              <a:off x="7481373" y="3062509"/>
+              <a:ext cx="526110" cy="189130"/>
+            </a:xfrm>
+            <a:prstGeom prst="straightConnector1">
+              <a:avLst/>
+            </a:prstGeom>
+            <a:ln w="12700">
+              <a:solidFill>
+                <a:schemeClr val="tx1"/>
+              </a:solidFill>
+              <a:tailEnd type="stealth" w="lg" len="lg"/>
+            </a:ln>
+          </p:spPr>
+          <p:style>
+            <a:lnRef idx="1">
+              <a:schemeClr val="accent1"/>
+            </a:lnRef>
+            <a:fillRef idx="0">
+              <a:schemeClr val="accent1"/>
+            </a:fillRef>
+            <a:effectRef idx="0">
+              <a:schemeClr val="accent1"/>
+            </a:effectRef>
+            <a:fontRef idx="minor">
+              <a:schemeClr val="tx1"/>
+            </a:fontRef>
+          </p:style>
+        </p:cxnSp>
+      </p:grpSp>
+      <p:grpSp>
+        <p:nvGrpSpPr>
+          <p:cNvPr id="23" name="Group 22"/>
+          <p:cNvGrpSpPr/>
+          <p:nvPr/>
+        </p:nvGrpSpPr>
+        <p:grpSpPr>
+          <a:xfrm>
+            <a:off x="76199" y="2743200"/>
+            <a:ext cx="2032410" cy="646332"/>
+            <a:chOff x="5802114" y="2751823"/>
+            <a:chExt cx="2205369" cy="621371"/>
+          </a:xfrm>
+        </p:grpSpPr>
+        <p:sp>
+          <p:nvSpPr>
+            <p:cNvPr id="24" name="TextBox 23"/>
+            <p:cNvSpPr txBox="1"/>
+            <p:nvPr/>
+          </p:nvSpPr>
+          <p:spPr>
+            <a:xfrm>
+              <a:off x="5802114" y="2751823"/>
+              <a:ext cx="1679259" cy="621371"/>
+            </a:xfrm>
+            <a:prstGeom prst="rect">
+              <a:avLst/>
+            </a:prstGeom>
+            <a:noFill/>
+            <a:ln>
+              <a:solidFill>
+                <a:schemeClr val="tx1"/>
+              </a:solidFill>
+            </a:ln>
+          </p:spPr>
+          <p:txBody>
+            <a:bodyPr wrap="square" rtlCol="0">
+              <a:spAutoFit/>
+            </a:bodyPr>
+            <a:lstStyle/>
+            <a:p>
+              <a:r>
+                <a:rPr lang="en-US" dirty="0" smtClean="0"/>
+                <a:t>create</a:t>
+              </a:r>
+              <a:r>
+                <a:rPr lang="en-US" dirty="0" smtClean="0"/>
+                <a:t/>
+              </a:r>
+              <a:br>
+                <a:rPr lang="en-US" dirty="0" smtClean="0"/>
+              </a:br>
+              <a:r>
+                <a:rPr lang="en-US" dirty="0" smtClean="0"/>
+                <a:t>processes</a:t>
+              </a:r>
+              <a:endParaRPr lang="nl-BE" dirty="0"/>
+            </a:p>
+          </p:txBody>
+        </p:sp>
+        <p:cxnSp>
+          <p:nvCxnSpPr>
+            <p:cNvPr id="25" name="Straight Arrow Connector 24"/>
+            <p:cNvCxnSpPr>
+              <a:stCxn id="24" idx="3"/>
+            </p:cNvCxnSpPr>
+            <p:nvPr/>
+          </p:nvCxnSpPr>
+          <p:spPr>
+            <a:xfrm>
+              <a:off x="7481373" y="3062509"/>
+              <a:ext cx="526110" cy="189131"/>
+            </a:xfrm>
+            <a:prstGeom prst="straightConnector1">
+              <a:avLst/>
+            </a:prstGeom>
+            <a:ln w="12700">
+              <a:solidFill>
+                <a:schemeClr val="tx1"/>
+              </a:solidFill>
+              <a:tailEnd type="stealth" w="lg" len="lg"/>
+            </a:ln>
+          </p:spPr>
+          <p:style>
+            <a:lnRef idx="1">
+              <a:schemeClr val="accent1"/>
+            </a:lnRef>
+            <a:fillRef idx="0">
+              <a:schemeClr val="accent1"/>
+            </a:fillRef>
+            <a:effectRef idx="0">
+              <a:schemeClr val="accent1"/>
+            </a:effectRef>
+            <a:fontRef idx="minor">
+              <a:schemeClr val="tx1"/>
+            </a:fontRef>
+          </p:style>
+        </p:cxnSp>
+      </p:grpSp>
+      <p:grpSp>
+        <p:nvGrpSpPr>
+          <p:cNvPr id="28" name="Group 27"/>
+          <p:cNvGrpSpPr/>
+          <p:nvPr/>
+        </p:nvGrpSpPr>
+        <p:grpSpPr>
+          <a:xfrm>
+            <a:off x="76200" y="4724400"/>
+            <a:ext cx="2032408" cy="762000"/>
+            <a:chOff x="5802114" y="2640622"/>
+            <a:chExt cx="2205367" cy="732572"/>
+          </a:xfrm>
+        </p:grpSpPr>
+        <p:sp>
+          <p:nvSpPr>
+            <p:cNvPr id="29" name="TextBox 28"/>
+            <p:cNvSpPr txBox="1"/>
+            <p:nvPr/>
+          </p:nvSpPr>
+          <p:spPr>
+            <a:xfrm>
+              <a:off x="5802114" y="2751823"/>
+              <a:ext cx="1679259" cy="621371"/>
+            </a:xfrm>
+            <a:prstGeom prst="rect">
+              <a:avLst/>
+            </a:prstGeom>
+            <a:noFill/>
+            <a:ln>
+              <a:solidFill>
+                <a:schemeClr val="tx1"/>
+              </a:solidFill>
+            </a:ln>
+          </p:spPr>
+          <p:txBody>
+            <a:bodyPr wrap="square" rtlCol="0">
+              <a:spAutoFit/>
+            </a:bodyPr>
+            <a:lstStyle/>
+            <a:p>
+              <a:r>
+                <a:rPr lang="en-US" dirty="0" smtClean="0"/>
+                <a:t>wait for all</a:t>
+              </a:r>
+              <a:r>
+                <a:rPr lang="en-US" dirty="0" smtClean="0"/>
+                <a:t/>
+              </a:r>
+              <a:br>
+                <a:rPr lang="en-US" dirty="0" smtClean="0"/>
+              </a:br>
+              <a:r>
+                <a:rPr lang="en-US" dirty="0" smtClean="0"/>
+                <a:t>processes</a:t>
+              </a:r>
+              <a:endParaRPr lang="nl-BE" dirty="0"/>
+            </a:p>
+          </p:txBody>
+        </p:sp>
+        <p:cxnSp>
+          <p:nvCxnSpPr>
+            <p:cNvPr id="30" name="Straight Arrow Connector 29"/>
+            <p:cNvCxnSpPr>
+              <a:stCxn id="29" idx="3"/>
+            </p:cNvCxnSpPr>
+            <p:nvPr/>
+          </p:nvCxnSpPr>
+          <p:spPr>
+            <a:xfrm flipV="1">
+              <a:off x="7481373" y="2640622"/>
+              <a:ext cx="526108" cy="421886"/>
+            </a:xfrm>
+            <a:prstGeom prst="straightConnector1">
+              <a:avLst/>
+            </a:prstGeom>
+            <a:ln w="12700">
+              <a:solidFill>
+                <a:schemeClr val="tx1"/>
+              </a:solidFill>
+              <a:tailEnd type="stealth" w="lg" len="lg"/>
+            </a:ln>
+          </p:spPr>
+          <p:style>
+            <a:lnRef idx="1">
+              <a:schemeClr val="accent1"/>
+            </a:lnRef>
+            <a:fillRef idx="0">
+              <a:schemeClr val="accent1"/>
+            </a:fillRef>
+            <a:effectRef idx="0">
+              <a:schemeClr val="accent1"/>
+            </a:effectRef>
+            <a:fontRef idx="minor">
+              <a:schemeClr val="tx1"/>
+            </a:fontRef>
+          </p:style>
+        </p:cxnSp>
+      </p:grpSp>
+      <p:grpSp>
+        <p:nvGrpSpPr>
+          <p:cNvPr id="39" name="Group 38"/>
+          <p:cNvGrpSpPr/>
+          <p:nvPr/>
+        </p:nvGrpSpPr>
+        <p:grpSpPr>
+          <a:xfrm>
+            <a:off x="1752600" y="4521678"/>
+            <a:ext cx="6449351" cy="1802921"/>
+            <a:chOff x="1752600" y="4521678"/>
+            <a:chExt cx="6449351" cy="1802921"/>
+          </a:xfrm>
+        </p:grpSpPr>
+        <p:cxnSp>
+          <p:nvCxnSpPr>
+            <p:cNvPr id="33" name="Straight Connector 32"/>
+            <p:cNvCxnSpPr/>
+            <p:nvPr/>
+          </p:nvCxnSpPr>
+          <p:spPr>
+            <a:xfrm>
+              <a:off x="1752600" y="4521678"/>
+              <a:ext cx="6400800" cy="0"/>
+            </a:xfrm>
+            <a:prstGeom prst="line">
+              <a:avLst/>
+            </a:prstGeom>
+            <a:ln w="38100">
+              <a:solidFill>
+                <a:srgbClr val="00B050"/>
+              </a:solidFill>
+              <a:prstDash val="lgDash"/>
+            </a:ln>
+          </p:spPr>
+          <p:style>
+            <a:lnRef idx="1">
+              <a:schemeClr val="accent1"/>
+            </a:lnRef>
+            <a:fillRef idx="0">
+              <a:schemeClr val="accent1"/>
+            </a:fillRef>
+            <a:effectRef idx="0">
+              <a:schemeClr val="accent1"/>
+            </a:effectRef>
+            <a:fontRef idx="minor">
+              <a:schemeClr val="tx1"/>
+            </a:fontRef>
+          </p:style>
+        </p:cxnSp>
+        <p:grpSp>
+          <p:nvGrpSpPr>
+            <p:cNvPr id="34" name="Group 33"/>
+            <p:cNvGrpSpPr/>
+            <p:nvPr/>
+          </p:nvGrpSpPr>
+          <p:grpSpPr>
+            <a:xfrm>
+              <a:off x="6654390" y="4521678"/>
+              <a:ext cx="1547561" cy="1802921"/>
+              <a:chOff x="5802114" y="1639900"/>
+              <a:chExt cx="1679259" cy="1733293"/>
+            </a:xfrm>
+          </p:grpSpPr>
+          <p:sp>
+            <p:nvSpPr>
+              <p:cNvPr id="35" name="TextBox 34"/>
+              <p:cNvSpPr txBox="1"/>
+              <p:nvPr/>
+            </p:nvSpPr>
+            <p:spPr>
+              <a:xfrm>
+                <a:off x="5802114" y="2751823"/>
+                <a:ext cx="1679259" cy="621370"/>
+              </a:xfrm>
+              <a:prstGeom prst="rect">
+                <a:avLst/>
+              </a:prstGeom>
+              <a:noFill/>
+              <a:ln>
+                <a:solidFill>
+                  <a:srgbClr val="00B050"/>
+                </a:solidFill>
+              </a:ln>
+            </p:spPr>
+            <p:txBody>
+              <a:bodyPr wrap="square" rtlCol="0">
+                <a:spAutoFit/>
+              </a:bodyPr>
+              <a:lstStyle/>
+              <a:p>
+                <a:r>
+                  <a:rPr lang="en-US" dirty="0" smtClean="0">
+                    <a:solidFill>
+                      <a:srgbClr val="00B050"/>
+                    </a:solidFill>
+                  </a:rPr>
+                  <a:t>concurrent</a:t>
+                </a:r>
+                <a:br>
+                  <a:rPr lang="en-US" dirty="0" smtClean="0">
+                    <a:solidFill>
+                      <a:srgbClr val="00B050"/>
+                    </a:solidFill>
+                  </a:rPr>
+                </a:br>
+                <a:r>
+                  <a:rPr lang="en-US" dirty="0" smtClean="0">
+                    <a:solidFill>
+                      <a:srgbClr val="00B050"/>
+                    </a:solidFill>
+                  </a:rPr>
+                  <a:t>processing</a:t>
+                </a:r>
+                <a:endParaRPr lang="nl-BE" dirty="0">
+                  <a:solidFill>
+                    <a:srgbClr val="00B050"/>
+                  </a:solidFill>
+                </a:endParaRPr>
+              </a:p>
+            </p:txBody>
+          </p:sp>
+          <p:cxnSp>
+            <p:nvCxnSpPr>
+              <p:cNvPr id="36" name="Straight Arrow Connector 35"/>
+              <p:cNvCxnSpPr>
+                <a:stCxn id="35" idx="0"/>
+              </p:cNvCxnSpPr>
+              <p:nvPr/>
+            </p:nvCxnSpPr>
+            <p:spPr>
+              <a:xfrm flipH="1" flipV="1">
+                <a:off x="6023051" y="1639900"/>
+                <a:ext cx="618693" cy="1111923"/>
+              </a:xfrm>
+              <a:prstGeom prst="straightConnector1">
+                <a:avLst/>
+              </a:prstGeom>
+              <a:ln w="12700">
+                <a:solidFill>
+                  <a:srgbClr val="00B050"/>
+                </a:solidFill>
+                <a:tailEnd type="stealth" w="lg" len="lg"/>
+              </a:ln>
+            </p:spPr>
+            <p:style>
+              <a:lnRef idx="1">
+                <a:schemeClr val="accent1"/>
+              </a:lnRef>
+              <a:fillRef idx="0">
+                <a:schemeClr val="accent1"/>
+              </a:fillRef>
+              <a:effectRef idx="0">
+                <a:schemeClr val="accent1"/>
+              </a:effectRef>
+              <a:fontRef idx="minor">
+                <a:schemeClr val="tx1"/>
+              </a:fontRef>
+            </p:style>
+          </p:cxnSp>
+        </p:grpSp>
+      </p:grpSp>
+    </p:spTree>
+    <p:extLst>
+      <p:ext uri="{BB962C8B-B14F-4D97-AF65-F5344CB8AC3E}">
+        <p14:creationId xmlns:p14="http://schemas.microsoft.com/office/powerpoint/2010/main" val="240546433"/>
+      </p:ext>
+    </p:extLst>
+  </p:cSld>
+  <p:clrMapOvr>
+    <a:masterClrMapping/>
+  </p:clrMapOvr>
+  <p:timing>
+    <p:tnLst>
+      <p:par>
+        <p:cTn id="1" dur="indefinite" restart="never" nodeType="tmRoot">
+          <p:childTnLst>
+            <p:seq concurrent="1" nextAc="seek">
+              <p:cTn id="2" dur="indefinite" nodeType="mainSeq">
+                <p:childTnLst>
+                  <p:par>
+                    <p:cTn id="3" fill="hold">
+                      <p:stCondLst>
+                        <p:cond delay="indefinite"/>
+                      </p:stCondLst>
+                      <p:childTnLst>
+                        <p:par>
+                          <p:cTn id="4" fill="hold">
+                            <p:stCondLst>
+                              <p:cond delay="0"/>
+                            </p:stCondLst>
+                            <p:childTnLst>
+                              <p:par>
+                                <p:cTn id="5" presetID="1" presetClass="entr" presetSubtype="0" fill="hold" nodeType="clickEffect">
+                                  <p:stCondLst>
+                                    <p:cond delay="0"/>
+                                  </p:stCondLst>
+                                  <p:childTnLst>
+                                    <p:set>
+                                      <p:cBhvr>
+                                        <p:cTn id="6" dur="1" fill="hold">
+                                          <p:stCondLst>
+                                            <p:cond delay="0"/>
+                                          </p:stCondLst>
+                                        </p:cTn>
+                                        <p:tgtEl>
+                                          <p:spTgt spid="4"/>
+                                        </p:tgtEl>
+                                        <p:attrNameLst>
+                                          <p:attrName>style.visibility</p:attrName>
+                                        </p:attrNameLst>
+                                      </p:cBhvr>
+                                      <p:to>
+                                        <p:strVal val="visible"/>
+                                      </p:to>
+                                    </p:set>
+                                  </p:childTnLst>
+                                </p:cTn>
+                              </p:par>
+                            </p:childTnLst>
+                          </p:cTn>
+                        </p:par>
+                      </p:childTnLst>
+                    </p:cTn>
+                  </p:par>
+                  <p:par>
+                    <p:cTn id="7" fill="hold">
+                      <p:stCondLst>
+                        <p:cond delay="indefinite"/>
+                      </p:stCondLst>
+                      <p:childTnLst>
+                        <p:par>
+                          <p:cTn id="8" fill="hold">
+                            <p:stCondLst>
+                              <p:cond delay="0"/>
+                            </p:stCondLst>
+                            <p:childTnLst>
+                              <p:par>
+                                <p:cTn id="9" presetID="1" presetClass="entr" presetSubtype="0" fill="hold" nodeType="clickEffect">
+                                  <p:stCondLst>
+                                    <p:cond delay="0"/>
+                                  </p:stCondLst>
+                                  <p:childTnLst>
+                                    <p:set>
+                                      <p:cBhvr>
+                                        <p:cTn id="10" dur="1" fill="hold">
+                                          <p:stCondLst>
+                                            <p:cond delay="0"/>
+                                          </p:stCondLst>
+                                        </p:cTn>
+                                        <p:tgtEl>
+                                          <p:spTgt spid="7"/>
+                                        </p:tgtEl>
+                                        <p:attrNameLst>
+                                          <p:attrName>style.visibility</p:attrName>
+                                        </p:attrNameLst>
+                                      </p:cBhvr>
+                                      <p:to>
+                                        <p:strVal val="visible"/>
+                                      </p:to>
+                                    </p:set>
+                                  </p:childTnLst>
+                                </p:cTn>
+                              </p:par>
+                            </p:childTnLst>
+                          </p:cTn>
+                        </p:par>
+                      </p:childTnLst>
+                    </p:cTn>
+                  </p:par>
+                  <p:par>
+                    <p:cTn id="11" fill="hold">
+                      <p:stCondLst>
+                        <p:cond delay="indefinite"/>
+                      </p:stCondLst>
+                      <p:childTnLst>
+                        <p:par>
+                          <p:cTn id="12" fill="hold">
+                            <p:stCondLst>
+                              <p:cond delay="0"/>
+                            </p:stCondLst>
+                            <p:childTnLst>
+                              <p:par>
+                                <p:cTn id="13" presetID="1" presetClass="entr" presetSubtype="0" fill="hold" nodeType="clickEffect">
+                                  <p:stCondLst>
+                                    <p:cond delay="0"/>
+                                  </p:stCondLst>
+                                  <p:childTnLst>
+                                    <p:set>
+                                      <p:cBhvr>
+                                        <p:cTn id="14" dur="1" fill="hold">
+                                          <p:stCondLst>
+                                            <p:cond delay="0"/>
+                                          </p:stCondLst>
+                                        </p:cTn>
+                                        <p:tgtEl>
+                                          <p:spTgt spid="23"/>
+                                        </p:tgtEl>
+                                        <p:attrNameLst>
+                                          <p:attrName>style.visibility</p:attrName>
+                                        </p:attrNameLst>
+                                      </p:cBhvr>
+                                      <p:to>
+                                        <p:strVal val="visible"/>
+                                      </p:to>
+                                    </p:set>
+                                  </p:childTnLst>
+                                </p:cTn>
+                              </p:par>
+                            </p:childTnLst>
+                          </p:cTn>
+                        </p:par>
+                      </p:childTnLst>
+                    </p:cTn>
+                  </p:par>
+                  <p:par>
+                    <p:cTn id="15" fill="hold">
+                      <p:stCondLst>
+                        <p:cond delay="indefinite"/>
+                      </p:stCondLst>
+                      <p:childTnLst>
+                        <p:par>
+                          <p:cTn id="16" fill="hold">
+                            <p:stCondLst>
+                              <p:cond delay="0"/>
+                            </p:stCondLst>
+                            <p:childTnLst>
+                              <p:par>
+                                <p:cTn id="17" presetID="1" presetClass="entr" presetSubtype="0" fill="hold" nodeType="clickEffect">
+                                  <p:stCondLst>
+                                    <p:cond delay="0"/>
+                                  </p:stCondLst>
+                                  <p:childTnLst>
+                                    <p:set>
+                                      <p:cBhvr>
+                                        <p:cTn id="18" dur="1" fill="hold">
+                                          <p:stCondLst>
+                                            <p:cond delay="0"/>
+                                          </p:stCondLst>
+                                        </p:cTn>
+                                        <p:tgtEl>
+                                          <p:spTgt spid="10"/>
+                                        </p:tgtEl>
+                                        <p:attrNameLst>
+                                          <p:attrName>style.visibility</p:attrName>
+                                        </p:attrNameLst>
+                                      </p:cBhvr>
+                                      <p:to>
+                                        <p:strVal val="visible"/>
+                                      </p:to>
+                                    </p:set>
+                                  </p:childTnLst>
+                                </p:cTn>
+                              </p:par>
+                            </p:childTnLst>
+                          </p:cTn>
+                        </p:par>
+                      </p:childTnLst>
+                    </p:cTn>
+                  </p:par>
+                  <p:par>
+                    <p:cTn id="19" fill="hold">
+                      <p:stCondLst>
+                        <p:cond delay="indefinite"/>
+                      </p:stCondLst>
+                      <p:childTnLst>
+                        <p:par>
+                          <p:cTn id="20" fill="hold">
+                            <p:stCondLst>
+                              <p:cond delay="0"/>
+                            </p:stCondLst>
+                            <p:childTnLst>
+                              <p:par>
+                                <p:cTn id="21" presetID="1" presetClass="entr" presetSubtype="0" fill="hold" nodeType="clickEffect">
+                                  <p:stCondLst>
+                                    <p:cond delay="0"/>
+                                  </p:stCondLst>
+                                  <p:childTnLst>
+                                    <p:set>
+                                      <p:cBhvr>
+                                        <p:cTn id="22" dur="1" fill="hold">
+                                          <p:stCondLst>
+                                            <p:cond delay="0"/>
+                                          </p:stCondLst>
+                                        </p:cTn>
+                                        <p:tgtEl>
+                                          <p:spTgt spid="39"/>
+                                        </p:tgtEl>
+                                        <p:attrNameLst>
+                                          <p:attrName>style.visibility</p:attrName>
+                                        </p:attrNameLst>
+                                      </p:cBhvr>
+                                      <p:to>
+                                        <p:strVal val="visible"/>
+                                      </p:to>
+                                    </p:set>
+                                  </p:childTnLst>
+                                </p:cTn>
+                              </p:par>
+                            </p:childTnLst>
+                          </p:cTn>
+                        </p:par>
+                      </p:childTnLst>
+                    </p:cTn>
+                  </p:par>
+                  <p:par>
+                    <p:cTn id="23" fill="hold">
+                      <p:stCondLst>
+                        <p:cond delay="indefinite"/>
+                      </p:stCondLst>
+                      <p:childTnLst>
+                        <p:par>
+                          <p:cTn id="24" fill="hold">
+                            <p:stCondLst>
+                              <p:cond delay="0"/>
+                            </p:stCondLst>
+                            <p:childTnLst>
+                              <p:par>
+                                <p:cTn id="25" presetID="1" presetClass="entr" presetSubtype="0" fill="hold" nodeType="clickEffect">
+                                  <p:stCondLst>
+                                    <p:cond delay="0"/>
+                                  </p:stCondLst>
+                                  <p:childTnLst>
+                                    <p:set>
+                                      <p:cBhvr>
+                                        <p:cTn id="26" dur="1" fill="hold">
+                                          <p:stCondLst>
+                                            <p:cond delay="0"/>
+                                          </p:stCondLst>
+                                        </p:cTn>
+                                        <p:tgtEl>
+                                          <p:spTgt spid="28"/>
+                                        </p:tgtEl>
+                                        <p:attrNameLst>
+                                          <p:attrName>style.visibility</p:attrName>
+                                        </p:attrNameLst>
+                                      </p:cBhvr>
+                                      <p:to>
+                                        <p:strVal val="visible"/>
+                                      </p:to>
+                                    </p:set>
+                                  </p:childTnLst>
+                                </p:cTn>
+                              </p:par>
+                            </p:childTnLst>
+                          </p:cTn>
+                        </p:par>
+                      </p:childTnLst>
+                    </p:cTn>
+                  </p:par>
+                </p:childTnLst>
+              </p:cTn>
+              <p:prevCondLst>
+                <p:cond evt="onPrev" delay="0">
+                  <p:tgtEl>
+                    <p:sldTgt/>
+                  </p:tgtEl>
+                </p:cond>
+              </p:prevCondLst>
+              <p:nextCondLst>
+                <p:cond evt="onNext" delay="0">
+                  <p:tgtEl>
+                    <p:sldTgt/>
+                  </p:tgtEl>
+                </p:cond>
+              </p:nextCondLst>
+            </p:seq>
+          </p:childTnLst>
+        </p:cTn>
+      </p:par>
+    </p:tnLst>
+  </p:timing>
+</p:sld>
+</file>
+
+<file path=ppt/slides/slide17.xml><?xml version="1.0" encoding="utf-8"?>
+<p:sld xmlns:a="http://schemas.openxmlformats.org/drawingml/2006/main" xmlns:r="http://schemas.openxmlformats.org/officeDocument/2006/relationships" xmlns:p="http://schemas.openxmlformats.org/presentationml/2006/main">
+  <p:cSld>
+    <p:spTree>
+      <p:nvGrpSpPr>
+        <p:cNvPr id="1" name=""/>
+        <p:cNvGrpSpPr/>
+        <p:nvPr/>
+      </p:nvGrpSpPr>
+      <p:grpSpPr>
+        <a:xfrm>
+          <a:off x="0" y="0"/>
+          <a:ext cx="0" cy="0"/>
+          <a:chOff x="0" y="0"/>
+          <a:chExt cx="0" cy="0"/>
+        </a:xfrm>
+      </p:grpSpPr>
+      <p:sp>
+        <p:nvSpPr>
+          <p:cNvPr id="2" name="Title 1"/>
+          <p:cNvSpPr>
+            <a:spLocks noGrp="1"/>
+          </p:cNvSpPr>
+          <p:nvPr>
+            <p:ph type="title"/>
+          </p:nvPr>
+        </p:nvSpPr>
+        <p:spPr/>
+        <p:txBody>
+          <a:bodyPr/>
+          <a:lstStyle/>
+          <a:p>
+            <a:r>
+              <a:rPr lang="en-US" dirty="0" smtClean="0"/>
+              <a:t>Considerations</a:t>
+            </a:r>
+            <a:endParaRPr lang="nl-BE" dirty="0"/>
+          </a:p>
+        </p:txBody>
+      </p:sp>
+      <p:sp>
+        <p:nvSpPr>
+          <p:cNvPr id="3" name="Content Placeholder 2"/>
+          <p:cNvSpPr>
+            <a:spLocks noGrp="1"/>
+          </p:cNvSpPr>
+          <p:nvPr>
+            <p:ph idx="1"/>
+          </p:nvPr>
+        </p:nvSpPr>
+        <p:spPr/>
+        <p:txBody>
+          <a:bodyPr/>
+          <a:lstStyle/>
+          <a:p>
+            <a:r>
+              <a:rPr lang="en-US" dirty="0" smtClean="0"/>
+              <a:t>Process creation is costly!</a:t>
+            </a:r>
+          </a:p>
+          <a:p>
+            <a:pPr lvl="1"/>
+            <a:r>
+              <a:rPr lang="en-US" dirty="0" smtClean="0"/>
+              <a:t>Computational task should warrant it</a:t>
+            </a:r>
+          </a:p>
+          <a:p>
+            <a:r>
+              <a:rPr lang="en-US" dirty="0" smtClean="0"/>
+              <a:t>Locking takes time!</a:t>
+            </a:r>
+          </a:p>
+          <a:p>
+            <a:pPr lvl="1"/>
+            <a:r>
+              <a:rPr lang="en-US" dirty="0" smtClean="0"/>
+              <a:t>Share as little as possible</a:t>
+            </a:r>
+          </a:p>
+        </p:txBody>
+      </p:sp>
+    </p:spTree>
+    <p:extLst>
+      <p:ext uri="{BB962C8B-B14F-4D97-AF65-F5344CB8AC3E}">
+        <p14:creationId xmlns:p14="http://schemas.microsoft.com/office/powerpoint/2010/main" val="3573895201"/>
+      </p:ext>
+    </p:extLst>
+  </p:cSld>
+  <p:clrMapOvr>
+    <a:masterClrMapping/>
+  </p:clrMapOvr>
+  <p:timing>
+    <p:tnLst>
+      <p:par>
+        <p:cTn id="1" dur="indefinite" restart="never" nodeType="tmRoot"/>
+      </p:par>
+    </p:tnLst>
+  </p:timing>
+</p:sld>
+</file>
+
+<file path=ppt/slides/slide18.xml><?xml version="1.0" encoding="utf-8"?>
 <p:sld xmlns:a="http://schemas.openxmlformats.org/drawingml/2006/main" xmlns:r="http://schemas.openxmlformats.org/officeDocument/2006/relationships" xmlns:p="http://schemas.openxmlformats.org/presentationml/2006/main">
   <p:cSld>
     <p:spTree>

--- a/Python/Multiprocessor/concurrent_programming.pptx
+++ b/Python/Multiprocessor/concurrent_programming.pptx
@@ -4,25 +4,33 @@
   <p:sldMasterIdLst>
     <p:sldMasterId id="2147483648" r:id="rId1"/>
   </p:sldMasterIdLst>
+  <p:notesMasterIdLst>
+    <p:notesMasterId r:id="rId25"/>
+  </p:notesMasterIdLst>
   <p:sldIdLst>
     <p:sldId id="256" r:id="rId2"/>
     <p:sldId id="257" r:id="rId3"/>
-    <p:sldId id="258" r:id="rId4"/>
-    <p:sldId id="261" r:id="rId5"/>
-    <p:sldId id="262" r:id="rId6"/>
-    <p:sldId id="263" r:id="rId7"/>
-    <p:sldId id="259" r:id="rId8"/>
-    <p:sldId id="264" r:id="rId9"/>
-    <p:sldId id="265" r:id="rId10"/>
-    <p:sldId id="266" r:id="rId11"/>
-    <p:sldId id="267" r:id="rId12"/>
-    <p:sldId id="272" r:id="rId13"/>
-    <p:sldId id="273" r:id="rId14"/>
-    <p:sldId id="269" r:id="rId15"/>
-    <p:sldId id="270" r:id="rId16"/>
-    <p:sldId id="271" r:id="rId17"/>
-    <p:sldId id="268" r:id="rId18"/>
+    <p:sldId id="274" r:id="rId4"/>
+    <p:sldId id="258" r:id="rId5"/>
+    <p:sldId id="261" r:id="rId6"/>
+    <p:sldId id="262" r:id="rId7"/>
+    <p:sldId id="263" r:id="rId8"/>
+    <p:sldId id="259" r:id="rId9"/>
+    <p:sldId id="264" r:id="rId10"/>
+    <p:sldId id="265" r:id="rId11"/>
+    <p:sldId id="266" r:id="rId12"/>
+    <p:sldId id="267" r:id="rId13"/>
+    <p:sldId id="272" r:id="rId14"/>
+    <p:sldId id="273" r:id="rId15"/>
+    <p:sldId id="269" r:id="rId16"/>
+    <p:sldId id="270" r:id="rId17"/>
+    <p:sldId id="271" r:id="rId18"/>
     <p:sldId id="260" r:id="rId19"/>
+    <p:sldId id="275" r:id="rId20"/>
+    <p:sldId id="276" r:id="rId21"/>
+    <p:sldId id="277" r:id="rId22"/>
+    <p:sldId id="278" r:id="rId23"/>
+    <p:sldId id="268" r:id="rId24"/>
   </p:sldIdLst>
   <p:sldSz cx="9144000" cy="6858000" type="screen4x3"/>
   <p:notesSz cx="6858000" cy="9144000"/>
@@ -123,7 +131,7 @@
   </p:defaultTextStyle>
   <p:extLst>
     <p:ext uri="{EFAFB233-063F-42B5-8137-9DF3F51BA10A}">
-      <p15:sldGuideLst xmlns:p15="http://schemas.microsoft.com/office/powerpoint/2012/main">
+      <p15:sldGuideLst xmlns:p15="http://schemas.microsoft.com/office/powerpoint/2012/main" xmlns="">
         <p15:guide id="1" orient="horz" pos="2160">
           <p15:clr>
             <a:srgbClr val="A4A3A4"/>
@@ -143,7 +151,7 @@
 <file path=ppt/charts/chart1.xml><?xml version="1.0" encoding="utf-8"?>
 <c:chartSpace xmlns:c="http://schemas.openxmlformats.org/drawingml/2006/chart" xmlns:a="http://schemas.openxmlformats.org/drawingml/2006/main" xmlns:r="http://schemas.openxmlformats.org/officeDocument/2006/relationships">
   <c:date1904 val="0"/>
-  <c:lang val="en-US"/>
+  <c:lang val="nl-BE"/>
   <c:roundedCorners val="0"/>
   <mc:AlternateContent xmlns:mc="http://schemas.openxmlformats.org/markup-compatibility/2006">
     <mc:Choice xmlns:c14="http://schemas.microsoft.com/office/drawing/2007/8/2/chart" Requires="c14">
@@ -244,11 +252,11 @@
           <c:showPercent val="0"/>
           <c:showBubbleSize val="0"/>
         </c:dLbls>
-        <c:axId val="162166768"/>
-        <c:axId val="162165984"/>
+        <c:axId val="149614976"/>
+        <c:axId val="149616896"/>
       </c:scatterChart>
       <c:valAx>
-        <c:axId val="162166768"/>
+        <c:axId val="149614976"/>
         <c:scaling>
           <c:orientation val="minMax"/>
           <c:max val="20"/>
@@ -259,13 +267,13 @@
         <c:majorTickMark val="out"/>
         <c:minorTickMark val="none"/>
         <c:tickLblPos val="nextTo"/>
-        <c:crossAx val="162165984"/>
+        <c:crossAx val="149616896"/>
         <c:crosses val="autoZero"/>
         <c:crossBetween val="midCat"/>
         <c:majorUnit val="4"/>
       </c:valAx>
       <c:valAx>
-        <c:axId val="162165984"/>
+        <c:axId val="149616896"/>
         <c:scaling>
           <c:orientation val="minMax"/>
         </c:scaling>
@@ -276,7 +284,7 @@
         <c:majorTickMark val="out"/>
         <c:minorTickMark val="none"/>
         <c:tickLblPos val="nextTo"/>
-        <c:crossAx val="162166768"/>
+        <c:crossAx val="149614976"/>
         <c:crosses val="autoZero"/>
         <c:crossBetween val="midCat"/>
       </c:valAx>
@@ -294,7 +302,7 @@
 <file path=ppt/charts/chart2.xml><?xml version="1.0" encoding="utf-8"?>
 <c:chartSpace xmlns:c="http://schemas.openxmlformats.org/drawingml/2006/chart" xmlns:a="http://schemas.openxmlformats.org/drawingml/2006/main" xmlns:r="http://schemas.openxmlformats.org/officeDocument/2006/relationships">
   <c:date1904 val="0"/>
-  <c:lang val="en-US"/>
+  <c:lang val="nl-BE"/>
   <c:roundedCorners val="0"/>
   <mc:AlternateContent xmlns:mc="http://schemas.openxmlformats.org/markup-compatibility/2006">
     <mc:Choice xmlns:c14="http://schemas.microsoft.com/office/drawing/2007/8/2/chart" Requires="c14">
@@ -395,11 +403,11 @@
           <c:showPercent val="0"/>
           <c:showBubbleSize val="0"/>
         </c:dLbls>
-        <c:axId val="162164808"/>
-        <c:axId val="162164416"/>
+        <c:axId val="155059712"/>
+        <c:axId val="155061248"/>
       </c:scatterChart>
       <c:valAx>
-        <c:axId val="162164808"/>
+        <c:axId val="155059712"/>
         <c:scaling>
           <c:orientation val="minMax"/>
           <c:max val="20"/>
@@ -410,13 +418,13 @@
         <c:majorTickMark val="out"/>
         <c:minorTickMark val="none"/>
         <c:tickLblPos val="nextTo"/>
-        <c:crossAx val="162164416"/>
+        <c:crossAx val="155061248"/>
         <c:crosses val="autoZero"/>
         <c:crossBetween val="midCat"/>
         <c:majorUnit val="4"/>
       </c:valAx>
       <c:valAx>
-        <c:axId val="162164416"/>
+        <c:axId val="155061248"/>
         <c:scaling>
           <c:orientation val="minMax"/>
           <c:max val="1"/>
@@ -428,7 +436,7 @@
         <c:majorTickMark val="out"/>
         <c:minorTickMark val="none"/>
         <c:tickLblPos val="nextTo"/>
-        <c:crossAx val="162164808"/>
+        <c:crossAx val="155059712"/>
         <c:crosses val="autoZero"/>
         <c:crossBetween val="midCat"/>
       </c:valAx>
@@ -451,7 +459,7 @@
 <file path=ppt/charts/chart3.xml><?xml version="1.0" encoding="utf-8"?>
 <c:chartSpace xmlns:c="http://schemas.openxmlformats.org/drawingml/2006/chart" xmlns:a="http://schemas.openxmlformats.org/drawingml/2006/main" xmlns:r="http://schemas.openxmlformats.org/officeDocument/2006/relationships">
   <c:date1904 val="0"/>
-  <c:lang val="en-US"/>
+  <c:lang val="nl-BE"/>
   <c:roundedCorners val="0"/>
   <mc:AlternateContent xmlns:mc="http://schemas.openxmlformats.org/markup-compatibility/2006">
     <mc:Choice xmlns:c14="http://schemas.microsoft.com/office/drawing/2007/8/2/chart" Requires="c14">
@@ -552,11 +560,11 @@
           <c:showPercent val="0"/>
           <c:showBubbleSize val="0"/>
         </c:dLbls>
-        <c:axId val="147130208"/>
-        <c:axId val="147130600"/>
+        <c:axId val="155084288"/>
+        <c:axId val="155085824"/>
       </c:scatterChart>
       <c:valAx>
-        <c:axId val="147130208"/>
+        <c:axId val="155084288"/>
         <c:scaling>
           <c:orientation val="minMax"/>
           <c:max val="20"/>
@@ -567,13 +575,13 @@
         <c:majorTickMark val="out"/>
         <c:minorTickMark val="none"/>
         <c:tickLblPos val="nextTo"/>
-        <c:crossAx val="147130600"/>
+        <c:crossAx val="155085824"/>
         <c:crosses val="autoZero"/>
         <c:crossBetween val="midCat"/>
         <c:majorUnit val="4"/>
       </c:valAx>
       <c:valAx>
-        <c:axId val="147130600"/>
+        <c:axId val="155085824"/>
         <c:scaling>
           <c:orientation val="minMax"/>
           <c:min val="1"/>
@@ -585,7 +593,7 @@
         <c:majorTickMark val="out"/>
         <c:minorTickMark val="none"/>
         <c:tickLblPos val="nextTo"/>
-        <c:crossAx val="147130208"/>
+        <c:crossAx val="155084288"/>
         <c:crosses val="autoZero"/>
         <c:crossBetween val="midCat"/>
       </c:valAx>
@@ -603,7 +611,7 @@
 <file path=ppt/charts/chart4.xml><?xml version="1.0" encoding="utf-8"?>
 <c:chartSpace xmlns:c="http://schemas.openxmlformats.org/drawingml/2006/chart" xmlns:a="http://schemas.openxmlformats.org/drawingml/2006/main" xmlns:r="http://schemas.openxmlformats.org/officeDocument/2006/relationships">
   <c:date1904 val="0"/>
-  <c:lang val="en-US"/>
+  <c:lang val="nl-BE"/>
   <c:roundedCorners val="0"/>
   <mc:AlternateContent xmlns:mc="http://schemas.openxmlformats.org/markup-compatibility/2006">
     <mc:Choice xmlns:c14="http://schemas.microsoft.com/office/drawing/2007/8/2/chart" Requires="c14">
@@ -704,11 +712,11 @@
           <c:showPercent val="0"/>
           <c:showBubbleSize val="0"/>
         </c:dLbls>
-        <c:axId val="163321968"/>
-        <c:axId val="163322360"/>
+        <c:axId val="155523328"/>
+        <c:axId val="155525120"/>
       </c:scatterChart>
       <c:valAx>
-        <c:axId val="163321968"/>
+        <c:axId val="155523328"/>
         <c:scaling>
           <c:orientation val="minMax"/>
           <c:max val="20"/>
@@ -719,13 +727,13 @@
         <c:majorTickMark val="out"/>
         <c:minorTickMark val="none"/>
         <c:tickLblPos val="nextTo"/>
-        <c:crossAx val="163322360"/>
+        <c:crossAx val="155525120"/>
         <c:crosses val="autoZero"/>
         <c:crossBetween val="midCat"/>
         <c:majorUnit val="4"/>
       </c:valAx>
       <c:valAx>
-        <c:axId val="163322360"/>
+        <c:axId val="155525120"/>
         <c:scaling>
           <c:orientation val="minMax"/>
           <c:max val="1"/>
@@ -737,7 +745,7 @@
         <c:majorTickMark val="out"/>
         <c:minorTickMark val="none"/>
         <c:tickLblPos val="nextTo"/>
-        <c:crossAx val="163321968"/>
+        <c:crossAx val="155523328"/>
         <c:crosses val="autoZero"/>
         <c:crossBetween val="midCat"/>
       </c:valAx>
@@ -760,7 +768,7 @@
 <file path=ppt/charts/chart5.xml><?xml version="1.0" encoding="utf-8"?>
 <c:chartSpace xmlns:c="http://schemas.openxmlformats.org/drawingml/2006/chart" xmlns:a="http://schemas.openxmlformats.org/drawingml/2006/main" xmlns:r="http://schemas.openxmlformats.org/officeDocument/2006/relationships">
   <c:date1904 val="0"/>
-  <c:lang val="en-US"/>
+  <c:lang val="nl-BE"/>
   <c:roundedCorners val="0"/>
   <mc:AlternateContent xmlns:mc="http://schemas.openxmlformats.org/markup-compatibility/2006">
     <mc:Choice xmlns:c14="http://schemas.microsoft.com/office/drawing/2007/8/2/chart" Requires="c14">
@@ -873,11 +881,11 @@
           <c:showPercent val="0"/>
           <c:showBubbleSize val="0"/>
         </c:dLbls>
-        <c:axId val="266774376"/>
-        <c:axId val="266233712"/>
+        <c:axId val="155572096"/>
+        <c:axId val="155574272"/>
       </c:scatterChart>
       <c:valAx>
-        <c:axId val="266774376"/>
+        <c:axId val="155572096"/>
         <c:scaling>
           <c:logBase val="2"/>
           <c:orientation val="minMax"/>
@@ -937,12 +945,12 @@
             <a:endParaRPr lang="nl-BE"/>
           </a:p>
         </c:txPr>
-        <c:crossAx val="266233712"/>
+        <c:crossAx val="155574272"/>
         <c:crosses val="autoZero"/>
         <c:crossBetween val="midCat"/>
       </c:valAx>
       <c:valAx>
-        <c:axId val="266233712"/>
+        <c:axId val="155574272"/>
         <c:scaling>
           <c:logBase val="2"/>
           <c:orientation val="minMax"/>
@@ -1001,7 +1009,7 @@
             <a:endParaRPr lang="nl-BE"/>
           </a:p>
         </c:txPr>
-        <c:crossAx val="266774376"/>
+        <c:crossAx val="155572096"/>
         <c:crosses val="autoZero"/>
         <c:crossBetween val="midCat"/>
       </c:valAx>
@@ -1034,7 +1042,7 @@
       <a:endParaRPr lang="nl-BE"/>
     </a:p>
   </c:txPr>
-  <c:externalData r:id="rId3">
+  <c:externalData r:id="rId1">
     <c:autoUpdate val="0"/>
   </c:externalData>
 </c:chartSpace>
@@ -1596,6 +1604,356 @@
 </cs:chartStyle>
 </file>
 
+<file path=ppt/notesMasters/notesMaster1.xml><?xml version="1.0" encoding="utf-8"?>
+<p:notesMaster xmlns:a="http://schemas.openxmlformats.org/drawingml/2006/main" xmlns:r="http://schemas.openxmlformats.org/officeDocument/2006/relationships" xmlns:p="http://schemas.openxmlformats.org/presentationml/2006/main">
+  <p:cSld>
+    <p:bg>
+      <p:bgRef idx="1001">
+        <a:schemeClr val="bg1"/>
+      </p:bgRef>
+    </p:bg>
+    <p:spTree>
+      <p:nvGrpSpPr>
+        <p:cNvPr id="1" name=""/>
+        <p:cNvGrpSpPr/>
+        <p:nvPr/>
+      </p:nvGrpSpPr>
+      <p:grpSpPr>
+        <a:xfrm>
+          <a:off x="0" y="0"/>
+          <a:ext cx="0" cy="0"/>
+          <a:chOff x="0" y="0"/>
+          <a:chExt cx="0" cy="0"/>
+        </a:xfrm>
+      </p:grpSpPr>
+      <p:sp>
+        <p:nvSpPr>
+          <p:cNvPr id="2" name="Header Placeholder 1"/>
+          <p:cNvSpPr>
+            <a:spLocks noGrp="1"/>
+          </p:cNvSpPr>
+          <p:nvPr>
+            <p:ph type="hdr" sz="quarter"/>
+          </p:nvPr>
+        </p:nvSpPr>
+        <p:spPr>
+          <a:xfrm>
+            <a:off x="0" y="0"/>
+            <a:ext cx="2971800" cy="457200"/>
+          </a:xfrm>
+          <a:prstGeom prst="rect">
+            <a:avLst/>
+          </a:prstGeom>
+        </p:spPr>
+        <p:txBody>
+          <a:bodyPr vert="horz" lIns="91440" tIns="45720" rIns="91440" bIns="45720" rtlCol="0"/>
+          <a:lstStyle>
+            <a:lvl1pPr algn="l">
+              <a:defRPr sz="1200"/>
+            </a:lvl1pPr>
+          </a:lstStyle>
+          <a:p>
+            <a:endParaRPr lang="nl-BE"/>
+          </a:p>
+        </p:txBody>
+      </p:sp>
+      <p:sp>
+        <p:nvSpPr>
+          <p:cNvPr id="3" name="Date Placeholder 2"/>
+          <p:cNvSpPr>
+            <a:spLocks noGrp="1"/>
+          </p:cNvSpPr>
+          <p:nvPr>
+            <p:ph type="dt" idx="1"/>
+          </p:nvPr>
+        </p:nvSpPr>
+        <p:spPr>
+          <a:xfrm>
+            <a:off x="3884613" y="0"/>
+            <a:ext cx="2971800" cy="457200"/>
+          </a:xfrm>
+          <a:prstGeom prst="rect">
+            <a:avLst/>
+          </a:prstGeom>
+        </p:spPr>
+        <p:txBody>
+          <a:bodyPr vert="horz" lIns="91440" tIns="45720" rIns="91440" bIns="45720" rtlCol="0"/>
+          <a:lstStyle>
+            <a:lvl1pPr algn="r">
+              <a:defRPr sz="1200"/>
+            </a:lvl1pPr>
+          </a:lstStyle>
+          <a:p>
+            <a:fld id="{CF8AD9FA-6A4D-4F58-A8C9-852412C78B4C}" type="datetimeFigureOut">
+              <a:rPr lang="nl-BE" smtClean="0"/>
+              <a:t>10/03/2016</a:t>
+            </a:fld>
+            <a:endParaRPr lang="nl-BE"/>
+          </a:p>
+        </p:txBody>
+      </p:sp>
+      <p:sp>
+        <p:nvSpPr>
+          <p:cNvPr id="4" name="Slide Image Placeholder 3"/>
+          <p:cNvSpPr>
+            <a:spLocks noGrp="1" noRot="1" noChangeAspect="1"/>
+          </p:cNvSpPr>
+          <p:nvPr>
+            <p:ph type="sldImg" idx="2"/>
+          </p:nvPr>
+        </p:nvSpPr>
+        <p:spPr>
+          <a:xfrm>
+            <a:off x="1143000" y="685800"/>
+            <a:ext cx="4572000" cy="3429000"/>
+          </a:xfrm>
+          <a:prstGeom prst="rect">
+            <a:avLst/>
+          </a:prstGeom>
+          <a:noFill/>
+          <a:ln w="12700">
+            <a:solidFill>
+              <a:prstClr val="black"/>
+            </a:solidFill>
+          </a:ln>
+        </p:spPr>
+        <p:txBody>
+          <a:bodyPr vert="horz" lIns="91440" tIns="45720" rIns="91440" bIns="45720" rtlCol="0" anchor="ctr"/>
+          <a:lstStyle/>
+          <a:p>
+            <a:endParaRPr lang="nl-BE"/>
+          </a:p>
+        </p:txBody>
+      </p:sp>
+      <p:sp>
+        <p:nvSpPr>
+          <p:cNvPr id="5" name="Notes Placeholder 4"/>
+          <p:cNvSpPr>
+            <a:spLocks noGrp="1"/>
+          </p:cNvSpPr>
+          <p:nvPr>
+            <p:ph type="body" sz="quarter" idx="3"/>
+          </p:nvPr>
+        </p:nvSpPr>
+        <p:spPr>
+          <a:xfrm>
+            <a:off x="685800" y="4343400"/>
+            <a:ext cx="5486400" cy="4114800"/>
+          </a:xfrm>
+          <a:prstGeom prst="rect">
+            <a:avLst/>
+          </a:prstGeom>
+        </p:spPr>
+        <p:txBody>
+          <a:bodyPr vert="horz" lIns="91440" tIns="45720" rIns="91440" bIns="45720" rtlCol="0"/>
+          <a:lstStyle/>
+          <a:p>
+            <a:pPr lvl="0"/>
+            <a:r>
+              <a:rPr lang="en-US" smtClean="0"/>
+              <a:t>Click to edit Master text styles</a:t>
+            </a:r>
+          </a:p>
+          <a:p>
+            <a:pPr lvl="1"/>
+            <a:r>
+              <a:rPr lang="en-US" smtClean="0"/>
+              <a:t>Second level</a:t>
+            </a:r>
+          </a:p>
+          <a:p>
+            <a:pPr lvl="2"/>
+            <a:r>
+              <a:rPr lang="en-US" smtClean="0"/>
+              <a:t>Third level</a:t>
+            </a:r>
+          </a:p>
+          <a:p>
+            <a:pPr lvl="3"/>
+            <a:r>
+              <a:rPr lang="en-US" smtClean="0"/>
+              <a:t>Fourth level</a:t>
+            </a:r>
+          </a:p>
+          <a:p>
+            <a:pPr lvl="4"/>
+            <a:r>
+              <a:rPr lang="en-US" smtClean="0"/>
+              <a:t>Fifth level</a:t>
+            </a:r>
+            <a:endParaRPr lang="nl-BE"/>
+          </a:p>
+        </p:txBody>
+      </p:sp>
+      <p:sp>
+        <p:nvSpPr>
+          <p:cNvPr id="6" name="Footer Placeholder 5"/>
+          <p:cNvSpPr>
+            <a:spLocks noGrp="1"/>
+          </p:cNvSpPr>
+          <p:nvPr>
+            <p:ph type="ftr" sz="quarter" idx="4"/>
+          </p:nvPr>
+        </p:nvSpPr>
+        <p:spPr>
+          <a:xfrm>
+            <a:off x="0" y="8685213"/>
+            <a:ext cx="2971800" cy="457200"/>
+          </a:xfrm>
+          <a:prstGeom prst="rect">
+            <a:avLst/>
+          </a:prstGeom>
+        </p:spPr>
+        <p:txBody>
+          <a:bodyPr vert="horz" lIns="91440" tIns="45720" rIns="91440" bIns="45720" rtlCol="0" anchor="b"/>
+          <a:lstStyle>
+            <a:lvl1pPr algn="l">
+              <a:defRPr sz="1200"/>
+            </a:lvl1pPr>
+          </a:lstStyle>
+          <a:p>
+            <a:endParaRPr lang="nl-BE"/>
+          </a:p>
+        </p:txBody>
+      </p:sp>
+      <p:sp>
+        <p:nvSpPr>
+          <p:cNvPr id="7" name="Slide Number Placeholder 6"/>
+          <p:cNvSpPr>
+            <a:spLocks noGrp="1"/>
+          </p:cNvSpPr>
+          <p:nvPr>
+            <p:ph type="sldNum" sz="quarter" idx="5"/>
+          </p:nvPr>
+        </p:nvSpPr>
+        <p:spPr>
+          <a:xfrm>
+            <a:off x="3884613" y="8685213"/>
+            <a:ext cx="2971800" cy="457200"/>
+          </a:xfrm>
+          <a:prstGeom prst="rect">
+            <a:avLst/>
+          </a:prstGeom>
+        </p:spPr>
+        <p:txBody>
+          <a:bodyPr vert="horz" lIns="91440" tIns="45720" rIns="91440" bIns="45720" rtlCol="0" anchor="b"/>
+          <a:lstStyle>
+            <a:lvl1pPr algn="r">
+              <a:defRPr sz="1200"/>
+            </a:lvl1pPr>
+          </a:lstStyle>
+          <a:p>
+            <a:fld id="{8AF3EB63-8765-4DE1-B816-3098DE1A26BE}" type="slidenum">
+              <a:rPr lang="nl-BE" smtClean="0"/>
+              <a:t>‹#›</a:t>
+            </a:fld>
+            <a:endParaRPr lang="nl-BE"/>
+          </a:p>
+        </p:txBody>
+      </p:sp>
+    </p:spTree>
+    <p:extLst>
+      <p:ext uri="{BB962C8B-B14F-4D97-AF65-F5344CB8AC3E}">
+        <p14:creationId xmlns:p14="http://schemas.microsoft.com/office/powerpoint/2010/main" val="1813960442"/>
+      </p:ext>
+    </p:extLst>
+  </p:cSld>
+  <p:clrMap bg1="lt1" tx1="dk1" bg2="lt2" tx2="dk2" accent1="accent1" accent2="accent2" accent3="accent3" accent4="accent4" accent5="accent5" accent6="accent6" hlink="hlink" folHlink="folHlink"/>
+  <p:notesStyle>
+    <a:lvl1pPr marL="0" algn="l" defTabSz="914400" rtl="0" eaLnBrk="1" latinLnBrk="0" hangingPunct="1">
+      <a:defRPr sz="1200" kern="1200">
+        <a:solidFill>
+          <a:schemeClr val="tx1"/>
+        </a:solidFill>
+        <a:latin typeface="+mn-lt"/>
+        <a:ea typeface="+mn-ea"/>
+        <a:cs typeface="+mn-cs"/>
+      </a:defRPr>
+    </a:lvl1pPr>
+    <a:lvl2pPr marL="457200" algn="l" defTabSz="914400" rtl="0" eaLnBrk="1" latinLnBrk="0" hangingPunct="1">
+      <a:defRPr sz="1200" kern="1200">
+        <a:solidFill>
+          <a:schemeClr val="tx1"/>
+        </a:solidFill>
+        <a:latin typeface="+mn-lt"/>
+        <a:ea typeface="+mn-ea"/>
+        <a:cs typeface="+mn-cs"/>
+      </a:defRPr>
+    </a:lvl2pPr>
+    <a:lvl3pPr marL="914400" algn="l" defTabSz="914400" rtl="0" eaLnBrk="1" latinLnBrk="0" hangingPunct="1">
+      <a:defRPr sz="1200" kern="1200">
+        <a:solidFill>
+          <a:schemeClr val="tx1"/>
+        </a:solidFill>
+        <a:latin typeface="+mn-lt"/>
+        <a:ea typeface="+mn-ea"/>
+        <a:cs typeface="+mn-cs"/>
+      </a:defRPr>
+    </a:lvl3pPr>
+    <a:lvl4pPr marL="1371600" algn="l" defTabSz="914400" rtl="0" eaLnBrk="1" latinLnBrk="0" hangingPunct="1">
+      <a:defRPr sz="1200" kern="1200">
+        <a:solidFill>
+          <a:schemeClr val="tx1"/>
+        </a:solidFill>
+        <a:latin typeface="+mn-lt"/>
+        <a:ea typeface="+mn-ea"/>
+        <a:cs typeface="+mn-cs"/>
+      </a:defRPr>
+    </a:lvl4pPr>
+    <a:lvl5pPr marL="1828800" algn="l" defTabSz="914400" rtl="0" eaLnBrk="1" latinLnBrk="0" hangingPunct="1">
+      <a:defRPr sz="1200" kern="1200">
+        <a:solidFill>
+          <a:schemeClr val="tx1"/>
+        </a:solidFill>
+        <a:latin typeface="+mn-lt"/>
+        <a:ea typeface="+mn-ea"/>
+        <a:cs typeface="+mn-cs"/>
+      </a:defRPr>
+    </a:lvl5pPr>
+    <a:lvl6pPr marL="2286000" algn="l" defTabSz="914400" rtl="0" eaLnBrk="1" latinLnBrk="0" hangingPunct="1">
+      <a:defRPr sz="1200" kern="1200">
+        <a:solidFill>
+          <a:schemeClr val="tx1"/>
+        </a:solidFill>
+        <a:latin typeface="+mn-lt"/>
+        <a:ea typeface="+mn-ea"/>
+        <a:cs typeface="+mn-cs"/>
+      </a:defRPr>
+    </a:lvl6pPr>
+    <a:lvl7pPr marL="2743200" algn="l" defTabSz="914400" rtl="0" eaLnBrk="1" latinLnBrk="0" hangingPunct="1">
+      <a:defRPr sz="1200" kern="1200">
+        <a:solidFill>
+          <a:schemeClr val="tx1"/>
+        </a:solidFill>
+        <a:latin typeface="+mn-lt"/>
+        <a:ea typeface="+mn-ea"/>
+        <a:cs typeface="+mn-cs"/>
+      </a:defRPr>
+    </a:lvl7pPr>
+    <a:lvl8pPr marL="3200400" algn="l" defTabSz="914400" rtl="0" eaLnBrk="1" latinLnBrk="0" hangingPunct="1">
+      <a:defRPr sz="1200" kern="1200">
+        <a:solidFill>
+          <a:schemeClr val="tx1"/>
+        </a:solidFill>
+        <a:latin typeface="+mn-lt"/>
+        <a:ea typeface="+mn-ea"/>
+        <a:cs typeface="+mn-cs"/>
+      </a:defRPr>
+    </a:lvl8pPr>
+    <a:lvl9pPr marL="3657600" algn="l" defTabSz="914400" rtl="0" eaLnBrk="1" latinLnBrk="0" hangingPunct="1">
+      <a:defRPr sz="1200" kern="1200">
+        <a:solidFill>
+          <a:schemeClr val="tx1"/>
+        </a:solidFill>
+        <a:latin typeface="+mn-lt"/>
+        <a:ea typeface="+mn-ea"/>
+        <a:cs typeface="+mn-cs"/>
+      </a:defRPr>
+    </a:lvl9pPr>
+  </p:notesStyle>
+</p:notesMaster>
+</file>
+
 <file path=ppt/slideLayouts/slideLayout1.xml><?xml version="1.0" encoding="utf-8"?>
 <p:sldLayout xmlns:a="http://schemas.openxmlformats.org/drawingml/2006/main" xmlns:r="http://schemas.openxmlformats.org/officeDocument/2006/relationships" xmlns:p="http://schemas.openxmlformats.org/presentationml/2006/main" type="title" preserve="1">
   <p:cSld name="Title Slide">
@@ -1775,10 +2133,9 @@
           <a:bodyPr/>
           <a:lstStyle/>
           <a:p>
-            <a:fld id="{1D8BD707-D9CF-40AE-B4C6-C98DA3205C09}" type="datetimeFigureOut">
+            <a:fld id="{A0F95DCB-4F96-4FAF-A376-608D495C7194}" type="datetime1">
               <a:rPr lang="en-US" smtClean="0"/>
-              <a:pPr/>
-              <a:t>3/9/2016</a:t>
+              <a:t>2016-03-10</a:t>
             </a:fld>
             <a:endParaRPr lang="en-US"/>
           </a:p>
@@ -1942,10 +2299,9 @@
           <a:bodyPr/>
           <a:lstStyle/>
           <a:p>
-            <a:fld id="{1D8BD707-D9CF-40AE-B4C6-C98DA3205C09}" type="datetimeFigureOut">
+            <a:fld id="{139B5258-54AE-41DE-9BA5-FEECD0A82C62}" type="datetime1">
               <a:rPr lang="en-US" smtClean="0"/>
-              <a:pPr/>
-              <a:t>3/9/2016</a:t>
+              <a:t>2016-03-10</a:t>
             </a:fld>
             <a:endParaRPr lang="en-US"/>
           </a:p>
@@ -2119,10 +2475,9 @@
           <a:bodyPr/>
           <a:lstStyle/>
           <a:p>
-            <a:fld id="{1D8BD707-D9CF-40AE-B4C6-C98DA3205C09}" type="datetimeFigureOut">
+            <a:fld id="{948D5F5E-952C-4A09-B86A-31B8BCE9FA9D}" type="datetime1">
               <a:rPr lang="en-US" smtClean="0"/>
-              <a:pPr/>
-              <a:t>3/9/2016</a:t>
+              <a:t>2016-03-10</a:t>
             </a:fld>
             <a:endParaRPr lang="en-US"/>
           </a:p>
@@ -2286,10 +2641,9 @@
           <a:bodyPr/>
           <a:lstStyle/>
           <a:p>
-            <a:fld id="{1D8BD707-D9CF-40AE-B4C6-C98DA3205C09}" type="datetimeFigureOut">
+            <a:fld id="{5C099531-54C4-43AF-ADA8-9AC1A7512B7A}" type="datetime1">
               <a:rPr lang="en-US" smtClean="0"/>
-              <a:pPr/>
-              <a:t>3/9/2016</a:t>
+              <a:t>2016-03-10</a:t>
             </a:fld>
             <a:endParaRPr lang="en-US"/>
           </a:p>
@@ -2529,10 +2883,9 @@
           <a:bodyPr/>
           <a:lstStyle/>
           <a:p>
-            <a:fld id="{1D8BD707-D9CF-40AE-B4C6-C98DA3205C09}" type="datetimeFigureOut">
+            <a:fld id="{5903EB59-BA6E-4BD9-BA34-1E55F08D936A}" type="datetime1">
               <a:rPr lang="en-US" smtClean="0"/>
-              <a:pPr/>
-              <a:t>3/9/2016</a:t>
+              <a:t>2016-03-10</a:t>
             </a:fld>
             <a:endParaRPr lang="en-US"/>
           </a:p>
@@ -2814,10 +3167,9 @@
           <a:bodyPr/>
           <a:lstStyle/>
           <a:p>
-            <a:fld id="{1D8BD707-D9CF-40AE-B4C6-C98DA3205C09}" type="datetimeFigureOut">
+            <a:fld id="{3073860B-FB37-4B07-863E-48544B338BE7}" type="datetime1">
               <a:rPr lang="en-US" smtClean="0"/>
-              <a:pPr/>
-              <a:t>3/9/2016</a:t>
+              <a:t>2016-03-10</a:t>
             </a:fld>
             <a:endParaRPr lang="en-US"/>
           </a:p>
@@ -3233,10 +3585,9 @@
           <a:bodyPr/>
           <a:lstStyle/>
           <a:p>
-            <a:fld id="{1D8BD707-D9CF-40AE-B4C6-C98DA3205C09}" type="datetimeFigureOut">
+            <a:fld id="{0BDD761D-7020-4AAE-8B64-152DBC9C93BE}" type="datetime1">
               <a:rPr lang="en-US" smtClean="0"/>
-              <a:pPr/>
-              <a:t>3/9/2016</a:t>
+              <a:t>2016-03-10</a:t>
             </a:fld>
             <a:endParaRPr lang="en-US"/>
           </a:p>
@@ -3348,10 +3699,9 @@
           <a:bodyPr/>
           <a:lstStyle/>
           <a:p>
-            <a:fld id="{1D8BD707-D9CF-40AE-B4C6-C98DA3205C09}" type="datetimeFigureOut">
+            <a:fld id="{4987D981-F2D5-44F7-98DC-DF639ED871FA}" type="datetime1">
               <a:rPr lang="en-US" smtClean="0"/>
-              <a:pPr/>
-              <a:t>3/9/2016</a:t>
+              <a:t>2016-03-10</a:t>
             </a:fld>
             <a:endParaRPr lang="en-US"/>
           </a:p>
@@ -3440,10 +3790,9 @@
           <a:bodyPr/>
           <a:lstStyle/>
           <a:p>
-            <a:fld id="{1D8BD707-D9CF-40AE-B4C6-C98DA3205C09}" type="datetimeFigureOut">
+            <a:fld id="{3BD93421-125F-4A6C-BC22-CA2B876A1FAC}" type="datetime1">
               <a:rPr lang="en-US" smtClean="0"/>
-              <a:pPr/>
-              <a:t>3/9/2016</a:t>
+              <a:t>2016-03-10</a:t>
             </a:fld>
             <a:endParaRPr lang="en-US"/>
           </a:p>
@@ -3714,10 +4063,9 @@
           <a:bodyPr/>
           <a:lstStyle/>
           <a:p>
-            <a:fld id="{1D8BD707-D9CF-40AE-B4C6-C98DA3205C09}" type="datetimeFigureOut">
+            <a:fld id="{80AA4F1D-F4E2-4ABE-ABA7-35BE1D5EC640}" type="datetime1">
               <a:rPr lang="en-US" smtClean="0"/>
-              <a:pPr/>
-              <a:t>3/9/2016</a:t>
+              <a:t>2016-03-10</a:t>
             </a:fld>
             <a:endParaRPr lang="en-US"/>
           </a:p>
@@ -3964,10 +4312,9 @@
           <a:bodyPr/>
           <a:lstStyle/>
           <a:p>
-            <a:fld id="{1D8BD707-D9CF-40AE-B4C6-C98DA3205C09}" type="datetimeFigureOut">
+            <a:fld id="{AC8A1CDD-4354-4A92-8CA2-278916CA07C6}" type="datetime1">
               <a:rPr lang="en-US" smtClean="0"/>
-              <a:pPr/>
-              <a:t>3/9/2016</a:t>
+              <a:t>2016-03-10</a:t>
             </a:fld>
             <a:endParaRPr lang="en-US"/>
           </a:p>
@@ -4174,10 +4521,9 @@
             </a:lvl1pPr>
           </a:lstStyle>
           <a:p>
-            <a:fld id="{1D8BD707-D9CF-40AE-B4C6-C98DA3205C09}" type="datetimeFigureOut">
+            <a:fld id="{C014BD03-61DF-432B-87C2-58141CC73625}" type="datetime1">
               <a:rPr lang="en-US" smtClean="0"/>
-              <a:pPr/>
-              <a:t>3/9/2016</a:t>
+              <a:t>2016-03-10</a:t>
             </a:fld>
             <a:endParaRPr lang="en-US"/>
           </a:p>
@@ -4278,6 +4624,7 @@
     <p:sldLayoutId id="2147483658" r:id="rId10"/>
     <p:sldLayoutId id="2147483659" r:id="rId11"/>
   </p:sldLayoutIdLst>
+  <p:hf hdr="0" ftr="0" dt="0"/>
   <p:txStyles>
     <p:titleStyle>
       <a:lvl1pPr algn="ctr" defTabSz="914400" rtl="0" eaLnBrk="1" latinLnBrk="0" hangingPunct="1">
@@ -4613,6 +4960,30 @@
           </a:p>
         </p:txBody>
       </p:sp>
+      <p:sp>
+        <p:nvSpPr>
+          <p:cNvPr id="4" name="Slide Number Placeholder 3"/>
+          <p:cNvSpPr>
+            <a:spLocks noGrp="1"/>
+          </p:cNvSpPr>
+          <p:nvPr>
+            <p:ph type="sldNum" sz="quarter" idx="12"/>
+          </p:nvPr>
+        </p:nvSpPr>
+        <p:spPr/>
+        <p:txBody>
+          <a:bodyPr/>
+          <a:lstStyle/>
+          <a:p>
+            <a:fld id="{B6F15528-21DE-4FAA-801E-634DDDAF4B2B}" type="slidenum">
+              <a:rPr lang="en-US" smtClean="0"/>
+              <a:pPr/>
+              <a:t>1</a:t>
+            </a:fld>
+            <a:endParaRPr lang="en-US"/>
+          </a:p>
+        </p:txBody>
+      </p:sp>
     </p:spTree>
     <p:extLst>
       <p:ext uri="{BB962C8B-B14F-4D97-AF65-F5344CB8AC3E}">
@@ -4634,6 +5005,635 @@
 </file>
 
 <file path=ppt/slides/slide10.xml><?xml version="1.0" encoding="utf-8"?>
+<p:sld xmlns:a="http://schemas.openxmlformats.org/drawingml/2006/main" xmlns:r="http://schemas.openxmlformats.org/officeDocument/2006/relationships" xmlns:p="http://schemas.openxmlformats.org/presentationml/2006/main">
+  <p:cSld>
+    <p:spTree>
+      <p:nvGrpSpPr>
+        <p:cNvPr id="1" name=""/>
+        <p:cNvGrpSpPr/>
+        <p:nvPr/>
+      </p:nvGrpSpPr>
+      <p:grpSpPr>
+        <a:xfrm>
+          <a:off x="0" y="0"/>
+          <a:ext cx="0" cy="0"/>
+          <a:chOff x="0" y="0"/>
+          <a:chExt cx="0" cy="0"/>
+        </a:xfrm>
+      </p:grpSpPr>
+      <p:sp>
+        <p:nvSpPr>
+          <p:cNvPr id="2" name="Title 1"/>
+          <p:cNvSpPr>
+            <a:spLocks noGrp="1"/>
+          </p:cNvSpPr>
+          <p:nvPr>
+            <p:ph type="title"/>
+          </p:nvPr>
+        </p:nvSpPr>
+        <p:spPr/>
+        <p:txBody>
+          <a:bodyPr/>
+          <a:lstStyle/>
+          <a:p>
+            <a:r>
+              <a:rPr lang="en-US" dirty="0" smtClean="0"/>
+              <a:t>Count a chunk</a:t>
+            </a:r>
+            <a:endParaRPr lang="nl-BE" dirty="0"/>
+          </a:p>
+        </p:txBody>
+      </p:sp>
+      <p:sp>
+        <p:nvSpPr>
+          <p:cNvPr id="3" name="Content Placeholder 2"/>
+          <p:cNvSpPr>
+            <a:spLocks noGrp="1"/>
+          </p:cNvSpPr>
+          <p:nvPr>
+            <p:ph idx="1"/>
+          </p:nvPr>
+        </p:nvSpPr>
+        <p:spPr/>
+        <p:txBody>
+          <a:bodyPr/>
+          <a:lstStyle/>
+          <a:p>
+            <a:r>
+              <a:rPr lang="en-US" dirty="0" smtClean="0"/>
+              <a:t>Given: file name, start position, chunk size</a:t>
+            </a:r>
+          </a:p>
+          <a:p>
+            <a:r>
+              <a:rPr lang="en-US" dirty="0" smtClean="0"/>
+              <a:t>Return: </a:t>
+            </a:r>
+            <a:r>
+              <a:rPr lang="en-US" dirty="0" err="1" smtClean="0">
+                <a:latin typeface="Courier New" panose="02070309020205020404" pitchFamily="49" charset="0"/>
+                <a:cs typeface="Courier New" panose="02070309020205020404" pitchFamily="49" charset="0"/>
+              </a:rPr>
+              <a:t>dict</a:t>
+            </a:r>
+            <a:r>
+              <a:rPr lang="en-US" dirty="0" smtClean="0"/>
+              <a:t> of counts</a:t>
+            </a:r>
+            <a:endParaRPr lang="nl-BE" dirty="0"/>
+          </a:p>
+        </p:txBody>
+      </p:sp>
+      <p:sp>
+        <p:nvSpPr>
+          <p:cNvPr id="4" name="TextBox 3"/>
+          <p:cNvSpPr txBox="1"/>
+          <p:nvPr/>
+        </p:nvSpPr>
+        <p:spPr>
+          <a:xfrm>
+            <a:off x="1143000" y="3005078"/>
+            <a:ext cx="6526146" cy="2862322"/>
+          </a:xfrm>
+          <a:prstGeom prst="rect">
+            <a:avLst/>
+          </a:prstGeom>
+          <a:solidFill>
+            <a:schemeClr val="bg1">
+              <a:lumMod val="85000"/>
+            </a:schemeClr>
+          </a:solidFill>
+        </p:spPr>
+        <p:txBody>
+          <a:bodyPr wrap="none" rtlCol="0">
+            <a:spAutoFit/>
+          </a:bodyPr>
+          <a:lstStyle/>
+          <a:p>
+            <a:r>
+              <a:rPr lang="nl-BE" dirty="0" err="1" smtClean="0">
+                <a:latin typeface="Courier New" panose="02070309020205020404" pitchFamily="49" charset="0"/>
+                <a:cs typeface="Courier New" panose="02070309020205020404" pitchFamily="49" charset="0"/>
+              </a:rPr>
+              <a:t>def</a:t>
+            </a:r>
+            <a:r>
+              <a:rPr lang="nl-BE" dirty="0" smtClean="0">
+                <a:latin typeface="Courier New" panose="02070309020205020404" pitchFamily="49" charset="0"/>
+                <a:cs typeface="Courier New" panose="02070309020205020404" pitchFamily="49" charset="0"/>
+              </a:rPr>
+              <a:t> </a:t>
+            </a:r>
+            <a:r>
+              <a:rPr lang="nl-BE" dirty="0" err="1">
+                <a:latin typeface="Courier New" panose="02070309020205020404" pitchFamily="49" charset="0"/>
+                <a:cs typeface="Courier New" panose="02070309020205020404" pitchFamily="49" charset="0"/>
+              </a:rPr>
+              <a:t>count_chunk</a:t>
+            </a:r>
+            <a:r>
+              <a:rPr lang="nl-BE" dirty="0">
+                <a:latin typeface="Courier New" panose="02070309020205020404" pitchFamily="49" charset="0"/>
+                <a:cs typeface="Courier New" panose="02070309020205020404" pitchFamily="49" charset="0"/>
+              </a:rPr>
+              <a:t>(</a:t>
+            </a:r>
+            <a:r>
+              <a:rPr lang="nl-BE" dirty="0" err="1">
+                <a:latin typeface="Courier New" panose="02070309020205020404" pitchFamily="49" charset="0"/>
+                <a:cs typeface="Courier New" panose="02070309020205020404" pitchFamily="49" charset="0"/>
+              </a:rPr>
+              <a:t>args</a:t>
+            </a:r>
+            <a:r>
+              <a:rPr lang="nl-BE" dirty="0">
+                <a:latin typeface="Courier New" panose="02070309020205020404" pitchFamily="49" charset="0"/>
+                <a:cs typeface="Courier New" panose="02070309020205020404" pitchFamily="49" charset="0"/>
+              </a:rPr>
+              <a:t>):</a:t>
+            </a:r>
+          </a:p>
+          <a:p>
+            <a:r>
+              <a:rPr lang="nl-BE" dirty="0">
+                <a:latin typeface="Courier New" panose="02070309020205020404" pitchFamily="49" charset="0"/>
+                <a:cs typeface="Courier New" panose="02070309020205020404" pitchFamily="49" charset="0"/>
+              </a:rPr>
+              <a:t>    </a:t>
+            </a:r>
+            <a:r>
+              <a:rPr lang="nl-BE" dirty="0" err="1">
+                <a:latin typeface="Courier New" panose="02070309020205020404" pitchFamily="49" charset="0"/>
+                <a:cs typeface="Courier New" panose="02070309020205020404" pitchFamily="49" charset="0"/>
+              </a:rPr>
+              <a:t>file_name</a:t>
+            </a:r>
+            <a:r>
+              <a:rPr lang="nl-BE" dirty="0">
+                <a:latin typeface="Courier New" panose="02070309020205020404" pitchFamily="49" charset="0"/>
+                <a:cs typeface="Courier New" panose="02070309020205020404" pitchFamily="49" charset="0"/>
+              </a:rPr>
+              <a:t>, </a:t>
+            </a:r>
+            <a:r>
+              <a:rPr lang="nl-BE" dirty="0" err="1">
+                <a:latin typeface="Courier New" panose="02070309020205020404" pitchFamily="49" charset="0"/>
+                <a:cs typeface="Courier New" panose="02070309020205020404" pitchFamily="49" charset="0"/>
+              </a:rPr>
+              <a:t>file_pos</a:t>
+            </a:r>
+            <a:r>
+              <a:rPr lang="nl-BE" dirty="0">
+                <a:latin typeface="Courier New" panose="02070309020205020404" pitchFamily="49" charset="0"/>
+                <a:cs typeface="Courier New" panose="02070309020205020404" pitchFamily="49" charset="0"/>
+              </a:rPr>
+              <a:t>, </a:t>
+            </a:r>
+            <a:r>
+              <a:rPr lang="nl-BE" dirty="0" err="1">
+                <a:latin typeface="Courier New" panose="02070309020205020404" pitchFamily="49" charset="0"/>
+                <a:cs typeface="Courier New" panose="02070309020205020404" pitchFamily="49" charset="0"/>
+              </a:rPr>
+              <a:t>chunk_size</a:t>
+            </a:r>
+            <a:r>
+              <a:rPr lang="nl-BE" dirty="0">
+                <a:latin typeface="Courier New" panose="02070309020205020404" pitchFamily="49" charset="0"/>
+                <a:cs typeface="Courier New" panose="02070309020205020404" pitchFamily="49" charset="0"/>
+              </a:rPr>
+              <a:t> = </a:t>
+            </a:r>
+            <a:r>
+              <a:rPr lang="nl-BE" dirty="0" err="1">
+                <a:latin typeface="Courier New" panose="02070309020205020404" pitchFamily="49" charset="0"/>
+                <a:cs typeface="Courier New" panose="02070309020205020404" pitchFamily="49" charset="0"/>
+              </a:rPr>
+              <a:t>args</a:t>
+            </a:r>
+            <a:endParaRPr lang="nl-BE" dirty="0">
+              <a:latin typeface="Courier New" panose="02070309020205020404" pitchFamily="49" charset="0"/>
+              <a:cs typeface="Courier New" panose="02070309020205020404" pitchFamily="49" charset="0"/>
+            </a:endParaRPr>
+          </a:p>
+          <a:p>
+            <a:r>
+              <a:rPr lang="nl-BE" dirty="0">
+                <a:latin typeface="Courier New" panose="02070309020205020404" pitchFamily="49" charset="0"/>
+                <a:cs typeface="Courier New" panose="02070309020205020404" pitchFamily="49" charset="0"/>
+              </a:rPr>
+              <a:t>    counter = {'A': 0, 'C': 0, 'G': 0, </a:t>
+            </a:r>
+            <a:r>
+              <a:rPr lang="nl-BE" dirty="0" err="1">
+                <a:latin typeface="Courier New" panose="02070309020205020404" pitchFamily="49" charset="0"/>
+                <a:cs typeface="Courier New" panose="02070309020205020404" pitchFamily="49" charset="0"/>
+              </a:rPr>
+              <a:t>'T</a:t>
+            </a:r>
+            <a:r>
+              <a:rPr lang="nl-BE" dirty="0">
+                <a:latin typeface="Courier New" panose="02070309020205020404" pitchFamily="49" charset="0"/>
+                <a:cs typeface="Courier New" panose="02070309020205020404" pitchFamily="49" charset="0"/>
+              </a:rPr>
+              <a:t>': 0}</a:t>
+            </a:r>
+          </a:p>
+          <a:p>
+            <a:r>
+              <a:rPr lang="nl-BE" dirty="0">
+                <a:latin typeface="Courier New" panose="02070309020205020404" pitchFamily="49" charset="0"/>
+                <a:cs typeface="Courier New" panose="02070309020205020404" pitchFamily="49" charset="0"/>
+              </a:rPr>
+              <a:t>    </a:t>
+            </a:r>
+            <a:r>
+              <a:rPr lang="nl-BE" dirty="0" err="1">
+                <a:latin typeface="Courier New" panose="02070309020205020404" pitchFamily="49" charset="0"/>
+                <a:cs typeface="Courier New" panose="02070309020205020404" pitchFamily="49" charset="0"/>
+              </a:rPr>
+              <a:t>with</a:t>
+            </a:r>
+            <a:r>
+              <a:rPr lang="nl-BE" dirty="0">
+                <a:latin typeface="Courier New" panose="02070309020205020404" pitchFamily="49" charset="0"/>
+                <a:cs typeface="Courier New" panose="02070309020205020404" pitchFamily="49" charset="0"/>
+              </a:rPr>
+              <a:t> open(</a:t>
+            </a:r>
+            <a:r>
+              <a:rPr lang="nl-BE" dirty="0" err="1">
+                <a:latin typeface="Courier New" panose="02070309020205020404" pitchFamily="49" charset="0"/>
+                <a:cs typeface="Courier New" panose="02070309020205020404" pitchFamily="49" charset="0"/>
+              </a:rPr>
+              <a:t>file_name</a:t>
+            </a:r>
+            <a:r>
+              <a:rPr lang="nl-BE" dirty="0">
+                <a:latin typeface="Courier New" panose="02070309020205020404" pitchFamily="49" charset="0"/>
+                <a:cs typeface="Courier New" panose="02070309020205020404" pitchFamily="49" charset="0"/>
+              </a:rPr>
+              <a:t>, 'r') as file:</a:t>
+            </a:r>
+          </a:p>
+          <a:p>
+            <a:r>
+              <a:rPr lang="nl-BE" dirty="0">
+                <a:latin typeface="Courier New" panose="02070309020205020404" pitchFamily="49" charset="0"/>
+                <a:cs typeface="Courier New" panose="02070309020205020404" pitchFamily="49" charset="0"/>
+              </a:rPr>
+              <a:t>        </a:t>
+            </a:r>
+            <a:r>
+              <a:rPr lang="nl-BE" dirty="0" err="1">
+                <a:latin typeface="Courier New" panose="02070309020205020404" pitchFamily="49" charset="0"/>
+                <a:cs typeface="Courier New" panose="02070309020205020404" pitchFamily="49" charset="0"/>
+              </a:rPr>
+              <a:t>file.seek</a:t>
+            </a:r>
+            <a:r>
+              <a:rPr lang="nl-BE" dirty="0">
+                <a:latin typeface="Courier New" panose="02070309020205020404" pitchFamily="49" charset="0"/>
+                <a:cs typeface="Courier New" panose="02070309020205020404" pitchFamily="49" charset="0"/>
+              </a:rPr>
+              <a:t>(</a:t>
+            </a:r>
+            <a:r>
+              <a:rPr lang="nl-BE" dirty="0" err="1">
+                <a:latin typeface="Courier New" panose="02070309020205020404" pitchFamily="49" charset="0"/>
+                <a:cs typeface="Courier New" panose="02070309020205020404" pitchFamily="49" charset="0"/>
+              </a:rPr>
+              <a:t>file_pos</a:t>
+            </a:r>
+            <a:r>
+              <a:rPr lang="nl-BE" dirty="0">
+                <a:latin typeface="Courier New" panose="02070309020205020404" pitchFamily="49" charset="0"/>
+                <a:cs typeface="Courier New" panose="02070309020205020404" pitchFamily="49" charset="0"/>
+              </a:rPr>
+              <a:t>)</a:t>
+            </a:r>
+          </a:p>
+          <a:p>
+            <a:r>
+              <a:rPr lang="nl-BE" dirty="0">
+                <a:latin typeface="Courier New" panose="02070309020205020404" pitchFamily="49" charset="0"/>
+                <a:cs typeface="Courier New" panose="02070309020205020404" pitchFamily="49" charset="0"/>
+              </a:rPr>
+              <a:t>        </a:t>
+            </a:r>
+            <a:r>
+              <a:rPr lang="nl-BE" dirty="0" err="1">
+                <a:latin typeface="Courier New" panose="02070309020205020404" pitchFamily="49" charset="0"/>
+                <a:cs typeface="Courier New" panose="02070309020205020404" pitchFamily="49" charset="0"/>
+              </a:rPr>
+              <a:t>dna</a:t>
+            </a:r>
+            <a:r>
+              <a:rPr lang="nl-BE" dirty="0">
+                <a:latin typeface="Courier New" panose="02070309020205020404" pitchFamily="49" charset="0"/>
+                <a:cs typeface="Courier New" panose="02070309020205020404" pitchFamily="49" charset="0"/>
+              </a:rPr>
+              <a:t> = </a:t>
+            </a:r>
+            <a:r>
+              <a:rPr lang="nl-BE" dirty="0" err="1">
+                <a:latin typeface="Courier New" panose="02070309020205020404" pitchFamily="49" charset="0"/>
+                <a:cs typeface="Courier New" panose="02070309020205020404" pitchFamily="49" charset="0"/>
+              </a:rPr>
+              <a:t>file.read</a:t>
+            </a:r>
+            <a:r>
+              <a:rPr lang="nl-BE" dirty="0">
+                <a:latin typeface="Courier New" panose="02070309020205020404" pitchFamily="49" charset="0"/>
+                <a:cs typeface="Courier New" panose="02070309020205020404" pitchFamily="49" charset="0"/>
+              </a:rPr>
+              <a:t>(</a:t>
+            </a:r>
+            <a:r>
+              <a:rPr lang="nl-BE" dirty="0" err="1">
+                <a:latin typeface="Courier New" panose="02070309020205020404" pitchFamily="49" charset="0"/>
+                <a:cs typeface="Courier New" panose="02070309020205020404" pitchFamily="49" charset="0"/>
+              </a:rPr>
+              <a:t>chunk_size</a:t>
+            </a:r>
+            <a:r>
+              <a:rPr lang="nl-BE" dirty="0">
+                <a:latin typeface="Courier New" panose="02070309020205020404" pitchFamily="49" charset="0"/>
+                <a:cs typeface="Courier New" panose="02070309020205020404" pitchFamily="49" charset="0"/>
+              </a:rPr>
+              <a:t>)</a:t>
+            </a:r>
+          </a:p>
+          <a:p>
+            <a:r>
+              <a:rPr lang="nl-BE" dirty="0">
+                <a:latin typeface="Courier New" panose="02070309020205020404" pitchFamily="49" charset="0"/>
+                <a:cs typeface="Courier New" panose="02070309020205020404" pitchFamily="49" charset="0"/>
+              </a:rPr>
+              <a:t>        </a:t>
+            </a:r>
+            <a:r>
+              <a:rPr lang="nl-BE" dirty="0" err="1">
+                <a:latin typeface="Courier New" panose="02070309020205020404" pitchFamily="49" charset="0"/>
+                <a:cs typeface="Courier New" panose="02070309020205020404" pitchFamily="49" charset="0"/>
+              </a:rPr>
+              <a:t>for</a:t>
+            </a:r>
+            <a:r>
+              <a:rPr lang="nl-BE" dirty="0">
+                <a:latin typeface="Courier New" panose="02070309020205020404" pitchFamily="49" charset="0"/>
+                <a:cs typeface="Courier New" panose="02070309020205020404" pitchFamily="49" charset="0"/>
+              </a:rPr>
+              <a:t> </a:t>
+            </a:r>
+            <a:r>
+              <a:rPr lang="nl-BE" dirty="0" err="1">
+                <a:latin typeface="Courier New" panose="02070309020205020404" pitchFamily="49" charset="0"/>
+                <a:cs typeface="Courier New" panose="02070309020205020404" pitchFamily="49" charset="0"/>
+              </a:rPr>
+              <a:t>char</a:t>
+            </a:r>
+            <a:r>
+              <a:rPr lang="nl-BE" dirty="0">
+                <a:latin typeface="Courier New" panose="02070309020205020404" pitchFamily="49" charset="0"/>
+                <a:cs typeface="Courier New" panose="02070309020205020404" pitchFamily="49" charset="0"/>
+              </a:rPr>
+              <a:t> in </a:t>
+            </a:r>
+            <a:r>
+              <a:rPr lang="nl-BE" dirty="0" err="1">
+                <a:latin typeface="Courier New" panose="02070309020205020404" pitchFamily="49" charset="0"/>
+                <a:cs typeface="Courier New" panose="02070309020205020404" pitchFamily="49" charset="0"/>
+              </a:rPr>
+              <a:t>dna</a:t>
+            </a:r>
+            <a:r>
+              <a:rPr lang="nl-BE" dirty="0">
+                <a:latin typeface="Courier New" panose="02070309020205020404" pitchFamily="49" charset="0"/>
+                <a:cs typeface="Courier New" panose="02070309020205020404" pitchFamily="49" charset="0"/>
+              </a:rPr>
+              <a:t>:</a:t>
+            </a:r>
+          </a:p>
+          <a:p>
+            <a:r>
+              <a:rPr lang="nl-BE" dirty="0">
+                <a:latin typeface="Courier New" panose="02070309020205020404" pitchFamily="49" charset="0"/>
+                <a:cs typeface="Courier New" panose="02070309020205020404" pitchFamily="49" charset="0"/>
+              </a:rPr>
+              <a:t>            </a:t>
+            </a:r>
+            <a:r>
+              <a:rPr lang="nl-BE" dirty="0" err="1">
+                <a:latin typeface="Courier New" panose="02070309020205020404" pitchFamily="49" charset="0"/>
+                <a:cs typeface="Courier New" panose="02070309020205020404" pitchFamily="49" charset="0"/>
+              </a:rPr>
+              <a:t>if</a:t>
+            </a:r>
+            <a:r>
+              <a:rPr lang="nl-BE" dirty="0">
+                <a:latin typeface="Courier New" panose="02070309020205020404" pitchFamily="49" charset="0"/>
+                <a:cs typeface="Courier New" panose="02070309020205020404" pitchFamily="49" charset="0"/>
+              </a:rPr>
+              <a:t> </a:t>
+            </a:r>
+            <a:r>
+              <a:rPr lang="nl-BE" dirty="0" err="1">
+                <a:latin typeface="Courier New" panose="02070309020205020404" pitchFamily="49" charset="0"/>
+                <a:cs typeface="Courier New" panose="02070309020205020404" pitchFamily="49" charset="0"/>
+              </a:rPr>
+              <a:t>char</a:t>
+            </a:r>
+            <a:r>
+              <a:rPr lang="nl-BE" dirty="0">
+                <a:latin typeface="Courier New" panose="02070309020205020404" pitchFamily="49" charset="0"/>
+                <a:cs typeface="Courier New" panose="02070309020205020404" pitchFamily="49" charset="0"/>
+              </a:rPr>
+              <a:t> in counter:</a:t>
+            </a:r>
+          </a:p>
+          <a:p>
+            <a:r>
+              <a:rPr lang="nl-BE" dirty="0">
+                <a:latin typeface="Courier New" panose="02070309020205020404" pitchFamily="49" charset="0"/>
+                <a:cs typeface="Courier New" panose="02070309020205020404" pitchFamily="49" charset="0"/>
+              </a:rPr>
+              <a:t>                counter[</a:t>
+            </a:r>
+            <a:r>
+              <a:rPr lang="nl-BE" dirty="0" err="1">
+                <a:latin typeface="Courier New" panose="02070309020205020404" pitchFamily="49" charset="0"/>
+                <a:cs typeface="Courier New" panose="02070309020205020404" pitchFamily="49" charset="0"/>
+              </a:rPr>
+              <a:t>char</a:t>
+            </a:r>
+            <a:r>
+              <a:rPr lang="nl-BE" dirty="0">
+                <a:latin typeface="Courier New" panose="02070309020205020404" pitchFamily="49" charset="0"/>
+                <a:cs typeface="Courier New" panose="02070309020205020404" pitchFamily="49" charset="0"/>
+              </a:rPr>
+              <a:t>] += 1</a:t>
+            </a:r>
+          </a:p>
+          <a:p>
+            <a:r>
+              <a:rPr lang="nl-BE" dirty="0">
+                <a:latin typeface="Courier New" panose="02070309020205020404" pitchFamily="49" charset="0"/>
+                <a:cs typeface="Courier New" panose="02070309020205020404" pitchFamily="49" charset="0"/>
+              </a:rPr>
+              <a:t>    return </a:t>
+            </a:r>
+            <a:r>
+              <a:rPr lang="nl-BE" dirty="0" smtClean="0">
+                <a:latin typeface="Courier New" panose="02070309020205020404" pitchFamily="49" charset="0"/>
+                <a:cs typeface="Courier New" panose="02070309020205020404" pitchFamily="49" charset="0"/>
+              </a:rPr>
+              <a:t>counter</a:t>
+            </a:r>
+            <a:endParaRPr lang="nl-BE" dirty="0">
+              <a:latin typeface="Courier New" panose="02070309020205020404" pitchFamily="49" charset="0"/>
+              <a:cs typeface="Courier New" panose="02070309020205020404" pitchFamily="49" charset="0"/>
+            </a:endParaRPr>
+          </a:p>
+        </p:txBody>
+      </p:sp>
+      <p:grpSp>
+        <p:nvGrpSpPr>
+          <p:cNvPr id="8" name="Group 7"/>
+          <p:cNvGrpSpPr/>
+          <p:nvPr/>
+        </p:nvGrpSpPr>
+        <p:grpSpPr>
+          <a:xfrm>
+            <a:off x="4038600" y="2362200"/>
+            <a:ext cx="3198600" cy="642878"/>
+            <a:chOff x="4038600" y="2362200"/>
+            <a:chExt cx="3198600" cy="642878"/>
+          </a:xfrm>
+        </p:grpSpPr>
+        <p:sp>
+          <p:nvSpPr>
+            <p:cNvPr id="5" name="TextBox 4"/>
+            <p:cNvSpPr txBox="1"/>
+            <p:nvPr/>
+          </p:nvSpPr>
+          <p:spPr>
+            <a:xfrm>
+              <a:off x="5486400" y="2362200"/>
+              <a:ext cx="1750800" cy="369332"/>
+            </a:xfrm>
+            <a:prstGeom prst="rect">
+              <a:avLst/>
+            </a:prstGeom>
+            <a:noFill/>
+            <a:ln>
+              <a:solidFill>
+                <a:schemeClr val="tx1"/>
+              </a:solidFill>
+            </a:ln>
+          </p:spPr>
+          <p:txBody>
+            <a:bodyPr wrap="none" rtlCol="0">
+              <a:spAutoFit/>
+            </a:bodyPr>
+            <a:lstStyle/>
+            <a:p>
+              <a:r>
+                <a:rPr lang="en-US" dirty="0" smtClean="0">
+                  <a:latin typeface="Courier New" panose="02070309020205020404" pitchFamily="49" charset="0"/>
+                  <a:cs typeface="Courier New" panose="02070309020205020404" pitchFamily="49" charset="0"/>
+                </a:rPr>
+                <a:t>tuple</a:t>
+              </a:r>
+              <a:r>
+                <a:rPr lang="en-US" dirty="0" smtClean="0"/>
+                <a:t> as input!</a:t>
+              </a:r>
+              <a:endParaRPr lang="nl-BE" dirty="0"/>
+            </a:p>
+          </p:txBody>
+        </p:sp>
+        <p:cxnSp>
+          <p:nvCxnSpPr>
+            <p:cNvPr id="7" name="Straight Arrow Connector 6"/>
+            <p:cNvCxnSpPr/>
+            <p:nvPr/>
+          </p:nvCxnSpPr>
+          <p:spPr>
+            <a:xfrm flipH="1">
+              <a:off x="4038600" y="2590800"/>
+              <a:ext cx="1447800" cy="414278"/>
+            </a:xfrm>
+            <a:prstGeom prst="straightConnector1">
+              <a:avLst/>
+            </a:prstGeom>
+            <a:ln w="12700">
+              <a:solidFill>
+                <a:schemeClr val="tx1"/>
+              </a:solidFill>
+              <a:tailEnd type="stealth" w="lg" len="lg"/>
+            </a:ln>
+          </p:spPr>
+          <p:style>
+            <a:lnRef idx="1">
+              <a:schemeClr val="accent1"/>
+            </a:lnRef>
+            <a:fillRef idx="0">
+              <a:schemeClr val="accent1"/>
+            </a:fillRef>
+            <a:effectRef idx="0">
+              <a:schemeClr val="accent1"/>
+            </a:effectRef>
+            <a:fontRef idx="minor">
+              <a:schemeClr val="tx1"/>
+            </a:fontRef>
+          </p:style>
+        </p:cxnSp>
+      </p:grpSp>
+      <p:sp>
+        <p:nvSpPr>
+          <p:cNvPr id="6" name="Slide Number Placeholder 5"/>
+          <p:cNvSpPr>
+            <a:spLocks noGrp="1"/>
+          </p:cNvSpPr>
+          <p:nvPr>
+            <p:ph type="sldNum" sz="quarter" idx="12"/>
+          </p:nvPr>
+        </p:nvSpPr>
+        <p:spPr/>
+        <p:txBody>
+          <a:bodyPr/>
+          <a:lstStyle/>
+          <a:p>
+            <a:fld id="{B6F15528-21DE-4FAA-801E-634DDDAF4B2B}" type="slidenum">
+              <a:rPr lang="en-US" smtClean="0"/>
+              <a:pPr/>
+              <a:t>10</a:t>
+            </a:fld>
+            <a:endParaRPr lang="en-US"/>
+          </a:p>
+        </p:txBody>
+      </p:sp>
+    </p:spTree>
+    <p:extLst>
+      <p:ext uri="{BB962C8B-B14F-4D97-AF65-F5344CB8AC3E}">
+        <p14:creationId xmlns:p14="http://schemas.microsoft.com/office/powerpoint/2010/main" val="2452726112"/>
+      </p:ext>
+    </p:extLst>
+  </p:cSld>
+  <p:clrMapOvr>
+    <a:masterClrMapping/>
+  </p:clrMapOvr>
+  <p:timing>
+    <p:tnLst>
+      <p:par>
+        <p:cTn id="1" dur="indefinite" restart="never" nodeType="tmRoot"/>
+      </p:par>
+    </p:tnLst>
+  </p:timing>
+</p:sld>
+</file>
+
+<file path=ppt/slides/slide11.xml><?xml version="1.0" encoding="utf-8"?>
 <p:sld xmlns:a="http://schemas.openxmlformats.org/drawingml/2006/main" xmlns:r="http://schemas.openxmlformats.org/officeDocument/2006/relationships" xmlns:p="http://schemas.openxmlformats.org/presentationml/2006/main">
   <p:cSld>
     <p:spTree>
@@ -5877,6 +6877,30 @@
           </p:style>
         </p:cxnSp>
       </p:grpSp>
+      <p:sp>
+        <p:nvSpPr>
+          <p:cNvPr id="3" name="Slide Number Placeholder 2"/>
+          <p:cNvSpPr>
+            <a:spLocks noGrp="1"/>
+          </p:cNvSpPr>
+          <p:nvPr>
+            <p:ph type="sldNum" sz="quarter" idx="12"/>
+          </p:nvPr>
+        </p:nvSpPr>
+        <p:spPr/>
+        <p:txBody>
+          <a:bodyPr/>
+          <a:lstStyle/>
+          <a:p>
+            <a:fld id="{B6F15528-21DE-4FAA-801E-634DDDAF4B2B}" type="slidenum">
+              <a:rPr lang="en-US" smtClean="0"/>
+              <a:pPr/>
+              <a:t>11</a:t>
+            </a:fld>
+            <a:endParaRPr lang="en-US"/>
+          </a:p>
+        </p:txBody>
+      </p:sp>
     </p:spTree>
     <p:extLst>
       <p:ext uri="{BB962C8B-B14F-4D97-AF65-F5344CB8AC3E}">
@@ -6145,7 +7169,7 @@
 </p:sld>
 </file>
 
-<file path=ppt/slides/slide11.xml><?xml version="1.0" encoding="utf-8"?>
+<file path=ppt/slides/slide12.xml><?xml version="1.0" encoding="utf-8"?>
 <p:sld xmlns:a="http://schemas.openxmlformats.org/drawingml/2006/main" xmlns:r="http://schemas.openxmlformats.org/officeDocument/2006/relationships" xmlns:p="http://schemas.openxmlformats.org/presentationml/2006/main">
   <p:cSld>
     <p:spTree>
@@ -6509,6 +7533,30 @@
           </p:style>
         </p:cxnSp>
       </p:grpSp>
+      <p:sp>
+        <p:nvSpPr>
+          <p:cNvPr id="7" name="Slide Number Placeholder 6"/>
+          <p:cNvSpPr>
+            <a:spLocks noGrp="1"/>
+          </p:cNvSpPr>
+          <p:nvPr>
+            <p:ph type="sldNum" sz="quarter" idx="12"/>
+          </p:nvPr>
+        </p:nvSpPr>
+        <p:spPr/>
+        <p:txBody>
+          <a:bodyPr/>
+          <a:lstStyle/>
+          <a:p>
+            <a:fld id="{B6F15528-21DE-4FAA-801E-634DDDAF4B2B}" type="slidenum">
+              <a:rPr lang="en-US" smtClean="0"/>
+              <a:pPr/>
+              <a:t>12</a:t>
+            </a:fld>
+            <a:endParaRPr lang="en-US"/>
+          </a:p>
+        </p:txBody>
+      </p:sp>
     </p:spTree>
     <p:extLst>
       <p:ext uri="{BB962C8B-B14F-4D97-AF65-F5344CB8AC3E}">
@@ -6597,7 +7645,7 @@
 </p:sld>
 </file>
 
-<file path=ppt/slides/slide12.xml><?xml version="1.0" encoding="utf-8"?>
+<file path=ppt/slides/slide13.xml><?xml version="1.0" encoding="utf-8"?>
 <p:sld xmlns:a="http://schemas.openxmlformats.org/drawingml/2006/main" xmlns:r="http://schemas.openxmlformats.org/officeDocument/2006/relationships" xmlns:p="http://schemas.openxmlformats.org/presentationml/2006/main">
   <p:cSld>
     <p:spTree>
@@ -6797,51 +7845,14 @@
           </a:p>
         </p:txBody>
       </p:sp>
-    </p:spTree>
-    <p:extLst>
-      <p:ext uri="{BB962C8B-B14F-4D97-AF65-F5344CB8AC3E}">
-        <p14:creationId xmlns:p14="http://schemas.microsoft.com/office/powerpoint/2010/main" val="2859830712"/>
-      </p:ext>
-    </p:extLst>
-  </p:cSld>
-  <p:clrMapOvr>
-    <a:masterClrMapping/>
-  </p:clrMapOvr>
-  <p:timing>
-    <p:tnLst>
-      <p:par>
-        <p:cTn id="1" dur="indefinite" restart="never" nodeType="tmRoot"/>
-      </p:par>
-    </p:tnLst>
-  </p:timing>
-</p:sld>
-</file>
-
-<file path=ppt/slides/slide13.xml><?xml version="1.0" encoding="utf-8"?>
-<p:sld xmlns:a="http://schemas.openxmlformats.org/drawingml/2006/main" xmlns:r="http://schemas.openxmlformats.org/officeDocument/2006/relationships" xmlns:p="http://schemas.openxmlformats.org/presentationml/2006/main">
-  <p:cSld>
-    <p:spTree>
-      <p:nvGrpSpPr>
-        <p:cNvPr id="1" name=""/>
-        <p:cNvGrpSpPr/>
-        <p:nvPr/>
-      </p:nvGrpSpPr>
-      <p:grpSpPr>
-        <a:xfrm>
-          <a:off x="0" y="0"/>
-          <a:ext cx="0" cy="0"/>
-          <a:chOff x="0" y="0"/>
-          <a:chExt cx="0" cy="0"/>
-        </a:xfrm>
-      </p:grpSpPr>
       <p:sp>
         <p:nvSpPr>
-          <p:cNvPr id="2" name="Title 1"/>
+          <p:cNvPr id="2" name="Slide Number Placeholder 1"/>
           <p:cNvSpPr>
             <a:spLocks noGrp="1"/>
           </p:cNvSpPr>
           <p:nvPr>
-            <p:ph type="title"/>
+            <p:ph type="sldNum" sz="quarter" idx="12"/>
           </p:nvPr>
         </p:nvSpPr>
         <p:spPr/>
@@ -6849,112 +7860,19 @@
           <a:bodyPr/>
           <a:lstStyle/>
           <a:p>
-            <a:r>
-              <a:rPr lang="en-US" dirty="0" smtClean="0"/>
-              <a:t>Results</a:t>
-            </a:r>
-            <a:endParaRPr lang="nl-BE" dirty="0"/>
-          </a:p>
-        </p:txBody>
-      </p:sp>
-      <p:sp>
-        <p:nvSpPr>
-          <p:cNvPr id="3" name="Content Placeholder 2"/>
-          <p:cNvSpPr>
-            <a:spLocks noGrp="1"/>
-          </p:cNvSpPr>
-          <p:nvPr>
-            <p:ph idx="1"/>
-          </p:nvPr>
-        </p:nvSpPr>
-        <p:spPr/>
-        <p:txBody>
-          <a:bodyPr/>
-          <a:lstStyle/>
-          <a:p>
-            <a:r>
-              <a:rPr lang="en-US" dirty="0" smtClean="0"/>
-              <a:t>Asynchronous methods return </a:t>
-            </a:r>
-            <a:r>
-              <a:rPr lang="en-US" dirty="0" err="1" smtClean="0">
-                <a:latin typeface="Courier New" panose="02070309020205020404" pitchFamily="49" charset="0"/>
-                <a:cs typeface="Courier New" panose="02070309020205020404" pitchFamily="49" charset="0"/>
-              </a:rPr>
-              <a:t>AsyncResult</a:t>
-            </a:r>
-            <a:r>
-              <a:rPr lang="en-US" dirty="0" smtClean="0"/>
-              <a:t> objects</a:t>
-            </a:r>
-          </a:p>
-          <a:p>
-            <a:pPr lvl="1"/>
-            <a:r>
-              <a:rPr lang="en-US" dirty="0" smtClean="0">
-                <a:latin typeface="Courier New" panose="02070309020205020404" pitchFamily="49" charset="0"/>
-                <a:cs typeface="Courier New" panose="02070309020205020404" pitchFamily="49" charset="0"/>
-              </a:rPr>
-              <a:t>wait(): </a:t>
-            </a:r>
-            <a:r>
-              <a:rPr lang="en-US" dirty="0" smtClean="0"/>
-              <a:t>blocks till result is ready</a:t>
-            </a:r>
-          </a:p>
-          <a:p>
-            <a:pPr lvl="1"/>
-            <a:r>
-              <a:rPr lang="en-US" dirty="0" smtClean="0">
-                <a:latin typeface="Courier New" panose="02070309020205020404" pitchFamily="49" charset="0"/>
-                <a:cs typeface="Courier New" panose="02070309020205020404" pitchFamily="49" charset="0"/>
-              </a:rPr>
-              <a:t>get()</a:t>
-            </a:r>
-            <a:r>
-              <a:rPr lang="en-US" dirty="0" smtClean="0"/>
-              <a:t>: blocks till result is ready, then returns it</a:t>
-            </a:r>
-          </a:p>
-          <a:p>
-            <a:pPr lvl="1"/>
-            <a:endParaRPr lang="en-US" dirty="0" smtClean="0"/>
-          </a:p>
-          <a:p>
-            <a:pPr lvl="1"/>
-            <a:r>
-              <a:rPr lang="en-US" dirty="0" smtClean="0">
-                <a:latin typeface="Courier New" panose="02070309020205020404" pitchFamily="49" charset="0"/>
-                <a:cs typeface="Courier New" panose="02070309020205020404" pitchFamily="49" charset="0"/>
-              </a:rPr>
-              <a:t>ready()</a:t>
-            </a:r>
-            <a:r>
-              <a:rPr lang="en-US" dirty="0" smtClean="0"/>
-              <a:t>: True when result is ready</a:t>
-            </a:r>
-          </a:p>
-          <a:p>
-            <a:pPr lvl="1"/>
-            <a:r>
-              <a:rPr lang="en-US" dirty="0" smtClean="0">
-                <a:latin typeface="Courier New" panose="02070309020205020404" pitchFamily="49" charset="0"/>
-                <a:cs typeface="Courier New" panose="02070309020205020404" pitchFamily="49" charset="0"/>
-              </a:rPr>
-              <a:t>successful()</a:t>
-            </a:r>
-            <a:r>
-              <a:rPr lang="en-US" dirty="0" smtClean="0"/>
-              <a:t>: True when no exceptions where raised, only call when ready</a:t>
-            </a:r>
-            <a:endParaRPr lang="nl-BE" dirty="0"/>
+            <a:fld id="{B6F15528-21DE-4FAA-801E-634DDDAF4B2B}" type="slidenum">
+              <a:rPr lang="en-US" smtClean="0"/>
+              <a:pPr/>
+              <a:t>13</a:t>
+            </a:fld>
+            <a:endParaRPr lang="en-US"/>
           </a:p>
         </p:txBody>
       </p:sp>
     </p:spTree>
     <p:extLst>
       <p:ext uri="{BB962C8B-B14F-4D97-AF65-F5344CB8AC3E}">
-        <p14:creationId xmlns:p14="http://schemas.microsoft.com/office/powerpoint/2010/main" val="2407152856"/>
+        <p14:creationId xmlns:p14="http://schemas.microsoft.com/office/powerpoint/2010/main" val="2859830712"/>
       </p:ext>
     </p:extLst>
   </p:cSld>
@@ -7005,6 +7923,567 @@
           <a:p>
             <a:r>
               <a:rPr lang="en-US" dirty="0" smtClean="0"/>
+              <a:t>Results</a:t>
+            </a:r>
+            <a:endParaRPr lang="nl-BE" dirty="0"/>
+          </a:p>
+        </p:txBody>
+      </p:sp>
+      <p:sp>
+        <p:nvSpPr>
+          <p:cNvPr id="3" name="Content Placeholder 2"/>
+          <p:cNvSpPr>
+            <a:spLocks noGrp="1"/>
+          </p:cNvSpPr>
+          <p:nvPr>
+            <p:ph idx="1"/>
+          </p:nvPr>
+        </p:nvSpPr>
+        <p:spPr/>
+        <p:txBody>
+          <a:bodyPr>
+            <a:normAutofit lnSpcReduction="10000"/>
+          </a:bodyPr>
+          <a:lstStyle/>
+          <a:p>
+            <a:r>
+              <a:rPr lang="en-US" dirty="0" smtClean="0"/>
+              <a:t>Asynchronous methods return </a:t>
+            </a:r>
+            <a:r>
+              <a:rPr lang="en-US" dirty="0" err="1" smtClean="0">
+                <a:latin typeface="Courier New" panose="02070309020205020404" pitchFamily="49" charset="0"/>
+                <a:cs typeface="Courier New" panose="02070309020205020404" pitchFamily="49" charset="0"/>
+              </a:rPr>
+              <a:t>AsyncResult</a:t>
+            </a:r>
+            <a:r>
+              <a:rPr lang="en-US" dirty="0" smtClean="0"/>
+              <a:t> objects</a:t>
+            </a:r>
+          </a:p>
+          <a:p>
+            <a:pPr lvl="1"/>
+            <a:r>
+              <a:rPr lang="en-US" dirty="0" smtClean="0">
+                <a:latin typeface="Courier New" panose="02070309020205020404" pitchFamily="49" charset="0"/>
+                <a:cs typeface="Courier New" panose="02070309020205020404" pitchFamily="49" charset="0"/>
+              </a:rPr>
+              <a:t>wait(): </a:t>
+            </a:r>
+            <a:r>
+              <a:rPr lang="en-US" dirty="0" smtClean="0"/>
+              <a:t>blocks till result is ready</a:t>
+            </a:r>
+          </a:p>
+          <a:p>
+            <a:pPr lvl="1"/>
+            <a:r>
+              <a:rPr lang="en-US" dirty="0" smtClean="0">
+                <a:latin typeface="Courier New" panose="02070309020205020404" pitchFamily="49" charset="0"/>
+                <a:cs typeface="Courier New" panose="02070309020205020404" pitchFamily="49" charset="0"/>
+              </a:rPr>
+              <a:t>get()</a:t>
+            </a:r>
+            <a:r>
+              <a:rPr lang="en-US" dirty="0" smtClean="0"/>
+              <a:t>: blocks till result is ready, then returns it</a:t>
+            </a:r>
+          </a:p>
+          <a:p>
+            <a:pPr lvl="1"/>
+            <a:endParaRPr lang="en-US" dirty="0" smtClean="0"/>
+          </a:p>
+          <a:p>
+            <a:pPr lvl="1"/>
+            <a:endParaRPr lang="en-US" dirty="0" smtClean="0"/>
+          </a:p>
+          <a:p>
+            <a:pPr lvl="1"/>
+            <a:r>
+              <a:rPr lang="en-US" dirty="0" smtClean="0">
+                <a:latin typeface="Courier New" panose="02070309020205020404" pitchFamily="49" charset="0"/>
+                <a:cs typeface="Courier New" panose="02070309020205020404" pitchFamily="49" charset="0"/>
+              </a:rPr>
+              <a:t>ready()</a:t>
+            </a:r>
+            <a:r>
+              <a:rPr lang="en-US" dirty="0" smtClean="0"/>
+              <a:t>: </a:t>
+            </a:r>
+            <a:r>
+              <a:rPr lang="en-US" dirty="0" smtClean="0">
+                <a:latin typeface="Courier New" panose="02070309020205020404" pitchFamily="49" charset="0"/>
+                <a:cs typeface="Courier New" panose="02070309020205020404" pitchFamily="49" charset="0"/>
+              </a:rPr>
+              <a:t>True</a:t>
+            </a:r>
+            <a:r>
+              <a:rPr lang="en-US" dirty="0" smtClean="0"/>
+              <a:t> when result is ready</a:t>
+            </a:r>
+          </a:p>
+          <a:p>
+            <a:pPr lvl="1"/>
+            <a:r>
+              <a:rPr lang="en-US" dirty="0" smtClean="0">
+                <a:latin typeface="Courier New" panose="02070309020205020404" pitchFamily="49" charset="0"/>
+                <a:cs typeface="Courier New" panose="02070309020205020404" pitchFamily="49" charset="0"/>
+              </a:rPr>
+              <a:t>successful()</a:t>
+            </a:r>
+            <a:r>
+              <a:rPr lang="en-US" dirty="0" smtClean="0"/>
+              <a:t>: </a:t>
+            </a:r>
+            <a:r>
+              <a:rPr lang="en-US" dirty="0" smtClean="0">
+                <a:latin typeface="Courier New" panose="02070309020205020404" pitchFamily="49" charset="0"/>
+                <a:cs typeface="Courier New" panose="02070309020205020404" pitchFamily="49" charset="0"/>
+              </a:rPr>
+              <a:t>True</a:t>
+            </a:r>
+            <a:r>
+              <a:rPr lang="en-US" dirty="0" smtClean="0"/>
+              <a:t> when no exceptions where raised, only call when ready</a:t>
+            </a:r>
+            <a:endParaRPr lang="nl-BE" dirty="0"/>
+          </a:p>
+        </p:txBody>
+      </p:sp>
+      <p:sp>
+        <p:nvSpPr>
+          <p:cNvPr id="4" name="TextBox 3"/>
+          <p:cNvSpPr txBox="1"/>
+          <p:nvPr/>
+        </p:nvSpPr>
+        <p:spPr>
+          <a:xfrm>
+            <a:off x="3172125" y="3581400"/>
+            <a:ext cx="5057475" cy="523220"/>
+          </a:xfrm>
+          <a:prstGeom prst="rect">
+            <a:avLst/>
+          </a:prstGeom>
+          <a:noFill/>
+          <a:ln>
+            <a:solidFill>
+              <a:schemeClr val="tx1"/>
+            </a:solidFill>
+          </a:ln>
+        </p:spPr>
+        <p:txBody>
+          <a:bodyPr wrap="none" rtlCol="0">
+            <a:spAutoFit/>
+          </a:bodyPr>
+          <a:lstStyle/>
+          <a:p>
+            <a:r>
+              <a:rPr lang="en-US" sz="2800" dirty="0" smtClean="0"/>
+              <a:t>Both take optional time out value</a:t>
+            </a:r>
+            <a:endParaRPr lang="nl-BE" sz="2800" dirty="0"/>
+          </a:p>
+        </p:txBody>
+      </p:sp>
+      <p:sp>
+        <p:nvSpPr>
+          <p:cNvPr id="5" name="Slide Number Placeholder 4"/>
+          <p:cNvSpPr>
+            <a:spLocks noGrp="1"/>
+          </p:cNvSpPr>
+          <p:nvPr>
+            <p:ph type="sldNum" sz="quarter" idx="12"/>
+          </p:nvPr>
+        </p:nvSpPr>
+        <p:spPr/>
+        <p:txBody>
+          <a:bodyPr/>
+          <a:lstStyle/>
+          <a:p>
+            <a:fld id="{B6F15528-21DE-4FAA-801E-634DDDAF4B2B}" type="slidenum">
+              <a:rPr lang="en-US" smtClean="0"/>
+              <a:pPr/>
+              <a:t>14</a:t>
+            </a:fld>
+            <a:endParaRPr lang="en-US"/>
+          </a:p>
+        </p:txBody>
+      </p:sp>
+    </p:spTree>
+    <p:extLst>
+      <p:ext uri="{BB962C8B-B14F-4D97-AF65-F5344CB8AC3E}">
+        <p14:creationId xmlns:p14="http://schemas.microsoft.com/office/powerpoint/2010/main" val="2407152856"/>
+      </p:ext>
+    </p:extLst>
+  </p:cSld>
+  <p:clrMapOvr>
+    <a:masterClrMapping/>
+  </p:clrMapOvr>
+  <p:timing>
+    <p:tnLst>
+      <p:par>
+        <p:cTn id="1" dur="indefinite" restart="never" nodeType="tmRoot">
+          <p:childTnLst>
+            <p:seq concurrent="1" nextAc="seek">
+              <p:cTn id="2" dur="indefinite" nodeType="mainSeq">
+                <p:childTnLst>
+                  <p:par>
+                    <p:cTn id="3" fill="hold">
+                      <p:stCondLst>
+                        <p:cond delay="indefinite"/>
+                        <p:cond evt="onBegin" delay="0">
+                          <p:tn val="2"/>
+                        </p:cond>
+                      </p:stCondLst>
+                      <p:childTnLst>
+                        <p:par>
+                          <p:cTn id="4" fill="hold">
+                            <p:stCondLst>
+                              <p:cond delay="0"/>
+                            </p:stCondLst>
+                            <p:childTnLst>
+                              <p:par>
+                                <p:cTn id="5" presetID="1" presetClass="entr" presetSubtype="0" fill="hold" grpId="0" nodeType="withEffect">
+                                  <p:stCondLst>
+                                    <p:cond delay="0"/>
+                                  </p:stCondLst>
+                                  <p:childTnLst>
+                                    <p:set>
+                                      <p:cBhvr>
+                                        <p:cTn id="6" dur="1" fill="hold">
+                                          <p:stCondLst>
+                                            <p:cond delay="0"/>
+                                          </p:stCondLst>
+                                        </p:cTn>
+                                        <p:tgtEl>
+                                          <p:spTgt spid="3">
+                                            <p:txEl>
+                                              <p:pRg st="0" end="0"/>
+                                            </p:txEl>
+                                          </p:spTgt>
+                                        </p:tgtEl>
+                                        <p:attrNameLst>
+                                          <p:attrName>style.visibility</p:attrName>
+                                        </p:attrNameLst>
+                                      </p:cBhvr>
+                                      <p:to>
+                                        <p:strVal val="visible"/>
+                                      </p:to>
+                                    </p:set>
+                                  </p:childTnLst>
+                                </p:cTn>
+                              </p:par>
+                            </p:childTnLst>
+                          </p:cTn>
+                        </p:par>
+                      </p:childTnLst>
+                    </p:cTn>
+                  </p:par>
+                  <p:par>
+                    <p:cTn id="7" fill="hold">
+                      <p:stCondLst>
+                        <p:cond delay="indefinite"/>
+                      </p:stCondLst>
+                      <p:childTnLst>
+                        <p:par>
+                          <p:cTn id="8" fill="hold">
+                            <p:stCondLst>
+                              <p:cond delay="0"/>
+                            </p:stCondLst>
+                            <p:childTnLst>
+                              <p:par>
+                                <p:cTn id="9" presetID="1" presetClass="entr" presetSubtype="0" fill="hold" grpId="0" nodeType="clickEffect">
+                                  <p:stCondLst>
+                                    <p:cond delay="0"/>
+                                  </p:stCondLst>
+                                  <p:childTnLst>
+                                    <p:set>
+                                      <p:cBhvr>
+                                        <p:cTn id="10" dur="1" fill="hold">
+                                          <p:stCondLst>
+                                            <p:cond delay="0"/>
+                                          </p:stCondLst>
+                                        </p:cTn>
+                                        <p:tgtEl>
+                                          <p:spTgt spid="3">
+                                            <p:txEl>
+                                              <p:pRg st="1" end="1"/>
+                                            </p:txEl>
+                                          </p:spTgt>
+                                        </p:tgtEl>
+                                        <p:attrNameLst>
+                                          <p:attrName>style.visibility</p:attrName>
+                                        </p:attrNameLst>
+                                      </p:cBhvr>
+                                      <p:to>
+                                        <p:strVal val="visible"/>
+                                      </p:to>
+                                    </p:set>
+                                  </p:childTnLst>
+                                </p:cTn>
+                              </p:par>
+                            </p:childTnLst>
+                          </p:cTn>
+                        </p:par>
+                      </p:childTnLst>
+                    </p:cTn>
+                  </p:par>
+                  <p:par>
+                    <p:cTn id="11" fill="hold">
+                      <p:stCondLst>
+                        <p:cond delay="indefinite"/>
+                      </p:stCondLst>
+                      <p:childTnLst>
+                        <p:par>
+                          <p:cTn id="12" fill="hold">
+                            <p:stCondLst>
+                              <p:cond delay="0"/>
+                            </p:stCondLst>
+                            <p:childTnLst>
+                              <p:par>
+                                <p:cTn id="13" presetID="1" presetClass="entr" presetSubtype="0" fill="hold" grpId="0" nodeType="clickEffect">
+                                  <p:stCondLst>
+                                    <p:cond delay="0"/>
+                                  </p:stCondLst>
+                                  <p:childTnLst>
+                                    <p:set>
+                                      <p:cBhvr>
+                                        <p:cTn id="14" dur="1" fill="hold">
+                                          <p:stCondLst>
+                                            <p:cond delay="0"/>
+                                          </p:stCondLst>
+                                        </p:cTn>
+                                        <p:tgtEl>
+                                          <p:spTgt spid="3">
+                                            <p:txEl>
+                                              <p:pRg st="2" end="2"/>
+                                            </p:txEl>
+                                          </p:spTgt>
+                                        </p:tgtEl>
+                                        <p:attrNameLst>
+                                          <p:attrName>style.visibility</p:attrName>
+                                        </p:attrNameLst>
+                                      </p:cBhvr>
+                                      <p:to>
+                                        <p:strVal val="visible"/>
+                                      </p:to>
+                                    </p:set>
+                                  </p:childTnLst>
+                                </p:cTn>
+                              </p:par>
+                            </p:childTnLst>
+                          </p:cTn>
+                        </p:par>
+                      </p:childTnLst>
+                    </p:cTn>
+                  </p:par>
+                  <p:par>
+                    <p:cTn id="15" fill="hold">
+                      <p:stCondLst>
+                        <p:cond delay="indefinite"/>
+                      </p:stCondLst>
+                      <p:childTnLst>
+                        <p:par>
+                          <p:cTn id="16" fill="hold">
+                            <p:stCondLst>
+                              <p:cond delay="0"/>
+                            </p:stCondLst>
+                            <p:childTnLst>
+                              <p:par>
+                                <p:cTn id="17" presetID="1" presetClass="entr" presetSubtype="0" fill="hold" grpId="0" nodeType="clickEffect">
+                                  <p:stCondLst>
+                                    <p:cond delay="0"/>
+                                  </p:stCondLst>
+                                  <p:childTnLst>
+                                    <p:set>
+                                      <p:cBhvr>
+                                        <p:cTn id="18" dur="1" fill="hold">
+                                          <p:stCondLst>
+                                            <p:cond delay="0"/>
+                                          </p:stCondLst>
+                                        </p:cTn>
+                                        <p:tgtEl>
+                                          <p:spTgt spid="4"/>
+                                        </p:tgtEl>
+                                        <p:attrNameLst>
+                                          <p:attrName>style.visibility</p:attrName>
+                                        </p:attrNameLst>
+                                      </p:cBhvr>
+                                      <p:to>
+                                        <p:strVal val="visible"/>
+                                      </p:to>
+                                    </p:set>
+                                  </p:childTnLst>
+                                </p:cTn>
+                              </p:par>
+                            </p:childTnLst>
+                          </p:cTn>
+                        </p:par>
+                      </p:childTnLst>
+                    </p:cTn>
+                  </p:par>
+                  <p:par>
+                    <p:cTn id="19" fill="hold">
+                      <p:stCondLst>
+                        <p:cond delay="indefinite"/>
+                      </p:stCondLst>
+                      <p:childTnLst>
+                        <p:par>
+                          <p:cTn id="20" fill="hold">
+                            <p:stCondLst>
+                              <p:cond delay="0"/>
+                            </p:stCondLst>
+                            <p:childTnLst>
+                              <p:par>
+                                <p:cTn id="21" presetID="1" presetClass="entr" presetSubtype="0" fill="hold" grpId="0" nodeType="clickEffect">
+                                  <p:stCondLst>
+                                    <p:cond delay="0"/>
+                                  </p:stCondLst>
+                                  <p:childTnLst>
+                                    <p:set>
+                                      <p:cBhvr>
+                                        <p:cTn id="22" dur="1" fill="hold">
+                                          <p:stCondLst>
+                                            <p:cond delay="0"/>
+                                          </p:stCondLst>
+                                        </p:cTn>
+                                        <p:tgtEl>
+                                          <p:spTgt spid="3">
+                                            <p:txEl>
+                                              <p:pRg st="5" end="5"/>
+                                            </p:txEl>
+                                          </p:spTgt>
+                                        </p:tgtEl>
+                                        <p:attrNameLst>
+                                          <p:attrName>style.visibility</p:attrName>
+                                        </p:attrNameLst>
+                                      </p:cBhvr>
+                                      <p:to>
+                                        <p:strVal val="visible"/>
+                                      </p:to>
+                                    </p:set>
+                                  </p:childTnLst>
+                                </p:cTn>
+                              </p:par>
+                            </p:childTnLst>
+                          </p:cTn>
+                        </p:par>
+                      </p:childTnLst>
+                    </p:cTn>
+                  </p:par>
+                  <p:par>
+                    <p:cTn id="23" fill="hold">
+                      <p:stCondLst>
+                        <p:cond delay="indefinite"/>
+                      </p:stCondLst>
+                      <p:childTnLst>
+                        <p:par>
+                          <p:cTn id="24" fill="hold">
+                            <p:stCondLst>
+                              <p:cond delay="0"/>
+                            </p:stCondLst>
+                            <p:childTnLst>
+                              <p:par>
+                                <p:cTn id="25" presetID="1" presetClass="entr" presetSubtype="0" fill="hold" grpId="0" nodeType="clickEffect">
+                                  <p:stCondLst>
+                                    <p:cond delay="0"/>
+                                  </p:stCondLst>
+                                  <p:childTnLst>
+                                    <p:set>
+                                      <p:cBhvr>
+                                        <p:cTn id="26" dur="1" fill="hold">
+                                          <p:stCondLst>
+                                            <p:cond delay="0"/>
+                                          </p:stCondLst>
+                                        </p:cTn>
+                                        <p:tgtEl>
+                                          <p:spTgt spid="3">
+                                            <p:txEl>
+                                              <p:pRg st="6" end="6"/>
+                                            </p:txEl>
+                                          </p:spTgt>
+                                        </p:tgtEl>
+                                        <p:attrNameLst>
+                                          <p:attrName>style.visibility</p:attrName>
+                                        </p:attrNameLst>
+                                      </p:cBhvr>
+                                      <p:to>
+                                        <p:strVal val="visible"/>
+                                      </p:to>
+                                    </p:set>
+                                  </p:childTnLst>
+                                </p:cTn>
+                              </p:par>
+                            </p:childTnLst>
+                          </p:cTn>
+                        </p:par>
+                      </p:childTnLst>
+                    </p:cTn>
+                  </p:par>
+                </p:childTnLst>
+              </p:cTn>
+              <p:prevCondLst>
+                <p:cond evt="onPrev" delay="0">
+                  <p:tgtEl>
+                    <p:sldTgt/>
+                  </p:tgtEl>
+                </p:cond>
+              </p:prevCondLst>
+              <p:nextCondLst>
+                <p:cond evt="onNext" delay="0">
+                  <p:tgtEl>
+                    <p:sldTgt/>
+                  </p:tgtEl>
+                </p:cond>
+              </p:nextCondLst>
+            </p:seq>
+          </p:childTnLst>
+        </p:cTn>
+      </p:par>
+    </p:tnLst>
+    <p:bldLst>
+      <p:bldP spid="3" grpId="0" uiExpand="1" build="p" bldLvl="2"/>
+      <p:bldP spid="4" grpId="0" animBg="1"/>
+    </p:bldLst>
+  </p:timing>
+</p:sld>
+</file>
+
+<file path=ppt/slides/slide15.xml><?xml version="1.0" encoding="utf-8"?>
+<p:sld xmlns:a="http://schemas.openxmlformats.org/drawingml/2006/main" xmlns:r="http://schemas.openxmlformats.org/officeDocument/2006/relationships" xmlns:p="http://schemas.openxmlformats.org/presentationml/2006/main">
+  <p:cSld>
+    <p:spTree>
+      <p:nvGrpSpPr>
+        <p:cNvPr id="1" name=""/>
+        <p:cNvGrpSpPr/>
+        <p:nvPr/>
+      </p:nvGrpSpPr>
+      <p:grpSpPr>
+        <a:xfrm>
+          <a:off x="0" y="0"/>
+          <a:ext cx="0" cy="0"/>
+          <a:chOff x="0" y="0"/>
+          <a:chExt cx="0" cy="0"/>
+        </a:xfrm>
+      </p:grpSpPr>
+      <p:sp>
+        <p:nvSpPr>
+          <p:cNvPr id="2" name="Title 1"/>
+          <p:cNvSpPr>
+            <a:spLocks noGrp="1"/>
+          </p:cNvSpPr>
+          <p:nvPr>
+            <p:ph type="title"/>
+          </p:nvPr>
+        </p:nvSpPr>
+        <p:spPr/>
+        <p:txBody>
+          <a:bodyPr/>
+          <a:lstStyle/>
+          <a:p>
+            <a:r>
+              <a:rPr lang="en-US" dirty="0" smtClean="0"/>
               <a:t>Shared memory</a:t>
             </a:r>
             <a:endParaRPr lang="nl-BE" dirty="0"/>
@@ -7112,6 +8591,30 @@
             <a:endParaRPr lang="nl-BE" dirty="0">
               <a:cs typeface="Courier New" panose="02070309020205020404" pitchFamily="49" charset="0"/>
             </a:endParaRPr>
+          </a:p>
+        </p:txBody>
+      </p:sp>
+      <p:sp>
+        <p:nvSpPr>
+          <p:cNvPr id="4" name="Slide Number Placeholder 3"/>
+          <p:cNvSpPr>
+            <a:spLocks noGrp="1"/>
+          </p:cNvSpPr>
+          <p:nvPr>
+            <p:ph type="sldNum" sz="quarter" idx="12"/>
+          </p:nvPr>
+        </p:nvSpPr>
+        <p:spPr/>
+        <p:txBody>
+          <a:bodyPr/>
+          <a:lstStyle/>
+          <a:p>
+            <a:fld id="{B6F15528-21DE-4FAA-801E-634DDDAF4B2B}" type="slidenum">
+              <a:rPr lang="en-US" smtClean="0"/>
+              <a:pPr/>
+              <a:t>15</a:t>
+            </a:fld>
+            <a:endParaRPr lang="en-US"/>
           </a:p>
         </p:txBody>
       </p:sp>
@@ -7135,7 +8638,7 @@
 </p:sld>
 </file>
 
-<file path=ppt/slides/slide15.xml><?xml version="1.0" encoding="utf-8"?>
+<file path=ppt/slides/slide16.xml><?xml version="1.0" encoding="utf-8"?>
 <p:sld xmlns:a="http://schemas.openxmlformats.org/drawingml/2006/main" xmlns:r="http://schemas.openxmlformats.org/officeDocument/2006/relationships" xmlns:p="http://schemas.openxmlformats.org/presentationml/2006/main">
   <p:cSld>
     <p:spTree>
@@ -7808,6 +9311,30 @@
           </p:style>
         </p:cxnSp>
       </p:grpSp>
+      <p:sp>
+        <p:nvSpPr>
+          <p:cNvPr id="10" name="Slide Number Placeholder 9"/>
+          <p:cNvSpPr>
+            <a:spLocks noGrp="1"/>
+          </p:cNvSpPr>
+          <p:nvPr>
+            <p:ph type="sldNum" sz="quarter" idx="12"/>
+          </p:nvPr>
+        </p:nvSpPr>
+        <p:spPr/>
+        <p:txBody>
+          <a:bodyPr/>
+          <a:lstStyle/>
+          <a:p>
+            <a:fld id="{B6F15528-21DE-4FAA-801E-634DDDAF4B2B}" type="slidenum">
+              <a:rPr lang="en-US" smtClean="0"/>
+              <a:pPr/>
+              <a:t>16</a:t>
+            </a:fld>
+            <a:endParaRPr lang="en-US"/>
+          </a:p>
+        </p:txBody>
+      </p:sp>
     </p:spTree>
     <p:extLst>
       <p:ext uri="{BB962C8B-B14F-4D97-AF65-F5344CB8AC3E}">
@@ -7986,7 +9513,7 @@
 </p:sld>
 </file>
 
-<file path=ppt/slides/slide16.xml><?xml version="1.0" encoding="utf-8"?>
+<file path=ppt/slides/slide17.xml><?xml version="1.0" encoding="utf-8"?>
 <p:sld xmlns:a="http://schemas.openxmlformats.org/drawingml/2006/main" xmlns:r="http://schemas.openxmlformats.org/officeDocument/2006/relationships" xmlns:p="http://schemas.openxmlformats.org/presentationml/2006/main">
   <p:cSld>
     <p:spTree>
@@ -8826,10 +10353,6 @@
                 <a:rPr lang="en-US" dirty="0" smtClean="0"/>
                 <a:t>start all</a:t>
               </a:r>
-              <a:r>
-                <a:rPr lang="en-US" dirty="0" smtClean="0"/>
-                <a:t/>
-              </a:r>
               <a:br>
                 <a:rPr lang="en-US" dirty="0" smtClean="0"/>
               </a:br>
@@ -8925,10 +10448,6 @@
                 <a:rPr lang="en-US" dirty="0" smtClean="0"/>
                 <a:t>create</a:t>
               </a:r>
-              <a:r>
-                <a:rPr lang="en-US" dirty="0" smtClean="0"/>
-                <a:t/>
-              </a:r>
               <a:br>
                 <a:rPr lang="en-US" dirty="0" smtClean="0"/>
               </a:br>
@@ -9023,10 +10542,6 @@
               <a:r>
                 <a:rPr lang="en-US" dirty="0" smtClean="0"/>
                 <a:t>wait for all</a:t>
-              </a:r>
-              <a:r>
-                <a:rPr lang="en-US" dirty="0" smtClean="0"/>
-                <a:t/>
               </a:r>
               <a:br>
                 <a:rPr lang="en-US" dirty="0" smtClean="0"/>
@@ -9240,6 +10755,30 @@
           </p:cxnSp>
         </p:grpSp>
       </p:grpSp>
+      <p:sp>
+        <p:nvSpPr>
+          <p:cNvPr id="13" name="Slide Number Placeholder 12"/>
+          <p:cNvSpPr>
+            <a:spLocks noGrp="1"/>
+          </p:cNvSpPr>
+          <p:nvPr>
+            <p:ph type="sldNum" sz="quarter" idx="12"/>
+          </p:nvPr>
+        </p:nvSpPr>
+        <p:spPr/>
+        <p:txBody>
+          <a:bodyPr/>
+          <a:lstStyle/>
+          <a:p>
+            <a:fld id="{B6F15528-21DE-4FAA-801E-634DDDAF4B2B}" type="slidenum">
+              <a:rPr lang="en-US" smtClean="0"/>
+              <a:pPr/>
+              <a:t>17</a:t>
+            </a:fld>
+            <a:endParaRPr lang="en-US"/>
+          </a:p>
+        </p:txBody>
+      </p:sp>
     </p:spTree>
     <p:extLst>
       <p:ext uri="{BB962C8B-B14F-4D97-AF65-F5344CB8AC3E}">
@@ -9553,108 +11092,6 @@
 </p:sld>
 </file>
 
-<file path=ppt/slides/slide17.xml><?xml version="1.0" encoding="utf-8"?>
-<p:sld xmlns:a="http://schemas.openxmlformats.org/drawingml/2006/main" xmlns:r="http://schemas.openxmlformats.org/officeDocument/2006/relationships" xmlns:p="http://schemas.openxmlformats.org/presentationml/2006/main">
-  <p:cSld>
-    <p:spTree>
-      <p:nvGrpSpPr>
-        <p:cNvPr id="1" name=""/>
-        <p:cNvGrpSpPr/>
-        <p:nvPr/>
-      </p:nvGrpSpPr>
-      <p:grpSpPr>
-        <a:xfrm>
-          <a:off x="0" y="0"/>
-          <a:ext cx="0" cy="0"/>
-          <a:chOff x="0" y="0"/>
-          <a:chExt cx="0" cy="0"/>
-        </a:xfrm>
-      </p:grpSpPr>
-      <p:sp>
-        <p:nvSpPr>
-          <p:cNvPr id="2" name="Title 1"/>
-          <p:cNvSpPr>
-            <a:spLocks noGrp="1"/>
-          </p:cNvSpPr>
-          <p:nvPr>
-            <p:ph type="title"/>
-          </p:nvPr>
-        </p:nvSpPr>
-        <p:spPr/>
-        <p:txBody>
-          <a:bodyPr/>
-          <a:lstStyle/>
-          <a:p>
-            <a:r>
-              <a:rPr lang="en-US" dirty="0" smtClean="0"/>
-              <a:t>Considerations</a:t>
-            </a:r>
-            <a:endParaRPr lang="nl-BE" dirty="0"/>
-          </a:p>
-        </p:txBody>
-      </p:sp>
-      <p:sp>
-        <p:nvSpPr>
-          <p:cNvPr id="3" name="Content Placeholder 2"/>
-          <p:cNvSpPr>
-            <a:spLocks noGrp="1"/>
-          </p:cNvSpPr>
-          <p:nvPr>
-            <p:ph idx="1"/>
-          </p:nvPr>
-        </p:nvSpPr>
-        <p:spPr/>
-        <p:txBody>
-          <a:bodyPr/>
-          <a:lstStyle/>
-          <a:p>
-            <a:r>
-              <a:rPr lang="en-US" dirty="0" smtClean="0"/>
-              <a:t>Process creation is costly!</a:t>
-            </a:r>
-          </a:p>
-          <a:p>
-            <a:pPr lvl="1"/>
-            <a:r>
-              <a:rPr lang="en-US" dirty="0" smtClean="0"/>
-              <a:t>Computational task should warrant it</a:t>
-            </a:r>
-          </a:p>
-          <a:p>
-            <a:r>
-              <a:rPr lang="en-US" dirty="0" smtClean="0"/>
-              <a:t>Locking takes time!</a:t>
-            </a:r>
-          </a:p>
-          <a:p>
-            <a:pPr lvl="1"/>
-            <a:r>
-              <a:rPr lang="en-US" dirty="0" smtClean="0"/>
-              <a:t>Share as little as possible</a:t>
-            </a:r>
-          </a:p>
-        </p:txBody>
-      </p:sp>
-    </p:spTree>
-    <p:extLst>
-      <p:ext uri="{BB962C8B-B14F-4D97-AF65-F5344CB8AC3E}">
-        <p14:creationId xmlns:p14="http://schemas.microsoft.com/office/powerpoint/2010/main" val="3573895201"/>
-      </p:ext>
-    </p:extLst>
-  </p:cSld>
-  <p:clrMapOvr>
-    <a:masterClrMapping/>
-  </p:clrMapOvr>
-  <p:timing>
-    <p:tnLst>
-      <p:par>
-        <p:cTn id="1" dur="indefinite" restart="never" nodeType="tmRoot"/>
-      </p:par>
-    </p:tnLst>
-  </p:timing>
-</p:sld>
-</file>
-
 <file path=ppt/slides/slide18.xml><?xml version="1.0" encoding="utf-8"?>
 <p:sld xmlns:a="http://schemas.openxmlformats.org/drawingml/2006/main" xmlns:r="http://schemas.openxmlformats.org/officeDocument/2006/relationships" xmlns:p="http://schemas.openxmlformats.org/presentationml/2006/main">
   <p:cSld>
@@ -9714,6 +11151,30 @@
           </a:p>
         </p:txBody>
       </p:sp>
+      <p:sp>
+        <p:nvSpPr>
+          <p:cNvPr id="4" name="Slide Number Placeholder 3"/>
+          <p:cNvSpPr>
+            <a:spLocks noGrp="1"/>
+          </p:cNvSpPr>
+          <p:nvPr>
+            <p:ph type="sldNum" sz="quarter" idx="12"/>
+          </p:nvPr>
+        </p:nvSpPr>
+        <p:spPr/>
+        <p:txBody>
+          <a:bodyPr/>
+          <a:lstStyle/>
+          <a:p>
+            <a:fld id="{B6F15528-21DE-4FAA-801E-634DDDAF4B2B}" type="slidenum">
+              <a:rPr lang="en-US" smtClean="0"/>
+              <a:pPr/>
+              <a:t>18</a:t>
+            </a:fld>
+            <a:endParaRPr lang="en-US"/>
+          </a:p>
+        </p:txBody>
+      </p:sp>
     </p:spTree>
     <p:extLst>
       <p:ext uri="{BB962C8B-B14F-4D97-AF65-F5344CB8AC3E}">
@@ -9730,6 +11191,580 @@
         <p:cTn id="1" dur="indefinite" restart="never" nodeType="tmRoot"/>
       </p:par>
     </p:tnLst>
+  </p:timing>
+</p:sld>
+</file>
+
+<file path=ppt/slides/slide19.xml><?xml version="1.0" encoding="utf-8"?>
+<p:sld xmlns:a="http://schemas.openxmlformats.org/drawingml/2006/main" xmlns:r="http://schemas.openxmlformats.org/officeDocument/2006/relationships" xmlns:p="http://schemas.openxmlformats.org/presentationml/2006/main">
+  <p:cSld>
+    <p:spTree>
+      <p:nvGrpSpPr>
+        <p:cNvPr id="1" name=""/>
+        <p:cNvGrpSpPr/>
+        <p:nvPr/>
+      </p:nvGrpSpPr>
+      <p:grpSpPr>
+        <a:xfrm>
+          <a:off x="0" y="0"/>
+          <a:ext cx="0" cy="0"/>
+          <a:chOff x="0" y="0"/>
+          <a:chExt cx="0" cy="0"/>
+        </a:xfrm>
+      </p:grpSpPr>
+      <p:sp>
+        <p:nvSpPr>
+          <p:cNvPr id="2" name="Title 1"/>
+          <p:cNvSpPr>
+            <a:spLocks noGrp="1"/>
+          </p:cNvSpPr>
+          <p:nvPr>
+            <p:ph type="title"/>
+          </p:nvPr>
+        </p:nvSpPr>
+        <p:spPr/>
+        <p:txBody>
+          <a:bodyPr/>
+          <a:lstStyle/>
+          <a:p>
+            <a:r>
+              <a:rPr lang="en-US" dirty="0" smtClean="0"/>
+              <a:t>Pools again</a:t>
+            </a:r>
+            <a:endParaRPr lang="nl-BE" dirty="0"/>
+          </a:p>
+        </p:txBody>
+      </p:sp>
+      <p:sp>
+        <p:nvSpPr>
+          <p:cNvPr id="3" name="Content Placeholder 2"/>
+          <p:cNvSpPr>
+            <a:spLocks noGrp="1"/>
+          </p:cNvSpPr>
+          <p:nvPr>
+            <p:ph idx="1"/>
+          </p:nvPr>
+        </p:nvSpPr>
+        <p:spPr/>
+        <p:txBody>
+          <a:bodyPr>
+            <a:normAutofit lnSpcReduction="10000"/>
+          </a:bodyPr>
+          <a:lstStyle/>
+          <a:p>
+            <a:r>
+              <a:rPr lang="en-US" dirty="0" smtClean="0"/>
+              <a:t>Very simple interface, asynchronous</a:t>
+            </a:r>
+          </a:p>
+          <a:p>
+            <a:r>
+              <a:rPr lang="en-US" dirty="0" smtClean="0"/>
+              <a:t>Two types</a:t>
+            </a:r>
+          </a:p>
+          <a:p>
+            <a:pPr lvl="1"/>
+            <a:r>
+              <a:rPr lang="en-US" dirty="0" err="1" smtClean="0">
+                <a:latin typeface="Courier New" panose="02070309020205020404" pitchFamily="49" charset="0"/>
+                <a:cs typeface="Courier New" panose="02070309020205020404" pitchFamily="49" charset="0"/>
+              </a:rPr>
+              <a:t>ThreadPoolExecutor</a:t>
+            </a:r>
+            <a:endParaRPr lang="en-US" dirty="0" smtClean="0">
+              <a:latin typeface="Courier New" panose="02070309020205020404" pitchFamily="49" charset="0"/>
+              <a:cs typeface="Courier New" panose="02070309020205020404" pitchFamily="49" charset="0"/>
+            </a:endParaRPr>
+          </a:p>
+          <a:p>
+            <a:pPr lvl="1"/>
+            <a:r>
+              <a:rPr lang="en-US" dirty="0" err="1" smtClean="0">
+                <a:latin typeface="Courier New" panose="02070309020205020404" pitchFamily="49" charset="0"/>
+                <a:cs typeface="Courier New" panose="02070309020205020404" pitchFamily="49" charset="0"/>
+              </a:rPr>
+              <a:t>ProcessPoolExecutor</a:t>
+            </a:r>
+            <a:endParaRPr lang="en-US" dirty="0" smtClean="0">
+              <a:latin typeface="Courier New" panose="02070309020205020404" pitchFamily="49" charset="0"/>
+              <a:cs typeface="Courier New" panose="02070309020205020404" pitchFamily="49" charset="0"/>
+            </a:endParaRPr>
+          </a:p>
+          <a:p>
+            <a:r>
+              <a:rPr lang="en-US" dirty="0" smtClean="0"/>
+              <a:t>Three methods</a:t>
+            </a:r>
+          </a:p>
+          <a:p>
+            <a:pPr lvl="1"/>
+            <a:r>
+              <a:rPr lang="en-US" dirty="0" smtClean="0">
+                <a:latin typeface="Courier New" panose="02070309020205020404" pitchFamily="49" charset="0"/>
+                <a:cs typeface="Courier New" panose="02070309020205020404" pitchFamily="49" charset="0"/>
+              </a:rPr>
+              <a:t>submit()</a:t>
+            </a:r>
+            <a:r>
+              <a:rPr lang="en-US" dirty="0" smtClean="0"/>
+              <a:t>: call function on single argument, returns Future object</a:t>
+            </a:r>
+          </a:p>
+          <a:p>
+            <a:pPr lvl="1"/>
+            <a:r>
+              <a:rPr lang="en-US" dirty="0" smtClean="0">
+                <a:latin typeface="Courier New" panose="02070309020205020404" pitchFamily="49" charset="0"/>
+                <a:cs typeface="Courier New" panose="02070309020205020404" pitchFamily="49" charset="0"/>
+              </a:rPr>
+              <a:t>map()</a:t>
+            </a:r>
+            <a:r>
+              <a:rPr lang="en-US" dirty="0" smtClean="0"/>
+              <a:t>: call function on each of </a:t>
+            </a:r>
+            <a:r>
+              <a:rPr lang="en-US" dirty="0" err="1" smtClean="0"/>
+              <a:t>iterable</a:t>
+            </a:r>
+            <a:endParaRPr lang="en-US" dirty="0"/>
+          </a:p>
+          <a:p>
+            <a:pPr lvl="1"/>
+            <a:r>
+              <a:rPr lang="en-US" dirty="0" smtClean="0"/>
+              <a:t>shutdown(): stop pool</a:t>
+            </a:r>
+            <a:endParaRPr lang="nl-BE" dirty="0"/>
+          </a:p>
+        </p:txBody>
+      </p:sp>
+      <p:sp>
+        <p:nvSpPr>
+          <p:cNvPr id="4" name="Slide Number Placeholder 3"/>
+          <p:cNvSpPr>
+            <a:spLocks noGrp="1"/>
+          </p:cNvSpPr>
+          <p:nvPr>
+            <p:ph type="sldNum" sz="quarter" idx="12"/>
+          </p:nvPr>
+        </p:nvSpPr>
+        <p:spPr/>
+        <p:txBody>
+          <a:bodyPr/>
+          <a:lstStyle/>
+          <a:p>
+            <a:fld id="{B6F15528-21DE-4FAA-801E-634DDDAF4B2B}" type="slidenum">
+              <a:rPr lang="en-US" smtClean="0"/>
+              <a:pPr/>
+              <a:t>19</a:t>
+            </a:fld>
+            <a:endParaRPr lang="en-US"/>
+          </a:p>
+        </p:txBody>
+      </p:sp>
+    </p:spTree>
+    <p:extLst>
+      <p:ext uri="{BB962C8B-B14F-4D97-AF65-F5344CB8AC3E}">
+        <p14:creationId xmlns:p14="http://schemas.microsoft.com/office/powerpoint/2010/main" val="1668739932"/>
+      </p:ext>
+    </p:extLst>
+  </p:cSld>
+  <p:clrMapOvr>
+    <a:masterClrMapping/>
+  </p:clrMapOvr>
+  <p:timing>
+    <p:tnLst>
+      <p:par>
+        <p:cTn id="1" dur="indefinite" restart="never" nodeType="tmRoot">
+          <p:childTnLst>
+            <p:seq concurrent="1" nextAc="seek">
+              <p:cTn id="2" dur="indefinite" nodeType="mainSeq">
+                <p:childTnLst>
+                  <p:par>
+                    <p:cTn id="3" fill="hold">
+                      <p:stCondLst>
+                        <p:cond delay="indefinite"/>
+                        <p:cond evt="onBegin" delay="0">
+                          <p:tn val="2"/>
+                        </p:cond>
+                      </p:stCondLst>
+                      <p:childTnLst>
+                        <p:par>
+                          <p:cTn id="4" fill="hold">
+                            <p:stCondLst>
+                              <p:cond delay="0"/>
+                            </p:stCondLst>
+                            <p:childTnLst>
+                              <p:par>
+                                <p:cTn id="5" presetID="1" presetClass="entr" presetSubtype="0" fill="hold" grpId="0" nodeType="withEffect">
+                                  <p:stCondLst>
+                                    <p:cond delay="0"/>
+                                  </p:stCondLst>
+                                  <p:childTnLst>
+                                    <p:set>
+                                      <p:cBhvr>
+                                        <p:cTn id="6" dur="1" fill="hold">
+                                          <p:stCondLst>
+                                            <p:cond delay="0"/>
+                                          </p:stCondLst>
+                                        </p:cTn>
+                                        <p:tgtEl>
+                                          <p:spTgt spid="3">
+                                            <p:txEl>
+                                              <p:pRg st="0" end="0"/>
+                                            </p:txEl>
+                                          </p:spTgt>
+                                        </p:tgtEl>
+                                        <p:attrNameLst>
+                                          <p:attrName>style.visibility</p:attrName>
+                                        </p:attrNameLst>
+                                      </p:cBhvr>
+                                      <p:to>
+                                        <p:strVal val="visible"/>
+                                      </p:to>
+                                    </p:set>
+                                  </p:childTnLst>
+                                </p:cTn>
+                              </p:par>
+                            </p:childTnLst>
+                          </p:cTn>
+                        </p:par>
+                      </p:childTnLst>
+                    </p:cTn>
+                  </p:par>
+                  <p:par>
+                    <p:cTn id="7" fill="hold">
+                      <p:stCondLst>
+                        <p:cond delay="indefinite"/>
+                      </p:stCondLst>
+                      <p:childTnLst>
+                        <p:par>
+                          <p:cTn id="8" fill="hold">
+                            <p:stCondLst>
+                              <p:cond delay="0"/>
+                            </p:stCondLst>
+                            <p:childTnLst>
+                              <p:par>
+                                <p:cTn id="9" presetID="1" presetClass="entr" presetSubtype="0" fill="hold" grpId="0" nodeType="clickEffect">
+                                  <p:stCondLst>
+                                    <p:cond delay="0"/>
+                                  </p:stCondLst>
+                                  <p:childTnLst>
+                                    <p:set>
+                                      <p:cBhvr>
+                                        <p:cTn id="10" dur="1" fill="hold">
+                                          <p:stCondLst>
+                                            <p:cond delay="0"/>
+                                          </p:stCondLst>
+                                        </p:cTn>
+                                        <p:tgtEl>
+                                          <p:spTgt spid="3">
+                                            <p:txEl>
+                                              <p:pRg st="1" end="1"/>
+                                            </p:txEl>
+                                          </p:spTgt>
+                                        </p:tgtEl>
+                                        <p:attrNameLst>
+                                          <p:attrName>style.visibility</p:attrName>
+                                        </p:attrNameLst>
+                                      </p:cBhvr>
+                                      <p:to>
+                                        <p:strVal val="visible"/>
+                                      </p:to>
+                                    </p:set>
+                                  </p:childTnLst>
+                                </p:cTn>
+                              </p:par>
+                              <p:par>
+                                <p:cTn id="11" presetID="1" presetClass="entr" presetSubtype="0" fill="hold" grpId="0" nodeType="withEffect">
+                                  <p:stCondLst>
+                                    <p:cond delay="0"/>
+                                  </p:stCondLst>
+                                  <p:childTnLst>
+                                    <p:set>
+                                      <p:cBhvr>
+                                        <p:cTn id="12" dur="1" fill="hold">
+                                          <p:stCondLst>
+                                            <p:cond delay="0"/>
+                                          </p:stCondLst>
+                                        </p:cTn>
+                                        <p:tgtEl>
+                                          <p:spTgt spid="3">
+                                            <p:txEl>
+                                              <p:pRg st="2" end="2"/>
+                                            </p:txEl>
+                                          </p:spTgt>
+                                        </p:tgtEl>
+                                        <p:attrNameLst>
+                                          <p:attrName>style.visibility</p:attrName>
+                                        </p:attrNameLst>
+                                      </p:cBhvr>
+                                      <p:to>
+                                        <p:strVal val="visible"/>
+                                      </p:to>
+                                    </p:set>
+                                  </p:childTnLst>
+                                </p:cTn>
+                              </p:par>
+                              <p:par>
+                                <p:cTn id="13" presetID="1" presetClass="entr" presetSubtype="0" fill="hold" grpId="0" nodeType="withEffect">
+                                  <p:stCondLst>
+                                    <p:cond delay="0"/>
+                                  </p:stCondLst>
+                                  <p:childTnLst>
+                                    <p:set>
+                                      <p:cBhvr>
+                                        <p:cTn id="14" dur="1" fill="hold">
+                                          <p:stCondLst>
+                                            <p:cond delay="0"/>
+                                          </p:stCondLst>
+                                        </p:cTn>
+                                        <p:tgtEl>
+                                          <p:spTgt spid="3">
+                                            <p:txEl>
+                                              <p:pRg st="3" end="3"/>
+                                            </p:txEl>
+                                          </p:spTgt>
+                                        </p:tgtEl>
+                                        <p:attrNameLst>
+                                          <p:attrName>style.visibility</p:attrName>
+                                        </p:attrNameLst>
+                                      </p:cBhvr>
+                                      <p:to>
+                                        <p:strVal val="visible"/>
+                                      </p:to>
+                                    </p:set>
+                                  </p:childTnLst>
+                                </p:cTn>
+                              </p:par>
+                            </p:childTnLst>
+                          </p:cTn>
+                        </p:par>
+                      </p:childTnLst>
+                    </p:cTn>
+                  </p:par>
+                  <p:par>
+                    <p:cTn id="15" fill="hold">
+                      <p:stCondLst>
+                        <p:cond delay="indefinite"/>
+                      </p:stCondLst>
+                      <p:childTnLst>
+                        <p:par>
+                          <p:cTn id="16" fill="hold">
+                            <p:stCondLst>
+                              <p:cond delay="0"/>
+                            </p:stCondLst>
+                            <p:childTnLst>
+                              <p:par>
+                                <p:cTn id="17" presetID="1" presetClass="entr" presetSubtype="0" fill="hold" grpId="0" nodeType="clickEffect">
+                                  <p:stCondLst>
+                                    <p:cond delay="0"/>
+                                  </p:stCondLst>
+                                  <p:childTnLst>
+                                    <p:set>
+                                      <p:cBhvr>
+                                        <p:cTn id="18" dur="1" fill="hold">
+                                          <p:stCondLst>
+                                            <p:cond delay="0"/>
+                                          </p:stCondLst>
+                                        </p:cTn>
+                                        <p:tgtEl>
+                                          <p:spTgt spid="3">
+                                            <p:txEl>
+                                              <p:pRg st="4" end="4"/>
+                                            </p:txEl>
+                                          </p:spTgt>
+                                        </p:tgtEl>
+                                        <p:attrNameLst>
+                                          <p:attrName>style.visibility</p:attrName>
+                                        </p:attrNameLst>
+                                      </p:cBhvr>
+                                      <p:to>
+                                        <p:strVal val="visible"/>
+                                      </p:to>
+                                    </p:set>
+                                  </p:childTnLst>
+                                </p:cTn>
+                              </p:par>
+                            </p:childTnLst>
+                          </p:cTn>
+                        </p:par>
+                      </p:childTnLst>
+                    </p:cTn>
+                  </p:par>
+                  <p:par>
+                    <p:cTn id="19" fill="hold">
+                      <p:stCondLst>
+                        <p:cond delay="indefinite"/>
+                      </p:stCondLst>
+                      <p:childTnLst>
+                        <p:par>
+                          <p:cTn id="20" fill="hold">
+                            <p:stCondLst>
+                              <p:cond delay="0"/>
+                            </p:stCondLst>
+                            <p:childTnLst>
+                              <p:par>
+                                <p:cTn id="21" presetID="1" presetClass="entr" presetSubtype="0" fill="hold" grpId="0" nodeType="clickEffect">
+                                  <p:stCondLst>
+                                    <p:cond delay="0"/>
+                                  </p:stCondLst>
+                                  <p:childTnLst>
+                                    <p:set>
+                                      <p:cBhvr>
+                                        <p:cTn id="22" dur="1" fill="hold">
+                                          <p:stCondLst>
+                                            <p:cond delay="0"/>
+                                          </p:stCondLst>
+                                        </p:cTn>
+                                        <p:tgtEl>
+                                          <p:spTgt spid="3">
+                                            <p:txEl>
+                                              <p:pRg st="5" end="5"/>
+                                            </p:txEl>
+                                          </p:spTgt>
+                                        </p:tgtEl>
+                                        <p:attrNameLst>
+                                          <p:attrName>style.visibility</p:attrName>
+                                        </p:attrNameLst>
+                                      </p:cBhvr>
+                                      <p:to>
+                                        <p:strVal val="visible"/>
+                                      </p:to>
+                                    </p:set>
+                                  </p:childTnLst>
+                                </p:cTn>
+                              </p:par>
+                            </p:childTnLst>
+                          </p:cTn>
+                        </p:par>
+                      </p:childTnLst>
+                    </p:cTn>
+                  </p:par>
+                  <p:par>
+                    <p:cTn id="23" fill="hold">
+                      <p:stCondLst>
+                        <p:cond delay="indefinite"/>
+                      </p:stCondLst>
+                      <p:childTnLst>
+                        <p:par>
+                          <p:cTn id="24" fill="hold">
+                            <p:stCondLst>
+                              <p:cond delay="0"/>
+                            </p:stCondLst>
+                            <p:childTnLst>
+                              <p:par>
+                                <p:cTn id="25" presetID="1" presetClass="entr" presetSubtype="0" fill="hold" grpId="0" nodeType="clickEffect">
+                                  <p:stCondLst>
+                                    <p:cond delay="0"/>
+                                  </p:stCondLst>
+                                  <p:childTnLst>
+                                    <p:set>
+                                      <p:cBhvr>
+                                        <p:cTn id="26" dur="1" fill="hold">
+                                          <p:stCondLst>
+                                            <p:cond delay="0"/>
+                                          </p:stCondLst>
+                                        </p:cTn>
+                                        <p:tgtEl>
+                                          <p:spTgt spid="3">
+                                            <p:txEl>
+                                              <p:pRg st="6" end="6"/>
+                                            </p:txEl>
+                                          </p:spTgt>
+                                        </p:tgtEl>
+                                        <p:attrNameLst>
+                                          <p:attrName>style.visibility</p:attrName>
+                                        </p:attrNameLst>
+                                      </p:cBhvr>
+                                      <p:to>
+                                        <p:strVal val="visible"/>
+                                      </p:to>
+                                    </p:set>
+                                  </p:childTnLst>
+                                </p:cTn>
+                              </p:par>
+                            </p:childTnLst>
+                          </p:cTn>
+                        </p:par>
+                      </p:childTnLst>
+                    </p:cTn>
+                  </p:par>
+                  <p:par>
+                    <p:cTn id="27" fill="hold">
+                      <p:stCondLst>
+                        <p:cond delay="indefinite"/>
+                      </p:stCondLst>
+                      <p:childTnLst>
+                        <p:par>
+                          <p:cTn id="28" fill="hold">
+                            <p:stCondLst>
+                              <p:cond delay="0"/>
+                            </p:stCondLst>
+                            <p:childTnLst>
+                              <p:par>
+                                <p:cTn id="29" presetID="1" presetClass="entr" presetSubtype="0" fill="hold" grpId="0" nodeType="clickEffect">
+                                  <p:stCondLst>
+                                    <p:cond delay="0"/>
+                                  </p:stCondLst>
+                                  <p:childTnLst>
+                                    <p:set>
+                                      <p:cBhvr>
+                                        <p:cTn id="30" dur="1" fill="hold">
+                                          <p:stCondLst>
+                                            <p:cond delay="0"/>
+                                          </p:stCondLst>
+                                        </p:cTn>
+                                        <p:tgtEl>
+                                          <p:spTgt spid="3">
+                                            <p:txEl>
+                                              <p:pRg st="7" end="7"/>
+                                            </p:txEl>
+                                          </p:spTgt>
+                                        </p:tgtEl>
+                                        <p:attrNameLst>
+                                          <p:attrName>style.visibility</p:attrName>
+                                        </p:attrNameLst>
+                                      </p:cBhvr>
+                                      <p:to>
+                                        <p:strVal val="visible"/>
+                                      </p:to>
+                                    </p:set>
+                                  </p:childTnLst>
+                                </p:cTn>
+                              </p:par>
+                            </p:childTnLst>
+                          </p:cTn>
+                        </p:par>
+                      </p:childTnLst>
+                    </p:cTn>
+                  </p:par>
+                </p:childTnLst>
+              </p:cTn>
+              <p:prevCondLst>
+                <p:cond evt="onPrev" delay="0">
+                  <p:tgtEl>
+                    <p:sldTgt/>
+                  </p:tgtEl>
+                </p:cond>
+              </p:prevCondLst>
+              <p:nextCondLst>
+                <p:cond evt="onNext" delay="0">
+                  <p:tgtEl>
+                    <p:sldTgt/>
+                  </p:tgtEl>
+                </p:cond>
+              </p:nextCondLst>
+            </p:seq>
+          </p:childTnLst>
+        </p:cTn>
+      </p:par>
+    </p:tnLst>
+    <p:bldLst>
+      <p:bldP spid="3" grpId="0" uiExpand="1" build="p" bldLvl="2"/>
+    </p:bldLst>
   </p:timing>
 </p:sld>
 </file>
@@ -9948,6 +11983,30 @@
                 <a:srgbClr val="C00000"/>
               </a:solidFill>
             </a:endParaRPr>
+          </a:p>
+        </p:txBody>
+      </p:sp>
+      <p:sp>
+        <p:nvSpPr>
+          <p:cNvPr id="4" name="Slide Number Placeholder 3"/>
+          <p:cNvSpPr>
+            <a:spLocks noGrp="1"/>
+          </p:cNvSpPr>
+          <p:nvPr>
+            <p:ph type="sldNum" sz="quarter" idx="12"/>
+          </p:nvPr>
+        </p:nvSpPr>
+        <p:spPr/>
+        <p:txBody>
+          <a:bodyPr/>
+          <a:lstStyle/>
+          <a:p>
+            <a:fld id="{B6F15528-21DE-4FAA-801E-634DDDAF4B2B}" type="slidenum">
+              <a:rPr lang="en-US" smtClean="0"/>
+              <a:pPr/>
+              <a:t>2</a:t>
+            </a:fld>
+            <a:endParaRPr lang="en-US"/>
           </a:p>
         </p:txBody>
       </p:sp>
@@ -10344,6 +12403,1614 @@
 </p:sld>
 </file>
 
+<file path=ppt/slides/slide20.xml><?xml version="1.0" encoding="utf-8"?>
+<p:sld xmlns:a="http://schemas.openxmlformats.org/drawingml/2006/main" xmlns:r="http://schemas.openxmlformats.org/officeDocument/2006/relationships" xmlns:p="http://schemas.openxmlformats.org/presentationml/2006/main">
+  <p:cSld>
+    <p:spTree>
+      <p:nvGrpSpPr>
+        <p:cNvPr id="1" name=""/>
+        <p:cNvGrpSpPr/>
+        <p:nvPr/>
+      </p:nvGrpSpPr>
+      <p:grpSpPr>
+        <a:xfrm>
+          <a:off x="0" y="0"/>
+          <a:ext cx="0" cy="0"/>
+          <a:chOff x="0" y="0"/>
+          <a:chExt cx="0" cy="0"/>
+        </a:xfrm>
+      </p:grpSpPr>
+      <p:sp>
+        <p:nvSpPr>
+          <p:cNvPr id="2" name="Title 1"/>
+          <p:cNvSpPr>
+            <a:spLocks noGrp="1"/>
+          </p:cNvSpPr>
+          <p:nvPr>
+            <p:ph type="title"/>
+          </p:nvPr>
+        </p:nvSpPr>
+        <p:spPr/>
+        <p:txBody>
+          <a:bodyPr/>
+          <a:lstStyle/>
+          <a:p>
+            <a:r>
+              <a:rPr lang="en-US" dirty="0" smtClean="0"/>
+              <a:t>Future objects</a:t>
+            </a:r>
+            <a:endParaRPr lang="nl-BE" dirty="0"/>
+          </a:p>
+        </p:txBody>
+      </p:sp>
+      <p:sp>
+        <p:nvSpPr>
+          <p:cNvPr id="3" name="Content Placeholder 2"/>
+          <p:cNvSpPr>
+            <a:spLocks noGrp="1"/>
+          </p:cNvSpPr>
+          <p:nvPr>
+            <p:ph idx="1"/>
+          </p:nvPr>
+        </p:nvSpPr>
+        <p:spPr/>
+        <p:txBody>
+          <a:bodyPr>
+            <a:normAutofit fontScale="92500" lnSpcReduction="10000"/>
+          </a:bodyPr>
+          <a:lstStyle/>
+          <a:p>
+            <a:r>
+              <a:rPr lang="en-US" dirty="0" smtClean="0"/>
+              <a:t>Similar to </a:t>
+            </a:r>
+            <a:r>
+              <a:rPr lang="en-US" dirty="0" err="1" smtClean="0">
+                <a:latin typeface="Courier New" panose="02070309020205020404" pitchFamily="49" charset="0"/>
+                <a:cs typeface="Courier New" panose="02070309020205020404" pitchFamily="49" charset="0"/>
+              </a:rPr>
+              <a:t>multiprocessing.AsyncResult</a:t>
+            </a:r>
+            <a:endParaRPr lang="en-US" dirty="0" smtClean="0">
+              <a:latin typeface="Courier New" panose="02070309020205020404" pitchFamily="49" charset="0"/>
+              <a:cs typeface="Courier New" panose="02070309020205020404" pitchFamily="49" charset="0"/>
+            </a:endParaRPr>
+          </a:p>
+          <a:p>
+            <a:r>
+              <a:rPr lang="en-US" dirty="0" smtClean="0"/>
+              <a:t>Methods</a:t>
+            </a:r>
+          </a:p>
+          <a:p>
+            <a:pPr lvl="1"/>
+            <a:r>
+              <a:rPr lang="en-US" dirty="0" smtClean="0">
+                <a:latin typeface="Courier New" panose="02070309020205020404" pitchFamily="49" charset="0"/>
+                <a:cs typeface="Courier New" panose="02070309020205020404" pitchFamily="49" charset="0"/>
+              </a:rPr>
+              <a:t>result()</a:t>
+            </a:r>
+            <a:r>
+              <a:rPr lang="en-US" dirty="0" smtClean="0"/>
+              <a:t>: waits for and returns result, takes optional time out</a:t>
+            </a:r>
+          </a:p>
+          <a:p>
+            <a:pPr lvl="1"/>
+            <a:r>
+              <a:rPr lang="en-US" dirty="0" smtClean="0">
+                <a:latin typeface="Courier New" panose="02070309020205020404" pitchFamily="49" charset="0"/>
+                <a:cs typeface="Courier New" panose="02070309020205020404" pitchFamily="49" charset="0"/>
+              </a:rPr>
+              <a:t>done()</a:t>
+            </a:r>
+            <a:r>
+              <a:rPr lang="en-US" dirty="0" smtClean="0"/>
+              <a:t>: True when done</a:t>
+            </a:r>
+          </a:p>
+          <a:p>
+            <a:pPr lvl="1"/>
+            <a:r>
+              <a:rPr lang="en-US" dirty="0" smtClean="0">
+                <a:latin typeface="Courier New" panose="02070309020205020404" pitchFamily="49" charset="0"/>
+                <a:cs typeface="Courier New" panose="02070309020205020404" pitchFamily="49" charset="0"/>
+              </a:rPr>
+              <a:t>running()</a:t>
+            </a:r>
+            <a:r>
+              <a:rPr lang="en-US" dirty="0" smtClean="0"/>
+              <a:t>: </a:t>
+            </a:r>
+            <a:r>
+              <a:rPr lang="en-US" dirty="0" smtClean="0">
+                <a:latin typeface="Courier New" panose="02070309020205020404" pitchFamily="49" charset="0"/>
+                <a:cs typeface="Courier New" panose="02070309020205020404" pitchFamily="49" charset="0"/>
+              </a:rPr>
+              <a:t>True</a:t>
+            </a:r>
+            <a:r>
+              <a:rPr lang="en-US" dirty="0" smtClean="0"/>
+              <a:t> when running and </a:t>
+            </a:r>
+            <a:r>
+              <a:rPr lang="en-US" dirty="0" err="1" smtClean="0"/>
+              <a:t>can not</a:t>
+            </a:r>
+            <a:r>
+              <a:rPr lang="en-US" dirty="0" smtClean="0"/>
+              <a:t> be cancelled</a:t>
+            </a:r>
+          </a:p>
+          <a:p>
+            <a:pPr lvl="1"/>
+            <a:r>
+              <a:rPr lang="en-US" dirty="0" smtClean="0">
+                <a:latin typeface="Courier New" panose="02070309020205020404" pitchFamily="49" charset="0"/>
+                <a:cs typeface="Courier New" panose="02070309020205020404" pitchFamily="49" charset="0"/>
+              </a:rPr>
+              <a:t>cancel()</a:t>
+            </a:r>
+            <a:r>
+              <a:rPr lang="en-US" dirty="0" smtClean="0"/>
+              <a:t>: try to cancel</a:t>
+            </a:r>
+          </a:p>
+          <a:p>
+            <a:pPr lvl="1"/>
+            <a:r>
+              <a:rPr lang="en-US" dirty="0" smtClean="0">
+                <a:latin typeface="Courier New" panose="02070309020205020404" pitchFamily="49" charset="0"/>
+                <a:cs typeface="Courier New" panose="02070309020205020404" pitchFamily="49" charset="0"/>
+              </a:rPr>
+              <a:t>cancelled()</a:t>
+            </a:r>
+            <a:r>
+              <a:rPr lang="en-US" dirty="0" smtClean="0"/>
+              <a:t>: </a:t>
+            </a:r>
+            <a:r>
+              <a:rPr lang="en-US" dirty="0" smtClean="0">
+                <a:latin typeface="Courier New" panose="02070309020205020404" pitchFamily="49" charset="0"/>
+                <a:cs typeface="Courier New" panose="02070309020205020404" pitchFamily="49" charset="0"/>
+              </a:rPr>
+              <a:t>True</a:t>
+            </a:r>
+            <a:r>
+              <a:rPr lang="en-US" dirty="0" smtClean="0"/>
+              <a:t> when successfully cancelled</a:t>
+            </a:r>
+            <a:endParaRPr lang="nl-BE" dirty="0"/>
+          </a:p>
+        </p:txBody>
+      </p:sp>
+      <p:sp>
+        <p:nvSpPr>
+          <p:cNvPr id="4" name="Slide Number Placeholder 3"/>
+          <p:cNvSpPr>
+            <a:spLocks noGrp="1"/>
+          </p:cNvSpPr>
+          <p:nvPr>
+            <p:ph type="sldNum" sz="quarter" idx="12"/>
+          </p:nvPr>
+        </p:nvSpPr>
+        <p:spPr/>
+        <p:txBody>
+          <a:bodyPr/>
+          <a:lstStyle/>
+          <a:p>
+            <a:fld id="{B6F15528-21DE-4FAA-801E-634DDDAF4B2B}" type="slidenum">
+              <a:rPr lang="en-US" smtClean="0"/>
+              <a:pPr/>
+              <a:t>20</a:t>
+            </a:fld>
+            <a:endParaRPr lang="en-US"/>
+          </a:p>
+        </p:txBody>
+      </p:sp>
+    </p:spTree>
+    <p:extLst>
+      <p:ext uri="{BB962C8B-B14F-4D97-AF65-F5344CB8AC3E}">
+        <p14:creationId xmlns:p14="http://schemas.microsoft.com/office/powerpoint/2010/main" val="1709955095"/>
+      </p:ext>
+    </p:extLst>
+  </p:cSld>
+  <p:clrMapOvr>
+    <a:masterClrMapping/>
+  </p:clrMapOvr>
+  <p:timing>
+    <p:tnLst>
+      <p:par>
+        <p:cTn id="1" dur="indefinite" restart="never" nodeType="tmRoot">
+          <p:childTnLst>
+            <p:seq concurrent="1" nextAc="seek">
+              <p:cTn id="2" dur="indefinite" nodeType="mainSeq">
+                <p:childTnLst>
+                  <p:par>
+                    <p:cTn id="3" fill="hold">
+                      <p:stCondLst>
+                        <p:cond delay="indefinite"/>
+                        <p:cond evt="onBegin" delay="0">
+                          <p:tn val="2"/>
+                        </p:cond>
+                      </p:stCondLst>
+                      <p:childTnLst>
+                        <p:par>
+                          <p:cTn id="4" fill="hold">
+                            <p:stCondLst>
+                              <p:cond delay="0"/>
+                            </p:stCondLst>
+                            <p:childTnLst>
+                              <p:par>
+                                <p:cTn id="5" presetID="1" presetClass="entr" presetSubtype="0" fill="hold" grpId="0" nodeType="withEffect">
+                                  <p:stCondLst>
+                                    <p:cond delay="0"/>
+                                  </p:stCondLst>
+                                  <p:childTnLst>
+                                    <p:set>
+                                      <p:cBhvr>
+                                        <p:cTn id="6" dur="1" fill="hold">
+                                          <p:stCondLst>
+                                            <p:cond delay="0"/>
+                                          </p:stCondLst>
+                                        </p:cTn>
+                                        <p:tgtEl>
+                                          <p:spTgt spid="3">
+                                            <p:txEl>
+                                              <p:pRg st="0" end="0"/>
+                                            </p:txEl>
+                                          </p:spTgt>
+                                        </p:tgtEl>
+                                        <p:attrNameLst>
+                                          <p:attrName>style.visibility</p:attrName>
+                                        </p:attrNameLst>
+                                      </p:cBhvr>
+                                      <p:to>
+                                        <p:strVal val="visible"/>
+                                      </p:to>
+                                    </p:set>
+                                  </p:childTnLst>
+                                </p:cTn>
+                              </p:par>
+                              <p:par>
+                                <p:cTn id="7" presetID="1" presetClass="entr" presetSubtype="0" fill="hold" grpId="0" nodeType="withEffect">
+                                  <p:stCondLst>
+                                    <p:cond delay="0"/>
+                                  </p:stCondLst>
+                                  <p:childTnLst>
+                                    <p:set>
+                                      <p:cBhvr>
+                                        <p:cTn id="8" dur="1" fill="hold">
+                                          <p:stCondLst>
+                                            <p:cond delay="0"/>
+                                          </p:stCondLst>
+                                        </p:cTn>
+                                        <p:tgtEl>
+                                          <p:spTgt spid="3">
+                                            <p:txEl>
+                                              <p:pRg st="1" end="1"/>
+                                            </p:txEl>
+                                          </p:spTgt>
+                                        </p:tgtEl>
+                                        <p:attrNameLst>
+                                          <p:attrName>style.visibility</p:attrName>
+                                        </p:attrNameLst>
+                                      </p:cBhvr>
+                                      <p:to>
+                                        <p:strVal val="visible"/>
+                                      </p:to>
+                                    </p:set>
+                                  </p:childTnLst>
+                                </p:cTn>
+                              </p:par>
+                            </p:childTnLst>
+                          </p:cTn>
+                        </p:par>
+                      </p:childTnLst>
+                    </p:cTn>
+                  </p:par>
+                  <p:par>
+                    <p:cTn id="9" fill="hold">
+                      <p:stCondLst>
+                        <p:cond delay="indefinite"/>
+                      </p:stCondLst>
+                      <p:childTnLst>
+                        <p:par>
+                          <p:cTn id="10" fill="hold">
+                            <p:stCondLst>
+                              <p:cond delay="0"/>
+                            </p:stCondLst>
+                            <p:childTnLst>
+                              <p:par>
+                                <p:cTn id="11" presetID="1" presetClass="entr" presetSubtype="0" fill="hold" grpId="0" nodeType="clickEffect">
+                                  <p:stCondLst>
+                                    <p:cond delay="0"/>
+                                  </p:stCondLst>
+                                  <p:childTnLst>
+                                    <p:set>
+                                      <p:cBhvr>
+                                        <p:cTn id="12" dur="1" fill="hold">
+                                          <p:stCondLst>
+                                            <p:cond delay="0"/>
+                                          </p:stCondLst>
+                                        </p:cTn>
+                                        <p:tgtEl>
+                                          <p:spTgt spid="3">
+                                            <p:txEl>
+                                              <p:pRg st="2" end="2"/>
+                                            </p:txEl>
+                                          </p:spTgt>
+                                        </p:tgtEl>
+                                        <p:attrNameLst>
+                                          <p:attrName>style.visibility</p:attrName>
+                                        </p:attrNameLst>
+                                      </p:cBhvr>
+                                      <p:to>
+                                        <p:strVal val="visible"/>
+                                      </p:to>
+                                    </p:set>
+                                  </p:childTnLst>
+                                </p:cTn>
+                              </p:par>
+                            </p:childTnLst>
+                          </p:cTn>
+                        </p:par>
+                      </p:childTnLst>
+                    </p:cTn>
+                  </p:par>
+                  <p:par>
+                    <p:cTn id="13" fill="hold">
+                      <p:stCondLst>
+                        <p:cond delay="indefinite"/>
+                      </p:stCondLst>
+                      <p:childTnLst>
+                        <p:par>
+                          <p:cTn id="14" fill="hold">
+                            <p:stCondLst>
+                              <p:cond delay="0"/>
+                            </p:stCondLst>
+                            <p:childTnLst>
+                              <p:par>
+                                <p:cTn id="15" presetID="1" presetClass="entr" presetSubtype="0" fill="hold" grpId="0" nodeType="clickEffect">
+                                  <p:stCondLst>
+                                    <p:cond delay="0"/>
+                                  </p:stCondLst>
+                                  <p:childTnLst>
+                                    <p:set>
+                                      <p:cBhvr>
+                                        <p:cTn id="16" dur="1" fill="hold">
+                                          <p:stCondLst>
+                                            <p:cond delay="0"/>
+                                          </p:stCondLst>
+                                        </p:cTn>
+                                        <p:tgtEl>
+                                          <p:spTgt spid="3">
+                                            <p:txEl>
+                                              <p:pRg st="3" end="3"/>
+                                            </p:txEl>
+                                          </p:spTgt>
+                                        </p:tgtEl>
+                                        <p:attrNameLst>
+                                          <p:attrName>style.visibility</p:attrName>
+                                        </p:attrNameLst>
+                                      </p:cBhvr>
+                                      <p:to>
+                                        <p:strVal val="visible"/>
+                                      </p:to>
+                                    </p:set>
+                                  </p:childTnLst>
+                                </p:cTn>
+                              </p:par>
+                            </p:childTnLst>
+                          </p:cTn>
+                        </p:par>
+                      </p:childTnLst>
+                    </p:cTn>
+                  </p:par>
+                  <p:par>
+                    <p:cTn id="17" fill="hold">
+                      <p:stCondLst>
+                        <p:cond delay="indefinite"/>
+                      </p:stCondLst>
+                      <p:childTnLst>
+                        <p:par>
+                          <p:cTn id="18" fill="hold">
+                            <p:stCondLst>
+                              <p:cond delay="0"/>
+                            </p:stCondLst>
+                            <p:childTnLst>
+                              <p:par>
+                                <p:cTn id="19" presetID="1" presetClass="entr" presetSubtype="0" fill="hold" grpId="0" nodeType="clickEffect">
+                                  <p:stCondLst>
+                                    <p:cond delay="0"/>
+                                  </p:stCondLst>
+                                  <p:childTnLst>
+                                    <p:set>
+                                      <p:cBhvr>
+                                        <p:cTn id="20" dur="1" fill="hold">
+                                          <p:stCondLst>
+                                            <p:cond delay="0"/>
+                                          </p:stCondLst>
+                                        </p:cTn>
+                                        <p:tgtEl>
+                                          <p:spTgt spid="3">
+                                            <p:txEl>
+                                              <p:pRg st="4" end="4"/>
+                                            </p:txEl>
+                                          </p:spTgt>
+                                        </p:tgtEl>
+                                        <p:attrNameLst>
+                                          <p:attrName>style.visibility</p:attrName>
+                                        </p:attrNameLst>
+                                      </p:cBhvr>
+                                      <p:to>
+                                        <p:strVal val="visible"/>
+                                      </p:to>
+                                    </p:set>
+                                  </p:childTnLst>
+                                </p:cTn>
+                              </p:par>
+                            </p:childTnLst>
+                          </p:cTn>
+                        </p:par>
+                      </p:childTnLst>
+                    </p:cTn>
+                  </p:par>
+                  <p:par>
+                    <p:cTn id="21" fill="hold">
+                      <p:stCondLst>
+                        <p:cond delay="indefinite"/>
+                      </p:stCondLst>
+                      <p:childTnLst>
+                        <p:par>
+                          <p:cTn id="22" fill="hold">
+                            <p:stCondLst>
+                              <p:cond delay="0"/>
+                            </p:stCondLst>
+                            <p:childTnLst>
+                              <p:par>
+                                <p:cTn id="23" presetID="1" presetClass="entr" presetSubtype="0" fill="hold" grpId="0" nodeType="clickEffect">
+                                  <p:stCondLst>
+                                    <p:cond delay="0"/>
+                                  </p:stCondLst>
+                                  <p:childTnLst>
+                                    <p:set>
+                                      <p:cBhvr>
+                                        <p:cTn id="24" dur="1" fill="hold">
+                                          <p:stCondLst>
+                                            <p:cond delay="0"/>
+                                          </p:stCondLst>
+                                        </p:cTn>
+                                        <p:tgtEl>
+                                          <p:spTgt spid="3">
+                                            <p:txEl>
+                                              <p:pRg st="5" end="5"/>
+                                            </p:txEl>
+                                          </p:spTgt>
+                                        </p:tgtEl>
+                                        <p:attrNameLst>
+                                          <p:attrName>style.visibility</p:attrName>
+                                        </p:attrNameLst>
+                                      </p:cBhvr>
+                                      <p:to>
+                                        <p:strVal val="visible"/>
+                                      </p:to>
+                                    </p:set>
+                                  </p:childTnLst>
+                                </p:cTn>
+                              </p:par>
+                            </p:childTnLst>
+                          </p:cTn>
+                        </p:par>
+                      </p:childTnLst>
+                    </p:cTn>
+                  </p:par>
+                  <p:par>
+                    <p:cTn id="25" fill="hold">
+                      <p:stCondLst>
+                        <p:cond delay="indefinite"/>
+                      </p:stCondLst>
+                      <p:childTnLst>
+                        <p:par>
+                          <p:cTn id="26" fill="hold">
+                            <p:stCondLst>
+                              <p:cond delay="0"/>
+                            </p:stCondLst>
+                            <p:childTnLst>
+                              <p:par>
+                                <p:cTn id="27" presetID="1" presetClass="entr" presetSubtype="0" fill="hold" grpId="0" nodeType="clickEffect">
+                                  <p:stCondLst>
+                                    <p:cond delay="0"/>
+                                  </p:stCondLst>
+                                  <p:childTnLst>
+                                    <p:set>
+                                      <p:cBhvr>
+                                        <p:cTn id="28" dur="1" fill="hold">
+                                          <p:stCondLst>
+                                            <p:cond delay="0"/>
+                                          </p:stCondLst>
+                                        </p:cTn>
+                                        <p:tgtEl>
+                                          <p:spTgt spid="3">
+                                            <p:txEl>
+                                              <p:pRg st="6" end="6"/>
+                                            </p:txEl>
+                                          </p:spTgt>
+                                        </p:tgtEl>
+                                        <p:attrNameLst>
+                                          <p:attrName>style.visibility</p:attrName>
+                                        </p:attrNameLst>
+                                      </p:cBhvr>
+                                      <p:to>
+                                        <p:strVal val="visible"/>
+                                      </p:to>
+                                    </p:set>
+                                  </p:childTnLst>
+                                </p:cTn>
+                              </p:par>
+                            </p:childTnLst>
+                          </p:cTn>
+                        </p:par>
+                      </p:childTnLst>
+                    </p:cTn>
+                  </p:par>
+                </p:childTnLst>
+              </p:cTn>
+              <p:prevCondLst>
+                <p:cond evt="onPrev" delay="0">
+                  <p:tgtEl>
+                    <p:sldTgt/>
+                  </p:tgtEl>
+                </p:cond>
+              </p:prevCondLst>
+              <p:nextCondLst>
+                <p:cond evt="onNext" delay="0">
+                  <p:tgtEl>
+                    <p:sldTgt/>
+                  </p:tgtEl>
+                </p:cond>
+              </p:nextCondLst>
+            </p:seq>
+          </p:childTnLst>
+        </p:cTn>
+      </p:par>
+    </p:tnLst>
+    <p:bldLst>
+      <p:bldP spid="3" grpId="0" uiExpand="1" build="p" bldLvl="2"/>
+    </p:bldLst>
+  </p:timing>
+</p:sld>
+</file>
+
+<file path=ppt/slides/slide21.xml><?xml version="1.0" encoding="utf-8"?>
+<p:sld xmlns:a="http://schemas.openxmlformats.org/drawingml/2006/main" xmlns:r="http://schemas.openxmlformats.org/officeDocument/2006/relationships" xmlns:p="http://schemas.openxmlformats.org/presentationml/2006/main">
+  <p:cSld>
+    <p:spTree>
+      <p:nvGrpSpPr>
+        <p:cNvPr id="1" name=""/>
+        <p:cNvGrpSpPr/>
+        <p:nvPr/>
+      </p:nvGrpSpPr>
+      <p:grpSpPr>
+        <a:xfrm>
+          <a:off x="0" y="0"/>
+          <a:ext cx="0" cy="0"/>
+          <a:chOff x="0" y="0"/>
+          <a:chExt cx="0" cy="0"/>
+        </a:xfrm>
+      </p:grpSpPr>
+      <p:sp>
+        <p:nvSpPr>
+          <p:cNvPr id="2" name="Title 1"/>
+          <p:cNvSpPr>
+            <a:spLocks noGrp="1"/>
+          </p:cNvSpPr>
+          <p:nvPr>
+            <p:ph type="title"/>
+          </p:nvPr>
+        </p:nvSpPr>
+        <p:spPr/>
+        <p:txBody>
+          <a:bodyPr/>
+          <a:lstStyle/>
+          <a:p>
+            <a:r>
+              <a:rPr lang="en-US" dirty="0" smtClean="0">
+                <a:latin typeface="Tahoma"/>
+                <a:ea typeface="Tahoma"/>
+                <a:cs typeface="Tahoma"/>
+                <a:sym typeface="Symbol"/>
+              </a:rPr>
+              <a:t></a:t>
+            </a:r>
+            <a:r>
+              <a:rPr lang="en-US" dirty="0" smtClean="0"/>
+              <a:t> from the future</a:t>
+            </a:r>
+            <a:endParaRPr lang="nl-BE" dirty="0"/>
+          </a:p>
+        </p:txBody>
+      </p:sp>
+      <p:sp>
+        <p:nvSpPr>
+          <p:cNvPr id="4" name="TextBox 3"/>
+          <p:cNvSpPr txBox="1"/>
+          <p:nvPr/>
+        </p:nvSpPr>
+        <p:spPr>
+          <a:xfrm>
+            <a:off x="76200" y="1600200"/>
+            <a:ext cx="9007594" cy="2585323"/>
+          </a:xfrm>
+          <a:prstGeom prst="rect">
+            <a:avLst/>
+          </a:prstGeom>
+          <a:solidFill>
+            <a:schemeClr val="bg1">
+              <a:lumMod val="85000"/>
+            </a:schemeClr>
+          </a:solidFill>
+        </p:spPr>
+        <p:txBody>
+          <a:bodyPr wrap="square" rtlCol="0">
+            <a:spAutoFit/>
+          </a:bodyPr>
+          <a:lstStyle/>
+          <a:p>
+            <a:r>
+              <a:rPr lang="nl-BE" dirty="0" err="1">
+                <a:latin typeface="Courier New" panose="02070309020205020404" pitchFamily="49" charset="0"/>
+                <a:cs typeface="Courier New" panose="02070309020205020404" pitchFamily="49" charset="0"/>
+              </a:rPr>
+              <a:t>def</a:t>
+            </a:r>
+            <a:r>
+              <a:rPr lang="nl-BE" dirty="0">
+                <a:latin typeface="Courier New" panose="02070309020205020404" pitchFamily="49" charset="0"/>
+                <a:cs typeface="Courier New" panose="02070309020205020404" pitchFamily="49" charset="0"/>
+              </a:rPr>
+              <a:t> </a:t>
+            </a:r>
+            <a:r>
+              <a:rPr lang="nl-BE" dirty="0" err="1">
+                <a:latin typeface="Courier New" panose="02070309020205020404" pitchFamily="49" charset="0"/>
+                <a:cs typeface="Courier New" panose="02070309020205020404" pitchFamily="49" charset="0"/>
+              </a:rPr>
+              <a:t>partial_pi</a:t>
+            </a:r>
+            <a:r>
+              <a:rPr lang="nl-BE" dirty="0">
+                <a:latin typeface="Courier New" panose="02070309020205020404" pitchFamily="49" charset="0"/>
+                <a:cs typeface="Courier New" panose="02070309020205020404" pitchFamily="49" charset="0"/>
+              </a:rPr>
+              <a:t>(</a:t>
+            </a:r>
+            <a:r>
+              <a:rPr lang="nl-BE" dirty="0" err="1">
+                <a:latin typeface="Courier New" panose="02070309020205020404" pitchFamily="49" charset="0"/>
+                <a:cs typeface="Courier New" panose="02070309020205020404" pitchFamily="49" charset="0"/>
+              </a:rPr>
+              <a:t>args</a:t>
+            </a:r>
+            <a:r>
+              <a:rPr lang="nl-BE" dirty="0">
+                <a:latin typeface="Courier New" panose="02070309020205020404" pitchFamily="49" charset="0"/>
+                <a:cs typeface="Courier New" panose="02070309020205020404" pitchFamily="49" charset="0"/>
+              </a:rPr>
+              <a:t>=(1000, )):</a:t>
+            </a:r>
+          </a:p>
+          <a:p>
+            <a:r>
+              <a:rPr lang="nl-BE" dirty="0">
+                <a:latin typeface="Courier New" panose="02070309020205020404" pitchFamily="49" charset="0"/>
+                <a:cs typeface="Courier New" panose="02070309020205020404" pitchFamily="49" charset="0"/>
+              </a:rPr>
+              <a:t>    </a:t>
+            </a:r>
+            <a:r>
+              <a:rPr lang="nl-BE" dirty="0" err="1">
+                <a:latin typeface="Courier New" panose="02070309020205020404" pitchFamily="49" charset="0"/>
+                <a:cs typeface="Courier New" panose="02070309020205020404" pitchFamily="49" charset="0"/>
+              </a:rPr>
+              <a:t>nr_tries</a:t>
+            </a:r>
+            <a:r>
+              <a:rPr lang="nl-BE" dirty="0">
+                <a:latin typeface="Courier New" panose="02070309020205020404" pitchFamily="49" charset="0"/>
+                <a:cs typeface="Courier New" panose="02070309020205020404" pitchFamily="49" charset="0"/>
+              </a:rPr>
+              <a:t> = </a:t>
+            </a:r>
+            <a:r>
+              <a:rPr lang="nl-BE" dirty="0" err="1">
+                <a:latin typeface="Courier New" panose="02070309020205020404" pitchFamily="49" charset="0"/>
+                <a:cs typeface="Courier New" panose="02070309020205020404" pitchFamily="49" charset="0"/>
+              </a:rPr>
+              <a:t>args</a:t>
+            </a:r>
+            <a:r>
+              <a:rPr lang="nl-BE" dirty="0">
+                <a:latin typeface="Courier New" panose="02070309020205020404" pitchFamily="49" charset="0"/>
+                <a:cs typeface="Courier New" panose="02070309020205020404" pitchFamily="49" charset="0"/>
+              </a:rPr>
+              <a:t>[0]</a:t>
+            </a:r>
+          </a:p>
+          <a:p>
+            <a:r>
+              <a:rPr lang="nl-BE" dirty="0">
+                <a:latin typeface="Courier New" panose="02070309020205020404" pitchFamily="49" charset="0"/>
+                <a:cs typeface="Courier New" panose="02070309020205020404" pitchFamily="49" charset="0"/>
+              </a:rPr>
+              <a:t>    </a:t>
+            </a:r>
+            <a:r>
+              <a:rPr lang="nl-BE" dirty="0" err="1">
+                <a:latin typeface="Courier New" panose="02070309020205020404" pitchFamily="49" charset="0"/>
+                <a:cs typeface="Courier New" panose="02070309020205020404" pitchFamily="49" charset="0"/>
+              </a:rPr>
+              <a:t>nr_hits</a:t>
+            </a:r>
+            <a:r>
+              <a:rPr lang="nl-BE" dirty="0">
+                <a:latin typeface="Courier New" panose="02070309020205020404" pitchFamily="49" charset="0"/>
+                <a:cs typeface="Courier New" panose="02070309020205020404" pitchFamily="49" charset="0"/>
+              </a:rPr>
+              <a:t> = 0</a:t>
+            </a:r>
+          </a:p>
+          <a:p>
+            <a:r>
+              <a:rPr lang="nl-BE" dirty="0">
+                <a:latin typeface="Courier New" panose="02070309020205020404" pitchFamily="49" charset="0"/>
+                <a:cs typeface="Courier New" panose="02070309020205020404" pitchFamily="49" charset="0"/>
+              </a:rPr>
+              <a:t>    </a:t>
+            </a:r>
+            <a:r>
+              <a:rPr lang="nl-BE" dirty="0" err="1">
+                <a:latin typeface="Courier New" panose="02070309020205020404" pitchFamily="49" charset="0"/>
+                <a:cs typeface="Courier New" panose="02070309020205020404" pitchFamily="49" charset="0"/>
+              </a:rPr>
+              <a:t>for</a:t>
+            </a:r>
+            <a:r>
+              <a:rPr lang="nl-BE" dirty="0">
+                <a:latin typeface="Courier New" panose="02070309020205020404" pitchFamily="49" charset="0"/>
+                <a:cs typeface="Courier New" panose="02070309020205020404" pitchFamily="49" charset="0"/>
+              </a:rPr>
+              <a:t> _ in range(</a:t>
+            </a:r>
+            <a:r>
+              <a:rPr lang="nl-BE" dirty="0" err="1">
+                <a:latin typeface="Courier New" panose="02070309020205020404" pitchFamily="49" charset="0"/>
+                <a:cs typeface="Courier New" panose="02070309020205020404" pitchFamily="49" charset="0"/>
+              </a:rPr>
+              <a:t>nr_tries</a:t>
+            </a:r>
+            <a:r>
+              <a:rPr lang="nl-BE" dirty="0">
+                <a:latin typeface="Courier New" panose="02070309020205020404" pitchFamily="49" charset="0"/>
+                <a:cs typeface="Courier New" panose="02070309020205020404" pitchFamily="49" charset="0"/>
+              </a:rPr>
+              <a:t>):</a:t>
+            </a:r>
+          </a:p>
+          <a:p>
+            <a:r>
+              <a:rPr lang="nl-BE" dirty="0">
+                <a:latin typeface="Courier New" panose="02070309020205020404" pitchFamily="49" charset="0"/>
+                <a:cs typeface="Courier New" panose="02070309020205020404" pitchFamily="49" charset="0"/>
+              </a:rPr>
+              <a:t>        x = </a:t>
+            </a:r>
+            <a:r>
+              <a:rPr lang="nl-BE" dirty="0" err="1">
+                <a:latin typeface="Courier New" panose="02070309020205020404" pitchFamily="49" charset="0"/>
+                <a:cs typeface="Courier New" panose="02070309020205020404" pitchFamily="49" charset="0"/>
+              </a:rPr>
+              <a:t>random.random</a:t>
+            </a:r>
+            <a:r>
+              <a:rPr lang="nl-BE" dirty="0">
+                <a:latin typeface="Courier New" panose="02070309020205020404" pitchFamily="49" charset="0"/>
+                <a:cs typeface="Courier New" panose="02070309020205020404" pitchFamily="49" charset="0"/>
+              </a:rPr>
+              <a:t>()</a:t>
+            </a:r>
+          </a:p>
+          <a:p>
+            <a:r>
+              <a:rPr lang="nl-BE" dirty="0">
+                <a:latin typeface="Courier New" panose="02070309020205020404" pitchFamily="49" charset="0"/>
+                <a:cs typeface="Courier New" panose="02070309020205020404" pitchFamily="49" charset="0"/>
+              </a:rPr>
+              <a:t>        y = </a:t>
+            </a:r>
+            <a:r>
+              <a:rPr lang="nl-BE" dirty="0" err="1">
+                <a:latin typeface="Courier New" panose="02070309020205020404" pitchFamily="49" charset="0"/>
+                <a:cs typeface="Courier New" panose="02070309020205020404" pitchFamily="49" charset="0"/>
+              </a:rPr>
+              <a:t>random.random</a:t>
+            </a:r>
+            <a:r>
+              <a:rPr lang="nl-BE" dirty="0">
+                <a:latin typeface="Courier New" panose="02070309020205020404" pitchFamily="49" charset="0"/>
+                <a:cs typeface="Courier New" panose="02070309020205020404" pitchFamily="49" charset="0"/>
+              </a:rPr>
+              <a:t>()</a:t>
+            </a:r>
+          </a:p>
+          <a:p>
+            <a:r>
+              <a:rPr lang="nl-BE" dirty="0">
+                <a:latin typeface="Courier New" panose="02070309020205020404" pitchFamily="49" charset="0"/>
+                <a:cs typeface="Courier New" panose="02070309020205020404" pitchFamily="49" charset="0"/>
+              </a:rPr>
+              <a:t>        </a:t>
+            </a:r>
+            <a:r>
+              <a:rPr lang="nl-BE" dirty="0" err="1">
+                <a:latin typeface="Courier New" panose="02070309020205020404" pitchFamily="49" charset="0"/>
+                <a:cs typeface="Courier New" panose="02070309020205020404" pitchFamily="49" charset="0"/>
+              </a:rPr>
+              <a:t>if</a:t>
+            </a:r>
+            <a:r>
+              <a:rPr lang="nl-BE" dirty="0">
+                <a:latin typeface="Courier New" panose="02070309020205020404" pitchFamily="49" charset="0"/>
+                <a:cs typeface="Courier New" panose="02070309020205020404" pitchFamily="49" charset="0"/>
+              </a:rPr>
+              <a:t> x**2 + y**2 &lt; 1.0:</a:t>
+            </a:r>
+          </a:p>
+          <a:p>
+            <a:r>
+              <a:rPr lang="nl-BE" dirty="0">
+                <a:latin typeface="Courier New" panose="02070309020205020404" pitchFamily="49" charset="0"/>
+                <a:cs typeface="Courier New" panose="02070309020205020404" pitchFamily="49" charset="0"/>
+              </a:rPr>
+              <a:t>            </a:t>
+            </a:r>
+            <a:r>
+              <a:rPr lang="nl-BE" dirty="0" err="1">
+                <a:latin typeface="Courier New" panose="02070309020205020404" pitchFamily="49" charset="0"/>
+                <a:cs typeface="Courier New" panose="02070309020205020404" pitchFamily="49" charset="0"/>
+              </a:rPr>
+              <a:t>nr_hits</a:t>
+            </a:r>
+            <a:r>
+              <a:rPr lang="nl-BE" dirty="0">
+                <a:latin typeface="Courier New" panose="02070309020205020404" pitchFamily="49" charset="0"/>
+                <a:cs typeface="Courier New" panose="02070309020205020404" pitchFamily="49" charset="0"/>
+              </a:rPr>
+              <a:t> += 1</a:t>
+            </a:r>
+          </a:p>
+          <a:p>
+            <a:r>
+              <a:rPr lang="nl-BE" dirty="0">
+                <a:latin typeface="Courier New" panose="02070309020205020404" pitchFamily="49" charset="0"/>
+                <a:cs typeface="Courier New" panose="02070309020205020404" pitchFamily="49" charset="0"/>
+              </a:rPr>
+              <a:t>    return 4.0*</a:t>
+            </a:r>
+            <a:r>
+              <a:rPr lang="nl-BE" dirty="0" err="1">
+                <a:latin typeface="Courier New" panose="02070309020205020404" pitchFamily="49" charset="0"/>
+                <a:cs typeface="Courier New" panose="02070309020205020404" pitchFamily="49" charset="0"/>
+              </a:rPr>
+              <a:t>nr_hits</a:t>
+            </a:r>
+            <a:r>
+              <a:rPr lang="nl-BE" dirty="0">
+                <a:latin typeface="Courier New" panose="02070309020205020404" pitchFamily="49" charset="0"/>
+                <a:cs typeface="Courier New" panose="02070309020205020404" pitchFamily="49" charset="0"/>
+              </a:rPr>
+              <a:t>/</a:t>
+            </a:r>
+            <a:r>
+              <a:rPr lang="nl-BE" dirty="0" err="1">
+                <a:latin typeface="Courier New" panose="02070309020205020404" pitchFamily="49" charset="0"/>
+                <a:cs typeface="Courier New" panose="02070309020205020404" pitchFamily="49" charset="0"/>
+              </a:rPr>
+              <a:t>nr_tries</a:t>
+            </a:r>
+            <a:endParaRPr lang="nl-BE" dirty="0">
+              <a:latin typeface="Courier New" panose="02070309020205020404" pitchFamily="49" charset="0"/>
+              <a:cs typeface="Courier New" panose="02070309020205020404" pitchFamily="49" charset="0"/>
+            </a:endParaRPr>
+          </a:p>
+        </p:txBody>
+      </p:sp>
+      <p:sp>
+        <p:nvSpPr>
+          <p:cNvPr id="5" name="TextBox 4"/>
+          <p:cNvSpPr txBox="1"/>
+          <p:nvPr/>
+        </p:nvSpPr>
+        <p:spPr>
+          <a:xfrm>
+            <a:off x="76200" y="4417874"/>
+            <a:ext cx="9007594" cy="1754326"/>
+          </a:xfrm>
+          <a:prstGeom prst="rect">
+            <a:avLst/>
+          </a:prstGeom>
+          <a:solidFill>
+            <a:schemeClr val="bg1">
+              <a:lumMod val="85000"/>
+            </a:schemeClr>
+          </a:solidFill>
+        </p:spPr>
+        <p:txBody>
+          <a:bodyPr wrap="none" rtlCol="0">
+            <a:spAutoFit/>
+          </a:bodyPr>
+          <a:lstStyle/>
+          <a:p>
+            <a:r>
+              <a:rPr lang="nl-BE" dirty="0" err="1">
+                <a:latin typeface="Courier New" panose="02070309020205020404" pitchFamily="49" charset="0"/>
+                <a:cs typeface="Courier New" panose="02070309020205020404" pitchFamily="49" charset="0"/>
+              </a:rPr>
+              <a:t>def</a:t>
+            </a:r>
+            <a:r>
+              <a:rPr lang="nl-BE" dirty="0">
+                <a:latin typeface="Courier New" panose="02070309020205020404" pitchFamily="49" charset="0"/>
+                <a:cs typeface="Courier New" panose="02070309020205020404" pitchFamily="49" charset="0"/>
+              </a:rPr>
+              <a:t> </a:t>
+            </a:r>
+            <a:r>
+              <a:rPr lang="nl-BE" dirty="0" err="1">
+                <a:latin typeface="Courier New" panose="02070309020205020404" pitchFamily="49" charset="0"/>
+                <a:cs typeface="Courier New" panose="02070309020205020404" pitchFamily="49" charset="0"/>
+              </a:rPr>
+              <a:t>compute_pi</a:t>
+            </a:r>
+            <a:r>
+              <a:rPr lang="nl-BE" dirty="0">
+                <a:latin typeface="Courier New" panose="02070309020205020404" pitchFamily="49" charset="0"/>
+                <a:cs typeface="Courier New" panose="02070309020205020404" pitchFamily="49" charset="0"/>
+              </a:rPr>
+              <a:t>(</a:t>
+            </a:r>
+            <a:r>
+              <a:rPr lang="nl-BE" dirty="0" err="1">
+                <a:latin typeface="Courier New" panose="02070309020205020404" pitchFamily="49" charset="0"/>
+                <a:cs typeface="Courier New" panose="02070309020205020404" pitchFamily="49" charset="0"/>
+              </a:rPr>
+              <a:t>nr_tries</a:t>
+            </a:r>
+            <a:r>
+              <a:rPr lang="nl-BE" dirty="0">
+                <a:latin typeface="Courier New" panose="02070309020205020404" pitchFamily="49" charset="0"/>
+                <a:cs typeface="Courier New" panose="02070309020205020404" pitchFamily="49" charset="0"/>
+              </a:rPr>
+              <a:t>=10000, </a:t>
+            </a:r>
+            <a:r>
+              <a:rPr lang="nl-BE" dirty="0" err="1" smtClean="0">
+                <a:latin typeface="Courier New" panose="02070309020205020404" pitchFamily="49" charset="0"/>
+                <a:cs typeface="Courier New" panose="02070309020205020404" pitchFamily="49" charset="0"/>
+              </a:rPr>
+              <a:t>pool_size</a:t>
+            </a:r>
+            <a:r>
+              <a:rPr lang="nl-BE" dirty="0" smtClean="0">
+                <a:latin typeface="Courier New" panose="02070309020205020404" pitchFamily="49" charset="0"/>
+                <a:cs typeface="Courier New" panose="02070309020205020404" pitchFamily="49" charset="0"/>
+              </a:rPr>
+              <a:t>):</a:t>
+            </a:r>
+            <a:endParaRPr lang="nl-BE" dirty="0">
+              <a:latin typeface="Courier New" panose="02070309020205020404" pitchFamily="49" charset="0"/>
+              <a:cs typeface="Courier New" panose="02070309020205020404" pitchFamily="49" charset="0"/>
+            </a:endParaRPr>
+          </a:p>
+          <a:p>
+            <a:r>
+              <a:rPr lang="nl-BE" dirty="0">
+                <a:latin typeface="Courier New" panose="02070309020205020404" pitchFamily="49" charset="0"/>
+                <a:cs typeface="Courier New" panose="02070309020205020404" pitchFamily="49" charset="0"/>
+              </a:rPr>
+              <a:t>    </a:t>
+            </a:r>
+            <a:r>
+              <a:rPr lang="nl-BE" dirty="0" err="1" smtClean="0">
+                <a:latin typeface="Courier New" panose="02070309020205020404" pitchFamily="49" charset="0"/>
+                <a:cs typeface="Courier New" panose="02070309020205020404" pitchFamily="49" charset="0"/>
+              </a:rPr>
+              <a:t>with</a:t>
+            </a:r>
+            <a:r>
+              <a:rPr lang="nl-BE" dirty="0" smtClean="0">
+                <a:latin typeface="Courier New" panose="02070309020205020404" pitchFamily="49" charset="0"/>
+                <a:cs typeface="Courier New" panose="02070309020205020404" pitchFamily="49" charset="0"/>
+              </a:rPr>
+              <a:t> </a:t>
+            </a:r>
+            <a:r>
+              <a:rPr lang="nl-BE" dirty="0" err="1" smtClean="0">
+                <a:latin typeface="Courier New" panose="02070309020205020404" pitchFamily="49" charset="0"/>
+                <a:cs typeface="Courier New" panose="02070309020205020404" pitchFamily="49" charset="0"/>
+              </a:rPr>
+              <a:t>ProcessPoolExecutor</a:t>
+            </a:r>
+            <a:r>
+              <a:rPr lang="nl-BE" dirty="0" smtClean="0">
+                <a:latin typeface="Courier New" panose="02070309020205020404" pitchFamily="49" charset="0"/>
+                <a:cs typeface="Courier New" panose="02070309020205020404" pitchFamily="49" charset="0"/>
+              </a:rPr>
+              <a:t>(</a:t>
+            </a:r>
+            <a:r>
+              <a:rPr lang="nl-BE" dirty="0" err="1" smtClean="0">
+                <a:latin typeface="Courier New" panose="02070309020205020404" pitchFamily="49" charset="0"/>
+                <a:cs typeface="Courier New" panose="02070309020205020404" pitchFamily="49" charset="0"/>
+              </a:rPr>
+              <a:t>max_workers</a:t>
+            </a:r>
+            <a:r>
+              <a:rPr lang="nl-BE" dirty="0" smtClean="0">
+                <a:latin typeface="Courier New" panose="02070309020205020404" pitchFamily="49" charset="0"/>
+                <a:cs typeface="Courier New" panose="02070309020205020404" pitchFamily="49" charset="0"/>
+              </a:rPr>
+              <a:t>=</a:t>
+            </a:r>
+            <a:r>
+              <a:rPr lang="nl-BE" dirty="0" err="1" smtClean="0">
+                <a:latin typeface="Courier New" panose="02070309020205020404" pitchFamily="49" charset="0"/>
+                <a:cs typeface="Courier New" panose="02070309020205020404" pitchFamily="49" charset="0"/>
+              </a:rPr>
+              <a:t>pool_size</a:t>
+            </a:r>
+            <a:r>
+              <a:rPr lang="nl-BE" dirty="0" smtClean="0">
+                <a:latin typeface="Courier New" panose="02070309020205020404" pitchFamily="49" charset="0"/>
+                <a:cs typeface="Courier New" panose="02070309020205020404" pitchFamily="49" charset="0"/>
+              </a:rPr>
+              <a:t>) as </a:t>
+            </a:r>
+            <a:r>
+              <a:rPr lang="nl-BE" dirty="0" err="1" smtClean="0">
+                <a:latin typeface="Courier New" panose="02070309020205020404" pitchFamily="49" charset="0"/>
+                <a:cs typeface="Courier New" panose="02070309020205020404" pitchFamily="49" charset="0"/>
+              </a:rPr>
+              <a:t>executor</a:t>
+            </a:r>
+            <a:r>
+              <a:rPr lang="nl-BE" dirty="0" smtClean="0">
+                <a:latin typeface="Courier New" panose="02070309020205020404" pitchFamily="49" charset="0"/>
+                <a:cs typeface="Courier New" panose="02070309020205020404" pitchFamily="49" charset="0"/>
+              </a:rPr>
+              <a:t>:</a:t>
+            </a:r>
+            <a:endParaRPr lang="nl-BE" dirty="0">
+              <a:latin typeface="Courier New" panose="02070309020205020404" pitchFamily="49" charset="0"/>
+              <a:cs typeface="Courier New" panose="02070309020205020404" pitchFamily="49" charset="0"/>
+            </a:endParaRPr>
+          </a:p>
+          <a:p>
+            <a:r>
+              <a:rPr lang="nl-BE" dirty="0" smtClean="0">
+                <a:latin typeface="Courier New" panose="02070309020205020404" pitchFamily="49" charset="0"/>
+                <a:cs typeface="Courier New" panose="02070309020205020404" pitchFamily="49" charset="0"/>
+              </a:rPr>
+              <a:t>        </a:t>
+            </a:r>
+            <a:r>
+              <a:rPr lang="nl-BE" dirty="0" err="1" smtClean="0">
+                <a:latin typeface="Courier New" panose="02070309020205020404" pitchFamily="49" charset="0"/>
+                <a:cs typeface="Courier New" panose="02070309020205020404" pitchFamily="49" charset="0"/>
+              </a:rPr>
+              <a:t>args</a:t>
+            </a:r>
+            <a:r>
+              <a:rPr lang="nl-BE" dirty="0" smtClean="0">
+                <a:latin typeface="Courier New" panose="02070309020205020404" pitchFamily="49" charset="0"/>
+                <a:cs typeface="Courier New" panose="02070309020205020404" pitchFamily="49" charset="0"/>
+              </a:rPr>
+              <a:t> </a:t>
+            </a:r>
+            <a:r>
+              <a:rPr lang="nl-BE" dirty="0">
+                <a:latin typeface="Courier New" panose="02070309020205020404" pitchFamily="49" charset="0"/>
+                <a:cs typeface="Courier New" panose="02070309020205020404" pitchFamily="49" charset="0"/>
+              </a:rPr>
+              <a:t>= [(</a:t>
+            </a:r>
+            <a:r>
+              <a:rPr lang="nl-BE" dirty="0" err="1">
+                <a:latin typeface="Courier New" panose="02070309020205020404" pitchFamily="49" charset="0"/>
+                <a:cs typeface="Courier New" panose="02070309020205020404" pitchFamily="49" charset="0"/>
+              </a:rPr>
+              <a:t>nr_tries</a:t>
+            </a:r>
+            <a:r>
+              <a:rPr lang="nl-BE" dirty="0">
+                <a:latin typeface="Courier New" panose="02070309020205020404" pitchFamily="49" charset="0"/>
+                <a:cs typeface="Courier New" panose="02070309020205020404" pitchFamily="49" charset="0"/>
+              </a:rPr>
+              <a:t>//</a:t>
+            </a:r>
+            <a:r>
+              <a:rPr lang="nl-BE" dirty="0" err="1">
+                <a:latin typeface="Courier New" panose="02070309020205020404" pitchFamily="49" charset="0"/>
+                <a:cs typeface="Courier New" panose="02070309020205020404" pitchFamily="49" charset="0"/>
+              </a:rPr>
+              <a:t>pool_size</a:t>
+            </a:r>
+            <a:r>
+              <a:rPr lang="nl-BE" dirty="0">
+                <a:latin typeface="Courier New" panose="02070309020205020404" pitchFamily="49" charset="0"/>
+                <a:cs typeface="Courier New" panose="02070309020205020404" pitchFamily="49" charset="0"/>
+              </a:rPr>
+              <a:t>, )</a:t>
+            </a:r>
+          </a:p>
+          <a:p>
+            <a:r>
+              <a:rPr lang="nl-BE" dirty="0">
+                <a:latin typeface="Courier New" panose="02070309020205020404" pitchFamily="49" charset="0"/>
+                <a:cs typeface="Courier New" panose="02070309020205020404" pitchFamily="49" charset="0"/>
+              </a:rPr>
+              <a:t>        </a:t>
+            </a:r>
+            <a:r>
+              <a:rPr lang="nl-BE" dirty="0" smtClean="0">
+                <a:latin typeface="Courier New" panose="02070309020205020404" pitchFamily="49" charset="0"/>
+                <a:cs typeface="Courier New" panose="02070309020205020404" pitchFamily="49" charset="0"/>
+              </a:rPr>
+              <a:t>        </a:t>
+            </a:r>
+            <a:r>
+              <a:rPr lang="nl-BE" dirty="0" err="1">
+                <a:latin typeface="Courier New" panose="02070309020205020404" pitchFamily="49" charset="0"/>
+                <a:cs typeface="Courier New" panose="02070309020205020404" pitchFamily="49" charset="0"/>
+              </a:rPr>
+              <a:t>for</a:t>
+            </a:r>
+            <a:r>
+              <a:rPr lang="nl-BE" dirty="0">
+                <a:latin typeface="Courier New" panose="02070309020205020404" pitchFamily="49" charset="0"/>
+                <a:cs typeface="Courier New" panose="02070309020205020404" pitchFamily="49" charset="0"/>
+              </a:rPr>
+              <a:t> _ in range(</a:t>
+            </a:r>
+            <a:r>
+              <a:rPr lang="nl-BE" dirty="0" err="1">
+                <a:latin typeface="Courier New" panose="02070309020205020404" pitchFamily="49" charset="0"/>
+                <a:cs typeface="Courier New" panose="02070309020205020404" pitchFamily="49" charset="0"/>
+              </a:rPr>
+              <a:t>pool_size</a:t>
+            </a:r>
+            <a:r>
+              <a:rPr lang="nl-BE" dirty="0">
+                <a:latin typeface="Courier New" panose="02070309020205020404" pitchFamily="49" charset="0"/>
+                <a:cs typeface="Courier New" panose="02070309020205020404" pitchFamily="49" charset="0"/>
+              </a:rPr>
+              <a:t>)]</a:t>
+            </a:r>
+          </a:p>
+          <a:p>
+            <a:r>
+              <a:rPr lang="nl-BE" dirty="0">
+                <a:latin typeface="Courier New" panose="02070309020205020404" pitchFamily="49" charset="0"/>
+                <a:cs typeface="Courier New" panose="02070309020205020404" pitchFamily="49" charset="0"/>
+              </a:rPr>
+              <a:t>    </a:t>
+            </a:r>
+            <a:r>
+              <a:rPr lang="nl-BE" dirty="0" smtClean="0">
+                <a:latin typeface="Courier New" panose="02070309020205020404" pitchFamily="49" charset="0"/>
+                <a:cs typeface="Courier New" panose="02070309020205020404" pitchFamily="49" charset="0"/>
+              </a:rPr>
+              <a:t>    </a:t>
+            </a:r>
+            <a:r>
+              <a:rPr lang="nl-BE" dirty="0" err="1" smtClean="0">
+                <a:latin typeface="Courier New" panose="02070309020205020404" pitchFamily="49" charset="0"/>
+                <a:cs typeface="Courier New" panose="02070309020205020404" pitchFamily="49" charset="0"/>
+              </a:rPr>
+              <a:t>results</a:t>
+            </a:r>
+            <a:r>
+              <a:rPr lang="nl-BE" dirty="0" smtClean="0">
+                <a:latin typeface="Courier New" panose="02070309020205020404" pitchFamily="49" charset="0"/>
+                <a:cs typeface="Courier New" panose="02070309020205020404" pitchFamily="49" charset="0"/>
+              </a:rPr>
+              <a:t> </a:t>
+            </a:r>
+            <a:r>
+              <a:rPr lang="nl-BE" dirty="0">
+                <a:latin typeface="Courier New" panose="02070309020205020404" pitchFamily="49" charset="0"/>
+                <a:cs typeface="Courier New" panose="02070309020205020404" pitchFamily="49" charset="0"/>
+              </a:rPr>
+              <a:t>= </a:t>
+            </a:r>
+            <a:r>
+              <a:rPr lang="nl-BE" dirty="0" err="1">
+                <a:latin typeface="Courier New" panose="02070309020205020404" pitchFamily="49" charset="0"/>
+                <a:cs typeface="Courier New" panose="02070309020205020404" pitchFamily="49" charset="0"/>
+              </a:rPr>
+              <a:t>executor.map</a:t>
+            </a:r>
+            <a:r>
+              <a:rPr lang="nl-BE" dirty="0">
+                <a:latin typeface="Courier New" panose="02070309020205020404" pitchFamily="49" charset="0"/>
+                <a:cs typeface="Courier New" panose="02070309020205020404" pitchFamily="49" charset="0"/>
+              </a:rPr>
+              <a:t>(</a:t>
+            </a:r>
+            <a:r>
+              <a:rPr lang="nl-BE" dirty="0" err="1">
+                <a:latin typeface="Courier New" panose="02070309020205020404" pitchFamily="49" charset="0"/>
+                <a:cs typeface="Courier New" panose="02070309020205020404" pitchFamily="49" charset="0"/>
+              </a:rPr>
+              <a:t>partial_pi</a:t>
+            </a:r>
+            <a:r>
+              <a:rPr lang="nl-BE" dirty="0">
+                <a:latin typeface="Courier New" panose="02070309020205020404" pitchFamily="49" charset="0"/>
+                <a:cs typeface="Courier New" panose="02070309020205020404" pitchFamily="49" charset="0"/>
+              </a:rPr>
+              <a:t>, </a:t>
+            </a:r>
+            <a:r>
+              <a:rPr lang="nl-BE" dirty="0" err="1">
+                <a:latin typeface="Courier New" panose="02070309020205020404" pitchFamily="49" charset="0"/>
+                <a:cs typeface="Courier New" panose="02070309020205020404" pitchFamily="49" charset="0"/>
+              </a:rPr>
+              <a:t>args</a:t>
+            </a:r>
+            <a:r>
+              <a:rPr lang="nl-BE" dirty="0">
+                <a:latin typeface="Courier New" panose="02070309020205020404" pitchFamily="49" charset="0"/>
+                <a:cs typeface="Courier New" panose="02070309020205020404" pitchFamily="49" charset="0"/>
+              </a:rPr>
+              <a:t>)</a:t>
+            </a:r>
+          </a:p>
+          <a:p>
+            <a:r>
+              <a:rPr lang="nl-BE" dirty="0" smtClean="0">
+                <a:latin typeface="Courier New" panose="02070309020205020404" pitchFamily="49" charset="0"/>
+                <a:cs typeface="Courier New" panose="02070309020205020404" pitchFamily="49" charset="0"/>
+              </a:rPr>
+              <a:t>        return </a:t>
+            </a:r>
+            <a:r>
+              <a:rPr lang="nl-BE" dirty="0" err="1">
+                <a:latin typeface="Courier New" panose="02070309020205020404" pitchFamily="49" charset="0"/>
+                <a:cs typeface="Courier New" panose="02070309020205020404" pitchFamily="49" charset="0"/>
+              </a:rPr>
+              <a:t>sum</a:t>
+            </a:r>
+            <a:r>
+              <a:rPr lang="nl-BE" dirty="0">
+                <a:latin typeface="Courier New" panose="02070309020205020404" pitchFamily="49" charset="0"/>
+                <a:cs typeface="Courier New" panose="02070309020205020404" pitchFamily="49" charset="0"/>
+              </a:rPr>
+              <a:t>(</a:t>
+            </a:r>
+            <a:r>
+              <a:rPr lang="nl-BE" dirty="0" err="1">
+                <a:latin typeface="Courier New" panose="02070309020205020404" pitchFamily="49" charset="0"/>
+                <a:cs typeface="Courier New" panose="02070309020205020404" pitchFamily="49" charset="0"/>
+              </a:rPr>
+              <a:t>results</a:t>
+            </a:r>
+            <a:r>
+              <a:rPr lang="nl-BE" dirty="0">
+                <a:latin typeface="Courier New" panose="02070309020205020404" pitchFamily="49" charset="0"/>
+                <a:cs typeface="Courier New" panose="02070309020205020404" pitchFamily="49" charset="0"/>
+              </a:rPr>
+              <a:t>)/</a:t>
+            </a:r>
+            <a:r>
+              <a:rPr lang="nl-BE" dirty="0" err="1">
+                <a:latin typeface="Courier New" panose="02070309020205020404" pitchFamily="49" charset="0"/>
+                <a:cs typeface="Courier New" panose="02070309020205020404" pitchFamily="49" charset="0"/>
+              </a:rPr>
+              <a:t>pool_size</a:t>
+            </a:r>
+            <a:endParaRPr lang="nl-BE" dirty="0">
+              <a:latin typeface="Courier New" panose="02070309020205020404" pitchFamily="49" charset="0"/>
+              <a:cs typeface="Courier New" panose="02070309020205020404" pitchFamily="49" charset="0"/>
+            </a:endParaRPr>
+          </a:p>
+        </p:txBody>
+      </p:sp>
+      <p:sp>
+        <p:nvSpPr>
+          <p:cNvPr id="6" name="Slide Number Placeholder 5"/>
+          <p:cNvSpPr>
+            <a:spLocks noGrp="1"/>
+          </p:cNvSpPr>
+          <p:nvPr>
+            <p:ph type="sldNum" sz="quarter" idx="12"/>
+          </p:nvPr>
+        </p:nvSpPr>
+        <p:spPr/>
+        <p:txBody>
+          <a:bodyPr/>
+          <a:lstStyle/>
+          <a:p>
+            <a:fld id="{B6F15528-21DE-4FAA-801E-634DDDAF4B2B}" type="slidenum">
+              <a:rPr lang="en-US" smtClean="0"/>
+              <a:pPr/>
+              <a:t>21</a:t>
+            </a:fld>
+            <a:endParaRPr lang="en-US"/>
+          </a:p>
+        </p:txBody>
+      </p:sp>
+    </p:spTree>
+    <p:extLst>
+      <p:ext uri="{BB962C8B-B14F-4D97-AF65-F5344CB8AC3E}">
+        <p14:creationId xmlns:p14="http://schemas.microsoft.com/office/powerpoint/2010/main" val="2868326299"/>
+      </p:ext>
+    </p:extLst>
+  </p:cSld>
+  <p:clrMapOvr>
+    <a:masterClrMapping/>
+  </p:clrMapOvr>
+  <p:timing>
+    <p:tnLst>
+      <p:par>
+        <p:cTn id="1" dur="indefinite" restart="never" nodeType="tmRoot"/>
+      </p:par>
+    </p:tnLst>
+  </p:timing>
+</p:sld>
+</file>
+
+<file path=ppt/slides/slide22.xml><?xml version="1.0" encoding="utf-8"?>
+<p:sld xmlns:a="http://schemas.openxmlformats.org/drawingml/2006/main" xmlns:r="http://schemas.openxmlformats.org/officeDocument/2006/relationships" xmlns:p="http://schemas.openxmlformats.org/presentationml/2006/main">
+  <p:cSld>
+    <p:spTree>
+      <p:nvGrpSpPr>
+        <p:cNvPr id="1" name=""/>
+        <p:cNvGrpSpPr/>
+        <p:nvPr/>
+      </p:nvGrpSpPr>
+      <p:grpSpPr>
+        <a:xfrm>
+          <a:off x="0" y="0"/>
+          <a:ext cx="0" cy="0"/>
+          <a:chOff x="0" y="0"/>
+          <a:chExt cx="0" cy="0"/>
+        </a:xfrm>
+      </p:grpSpPr>
+      <p:sp>
+        <p:nvSpPr>
+          <p:cNvPr id="2" name="Title 1"/>
+          <p:cNvSpPr>
+            <a:spLocks noGrp="1"/>
+          </p:cNvSpPr>
+          <p:nvPr>
+            <p:ph type="title"/>
+          </p:nvPr>
+        </p:nvSpPr>
+        <p:spPr/>
+        <p:txBody>
+          <a:bodyPr/>
+          <a:lstStyle/>
+          <a:p>
+            <a:r>
+              <a:rPr lang="en-US" dirty="0" smtClean="0"/>
+              <a:t>Caveats</a:t>
+            </a:r>
+            <a:endParaRPr lang="nl-BE" dirty="0"/>
+          </a:p>
+        </p:txBody>
+      </p:sp>
+      <p:sp>
+        <p:nvSpPr>
+          <p:cNvPr id="3" name="Text Placeholder 2"/>
+          <p:cNvSpPr>
+            <a:spLocks noGrp="1"/>
+          </p:cNvSpPr>
+          <p:nvPr>
+            <p:ph type="body" idx="1"/>
+          </p:nvPr>
+        </p:nvSpPr>
+        <p:spPr/>
+        <p:txBody>
+          <a:bodyPr/>
+          <a:lstStyle/>
+          <a:p>
+            <a:endParaRPr lang="nl-BE"/>
+          </a:p>
+        </p:txBody>
+      </p:sp>
+      <p:sp>
+        <p:nvSpPr>
+          <p:cNvPr id="4" name="Slide Number Placeholder 3"/>
+          <p:cNvSpPr>
+            <a:spLocks noGrp="1"/>
+          </p:cNvSpPr>
+          <p:nvPr>
+            <p:ph type="sldNum" sz="quarter" idx="12"/>
+          </p:nvPr>
+        </p:nvSpPr>
+        <p:spPr/>
+        <p:txBody>
+          <a:bodyPr/>
+          <a:lstStyle/>
+          <a:p>
+            <a:fld id="{B6F15528-21DE-4FAA-801E-634DDDAF4B2B}" type="slidenum">
+              <a:rPr lang="en-US" smtClean="0"/>
+              <a:pPr/>
+              <a:t>22</a:t>
+            </a:fld>
+            <a:endParaRPr lang="en-US"/>
+          </a:p>
+        </p:txBody>
+      </p:sp>
+    </p:spTree>
+    <p:extLst>
+      <p:ext uri="{BB962C8B-B14F-4D97-AF65-F5344CB8AC3E}">
+        <p14:creationId xmlns:p14="http://schemas.microsoft.com/office/powerpoint/2010/main" val="3979556797"/>
+      </p:ext>
+    </p:extLst>
+  </p:cSld>
+  <p:clrMapOvr>
+    <a:masterClrMapping/>
+  </p:clrMapOvr>
+  <p:timing>
+    <p:tnLst>
+      <p:par>
+        <p:cTn id="1" dur="indefinite" restart="never" nodeType="tmRoot"/>
+      </p:par>
+    </p:tnLst>
+  </p:timing>
+</p:sld>
+</file>
+
+<file path=ppt/slides/slide23.xml><?xml version="1.0" encoding="utf-8"?>
+<p:sld xmlns:a="http://schemas.openxmlformats.org/drawingml/2006/main" xmlns:r="http://schemas.openxmlformats.org/officeDocument/2006/relationships" xmlns:p="http://schemas.openxmlformats.org/presentationml/2006/main">
+  <p:cSld>
+    <p:spTree>
+      <p:nvGrpSpPr>
+        <p:cNvPr id="1" name=""/>
+        <p:cNvGrpSpPr/>
+        <p:nvPr/>
+      </p:nvGrpSpPr>
+      <p:grpSpPr>
+        <a:xfrm>
+          <a:off x="0" y="0"/>
+          <a:ext cx="0" cy="0"/>
+          <a:chOff x="0" y="0"/>
+          <a:chExt cx="0" cy="0"/>
+        </a:xfrm>
+      </p:grpSpPr>
+      <p:sp>
+        <p:nvSpPr>
+          <p:cNvPr id="2" name="Title 1"/>
+          <p:cNvSpPr>
+            <a:spLocks noGrp="1"/>
+          </p:cNvSpPr>
+          <p:nvPr>
+            <p:ph type="title"/>
+          </p:nvPr>
+        </p:nvSpPr>
+        <p:spPr/>
+        <p:txBody>
+          <a:bodyPr/>
+          <a:lstStyle/>
+          <a:p>
+            <a:r>
+              <a:rPr lang="en-US" dirty="0" smtClean="0"/>
+              <a:t>Considerations</a:t>
+            </a:r>
+            <a:endParaRPr lang="nl-BE" dirty="0"/>
+          </a:p>
+        </p:txBody>
+      </p:sp>
+      <p:sp>
+        <p:nvSpPr>
+          <p:cNvPr id="3" name="Content Placeholder 2"/>
+          <p:cNvSpPr>
+            <a:spLocks noGrp="1"/>
+          </p:cNvSpPr>
+          <p:nvPr>
+            <p:ph idx="1"/>
+          </p:nvPr>
+        </p:nvSpPr>
+        <p:spPr/>
+        <p:txBody>
+          <a:bodyPr/>
+          <a:lstStyle/>
+          <a:p>
+            <a:r>
+              <a:rPr lang="en-US" dirty="0" smtClean="0"/>
+              <a:t>Process creation is costly!</a:t>
+            </a:r>
+          </a:p>
+          <a:p>
+            <a:pPr lvl="1"/>
+            <a:r>
+              <a:rPr lang="en-US" dirty="0" smtClean="0"/>
+              <a:t>Computational task should warrant it</a:t>
+            </a:r>
+          </a:p>
+          <a:p>
+            <a:r>
+              <a:rPr lang="en-US" dirty="0" smtClean="0"/>
+              <a:t>Locking takes time!</a:t>
+            </a:r>
+          </a:p>
+          <a:p>
+            <a:pPr lvl="1"/>
+            <a:r>
+              <a:rPr lang="en-US" dirty="0" smtClean="0"/>
+              <a:t>Share as little as </a:t>
+            </a:r>
+            <a:r>
+              <a:rPr lang="en-US" dirty="0" smtClean="0"/>
+              <a:t>possible</a:t>
+            </a:r>
+          </a:p>
+          <a:p>
+            <a:r>
+              <a:rPr lang="en-US" dirty="0" smtClean="0"/>
+              <a:t>Best for coarse grained parallelism</a:t>
+            </a:r>
+            <a:endParaRPr lang="en-US" dirty="0" smtClean="0"/>
+          </a:p>
+        </p:txBody>
+      </p:sp>
+      <p:sp>
+        <p:nvSpPr>
+          <p:cNvPr id="4" name="Slide Number Placeholder 3"/>
+          <p:cNvSpPr>
+            <a:spLocks noGrp="1"/>
+          </p:cNvSpPr>
+          <p:nvPr>
+            <p:ph type="sldNum" sz="quarter" idx="12"/>
+          </p:nvPr>
+        </p:nvSpPr>
+        <p:spPr/>
+        <p:txBody>
+          <a:bodyPr/>
+          <a:lstStyle/>
+          <a:p>
+            <a:fld id="{B6F15528-21DE-4FAA-801E-634DDDAF4B2B}" type="slidenum">
+              <a:rPr lang="en-US" smtClean="0"/>
+              <a:pPr/>
+              <a:t>23</a:t>
+            </a:fld>
+            <a:endParaRPr lang="en-US"/>
+          </a:p>
+        </p:txBody>
+      </p:sp>
+    </p:spTree>
+    <p:extLst>
+      <p:ext uri="{BB962C8B-B14F-4D97-AF65-F5344CB8AC3E}">
+        <p14:creationId xmlns:p14="http://schemas.microsoft.com/office/powerpoint/2010/main" val="3573895201"/>
+      </p:ext>
+    </p:extLst>
+  </p:cSld>
+  <p:clrMapOvr>
+    <a:masterClrMapping/>
+  </p:clrMapOvr>
+  <p:timing>
+    <p:tnLst>
+      <p:par>
+        <p:cTn id="1" dur="indefinite" restart="never" nodeType="tmRoot"/>
+      </p:par>
+    </p:tnLst>
+  </p:timing>
+</p:sld>
+</file>
+
 <file path=ppt/slides/slide3.xml><?xml version="1.0" encoding="utf-8"?>
 <p:sld xmlns:a="http://schemas.openxmlformats.org/drawingml/2006/main" xmlns:r="http://schemas.openxmlformats.org/officeDocument/2006/relationships" xmlns:p="http://schemas.openxmlformats.org/presentationml/2006/main">
   <p:cSld>
@@ -10377,8 +14044,8 @@
           <a:lstStyle/>
           <a:p>
             <a:r>
-              <a:rPr lang="en-US" dirty="0" err="1" smtClean="0"/>
-              <a:t>numpy</a:t>
+              <a:rPr lang="en-US" dirty="0" smtClean="0"/>
+              <a:t>Threads in Python</a:t>
             </a:r>
             <a:endParaRPr lang="nl-BE" dirty="0"/>
           </a:p>
@@ -10386,12 +14053,12 @@
       </p:sp>
       <p:sp>
         <p:nvSpPr>
-          <p:cNvPr id="3" name="Text Placeholder 2"/>
+          <p:cNvPr id="3" name="Content Placeholder 2"/>
           <p:cNvSpPr>
             <a:spLocks noGrp="1"/>
           </p:cNvSpPr>
           <p:nvPr>
-            <p:ph type="body" idx="1"/>
+            <p:ph idx="1"/>
           </p:nvPr>
         </p:nvSpPr>
         <p:spPr/>
@@ -10399,14 +14066,81 @@
           <a:bodyPr/>
           <a:lstStyle/>
           <a:p>
-            <a:endParaRPr lang="nl-BE"/>
+            <a:r>
+              <a:rPr lang="en-US" dirty="0" smtClean="0"/>
+              <a:t>Not a big success</a:t>
+            </a:r>
+          </a:p>
+          <a:p>
+            <a:pPr lvl="1"/>
+            <a:r>
+              <a:rPr lang="en-US" dirty="0" smtClean="0"/>
+              <a:t>Global Interpreter Lock (GIL)</a:t>
+            </a:r>
+          </a:p>
+          <a:p>
+            <a:r>
+              <a:rPr lang="en-US" dirty="0" smtClean="0"/>
+              <a:t>Does not influence threaded libraries</a:t>
+            </a:r>
+          </a:p>
+          <a:p>
+            <a:pPr lvl="1"/>
+            <a:r>
+              <a:rPr lang="en-US" dirty="0" smtClean="0"/>
+              <a:t>e.g., </a:t>
+            </a:r>
+            <a:r>
+              <a:rPr lang="en-US" dirty="0" err="1" smtClean="0"/>
+              <a:t>numpy</a:t>
+            </a:r>
+            <a:endParaRPr lang="en-US" dirty="0" smtClean="0"/>
+          </a:p>
+          <a:p>
+            <a:r>
+              <a:rPr lang="en-US" dirty="0" smtClean="0"/>
+              <a:t>To exploit </a:t>
+            </a:r>
+            <a:r>
+              <a:rPr lang="en-US" dirty="0" err="1" smtClean="0"/>
+              <a:t>muliple</a:t>
+            </a:r>
+            <a:r>
+              <a:rPr lang="en-US" dirty="0" smtClean="0"/>
+              <a:t> cores efficiently, use processes</a:t>
+            </a:r>
+            <a:endParaRPr lang="nl-BE" dirty="0"/>
+          </a:p>
+        </p:txBody>
+      </p:sp>
+      <p:sp>
+        <p:nvSpPr>
+          <p:cNvPr id="4" name="Slide Number Placeholder 3"/>
+          <p:cNvSpPr>
+            <a:spLocks noGrp="1"/>
+          </p:cNvSpPr>
+          <p:nvPr>
+            <p:ph type="sldNum" sz="quarter" idx="12"/>
+          </p:nvPr>
+        </p:nvSpPr>
+        <p:spPr/>
+        <p:txBody>
+          <a:bodyPr/>
+          <a:lstStyle/>
+          <a:p>
+            <a:fld id="{B6F15528-21DE-4FAA-801E-634DDDAF4B2B}" type="slidenum">
+              <a:rPr lang="en-US" smtClean="0"/>
+              <a:pPr/>
+              <a:t>3</a:t>
+            </a:fld>
+            <a:endParaRPr lang="en-US"/>
           </a:p>
         </p:txBody>
       </p:sp>
     </p:spTree>
     <p:extLst>
       <p:ext uri="{BB962C8B-B14F-4D97-AF65-F5344CB8AC3E}">
-        <p14:creationId xmlns:p14="http://schemas.microsoft.com/office/powerpoint/2010/main" val="3601574802"/>
+        <p14:creationId xmlns:p14="http://schemas.microsoft.com/office/powerpoint/2010/main" val="1946148879"/>
       </p:ext>
     </p:extLst>
   </p:cSld>
@@ -10456,6 +14190,109 @@
           <a:lstStyle/>
           <a:p>
             <a:r>
+              <a:rPr lang="en-US" dirty="0" err="1" smtClean="0"/>
+              <a:t>numpy</a:t>
+            </a:r>
+            <a:endParaRPr lang="nl-BE" dirty="0"/>
+          </a:p>
+        </p:txBody>
+      </p:sp>
+      <p:sp>
+        <p:nvSpPr>
+          <p:cNvPr id="3" name="Text Placeholder 2"/>
+          <p:cNvSpPr>
+            <a:spLocks noGrp="1"/>
+          </p:cNvSpPr>
+          <p:nvPr>
+            <p:ph type="body" idx="1"/>
+          </p:nvPr>
+        </p:nvSpPr>
+        <p:spPr/>
+        <p:txBody>
+          <a:bodyPr/>
+          <a:lstStyle/>
+          <a:p>
+            <a:endParaRPr lang="nl-BE"/>
+          </a:p>
+        </p:txBody>
+      </p:sp>
+      <p:sp>
+        <p:nvSpPr>
+          <p:cNvPr id="4" name="Slide Number Placeholder 3"/>
+          <p:cNvSpPr>
+            <a:spLocks noGrp="1"/>
+          </p:cNvSpPr>
+          <p:nvPr>
+            <p:ph type="sldNum" sz="quarter" idx="12"/>
+          </p:nvPr>
+        </p:nvSpPr>
+        <p:spPr/>
+        <p:txBody>
+          <a:bodyPr/>
+          <a:lstStyle/>
+          <a:p>
+            <a:fld id="{B6F15528-21DE-4FAA-801E-634DDDAF4B2B}" type="slidenum">
+              <a:rPr lang="en-US" smtClean="0"/>
+              <a:pPr/>
+              <a:t>4</a:t>
+            </a:fld>
+            <a:endParaRPr lang="en-US"/>
+          </a:p>
+        </p:txBody>
+      </p:sp>
+    </p:spTree>
+    <p:extLst>
+      <p:ext uri="{BB962C8B-B14F-4D97-AF65-F5344CB8AC3E}">
+        <p14:creationId xmlns:p14="http://schemas.microsoft.com/office/powerpoint/2010/main" val="3601574802"/>
+      </p:ext>
+    </p:extLst>
+  </p:cSld>
+  <p:clrMapOvr>
+    <a:masterClrMapping/>
+  </p:clrMapOvr>
+  <p:timing>
+    <p:tnLst>
+      <p:par>
+        <p:cTn id="1" dur="indefinite" restart="never" nodeType="tmRoot"/>
+      </p:par>
+    </p:tnLst>
+  </p:timing>
+</p:sld>
+</file>
+
+<file path=ppt/slides/slide5.xml><?xml version="1.0" encoding="utf-8"?>
+<p:sld xmlns:a="http://schemas.openxmlformats.org/drawingml/2006/main" xmlns:r="http://schemas.openxmlformats.org/officeDocument/2006/relationships" xmlns:p="http://schemas.openxmlformats.org/presentationml/2006/main">
+  <p:cSld>
+    <p:spTree>
+      <p:nvGrpSpPr>
+        <p:cNvPr id="1" name=""/>
+        <p:cNvGrpSpPr/>
+        <p:nvPr/>
+      </p:nvGrpSpPr>
+      <p:grpSpPr>
+        <a:xfrm>
+          <a:off x="0" y="0"/>
+          <a:ext cx="0" cy="0"/>
+          <a:chOff x="0" y="0"/>
+          <a:chExt cx="0" cy="0"/>
+        </a:xfrm>
+      </p:grpSpPr>
+      <p:sp>
+        <p:nvSpPr>
+          <p:cNvPr id="2" name="Title 1"/>
+          <p:cNvSpPr>
+            <a:spLocks noGrp="1"/>
+          </p:cNvSpPr>
+          <p:nvPr>
+            <p:ph type="title"/>
+          </p:nvPr>
+        </p:nvSpPr>
+        <p:spPr/>
+        <p:txBody>
+          <a:bodyPr/>
+          <a:lstStyle/>
+          <a:p>
+            <a:r>
               <a:rPr lang="en-US" dirty="0" smtClean="0"/>
               <a:t>Linear algebra</a:t>
             </a:r>
@@ -10655,6 +14492,30 @@
               <a:t>Free lunch!</a:t>
             </a:r>
             <a:endParaRPr lang="nl-BE" sz="3200" dirty="0"/>
+          </a:p>
+        </p:txBody>
+      </p:sp>
+      <p:sp>
+        <p:nvSpPr>
+          <p:cNvPr id="5" name="Slide Number Placeholder 4"/>
+          <p:cNvSpPr>
+            <a:spLocks noGrp="1"/>
+          </p:cNvSpPr>
+          <p:nvPr>
+            <p:ph type="sldNum" sz="quarter" idx="12"/>
+          </p:nvPr>
+        </p:nvSpPr>
+        <p:spPr/>
+        <p:txBody>
+          <a:bodyPr/>
+          <a:lstStyle/>
+          <a:p>
+            <a:fld id="{B6F15528-21DE-4FAA-801E-634DDDAF4B2B}" type="slidenum">
+              <a:rPr lang="en-US" smtClean="0"/>
+              <a:pPr/>
+              <a:t>5</a:t>
+            </a:fld>
+            <a:endParaRPr lang="en-US"/>
           </a:p>
         </p:txBody>
       </p:sp>
@@ -11259,7 +15120,7 @@
 </p:sld>
 </file>
 
-<file path=ppt/slides/slide5.xml><?xml version="1.0" encoding="utf-8"?>
+<file path=ppt/slides/slide6.xml><?xml version="1.0" encoding="utf-8"?>
 <p:sld xmlns:a="http://schemas.openxmlformats.org/drawingml/2006/main" xmlns:r="http://schemas.openxmlformats.org/officeDocument/2006/relationships" xmlns:p="http://schemas.openxmlformats.org/presentationml/2006/main">
   <p:cSld>
     <p:spTree>
@@ -11613,6 +15474,30 @@
           </a:p>
         </p:txBody>
       </p:sp>
+      <p:sp>
+        <p:nvSpPr>
+          <p:cNvPr id="6" name="Slide Number Placeholder 5"/>
+          <p:cNvSpPr>
+            <a:spLocks noGrp="1"/>
+          </p:cNvSpPr>
+          <p:nvPr>
+            <p:ph type="sldNum" sz="quarter" idx="12"/>
+          </p:nvPr>
+        </p:nvSpPr>
+        <p:spPr/>
+        <p:txBody>
+          <a:bodyPr/>
+          <a:lstStyle/>
+          <a:p>
+            <a:fld id="{B6F15528-21DE-4FAA-801E-634DDDAF4B2B}" type="slidenum">
+              <a:rPr lang="en-US" smtClean="0"/>
+              <a:pPr/>
+              <a:t>6</a:t>
+            </a:fld>
+            <a:endParaRPr lang="en-US"/>
+          </a:p>
+        </p:txBody>
+      </p:sp>
     </p:spTree>
     <p:extLst>
       <p:ext uri="{BB962C8B-B14F-4D97-AF65-F5344CB8AC3E}">
@@ -11633,7 +15518,7 @@
 </p:sld>
 </file>
 
-<file path=ppt/slides/slide6.xml><?xml version="1.0" encoding="utf-8"?>
+<file path=ppt/slides/slide7.xml><?xml version="1.0" encoding="utf-8"?>
 <p:sld xmlns:a="http://schemas.openxmlformats.org/drawingml/2006/main" xmlns:r="http://schemas.openxmlformats.org/officeDocument/2006/relationships" xmlns:p="http://schemas.openxmlformats.org/presentationml/2006/main">
   <p:cSld>
     <p:spTree>
@@ -11987,6 +15872,30 @@
           </a:p>
         </p:txBody>
       </p:sp>
+      <p:sp>
+        <p:nvSpPr>
+          <p:cNvPr id="13" name="Slide Number Placeholder 12"/>
+          <p:cNvSpPr>
+            <a:spLocks noGrp="1"/>
+          </p:cNvSpPr>
+          <p:nvPr>
+            <p:ph type="sldNum" sz="quarter" idx="12"/>
+          </p:nvPr>
+        </p:nvSpPr>
+        <p:spPr/>
+        <p:txBody>
+          <a:bodyPr/>
+          <a:lstStyle/>
+          <a:p>
+            <a:fld id="{B6F15528-21DE-4FAA-801E-634DDDAF4B2B}" type="slidenum">
+              <a:rPr lang="en-US" smtClean="0"/>
+              <a:pPr/>
+              <a:t>7</a:t>
+            </a:fld>
+            <a:endParaRPr lang="en-US"/>
+          </a:p>
+        </p:txBody>
+      </p:sp>
     </p:spTree>
     <p:extLst>
       <p:ext uri="{BB962C8B-B14F-4D97-AF65-F5344CB8AC3E}">
@@ -12075,7 +15984,7 @@
 </p:sld>
 </file>
 
-<file path=ppt/slides/slide7.xml><?xml version="1.0" encoding="utf-8"?>
+<file path=ppt/slides/slide8.xml><?xml version="1.0" encoding="utf-8"?>
 <p:sld xmlns:a="http://schemas.openxmlformats.org/drawingml/2006/main" xmlns:r="http://schemas.openxmlformats.org/officeDocument/2006/relationships" xmlns:p="http://schemas.openxmlformats.org/presentationml/2006/main">
   <p:cSld>
     <p:spTree>
@@ -12134,6 +16043,30 @@
           </a:p>
         </p:txBody>
       </p:sp>
+      <p:sp>
+        <p:nvSpPr>
+          <p:cNvPr id="4" name="Slide Number Placeholder 3"/>
+          <p:cNvSpPr>
+            <a:spLocks noGrp="1"/>
+          </p:cNvSpPr>
+          <p:nvPr>
+            <p:ph type="sldNum" sz="quarter" idx="12"/>
+          </p:nvPr>
+        </p:nvSpPr>
+        <p:spPr/>
+        <p:txBody>
+          <a:bodyPr/>
+          <a:lstStyle/>
+          <a:p>
+            <a:fld id="{B6F15528-21DE-4FAA-801E-634DDDAF4B2B}" type="slidenum">
+              <a:rPr lang="en-US" smtClean="0"/>
+              <a:pPr/>
+              <a:t>8</a:t>
+            </a:fld>
+            <a:endParaRPr lang="en-US"/>
+          </a:p>
+        </p:txBody>
+      </p:sp>
     </p:spTree>
     <p:extLst>
       <p:ext uri="{BB962C8B-B14F-4D97-AF65-F5344CB8AC3E}">
@@ -12154,7 +16087,7 @@
 </p:sld>
 </file>
 
-<file path=ppt/slides/slide8.xml><?xml version="1.0" encoding="utf-8"?>
+<file path=ppt/slides/slide9.xml><?xml version="1.0" encoding="utf-8"?>
 <p:sld xmlns:a="http://schemas.openxmlformats.org/drawingml/2006/main" xmlns:r="http://schemas.openxmlformats.org/officeDocument/2006/relationships" xmlns:p="http://schemas.openxmlformats.org/presentationml/2006/main">
   <p:cSld>
     <p:spTree>
@@ -13024,6 +16957,30 @@
           </p:txBody>
         </p:sp>
       </p:grpSp>
+      <p:sp>
+        <p:nvSpPr>
+          <p:cNvPr id="7" name="Slide Number Placeholder 6"/>
+          <p:cNvSpPr>
+            <a:spLocks noGrp="1"/>
+          </p:cNvSpPr>
+          <p:nvPr>
+            <p:ph type="sldNum" sz="quarter" idx="12"/>
+          </p:nvPr>
+        </p:nvSpPr>
+        <p:spPr/>
+        <p:txBody>
+          <a:bodyPr/>
+          <a:lstStyle/>
+          <a:p>
+            <a:fld id="{B6F15528-21DE-4FAA-801E-634DDDAF4B2B}" type="slidenum">
+              <a:rPr lang="en-US" smtClean="0"/>
+              <a:pPr/>
+              <a:t>9</a:t>
+            </a:fld>
+            <a:endParaRPr lang="en-US"/>
+          </a:p>
+        </p:txBody>
+      </p:sp>
     </p:spTree>
     <p:extLst>
       <p:ext uri="{BB962C8B-B14F-4D97-AF65-F5344CB8AC3E}">
@@ -13101,611 +17058,6 @@
             </p:seq>
           </p:childTnLst>
         </p:cTn>
-      </p:par>
-    </p:tnLst>
-  </p:timing>
-</p:sld>
-</file>
-
-<file path=ppt/slides/slide9.xml><?xml version="1.0" encoding="utf-8"?>
-<p:sld xmlns:a="http://schemas.openxmlformats.org/drawingml/2006/main" xmlns:r="http://schemas.openxmlformats.org/officeDocument/2006/relationships" xmlns:p="http://schemas.openxmlformats.org/presentationml/2006/main">
-  <p:cSld>
-    <p:spTree>
-      <p:nvGrpSpPr>
-        <p:cNvPr id="1" name=""/>
-        <p:cNvGrpSpPr/>
-        <p:nvPr/>
-      </p:nvGrpSpPr>
-      <p:grpSpPr>
-        <a:xfrm>
-          <a:off x="0" y="0"/>
-          <a:ext cx="0" cy="0"/>
-          <a:chOff x="0" y="0"/>
-          <a:chExt cx="0" cy="0"/>
-        </a:xfrm>
-      </p:grpSpPr>
-      <p:sp>
-        <p:nvSpPr>
-          <p:cNvPr id="2" name="Title 1"/>
-          <p:cNvSpPr>
-            <a:spLocks noGrp="1"/>
-          </p:cNvSpPr>
-          <p:nvPr>
-            <p:ph type="title"/>
-          </p:nvPr>
-        </p:nvSpPr>
-        <p:spPr/>
-        <p:txBody>
-          <a:bodyPr/>
-          <a:lstStyle/>
-          <a:p>
-            <a:r>
-              <a:rPr lang="en-US" dirty="0" smtClean="0"/>
-              <a:t>Count a chunk</a:t>
-            </a:r>
-            <a:endParaRPr lang="nl-BE" dirty="0"/>
-          </a:p>
-        </p:txBody>
-      </p:sp>
-      <p:sp>
-        <p:nvSpPr>
-          <p:cNvPr id="3" name="Content Placeholder 2"/>
-          <p:cNvSpPr>
-            <a:spLocks noGrp="1"/>
-          </p:cNvSpPr>
-          <p:nvPr>
-            <p:ph idx="1"/>
-          </p:nvPr>
-        </p:nvSpPr>
-        <p:spPr/>
-        <p:txBody>
-          <a:bodyPr/>
-          <a:lstStyle/>
-          <a:p>
-            <a:r>
-              <a:rPr lang="en-US" dirty="0" smtClean="0"/>
-              <a:t>Given: file name, start position, chunk size</a:t>
-            </a:r>
-          </a:p>
-          <a:p>
-            <a:r>
-              <a:rPr lang="en-US" dirty="0" smtClean="0"/>
-              <a:t>Return: </a:t>
-            </a:r>
-            <a:r>
-              <a:rPr lang="en-US" dirty="0" err="1" smtClean="0">
-                <a:latin typeface="Courier New" panose="02070309020205020404" pitchFamily="49" charset="0"/>
-                <a:cs typeface="Courier New" panose="02070309020205020404" pitchFamily="49" charset="0"/>
-              </a:rPr>
-              <a:t>dict</a:t>
-            </a:r>
-            <a:r>
-              <a:rPr lang="en-US" dirty="0" smtClean="0"/>
-              <a:t> of counts</a:t>
-            </a:r>
-            <a:endParaRPr lang="nl-BE" dirty="0"/>
-          </a:p>
-        </p:txBody>
-      </p:sp>
-      <p:sp>
-        <p:nvSpPr>
-          <p:cNvPr id="4" name="TextBox 3"/>
-          <p:cNvSpPr txBox="1"/>
-          <p:nvPr/>
-        </p:nvSpPr>
-        <p:spPr>
-          <a:xfrm>
-            <a:off x="1143000" y="3005078"/>
-            <a:ext cx="6526146" cy="2862322"/>
-          </a:xfrm>
-          <a:prstGeom prst="rect">
-            <a:avLst/>
-          </a:prstGeom>
-          <a:solidFill>
-            <a:schemeClr val="bg1">
-              <a:lumMod val="85000"/>
-            </a:schemeClr>
-          </a:solidFill>
-        </p:spPr>
-        <p:txBody>
-          <a:bodyPr wrap="none" rtlCol="0">
-            <a:spAutoFit/>
-          </a:bodyPr>
-          <a:lstStyle/>
-          <a:p>
-            <a:r>
-              <a:rPr lang="nl-BE" dirty="0" err="1" smtClean="0">
-                <a:latin typeface="Courier New" panose="02070309020205020404" pitchFamily="49" charset="0"/>
-                <a:cs typeface="Courier New" panose="02070309020205020404" pitchFamily="49" charset="0"/>
-              </a:rPr>
-              <a:t>def</a:t>
-            </a:r>
-            <a:r>
-              <a:rPr lang="nl-BE" dirty="0" smtClean="0">
-                <a:latin typeface="Courier New" panose="02070309020205020404" pitchFamily="49" charset="0"/>
-                <a:cs typeface="Courier New" panose="02070309020205020404" pitchFamily="49" charset="0"/>
-              </a:rPr>
-              <a:t> </a:t>
-            </a:r>
-            <a:r>
-              <a:rPr lang="nl-BE" dirty="0" err="1">
-                <a:latin typeface="Courier New" panose="02070309020205020404" pitchFamily="49" charset="0"/>
-                <a:cs typeface="Courier New" panose="02070309020205020404" pitchFamily="49" charset="0"/>
-              </a:rPr>
-              <a:t>count_chunk</a:t>
-            </a:r>
-            <a:r>
-              <a:rPr lang="nl-BE" dirty="0">
-                <a:latin typeface="Courier New" panose="02070309020205020404" pitchFamily="49" charset="0"/>
-                <a:cs typeface="Courier New" panose="02070309020205020404" pitchFamily="49" charset="0"/>
-              </a:rPr>
-              <a:t>(</a:t>
-            </a:r>
-            <a:r>
-              <a:rPr lang="nl-BE" dirty="0" err="1">
-                <a:latin typeface="Courier New" panose="02070309020205020404" pitchFamily="49" charset="0"/>
-                <a:cs typeface="Courier New" panose="02070309020205020404" pitchFamily="49" charset="0"/>
-              </a:rPr>
-              <a:t>args</a:t>
-            </a:r>
-            <a:r>
-              <a:rPr lang="nl-BE" dirty="0">
-                <a:latin typeface="Courier New" panose="02070309020205020404" pitchFamily="49" charset="0"/>
-                <a:cs typeface="Courier New" panose="02070309020205020404" pitchFamily="49" charset="0"/>
-              </a:rPr>
-              <a:t>):</a:t>
-            </a:r>
-          </a:p>
-          <a:p>
-            <a:r>
-              <a:rPr lang="nl-BE" dirty="0">
-                <a:latin typeface="Courier New" panose="02070309020205020404" pitchFamily="49" charset="0"/>
-                <a:cs typeface="Courier New" panose="02070309020205020404" pitchFamily="49" charset="0"/>
-              </a:rPr>
-              <a:t>    </a:t>
-            </a:r>
-            <a:r>
-              <a:rPr lang="nl-BE" dirty="0" err="1">
-                <a:latin typeface="Courier New" panose="02070309020205020404" pitchFamily="49" charset="0"/>
-                <a:cs typeface="Courier New" panose="02070309020205020404" pitchFamily="49" charset="0"/>
-              </a:rPr>
-              <a:t>file_name</a:t>
-            </a:r>
-            <a:r>
-              <a:rPr lang="nl-BE" dirty="0">
-                <a:latin typeface="Courier New" panose="02070309020205020404" pitchFamily="49" charset="0"/>
-                <a:cs typeface="Courier New" panose="02070309020205020404" pitchFamily="49" charset="0"/>
-              </a:rPr>
-              <a:t>, </a:t>
-            </a:r>
-            <a:r>
-              <a:rPr lang="nl-BE" dirty="0" err="1">
-                <a:latin typeface="Courier New" panose="02070309020205020404" pitchFamily="49" charset="0"/>
-                <a:cs typeface="Courier New" panose="02070309020205020404" pitchFamily="49" charset="0"/>
-              </a:rPr>
-              <a:t>file_pos</a:t>
-            </a:r>
-            <a:r>
-              <a:rPr lang="nl-BE" dirty="0">
-                <a:latin typeface="Courier New" panose="02070309020205020404" pitchFamily="49" charset="0"/>
-                <a:cs typeface="Courier New" panose="02070309020205020404" pitchFamily="49" charset="0"/>
-              </a:rPr>
-              <a:t>, </a:t>
-            </a:r>
-            <a:r>
-              <a:rPr lang="nl-BE" dirty="0" err="1">
-                <a:latin typeface="Courier New" panose="02070309020205020404" pitchFamily="49" charset="0"/>
-                <a:cs typeface="Courier New" panose="02070309020205020404" pitchFamily="49" charset="0"/>
-              </a:rPr>
-              <a:t>chunk_size</a:t>
-            </a:r>
-            <a:r>
-              <a:rPr lang="nl-BE" dirty="0">
-                <a:latin typeface="Courier New" panose="02070309020205020404" pitchFamily="49" charset="0"/>
-                <a:cs typeface="Courier New" panose="02070309020205020404" pitchFamily="49" charset="0"/>
-              </a:rPr>
-              <a:t> = </a:t>
-            </a:r>
-            <a:r>
-              <a:rPr lang="nl-BE" dirty="0" err="1">
-                <a:latin typeface="Courier New" panose="02070309020205020404" pitchFamily="49" charset="0"/>
-                <a:cs typeface="Courier New" panose="02070309020205020404" pitchFamily="49" charset="0"/>
-              </a:rPr>
-              <a:t>args</a:t>
-            </a:r>
-            <a:endParaRPr lang="nl-BE" dirty="0">
-              <a:latin typeface="Courier New" panose="02070309020205020404" pitchFamily="49" charset="0"/>
-              <a:cs typeface="Courier New" panose="02070309020205020404" pitchFamily="49" charset="0"/>
-            </a:endParaRPr>
-          </a:p>
-          <a:p>
-            <a:r>
-              <a:rPr lang="nl-BE" dirty="0">
-                <a:latin typeface="Courier New" panose="02070309020205020404" pitchFamily="49" charset="0"/>
-                <a:cs typeface="Courier New" panose="02070309020205020404" pitchFamily="49" charset="0"/>
-              </a:rPr>
-              <a:t>    counter = {'A': 0, 'C': 0, 'G': 0, </a:t>
-            </a:r>
-            <a:r>
-              <a:rPr lang="nl-BE" dirty="0" err="1">
-                <a:latin typeface="Courier New" panose="02070309020205020404" pitchFamily="49" charset="0"/>
-                <a:cs typeface="Courier New" panose="02070309020205020404" pitchFamily="49" charset="0"/>
-              </a:rPr>
-              <a:t>'T</a:t>
-            </a:r>
-            <a:r>
-              <a:rPr lang="nl-BE" dirty="0">
-                <a:latin typeface="Courier New" panose="02070309020205020404" pitchFamily="49" charset="0"/>
-                <a:cs typeface="Courier New" panose="02070309020205020404" pitchFamily="49" charset="0"/>
-              </a:rPr>
-              <a:t>': 0}</a:t>
-            </a:r>
-          </a:p>
-          <a:p>
-            <a:r>
-              <a:rPr lang="nl-BE" dirty="0">
-                <a:latin typeface="Courier New" panose="02070309020205020404" pitchFamily="49" charset="0"/>
-                <a:cs typeface="Courier New" panose="02070309020205020404" pitchFamily="49" charset="0"/>
-              </a:rPr>
-              <a:t>    </a:t>
-            </a:r>
-            <a:r>
-              <a:rPr lang="nl-BE" dirty="0" err="1">
-                <a:latin typeface="Courier New" panose="02070309020205020404" pitchFamily="49" charset="0"/>
-                <a:cs typeface="Courier New" panose="02070309020205020404" pitchFamily="49" charset="0"/>
-              </a:rPr>
-              <a:t>with</a:t>
-            </a:r>
-            <a:r>
-              <a:rPr lang="nl-BE" dirty="0">
-                <a:latin typeface="Courier New" panose="02070309020205020404" pitchFamily="49" charset="0"/>
-                <a:cs typeface="Courier New" panose="02070309020205020404" pitchFamily="49" charset="0"/>
-              </a:rPr>
-              <a:t> open(</a:t>
-            </a:r>
-            <a:r>
-              <a:rPr lang="nl-BE" dirty="0" err="1">
-                <a:latin typeface="Courier New" panose="02070309020205020404" pitchFamily="49" charset="0"/>
-                <a:cs typeface="Courier New" panose="02070309020205020404" pitchFamily="49" charset="0"/>
-              </a:rPr>
-              <a:t>file_name</a:t>
-            </a:r>
-            <a:r>
-              <a:rPr lang="nl-BE" dirty="0">
-                <a:latin typeface="Courier New" panose="02070309020205020404" pitchFamily="49" charset="0"/>
-                <a:cs typeface="Courier New" panose="02070309020205020404" pitchFamily="49" charset="0"/>
-              </a:rPr>
-              <a:t>, 'r') as file:</a:t>
-            </a:r>
-          </a:p>
-          <a:p>
-            <a:r>
-              <a:rPr lang="nl-BE" dirty="0">
-                <a:latin typeface="Courier New" panose="02070309020205020404" pitchFamily="49" charset="0"/>
-                <a:cs typeface="Courier New" panose="02070309020205020404" pitchFamily="49" charset="0"/>
-              </a:rPr>
-              <a:t>        </a:t>
-            </a:r>
-            <a:r>
-              <a:rPr lang="nl-BE" dirty="0" err="1">
-                <a:latin typeface="Courier New" panose="02070309020205020404" pitchFamily="49" charset="0"/>
-                <a:cs typeface="Courier New" panose="02070309020205020404" pitchFamily="49" charset="0"/>
-              </a:rPr>
-              <a:t>file.seek</a:t>
-            </a:r>
-            <a:r>
-              <a:rPr lang="nl-BE" dirty="0">
-                <a:latin typeface="Courier New" panose="02070309020205020404" pitchFamily="49" charset="0"/>
-                <a:cs typeface="Courier New" panose="02070309020205020404" pitchFamily="49" charset="0"/>
-              </a:rPr>
-              <a:t>(</a:t>
-            </a:r>
-            <a:r>
-              <a:rPr lang="nl-BE" dirty="0" err="1">
-                <a:latin typeface="Courier New" panose="02070309020205020404" pitchFamily="49" charset="0"/>
-                <a:cs typeface="Courier New" panose="02070309020205020404" pitchFamily="49" charset="0"/>
-              </a:rPr>
-              <a:t>file_pos</a:t>
-            </a:r>
-            <a:r>
-              <a:rPr lang="nl-BE" dirty="0">
-                <a:latin typeface="Courier New" panose="02070309020205020404" pitchFamily="49" charset="0"/>
-                <a:cs typeface="Courier New" panose="02070309020205020404" pitchFamily="49" charset="0"/>
-              </a:rPr>
-              <a:t>)</a:t>
-            </a:r>
-          </a:p>
-          <a:p>
-            <a:r>
-              <a:rPr lang="nl-BE" dirty="0">
-                <a:latin typeface="Courier New" panose="02070309020205020404" pitchFamily="49" charset="0"/>
-                <a:cs typeface="Courier New" panose="02070309020205020404" pitchFamily="49" charset="0"/>
-              </a:rPr>
-              <a:t>        </a:t>
-            </a:r>
-            <a:r>
-              <a:rPr lang="nl-BE" dirty="0" err="1">
-                <a:latin typeface="Courier New" panose="02070309020205020404" pitchFamily="49" charset="0"/>
-                <a:cs typeface="Courier New" panose="02070309020205020404" pitchFamily="49" charset="0"/>
-              </a:rPr>
-              <a:t>dna</a:t>
-            </a:r>
-            <a:r>
-              <a:rPr lang="nl-BE" dirty="0">
-                <a:latin typeface="Courier New" panose="02070309020205020404" pitchFamily="49" charset="0"/>
-                <a:cs typeface="Courier New" panose="02070309020205020404" pitchFamily="49" charset="0"/>
-              </a:rPr>
-              <a:t> = </a:t>
-            </a:r>
-            <a:r>
-              <a:rPr lang="nl-BE" dirty="0" err="1">
-                <a:latin typeface="Courier New" panose="02070309020205020404" pitchFamily="49" charset="0"/>
-                <a:cs typeface="Courier New" panose="02070309020205020404" pitchFamily="49" charset="0"/>
-              </a:rPr>
-              <a:t>file.read</a:t>
-            </a:r>
-            <a:r>
-              <a:rPr lang="nl-BE" dirty="0">
-                <a:latin typeface="Courier New" panose="02070309020205020404" pitchFamily="49" charset="0"/>
-                <a:cs typeface="Courier New" panose="02070309020205020404" pitchFamily="49" charset="0"/>
-              </a:rPr>
-              <a:t>(</a:t>
-            </a:r>
-            <a:r>
-              <a:rPr lang="nl-BE" dirty="0" err="1">
-                <a:latin typeface="Courier New" panose="02070309020205020404" pitchFamily="49" charset="0"/>
-                <a:cs typeface="Courier New" panose="02070309020205020404" pitchFamily="49" charset="0"/>
-              </a:rPr>
-              <a:t>chunk_size</a:t>
-            </a:r>
-            <a:r>
-              <a:rPr lang="nl-BE" dirty="0">
-                <a:latin typeface="Courier New" panose="02070309020205020404" pitchFamily="49" charset="0"/>
-                <a:cs typeface="Courier New" panose="02070309020205020404" pitchFamily="49" charset="0"/>
-              </a:rPr>
-              <a:t>)</a:t>
-            </a:r>
-          </a:p>
-          <a:p>
-            <a:r>
-              <a:rPr lang="nl-BE" dirty="0">
-                <a:latin typeface="Courier New" panose="02070309020205020404" pitchFamily="49" charset="0"/>
-                <a:cs typeface="Courier New" panose="02070309020205020404" pitchFamily="49" charset="0"/>
-              </a:rPr>
-              <a:t>        </a:t>
-            </a:r>
-            <a:r>
-              <a:rPr lang="nl-BE" dirty="0" err="1">
-                <a:latin typeface="Courier New" panose="02070309020205020404" pitchFamily="49" charset="0"/>
-                <a:cs typeface="Courier New" panose="02070309020205020404" pitchFamily="49" charset="0"/>
-              </a:rPr>
-              <a:t>for</a:t>
-            </a:r>
-            <a:r>
-              <a:rPr lang="nl-BE" dirty="0">
-                <a:latin typeface="Courier New" panose="02070309020205020404" pitchFamily="49" charset="0"/>
-                <a:cs typeface="Courier New" panose="02070309020205020404" pitchFamily="49" charset="0"/>
-              </a:rPr>
-              <a:t> </a:t>
-            </a:r>
-            <a:r>
-              <a:rPr lang="nl-BE" dirty="0" err="1">
-                <a:latin typeface="Courier New" panose="02070309020205020404" pitchFamily="49" charset="0"/>
-                <a:cs typeface="Courier New" panose="02070309020205020404" pitchFamily="49" charset="0"/>
-              </a:rPr>
-              <a:t>char</a:t>
-            </a:r>
-            <a:r>
-              <a:rPr lang="nl-BE" dirty="0">
-                <a:latin typeface="Courier New" panose="02070309020205020404" pitchFamily="49" charset="0"/>
-                <a:cs typeface="Courier New" panose="02070309020205020404" pitchFamily="49" charset="0"/>
-              </a:rPr>
-              <a:t> in </a:t>
-            </a:r>
-            <a:r>
-              <a:rPr lang="nl-BE" dirty="0" err="1">
-                <a:latin typeface="Courier New" panose="02070309020205020404" pitchFamily="49" charset="0"/>
-                <a:cs typeface="Courier New" panose="02070309020205020404" pitchFamily="49" charset="0"/>
-              </a:rPr>
-              <a:t>dna</a:t>
-            </a:r>
-            <a:r>
-              <a:rPr lang="nl-BE" dirty="0">
-                <a:latin typeface="Courier New" panose="02070309020205020404" pitchFamily="49" charset="0"/>
-                <a:cs typeface="Courier New" panose="02070309020205020404" pitchFamily="49" charset="0"/>
-              </a:rPr>
-              <a:t>:</a:t>
-            </a:r>
-          </a:p>
-          <a:p>
-            <a:r>
-              <a:rPr lang="nl-BE" dirty="0">
-                <a:latin typeface="Courier New" panose="02070309020205020404" pitchFamily="49" charset="0"/>
-                <a:cs typeface="Courier New" panose="02070309020205020404" pitchFamily="49" charset="0"/>
-              </a:rPr>
-              <a:t>            </a:t>
-            </a:r>
-            <a:r>
-              <a:rPr lang="nl-BE" dirty="0" err="1">
-                <a:latin typeface="Courier New" panose="02070309020205020404" pitchFamily="49" charset="0"/>
-                <a:cs typeface="Courier New" panose="02070309020205020404" pitchFamily="49" charset="0"/>
-              </a:rPr>
-              <a:t>if</a:t>
-            </a:r>
-            <a:r>
-              <a:rPr lang="nl-BE" dirty="0">
-                <a:latin typeface="Courier New" panose="02070309020205020404" pitchFamily="49" charset="0"/>
-                <a:cs typeface="Courier New" panose="02070309020205020404" pitchFamily="49" charset="0"/>
-              </a:rPr>
-              <a:t> </a:t>
-            </a:r>
-            <a:r>
-              <a:rPr lang="nl-BE" dirty="0" err="1">
-                <a:latin typeface="Courier New" panose="02070309020205020404" pitchFamily="49" charset="0"/>
-                <a:cs typeface="Courier New" panose="02070309020205020404" pitchFamily="49" charset="0"/>
-              </a:rPr>
-              <a:t>char</a:t>
-            </a:r>
-            <a:r>
-              <a:rPr lang="nl-BE" dirty="0">
-                <a:latin typeface="Courier New" panose="02070309020205020404" pitchFamily="49" charset="0"/>
-                <a:cs typeface="Courier New" panose="02070309020205020404" pitchFamily="49" charset="0"/>
-              </a:rPr>
-              <a:t> in counter:</a:t>
-            </a:r>
-          </a:p>
-          <a:p>
-            <a:r>
-              <a:rPr lang="nl-BE" dirty="0">
-                <a:latin typeface="Courier New" panose="02070309020205020404" pitchFamily="49" charset="0"/>
-                <a:cs typeface="Courier New" panose="02070309020205020404" pitchFamily="49" charset="0"/>
-              </a:rPr>
-              <a:t>                counter[</a:t>
-            </a:r>
-            <a:r>
-              <a:rPr lang="nl-BE" dirty="0" err="1">
-                <a:latin typeface="Courier New" panose="02070309020205020404" pitchFamily="49" charset="0"/>
-                <a:cs typeface="Courier New" panose="02070309020205020404" pitchFamily="49" charset="0"/>
-              </a:rPr>
-              <a:t>char</a:t>
-            </a:r>
-            <a:r>
-              <a:rPr lang="nl-BE" dirty="0">
-                <a:latin typeface="Courier New" panose="02070309020205020404" pitchFamily="49" charset="0"/>
-                <a:cs typeface="Courier New" panose="02070309020205020404" pitchFamily="49" charset="0"/>
-              </a:rPr>
-              <a:t>] += 1</a:t>
-            </a:r>
-          </a:p>
-          <a:p>
-            <a:r>
-              <a:rPr lang="nl-BE" dirty="0">
-                <a:latin typeface="Courier New" panose="02070309020205020404" pitchFamily="49" charset="0"/>
-                <a:cs typeface="Courier New" panose="02070309020205020404" pitchFamily="49" charset="0"/>
-              </a:rPr>
-              <a:t>    return </a:t>
-            </a:r>
-            <a:r>
-              <a:rPr lang="nl-BE" dirty="0" smtClean="0">
-                <a:latin typeface="Courier New" panose="02070309020205020404" pitchFamily="49" charset="0"/>
-                <a:cs typeface="Courier New" panose="02070309020205020404" pitchFamily="49" charset="0"/>
-              </a:rPr>
-              <a:t>counter</a:t>
-            </a:r>
-            <a:endParaRPr lang="nl-BE" dirty="0">
-              <a:latin typeface="Courier New" panose="02070309020205020404" pitchFamily="49" charset="0"/>
-              <a:cs typeface="Courier New" panose="02070309020205020404" pitchFamily="49" charset="0"/>
-            </a:endParaRPr>
-          </a:p>
-        </p:txBody>
-      </p:sp>
-      <p:grpSp>
-        <p:nvGrpSpPr>
-          <p:cNvPr id="8" name="Group 7"/>
-          <p:cNvGrpSpPr/>
-          <p:nvPr/>
-        </p:nvGrpSpPr>
-        <p:grpSpPr>
-          <a:xfrm>
-            <a:off x="4038600" y="2362200"/>
-            <a:ext cx="3198600" cy="642878"/>
-            <a:chOff x="4038600" y="2362200"/>
-            <a:chExt cx="3198600" cy="642878"/>
-          </a:xfrm>
-        </p:grpSpPr>
-        <p:sp>
-          <p:nvSpPr>
-            <p:cNvPr id="5" name="TextBox 4"/>
-            <p:cNvSpPr txBox="1"/>
-            <p:nvPr/>
-          </p:nvSpPr>
-          <p:spPr>
-            <a:xfrm>
-              <a:off x="5486400" y="2362200"/>
-              <a:ext cx="1750800" cy="369332"/>
-            </a:xfrm>
-            <a:prstGeom prst="rect">
-              <a:avLst/>
-            </a:prstGeom>
-            <a:noFill/>
-            <a:ln>
-              <a:solidFill>
-                <a:schemeClr val="tx1"/>
-              </a:solidFill>
-            </a:ln>
-          </p:spPr>
-          <p:txBody>
-            <a:bodyPr wrap="none" rtlCol="0">
-              <a:spAutoFit/>
-            </a:bodyPr>
-            <a:lstStyle/>
-            <a:p>
-              <a:r>
-                <a:rPr lang="en-US" dirty="0" smtClean="0">
-                  <a:latin typeface="Courier New" panose="02070309020205020404" pitchFamily="49" charset="0"/>
-                  <a:cs typeface="Courier New" panose="02070309020205020404" pitchFamily="49" charset="0"/>
-                </a:rPr>
-                <a:t>tuple</a:t>
-              </a:r>
-              <a:r>
-                <a:rPr lang="en-US" dirty="0" smtClean="0"/>
-                <a:t> as input!</a:t>
-              </a:r>
-              <a:endParaRPr lang="nl-BE" dirty="0"/>
-            </a:p>
-          </p:txBody>
-        </p:sp>
-        <p:cxnSp>
-          <p:nvCxnSpPr>
-            <p:cNvPr id="7" name="Straight Arrow Connector 6"/>
-            <p:cNvCxnSpPr/>
-            <p:nvPr/>
-          </p:nvCxnSpPr>
-          <p:spPr>
-            <a:xfrm flipH="1">
-              <a:off x="4038600" y="2590800"/>
-              <a:ext cx="1447800" cy="414278"/>
-            </a:xfrm>
-            <a:prstGeom prst="straightConnector1">
-              <a:avLst/>
-            </a:prstGeom>
-            <a:ln w="12700">
-              <a:solidFill>
-                <a:schemeClr val="tx1"/>
-              </a:solidFill>
-              <a:tailEnd type="stealth" w="lg" len="lg"/>
-            </a:ln>
-          </p:spPr>
-          <p:style>
-            <a:lnRef idx="1">
-              <a:schemeClr val="accent1"/>
-            </a:lnRef>
-            <a:fillRef idx="0">
-              <a:schemeClr val="accent1"/>
-            </a:fillRef>
-            <a:effectRef idx="0">
-              <a:schemeClr val="accent1"/>
-            </a:effectRef>
-            <a:fontRef idx="minor">
-              <a:schemeClr val="tx1"/>
-            </a:fontRef>
-          </p:style>
-        </p:cxnSp>
-      </p:grpSp>
-    </p:spTree>
-    <p:extLst>
-      <p:ext uri="{BB962C8B-B14F-4D97-AF65-F5344CB8AC3E}">
-        <p14:creationId xmlns:p14="http://schemas.microsoft.com/office/powerpoint/2010/main" val="2452726112"/>
-      </p:ext>
-    </p:extLst>
-  </p:cSld>
-  <p:clrMapOvr>
-    <a:masterClrMapping/>
-  </p:clrMapOvr>
-  <p:timing>
-    <p:tnLst>
-      <p:par>
-        <p:cTn id="1" dur="indefinite" restart="never" nodeType="tmRoot"/>
       </p:par>
     </p:tnLst>
   </p:timing>
@@ -13993,4 +17345,289 @@
   <a:objectDefaults/>
   <a:extraClrSchemeLst/>
 </a:theme>
+</file>
+
+<file path=ppt/theme/theme2.xml><?xml version="1.0" encoding="utf-8"?>
+<a:theme xmlns:a="http://schemas.openxmlformats.org/drawingml/2006/main" name="Office Theme">
+  <a:themeElements>
+    <a:clrScheme name="Office">
+      <a:dk1>
+        <a:sysClr val="windowText" lastClr="000000"/>
+      </a:dk1>
+      <a:lt1>
+        <a:sysClr val="window" lastClr="FFFFFF"/>
+      </a:lt1>
+      <a:dk2>
+        <a:srgbClr val="1F497D"/>
+      </a:dk2>
+      <a:lt2>
+        <a:srgbClr val="EEECE1"/>
+      </a:lt2>
+      <a:accent1>
+        <a:srgbClr val="4F81BD"/>
+      </a:accent1>
+      <a:accent2>
+        <a:srgbClr val="C0504D"/>
+      </a:accent2>
+      <a:accent3>
+        <a:srgbClr val="9BBB59"/>
+      </a:accent3>
+      <a:accent4>
+        <a:srgbClr val="8064A2"/>
+      </a:accent4>
+      <a:accent5>
+        <a:srgbClr val="4BACC6"/>
+      </a:accent5>
+      <a:accent6>
+        <a:srgbClr val="F79646"/>
+      </a:accent6>
+      <a:hlink>
+        <a:srgbClr val="0000FF"/>
+      </a:hlink>
+      <a:folHlink>
+        <a:srgbClr val="800080"/>
+      </a:folHlink>
+    </a:clrScheme>
+    <a:fontScheme name="Office">
+      <a:majorFont>
+        <a:latin typeface="Calibri"/>
+        <a:ea typeface=""/>
+        <a:cs typeface=""/>
+        <a:font script="Jpan" typeface="ＭＳ Ｐゴシック"/>
+        <a:font script="Hang" typeface="맑은 고딕"/>
+        <a:font script="Hans" typeface="宋体"/>
+        <a:font script="Hant" typeface="新細明體"/>
+        <a:font script="Arab" typeface="Times New Roman"/>
+        <a:font script="Hebr" typeface="Times New Roman"/>
+        <a:font script="Thai" typeface="Angsana New"/>
+        <a:font script="Ethi" typeface="Nyala"/>
+        <a:font script="Beng" typeface="Vrinda"/>
+        <a:font script="Gujr" typeface="Shruti"/>
+        <a:font script="Khmr" typeface="MoolBoran"/>
+        <a:font script="Knda" typeface="Tunga"/>
+        <a:font script="Guru" typeface="Raavi"/>
+        <a:font script="Cans" typeface="Euphemia"/>
+        <a:font script="Cher" typeface="Plantagenet Cherokee"/>
+        <a:font script="Yiii" typeface="Microsoft Yi Baiti"/>
+        <a:font script="Tibt" typeface="Microsoft Himalaya"/>
+        <a:font script="Thaa" typeface="MV Boli"/>
+        <a:font script="Deva" typeface="Mangal"/>
+        <a:font script="Telu" typeface="Gautami"/>
+        <a:font script="Taml" typeface="Latha"/>
+        <a:font script="Syrc" typeface="Estrangelo Edessa"/>
+        <a:font script="Orya" typeface="Kalinga"/>
+        <a:font script="Mlym" typeface="Kartika"/>
+        <a:font script="Laoo" typeface="DokChampa"/>
+        <a:font script="Sinh" typeface="Iskoola Pota"/>
+        <a:font script="Mong" typeface="Mongolian Baiti"/>
+        <a:font script="Viet" typeface="Times New Roman"/>
+        <a:font script="Uigh" typeface="Microsoft Uighur"/>
+        <a:font script="Geor" typeface="Sylfaen"/>
+      </a:majorFont>
+      <a:minorFont>
+        <a:latin typeface="Calibri"/>
+        <a:ea typeface=""/>
+        <a:cs typeface=""/>
+        <a:font script="Jpan" typeface="ＭＳ Ｐゴシック"/>
+        <a:font script="Hang" typeface="맑은 고딕"/>
+        <a:font script="Hans" typeface="宋体"/>
+        <a:font script="Hant" typeface="新細明體"/>
+        <a:font script="Arab" typeface="Arial"/>
+        <a:font script="Hebr" typeface="Arial"/>
+        <a:font script="Thai" typeface="Cordia New"/>
+        <a:font script="Ethi" typeface="Nyala"/>
+        <a:font script="Beng" typeface="Vrinda"/>
+        <a:font script="Gujr" typeface="Shruti"/>
+        <a:font script="Khmr" typeface="DaunPenh"/>
+        <a:font script="Knda" typeface="Tunga"/>
+        <a:font script="Guru" typeface="Raavi"/>
+        <a:font script="Cans" typeface="Euphemia"/>
+        <a:font script="Cher" typeface="Plantagenet Cherokee"/>
+        <a:font script="Yiii" typeface="Microsoft Yi Baiti"/>
+        <a:font script="Tibt" typeface="Microsoft Himalaya"/>
+        <a:font script="Thaa" typeface="MV Boli"/>
+        <a:font script="Deva" typeface="Mangal"/>
+        <a:font script="Telu" typeface="Gautami"/>
+        <a:font script="Taml" typeface="Latha"/>
+        <a:font script="Syrc" typeface="Estrangelo Edessa"/>
+        <a:font script="Orya" typeface="Kalinga"/>
+        <a:font script="Mlym" typeface="Kartika"/>
+        <a:font script="Laoo" typeface="DokChampa"/>
+        <a:font script="Sinh" typeface="Iskoola Pota"/>
+        <a:font script="Mong" typeface="Mongolian Baiti"/>
+        <a:font script="Viet" typeface="Arial"/>
+        <a:font script="Uigh" typeface="Microsoft Uighur"/>
+        <a:font script="Geor" typeface="Sylfaen"/>
+      </a:minorFont>
+    </a:fontScheme>
+    <a:fmtScheme name="Office">
+      <a:fillStyleLst>
+        <a:solidFill>
+          <a:schemeClr val="phClr"/>
+        </a:solidFill>
+        <a:gradFill rotWithShape="1">
+          <a:gsLst>
+            <a:gs pos="0">
+              <a:schemeClr val="phClr">
+                <a:tint val="50000"/>
+                <a:satMod val="300000"/>
+              </a:schemeClr>
+            </a:gs>
+            <a:gs pos="35000">
+              <a:schemeClr val="phClr">
+                <a:tint val="37000"/>
+                <a:satMod val="300000"/>
+              </a:schemeClr>
+            </a:gs>
+            <a:gs pos="100000">
+              <a:schemeClr val="phClr">
+                <a:tint val="15000"/>
+                <a:satMod val="350000"/>
+              </a:schemeClr>
+            </a:gs>
+          </a:gsLst>
+          <a:lin ang="16200000" scaled="1"/>
+        </a:gradFill>
+        <a:gradFill rotWithShape="1">
+          <a:gsLst>
+            <a:gs pos="0">
+              <a:schemeClr val="phClr">
+                <a:shade val="51000"/>
+                <a:satMod val="130000"/>
+              </a:schemeClr>
+            </a:gs>
+            <a:gs pos="80000">
+              <a:schemeClr val="phClr">
+                <a:shade val="93000"/>
+                <a:satMod val="130000"/>
+              </a:schemeClr>
+            </a:gs>
+            <a:gs pos="100000">
+              <a:schemeClr val="phClr">
+                <a:shade val="94000"/>
+                <a:satMod val="135000"/>
+              </a:schemeClr>
+            </a:gs>
+          </a:gsLst>
+          <a:lin ang="16200000" scaled="0"/>
+        </a:gradFill>
+      </a:fillStyleLst>
+      <a:lnStyleLst>
+        <a:ln w="9525" cap="flat" cmpd="sng" algn="ctr">
+          <a:solidFill>
+            <a:schemeClr val="phClr">
+              <a:shade val="95000"/>
+              <a:satMod val="105000"/>
+            </a:schemeClr>
+          </a:solidFill>
+          <a:prstDash val="solid"/>
+        </a:ln>
+        <a:ln w="25400" cap="flat" cmpd="sng" algn="ctr">
+          <a:solidFill>
+            <a:schemeClr val="phClr"/>
+          </a:solidFill>
+          <a:prstDash val="solid"/>
+        </a:ln>
+        <a:ln w="38100" cap="flat" cmpd="sng" algn="ctr">
+          <a:solidFill>
+            <a:schemeClr val="phClr"/>
+          </a:solidFill>
+          <a:prstDash val="solid"/>
+        </a:ln>
+      </a:lnStyleLst>
+      <a:effectStyleLst>
+        <a:effectStyle>
+          <a:effectLst>
+            <a:outerShdw blurRad="40000" dist="20000" dir="5400000" rotWithShape="0">
+              <a:srgbClr val="000000">
+                <a:alpha val="38000"/>
+              </a:srgbClr>
+            </a:outerShdw>
+          </a:effectLst>
+        </a:effectStyle>
+        <a:effectStyle>
+          <a:effectLst>
+            <a:outerShdw blurRad="40000" dist="23000" dir="5400000" rotWithShape="0">
+              <a:srgbClr val="000000">
+                <a:alpha val="35000"/>
+              </a:srgbClr>
+            </a:outerShdw>
+          </a:effectLst>
+        </a:effectStyle>
+        <a:effectStyle>
+          <a:effectLst>
+            <a:outerShdw blurRad="40000" dist="23000" dir="5400000" rotWithShape="0">
+              <a:srgbClr val="000000">
+                <a:alpha val="35000"/>
+              </a:srgbClr>
+            </a:outerShdw>
+          </a:effectLst>
+          <a:scene3d>
+            <a:camera prst="orthographicFront">
+              <a:rot lat="0" lon="0" rev="0"/>
+            </a:camera>
+            <a:lightRig rig="threePt" dir="t">
+              <a:rot lat="0" lon="0" rev="1200000"/>
+            </a:lightRig>
+          </a:scene3d>
+          <a:sp3d>
+            <a:bevelT w="63500" h="25400"/>
+          </a:sp3d>
+        </a:effectStyle>
+      </a:effectStyleLst>
+      <a:bgFillStyleLst>
+        <a:solidFill>
+          <a:schemeClr val="phClr"/>
+        </a:solidFill>
+        <a:gradFill rotWithShape="1">
+          <a:gsLst>
+            <a:gs pos="0">
+              <a:schemeClr val="phClr">
+                <a:tint val="40000"/>
+                <a:satMod val="350000"/>
+              </a:schemeClr>
+            </a:gs>
+            <a:gs pos="40000">
+              <a:schemeClr val="phClr">
+                <a:tint val="45000"/>
+                <a:shade val="99000"/>
+                <a:satMod val="350000"/>
+              </a:schemeClr>
+            </a:gs>
+            <a:gs pos="100000">
+              <a:schemeClr val="phClr">
+                <a:shade val="20000"/>
+                <a:satMod val="255000"/>
+              </a:schemeClr>
+            </a:gs>
+          </a:gsLst>
+          <a:path path="circle">
+            <a:fillToRect l="50000" t="-80000" r="50000" b="180000"/>
+          </a:path>
+        </a:gradFill>
+        <a:gradFill rotWithShape="1">
+          <a:gsLst>
+            <a:gs pos="0">
+              <a:schemeClr val="phClr">
+                <a:tint val="80000"/>
+                <a:satMod val="300000"/>
+              </a:schemeClr>
+            </a:gs>
+            <a:gs pos="100000">
+              <a:schemeClr val="phClr">
+                <a:shade val="30000"/>
+                <a:satMod val="200000"/>
+              </a:schemeClr>
+            </a:gs>
+          </a:gsLst>
+          <a:path path="circle">
+            <a:fillToRect l="50000" t="50000" r="50000" b="50000"/>
+          </a:path>
+        </a:gradFill>
+      </a:bgFillStyleLst>
+    </a:fmtScheme>
+  </a:themeElements>
+  <a:objectDefaults/>
+  <a:extraClrSchemeLst/>
+</a:theme>
 </file>